--- a/doc/Guideline for tas2781 Linux driver based on BBB.pptx
+++ b/doc/Guideline for tas2781 Linux driver based on BBB.pptx
@@ -6,7 +6,7 @@
     <p:sldMasterId id="2147483668" r:id="rId2"/>
   </p:sldMasterIdLst>
   <p:notesMasterIdLst>
-    <p:notesMasterId r:id="rId33"/>
+    <p:notesMasterId r:id="rId34"/>
   </p:notesMasterIdLst>
   <p:sldIdLst>
     <p:sldId id="256" r:id="rId3"/>
@@ -35,10 +35,11 @@
     <p:sldId id="756" r:id="rId26"/>
     <p:sldId id="757" r:id="rId27"/>
     <p:sldId id="375" r:id="rId28"/>
-    <p:sldId id="969" r:id="rId29"/>
-    <p:sldId id="758" r:id="rId30"/>
-    <p:sldId id="958" r:id="rId31"/>
-    <p:sldId id="301" r:id="rId32"/>
+    <p:sldId id="970" r:id="rId29"/>
+    <p:sldId id="969" r:id="rId30"/>
+    <p:sldId id="758" r:id="rId31"/>
+    <p:sldId id="958" r:id="rId32"/>
+    <p:sldId id="301" r:id="rId33"/>
   </p:sldIdLst>
   <p:sldSz cx="12192000" cy="6858000"/>
   <p:notesSz cx="6858000" cy="9144000"/>
@@ -172,6 +173,7 @@
         <p14:section name="Appendix" id="{2075A44B-631F-4482-A05D-A359711CFDEF}">
           <p14:sldIdLst>
             <p14:sldId id="375"/>
+            <p14:sldId id="970"/>
             <p14:sldId id="969"/>
             <p14:sldId id="758"/>
             <p14:sldId id="958"/>
@@ -204,29 +206,6 @@
     </p:extLst>
   </p:cmAuthor>
 </p:cmAuthorLst>
-</file>
-
-<file path=ppt/comments/comment1.xml><?xml version="1.0" encoding="utf-8"?>
-<p:cmLst xmlns:a="http://schemas.openxmlformats.org/drawingml/2006/main" xmlns:r="http://schemas.openxmlformats.org/officeDocument/2006/relationships" xmlns:p="http://schemas.openxmlformats.org/presentationml/2006/main">
-  <p:cm authorId="1" dt="2022-10-08T09:51:31.946" idx="3">
-    <p:pos x="10" y="10"/>
-    <p:text>symlink 作用</p:text>
-    <p:extLst>
-      <p:ext uri="{C676402C-5697-4E1C-873F-D02D1690AC5C}">
-        <p15:threadingInfo xmlns:p15="http://schemas.microsoft.com/office/powerpoint/2012/main" timeZoneBias="-480"/>
-      </p:ext>
-    </p:extLst>
-  </p:cm>
-  <p:cm authorId="2" dt="2022-10-08T14:36:02.361" idx="1">
-    <p:pos x="146" y="146"/>
-    <p:text/>
-    <p:extLst>
-      <p:ext uri="{C676402C-5697-4E1C-873F-D02D1690AC5C}">
-        <p15:threadingInfo xmlns:p15="http://schemas.microsoft.com/office/powerpoint/2012/main" timeZoneBias="-480"/>
-      </p:ext>
-    </p:extLst>
-  </p:cm>
-</p:cmLst>
 </file>
 
 <file path=ppt/notesMasters/notesMaster1.xml><?xml version="1.0" encoding="utf-8"?>
@@ -311,7 +290,7 @@
           <a:p>
             <a:fld id="{1F697FBE-C442-4BD6-B1C1-3CD7A2814162}" type="datetimeFigureOut">
               <a:rPr lang="zh-CN" altLang="en-US" smtClean="0"/>
-              <a:t>2022/10/9</a:t>
+              <a:t>2022/10/10</a:t>
             </a:fld>
             <a:endParaRPr lang="zh-CN" altLang="en-US"/>
           </a:p>
@@ -13820,7 +13799,7 @@
                 <a:buFontTx/>
                 <a:buNone/>
               </a:pPr>
-              <a:t>10/9/2022</a:t>
+              <a:t>10/10/2022</a:t>
             </a:fld>
             <a:endParaRPr lang="en-US" altLang="zh-CN" sz="1000">
               <a:ea typeface="宋体" panose="02010600030101010101" pitchFamily="2" charset="-122"/>
@@ -26425,6 +26404,275 @@
           <p:cNvPr id="2" name="标题 1">
             <a:extLst>
               <a:ext uri="{FF2B5EF4-FFF2-40B4-BE49-F238E27FC236}">
+                <a16:creationId xmlns:a16="http://schemas.microsoft.com/office/drawing/2014/main" id="{6EFC9AF7-D7E1-C059-CB74-884B1CD75208}"/>
+              </a:ext>
+            </a:extLst>
+          </p:cNvPr>
+          <p:cNvSpPr>
+            <a:spLocks noGrp="1"/>
+          </p:cNvSpPr>
+          <p:nvPr>
+            <p:ph type="title"/>
+          </p:nvPr>
+        </p:nvSpPr>
+        <p:spPr/>
+        <p:txBody>
+          <a:bodyPr/>
+          <a:lstStyle/>
+          <a:p>
+            <a:r>
+              <a:rPr lang="en-US" altLang="zh-CN" dirty="0"/>
+              <a:t>How to Compile FTC tool</a:t>
+            </a:r>
+            <a:endParaRPr lang="zh-CN" altLang="en-US" dirty="0"/>
+          </a:p>
+        </p:txBody>
+      </p:sp>
+      <p:sp>
+        <p:nvSpPr>
+          <p:cNvPr id="3" name="内容占位符 2">
+            <a:extLst>
+              <a:ext uri="{FF2B5EF4-FFF2-40B4-BE49-F238E27FC236}">
+                <a16:creationId xmlns:a16="http://schemas.microsoft.com/office/drawing/2014/main" id="{CE146287-FC0A-1D69-31E9-A2C386B01FA5}"/>
+              </a:ext>
+            </a:extLst>
+          </p:cNvPr>
+          <p:cNvSpPr>
+            <a:spLocks noGrp="1"/>
+          </p:cNvSpPr>
+          <p:nvPr>
+            <p:ph idx="1"/>
+          </p:nvPr>
+        </p:nvSpPr>
+        <p:spPr/>
+        <p:txBody>
+          <a:bodyPr/>
+          <a:lstStyle/>
+          <a:p>
+            <a:r>
+              <a:rPr lang="en-US" altLang="zh-CN" dirty="0"/>
+              <a:t>Change cross compile with arm-</a:t>
+            </a:r>
+            <a:r>
+              <a:rPr lang="en-US" altLang="zh-CN" dirty="0" err="1"/>
+              <a:t>linux</a:t>
+            </a:r>
+            <a:r>
+              <a:rPr lang="en-US" altLang="zh-CN" dirty="0"/>
+              <a:t>-</a:t>
+            </a:r>
+            <a:r>
+              <a:rPr lang="en-US" altLang="zh-CN" dirty="0" err="1"/>
+              <a:t>gcc</a:t>
+            </a:r>
+            <a:endParaRPr lang="en-US" altLang="zh-CN" dirty="0"/>
+          </a:p>
+          <a:p>
+            <a:pPr lvl="1"/>
+            <a:endParaRPr lang="en-US" altLang="zh-CN" dirty="0"/>
+          </a:p>
+          <a:p>
+            <a:pPr lvl="1"/>
+            <a:endParaRPr lang="en-US" altLang="zh-CN" dirty="0"/>
+          </a:p>
+          <a:p>
+            <a:r>
+              <a:rPr lang="en-US" altLang="zh-CN" dirty="0"/>
+              <a:t>Generate execute file</a:t>
+            </a:r>
+          </a:p>
+          <a:p>
+            <a:pPr lvl="1"/>
+            <a:r>
+              <a:rPr lang="en-US" altLang="zh-CN" dirty="0">
+                <a:solidFill>
+                  <a:schemeClr val="tx1">
+                    <a:lumMod val="50000"/>
+                    <a:lumOff val="50000"/>
+                  </a:schemeClr>
+                </a:solidFill>
+              </a:rPr>
+              <a:t># make</a:t>
+            </a:r>
+          </a:p>
+          <a:p>
+            <a:r>
+              <a:rPr lang="en-US" altLang="zh-CN" sz="2400" dirty="0">
+                <a:latin typeface="Segoe UI" panose="020B0502040204020203" pitchFamily="34" charset="0"/>
+              </a:rPr>
+              <a:t>Assign permissions to </a:t>
+            </a:r>
+            <a:r>
+              <a:rPr lang="en-US" altLang="zh-CN" dirty="0"/>
+              <a:t>tas2781_ftc</a:t>
+            </a:r>
+          </a:p>
+          <a:p>
+            <a:pPr lvl="1"/>
+            <a:r>
+              <a:rPr lang="en-US" altLang="zh-CN" dirty="0">
+                <a:solidFill>
+                  <a:schemeClr val="tx1">
+                    <a:lumMod val="50000"/>
+                    <a:lumOff val="50000"/>
+                  </a:schemeClr>
+                </a:solidFill>
+              </a:rPr>
+              <a:t># </a:t>
+            </a:r>
+            <a:r>
+              <a:rPr lang="en-US" altLang="zh-CN" dirty="0" err="1">
+                <a:solidFill>
+                  <a:schemeClr val="tx1">
+                    <a:lumMod val="50000"/>
+                    <a:lumOff val="50000"/>
+                  </a:schemeClr>
+                </a:solidFill>
+              </a:rPr>
+              <a:t>chmod</a:t>
+            </a:r>
+            <a:r>
+              <a:rPr lang="en-US" altLang="zh-CN" dirty="0">
+                <a:solidFill>
+                  <a:schemeClr val="tx1">
+                    <a:lumMod val="50000"/>
+                    <a:lumOff val="50000"/>
+                  </a:schemeClr>
+                </a:solidFill>
+              </a:rPr>
+              <a:t> 777 tas2781_ftc</a:t>
+            </a:r>
+            <a:endParaRPr lang="zh-CN" altLang="en-US" dirty="0">
+              <a:solidFill>
+                <a:schemeClr val="tx1">
+                  <a:lumMod val="50000"/>
+                  <a:lumOff val="50000"/>
+                </a:schemeClr>
+              </a:solidFill>
+            </a:endParaRPr>
+          </a:p>
+        </p:txBody>
+      </p:sp>
+      <p:sp>
+        <p:nvSpPr>
+          <p:cNvPr id="4" name="灯片编号占位符 3">
+            <a:extLst>
+              <a:ext uri="{FF2B5EF4-FFF2-40B4-BE49-F238E27FC236}">
+                <a16:creationId xmlns:a16="http://schemas.microsoft.com/office/drawing/2014/main" id="{AD83D1B5-8E09-2904-57A9-CEA3F1BA0DEC}"/>
+              </a:ext>
+            </a:extLst>
+          </p:cNvPr>
+          <p:cNvSpPr>
+            <a:spLocks noGrp="1"/>
+          </p:cNvSpPr>
+          <p:nvPr>
+            <p:ph type="sldNum" sz="quarter" idx="10"/>
+          </p:nvPr>
+        </p:nvSpPr>
+        <p:spPr/>
+        <p:txBody>
+          <a:bodyPr/>
+          <a:lstStyle/>
+          <a:p>
+            <a:pPr defTabSz="1219170" fontAlgn="base">
+              <a:spcBef>
+                <a:spcPct val="0"/>
+              </a:spcBef>
+              <a:spcAft>
+                <a:spcPct val="0"/>
+              </a:spcAft>
+              <a:defRPr/>
+            </a:pPr>
+            <a:fld id="{2B97888F-6AF7-4263-B69D-592D8C33BAC7}" type="slidenum">
+              <a:rPr lang="en-US" smtClean="0">
+                <a:solidFill>
+                  <a:srgbClr val="000000"/>
+                </a:solidFill>
+              </a:rPr>
+              <a:pPr defTabSz="1219170" fontAlgn="base">
+                <a:spcBef>
+                  <a:spcPct val="0"/>
+                </a:spcBef>
+                <a:spcAft>
+                  <a:spcPct val="0"/>
+                </a:spcAft>
+                <a:defRPr/>
+              </a:pPr>
+              <a:t>27</a:t>
+            </a:fld>
+            <a:endParaRPr lang="en-US">
+              <a:solidFill>
+                <a:srgbClr val="000000"/>
+              </a:solidFill>
+            </a:endParaRPr>
+          </a:p>
+        </p:txBody>
+      </p:sp>
+      <p:pic>
+        <p:nvPicPr>
+          <p:cNvPr id="5" name="图片 4">
+            <a:extLst>
+              <a:ext uri="{FF2B5EF4-FFF2-40B4-BE49-F238E27FC236}">
+                <a16:creationId xmlns:a16="http://schemas.microsoft.com/office/drawing/2014/main" id="{79704CFA-D427-F926-FC8C-C31BE6A9E428}"/>
+              </a:ext>
+            </a:extLst>
+          </p:cNvPr>
+          <p:cNvPicPr>
+            <a:picLocks noChangeAspect="1"/>
+          </p:cNvPicPr>
+          <p:nvPr/>
+        </p:nvPicPr>
+        <p:blipFill>
+          <a:blip r:embed="rId2"/>
+          <a:stretch>
+            <a:fillRect/>
+          </a:stretch>
+        </p:blipFill>
+        <p:spPr>
+          <a:xfrm>
+            <a:off x="1064759" y="1571722"/>
+            <a:ext cx="3162009" cy="642094"/>
+          </a:xfrm>
+          <a:prstGeom prst="rect">
+            <a:avLst/>
+          </a:prstGeom>
+        </p:spPr>
+      </p:pic>
+    </p:spTree>
+    <p:extLst>
+      <p:ext uri="{BB962C8B-B14F-4D97-AF65-F5344CB8AC3E}">
+        <p14:creationId xmlns:p14="http://schemas.microsoft.com/office/powerpoint/2010/main" val="2204068713"/>
+      </p:ext>
+    </p:extLst>
+  </p:cSld>
+  <p:clrMapOvr>
+    <a:masterClrMapping/>
+  </p:clrMapOvr>
+</p:sld>
+</file>
+
+<file path=ppt/slides/slide28.xml><?xml version="1.0" encoding="utf-8"?>
+<p:sld xmlns:a="http://schemas.openxmlformats.org/drawingml/2006/main" xmlns:r="http://schemas.openxmlformats.org/officeDocument/2006/relationships" xmlns:p="http://schemas.openxmlformats.org/presentationml/2006/main">
+  <p:cSld>
+    <p:spTree>
+      <p:nvGrpSpPr>
+        <p:cNvPr id="1" name=""/>
+        <p:cNvGrpSpPr/>
+        <p:nvPr/>
+      </p:nvGrpSpPr>
+      <p:grpSpPr>
+        <a:xfrm>
+          <a:off x="0" y="0"/>
+          <a:ext cx="0" cy="0"/>
+          <a:chOff x="0" y="0"/>
+          <a:chExt cx="0" cy="0"/>
+        </a:xfrm>
+      </p:grpSpPr>
+      <p:sp>
+        <p:nvSpPr>
+          <p:cNvPr id="2" name="标题 1">
+            <a:extLst>
+              <a:ext uri="{FF2B5EF4-FFF2-40B4-BE49-F238E27FC236}">
                 <a16:creationId xmlns:a16="http://schemas.microsoft.com/office/drawing/2014/main" id="{2630E4F2-8874-8736-4C95-A55AD45D5CC7}"/>
               </a:ext>
             </a:extLst>
@@ -26531,7 +26779,7 @@
                 </a:spcAft>
                 <a:defRPr/>
               </a:pPr>
-              <a:t>27</a:t>
+              <a:t>28</a:t>
             </a:fld>
             <a:endParaRPr lang="en-US">
               <a:solidFill>
@@ -26554,7 +26802,7 @@
 </p:sld>
 </file>
 
-<file path=ppt/slides/slide28.xml><?xml version="1.0" encoding="utf-8"?>
+<file path=ppt/slides/slide29.xml><?xml version="1.0" encoding="utf-8"?>
 <p:sld xmlns:a="http://schemas.openxmlformats.org/drawingml/2006/main" xmlns:r="http://schemas.openxmlformats.org/officeDocument/2006/relationships" xmlns:p="http://schemas.openxmlformats.org/presentationml/2006/main">
   <p:cSld>
     <p:spTree>
@@ -26834,459 +27082,6 @@
                 </a:spcAft>
                 <a:defRPr/>
               </a:pPr>
-              <a:t>28</a:t>
-            </a:fld>
-            <a:endParaRPr lang="en-US">
-              <a:solidFill>
-                <a:srgbClr val="000000"/>
-              </a:solidFill>
-            </a:endParaRPr>
-          </a:p>
-        </p:txBody>
-      </p:sp>
-    </p:spTree>
-    <p:extLst>
-      <p:ext uri="{BB962C8B-B14F-4D97-AF65-F5344CB8AC3E}">
-        <p14:creationId xmlns:p14="http://schemas.microsoft.com/office/powerpoint/2010/main" val="517468290"/>
-      </p:ext>
-    </p:extLst>
-  </p:cSld>
-  <p:clrMapOvr>
-    <a:masterClrMapping/>
-  </p:clrMapOvr>
-</p:sld>
-</file>
-
-<file path=ppt/slides/slide29.xml><?xml version="1.0" encoding="utf-8"?>
-<p:sld xmlns:a="http://schemas.openxmlformats.org/drawingml/2006/main" xmlns:r="http://schemas.openxmlformats.org/officeDocument/2006/relationships" xmlns:p="http://schemas.openxmlformats.org/presentationml/2006/main">
-  <p:cSld>
-    <p:spTree>
-      <p:nvGrpSpPr>
-        <p:cNvPr id="1" name=""/>
-        <p:cNvGrpSpPr/>
-        <p:nvPr/>
-      </p:nvGrpSpPr>
-      <p:grpSpPr>
-        <a:xfrm>
-          <a:off x="0" y="0"/>
-          <a:ext cx="0" cy="0"/>
-          <a:chOff x="0" y="0"/>
-          <a:chExt cx="0" cy="0"/>
-        </a:xfrm>
-      </p:grpSpPr>
-      <p:sp>
-        <p:nvSpPr>
-          <p:cNvPr id="2" name="标题 1">
-            <a:extLst>
-              <a:ext uri="{FF2B5EF4-FFF2-40B4-BE49-F238E27FC236}">
-                <a16:creationId xmlns:a16="http://schemas.microsoft.com/office/drawing/2014/main" id="{02A57A46-42A1-85B8-BC74-EC5DE802E195}"/>
-              </a:ext>
-            </a:extLst>
-          </p:cNvPr>
-          <p:cNvSpPr>
-            <a:spLocks noGrp="1"/>
-          </p:cNvSpPr>
-          <p:nvPr>
-            <p:ph type="title"/>
-          </p:nvPr>
-        </p:nvSpPr>
-        <p:spPr/>
-        <p:txBody>
-          <a:bodyPr/>
-          <a:lstStyle/>
-          <a:p>
-            <a:r>
-              <a:rPr lang="en-US" altLang="zh-CN" dirty="0"/>
-              <a:t>Porting </a:t>
-            </a:r>
-            <a:r>
-              <a:rPr lang="en-US" altLang="zh-CN" dirty="0" err="1"/>
-              <a:t>Tinyalsa</a:t>
-            </a:r>
-            <a:r>
-              <a:rPr lang="en-US" altLang="zh-CN" dirty="0"/>
-              <a:t> II | </a:t>
-            </a:r>
-            <a:r>
-              <a:rPr lang="en-US" altLang="zh-CN" sz="4000" dirty="0">
-                <a:latin typeface="Segoe UI" panose="020B0502040204020203" pitchFamily="34" charset="0"/>
-              </a:rPr>
-              <a:t>Steps of installation </a:t>
-            </a:r>
-            <a:endParaRPr lang="zh-CN" altLang="en-US" dirty="0"/>
-          </a:p>
-        </p:txBody>
-      </p:sp>
-      <p:sp>
-        <p:nvSpPr>
-          <p:cNvPr id="3" name="内容占位符 2">
-            <a:extLst>
-              <a:ext uri="{FF2B5EF4-FFF2-40B4-BE49-F238E27FC236}">
-                <a16:creationId xmlns:a16="http://schemas.microsoft.com/office/drawing/2014/main" id="{AD7A65ED-4BC0-6442-D11F-9B0662EC3D26}"/>
-              </a:ext>
-            </a:extLst>
-          </p:cNvPr>
-          <p:cNvSpPr>
-            <a:spLocks noGrp="1"/>
-          </p:cNvSpPr>
-          <p:nvPr>
-            <p:ph idx="1"/>
-          </p:nvPr>
-        </p:nvSpPr>
-        <p:spPr/>
-        <p:txBody>
-          <a:bodyPr/>
-          <a:lstStyle/>
-          <a:p>
-            <a:pPr marL="342900" indent="-342900">
-              <a:buFont typeface="+mj-lt"/>
-              <a:buAutoNum type="arabicPeriod"/>
-            </a:pPr>
-            <a:r>
-              <a:rPr lang="en-US" altLang="zh-CN" sz="1400" dirty="0">
-                <a:latin typeface="Segoe UI" panose="020B0502040204020203" pitchFamily="34" charset="0"/>
-              </a:rPr>
-              <a:t>Modify cross compile, add below statements into top of </a:t>
-            </a:r>
-            <a:r>
-              <a:rPr lang="en-US" altLang="zh-CN" sz="1400" dirty="0" err="1">
-                <a:latin typeface="Segoe UI" panose="020B0502040204020203" pitchFamily="34" charset="0"/>
-              </a:rPr>
-              <a:t>Makefile</a:t>
-            </a:r>
-            <a:r>
-              <a:rPr lang="en-US" altLang="zh-CN" sz="1400" dirty="0">
-                <a:latin typeface="Segoe UI" panose="020B0502040204020203" pitchFamily="34" charset="0"/>
-              </a:rPr>
-              <a:t>.</a:t>
-            </a:r>
-            <a:br>
-              <a:rPr lang="en-US" altLang="zh-CN" sz="1400" dirty="0">
-                <a:latin typeface="Segoe UI" panose="020B0502040204020203" pitchFamily="34" charset="0"/>
-              </a:rPr>
-            </a:br>
-            <a:r>
-              <a:rPr lang="en-US" altLang="zh-CN" sz="1400" dirty="0">
-                <a:latin typeface="Segoe UI" panose="020B0502040204020203" pitchFamily="34" charset="0"/>
-              </a:rPr>
-              <a:t>export ARCH = arm</a:t>
-            </a:r>
-            <a:br>
-              <a:rPr lang="en-US" altLang="zh-CN" sz="1400" dirty="0">
-                <a:latin typeface="Segoe UI" panose="020B0502040204020203" pitchFamily="34" charset="0"/>
-              </a:rPr>
-            </a:br>
-            <a:r>
-              <a:rPr lang="en-US" altLang="zh-CN" sz="1400" dirty="0">
-                <a:latin typeface="Segoe UI" panose="020B0502040204020203" pitchFamily="34" charset="0"/>
-              </a:rPr>
-              <a:t>export CROSS_COMPILE = arm-</a:t>
-            </a:r>
-            <a:r>
-              <a:rPr lang="en-US" altLang="zh-CN" sz="1400" dirty="0" err="1">
-                <a:latin typeface="Segoe UI" panose="020B0502040204020203" pitchFamily="34" charset="0"/>
-              </a:rPr>
-              <a:t>linux</a:t>
-            </a:r>
-            <a:r>
-              <a:rPr lang="en-US" altLang="zh-CN" sz="1400" dirty="0">
-                <a:latin typeface="Segoe UI" panose="020B0502040204020203" pitchFamily="34" charset="0"/>
-              </a:rPr>
-              <a:t>-</a:t>
-            </a:r>
-            <a:r>
-              <a:rPr lang="en-US" altLang="zh-CN" sz="1400" dirty="0" err="1">
-                <a:latin typeface="Segoe UI" panose="020B0502040204020203" pitchFamily="34" charset="0"/>
-              </a:rPr>
-              <a:t>gnueabihf</a:t>
-            </a:r>
-            <a:r>
-              <a:rPr lang="en-US" altLang="zh-CN" sz="1400" dirty="0">
-                <a:latin typeface="Segoe UI" panose="020B0502040204020203" pitchFamily="34" charset="0"/>
-              </a:rPr>
-              <a:t>-</a:t>
-            </a:r>
-            <a:br>
-              <a:rPr lang="en-US" altLang="zh-CN" sz="1400" dirty="0">
-                <a:latin typeface="Segoe UI" panose="020B0502040204020203" pitchFamily="34" charset="0"/>
-              </a:rPr>
-            </a:br>
-            <a:r>
-              <a:rPr lang="en-US" altLang="zh-CN" sz="1400" dirty="0">
-                <a:latin typeface="Segoe UI" panose="020B0502040204020203" pitchFamily="34" charset="0"/>
-              </a:rPr>
-              <a:t>export CC = $(CROSS_COMPILE)</a:t>
-            </a:r>
-            <a:r>
-              <a:rPr lang="en-US" altLang="zh-CN" sz="1400" dirty="0" err="1">
-                <a:latin typeface="Segoe UI" panose="020B0502040204020203" pitchFamily="34" charset="0"/>
-              </a:rPr>
-              <a:t>gcc</a:t>
-            </a:r>
-            <a:endParaRPr lang="en-US" altLang="zh-CN" sz="1400" dirty="0">
-              <a:latin typeface="Segoe UI" panose="020B0502040204020203" pitchFamily="34" charset="0"/>
-            </a:endParaRPr>
-          </a:p>
-          <a:p>
-            <a:pPr marL="342900" indent="-342900">
-              <a:buFont typeface="+mj-lt"/>
-              <a:buAutoNum type="arabicPeriod"/>
-            </a:pPr>
-            <a:r>
-              <a:rPr lang="en-US" altLang="zh-CN" sz="1400" dirty="0">
-                <a:latin typeface="Segoe UI" panose="020B0502040204020203" pitchFamily="34" charset="0"/>
-              </a:rPr>
-              <a:t>Assign permissions to scripts in </a:t>
-            </a:r>
-            <a:r>
-              <a:rPr lang="en-US" altLang="zh-CN" sz="1400" dirty="0" err="1">
-                <a:latin typeface="Segoe UI" panose="020B0502040204020203" pitchFamily="34" charset="0"/>
-              </a:rPr>
-              <a:t>tinyalsa</a:t>
-            </a:r>
-            <a:r>
-              <a:rPr lang="en-US" altLang="zh-CN" sz="1400" dirty="0">
-                <a:latin typeface="Segoe UI" panose="020B0502040204020203" pitchFamily="34" charset="0"/>
-              </a:rPr>
-              <a:t> package</a:t>
-            </a:r>
-            <a:br>
-              <a:rPr lang="en-US" altLang="zh-CN" sz="1400" dirty="0">
-                <a:latin typeface="Segoe UI" panose="020B0502040204020203" pitchFamily="34" charset="0"/>
-              </a:rPr>
-            </a:br>
-            <a:r>
-              <a:rPr lang="en-US" altLang="zh-CN" sz="1400" dirty="0">
-                <a:latin typeface="Segoe UI" panose="020B0502040204020203" pitchFamily="34" charset="0"/>
-              </a:rPr>
-              <a:t>#chmod 777 script</a:t>
-            </a:r>
-          </a:p>
-          <a:p>
-            <a:pPr marL="342900" indent="-342900">
-              <a:buFont typeface="+mj-lt"/>
-              <a:buAutoNum type="arabicPeriod"/>
-            </a:pPr>
-            <a:r>
-              <a:rPr lang="en-US" altLang="zh-CN" sz="1400" dirty="0">
-                <a:latin typeface="Segoe UI" panose="020B0502040204020203" pitchFamily="34" charset="0"/>
-              </a:rPr>
-              <a:t>To build and install with Make, run the commands:</a:t>
-            </a:r>
-            <a:br>
-              <a:rPr lang="en-US" altLang="zh-CN" sz="1400" dirty="0">
-                <a:latin typeface="Segoe UI" panose="020B0502040204020203" pitchFamily="34" charset="0"/>
-              </a:rPr>
-            </a:br>
-            <a:r>
-              <a:rPr lang="en-US" altLang="zh-CN" sz="1400" dirty="0">
-                <a:latin typeface="Segoe UI" panose="020B0502040204020203" pitchFamily="34" charset="0"/>
-              </a:rPr>
-              <a:t># </a:t>
-            </a:r>
-            <a:r>
-              <a:rPr lang="en-US" altLang="zh-CN" sz="1400" dirty="0" err="1">
-                <a:latin typeface="Segoe UI" panose="020B0502040204020203" pitchFamily="34" charset="0"/>
-              </a:rPr>
-              <a:t>sudo</a:t>
-            </a:r>
-            <a:r>
-              <a:rPr lang="en-US" altLang="zh-CN" sz="1400" dirty="0">
-                <a:latin typeface="Segoe UI" panose="020B0502040204020203" pitchFamily="34" charset="0"/>
-              </a:rPr>
-              <a:t> make</a:t>
-            </a:r>
-            <a:br>
-              <a:rPr lang="en-US" altLang="zh-CN" sz="1400" dirty="0">
-                <a:latin typeface="Segoe UI" panose="020B0502040204020203" pitchFamily="34" charset="0"/>
-              </a:rPr>
-            </a:br>
-            <a:r>
-              <a:rPr lang="en-US" altLang="zh-CN" sz="1400" dirty="0">
-                <a:latin typeface="Segoe UI" panose="020B0502040204020203" pitchFamily="34" charset="0"/>
-              </a:rPr>
-              <a:t># </a:t>
-            </a:r>
-            <a:r>
-              <a:rPr lang="en-US" altLang="zh-CN" sz="1400" dirty="0" err="1">
-                <a:latin typeface="Segoe UI" panose="020B0502040204020203" pitchFamily="34" charset="0"/>
-              </a:rPr>
-              <a:t>sudo</a:t>
-            </a:r>
-            <a:r>
-              <a:rPr lang="en-US" altLang="zh-CN" sz="1400" dirty="0">
-                <a:latin typeface="Segoe UI" panose="020B0502040204020203" pitchFamily="34" charset="0"/>
-              </a:rPr>
-              <a:t> make install</a:t>
-            </a:r>
-            <a:br>
-              <a:rPr lang="en-US" altLang="zh-CN" sz="1400" dirty="0">
-                <a:latin typeface="Segoe UI" panose="020B0502040204020203" pitchFamily="34" charset="0"/>
-              </a:rPr>
-            </a:br>
-            <a:r>
-              <a:rPr lang="en-US" altLang="zh-CN" sz="1400" dirty="0">
-                <a:latin typeface="Segoe UI" panose="020B0502040204020203" pitchFamily="34" charset="0"/>
-              </a:rPr>
-              <a:t># </a:t>
-            </a:r>
-            <a:r>
-              <a:rPr lang="en-US" altLang="zh-CN" sz="1400" dirty="0" err="1">
-                <a:latin typeface="Segoe UI" panose="020B0502040204020203" pitchFamily="34" charset="0"/>
-              </a:rPr>
-              <a:t>sudo</a:t>
-            </a:r>
-            <a:r>
-              <a:rPr lang="en-US" altLang="zh-CN" sz="1400" dirty="0">
-                <a:latin typeface="Segoe UI" panose="020B0502040204020203" pitchFamily="34" charset="0"/>
-              </a:rPr>
-              <a:t> </a:t>
-            </a:r>
-            <a:r>
-              <a:rPr lang="en-US" altLang="zh-CN" sz="1400" dirty="0" err="1">
-                <a:latin typeface="Segoe UI" panose="020B0502040204020203" pitchFamily="34" charset="0"/>
-              </a:rPr>
-              <a:t>ldconfig</a:t>
-            </a:r>
-            <a:endParaRPr lang="en-US" altLang="zh-CN" sz="1400" dirty="0">
-              <a:latin typeface="Segoe UI" panose="020B0502040204020203" pitchFamily="34" charset="0"/>
-            </a:endParaRPr>
-          </a:p>
-          <a:p>
-            <a:pPr marL="342900" indent="-342900">
-              <a:buFont typeface="+mj-lt"/>
-              <a:buAutoNum type="arabicPeriod"/>
-            </a:pPr>
-            <a:r>
-              <a:rPr lang="en-US" altLang="zh-CN" sz="1400" dirty="0">
-                <a:latin typeface="Segoe UI" panose="020B0502040204020203" pitchFamily="34" charset="0"/>
-              </a:rPr>
-              <a:t>Once installed, the man pages are available via:</a:t>
-            </a:r>
-            <a:br>
-              <a:rPr lang="en-US" altLang="zh-CN" sz="1400" dirty="0">
-                <a:latin typeface="Segoe UI" panose="020B0502040204020203" pitchFamily="34" charset="0"/>
-              </a:rPr>
-            </a:br>
-            <a:r>
-              <a:rPr lang="en-US" altLang="zh-CN" sz="1400" dirty="0">
-                <a:latin typeface="Segoe UI" panose="020B0502040204020203" pitchFamily="34" charset="0"/>
-              </a:rPr>
-              <a:t>     # man </a:t>
-            </a:r>
-            <a:r>
-              <a:rPr lang="en-US" altLang="zh-CN" sz="1400" dirty="0" err="1">
-                <a:latin typeface="Segoe UI" panose="020B0502040204020203" pitchFamily="34" charset="0"/>
-              </a:rPr>
-              <a:t>tinyplay</a:t>
-            </a:r>
-            <a:br>
-              <a:rPr lang="en-US" altLang="zh-CN" sz="1400" dirty="0">
-                <a:latin typeface="Segoe UI" panose="020B0502040204020203" pitchFamily="34" charset="0"/>
-              </a:rPr>
-            </a:br>
-            <a:r>
-              <a:rPr lang="en-US" altLang="zh-CN" sz="1400" dirty="0">
-                <a:latin typeface="Segoe UI" panose="020B0502040204020203" pitchFamily="34" charset="0"/>
-              </a:rPr>
-              <a:t>     # man </a:t>
-            </a:r>
-            <a:r>
-              <a:rPr lang="en-US" altLang="zh-CN" sz="1400" dirty="0" err="1">
-                <a:latin typeface="Segoe UI" panose="020B0502040204020203" pitchFamily="34" charset="0"/>
-              </a:rPr>
-              <a:t>tinycap</a:t>
-            </a:r>
-            <a:br>
-              <a:rPr lang="en-US" altLang="zh-CN" sz="1400" dirty="0">
-                <a:latin typeface="Segoe UI" panose="020B0502040204020203" pitchFamily="34" charset="0"/>
-              </a:rPr>
-            </a:br>
-            <a:r>
-              <a:rPr lang="en-US" altLang="zh-CN" sz="1400" dirty="0">
-                <a:latin typeface="Segoe UI" panose="020B0502040204020203" pitchFamily="34" charset="0"/>
-              </a:rPr>
-              <a:t>     # man </a:t>
-            </a:r>
-            <a:r>
-              <a:rPr lang="en-US" altLang="zh-CN" sz="1400" dirty="0" err="1">
-                <a:latin typeface="Segoe UI" panose="020B0502040204020203" pitchFamily="34" charset="0"/>
-              </a:rPr>
-              <a:t>tinymix</a:t>
-            </a:r>
-            <a:br>
-              <a:rPr lang="en-US" altLang="zh-CN" sz="1400" dirty="0">
-                <a:latin typeface="Segoe UI" panose="020B0502040204020203" pitchFamily="34" charset="0"/>
-              </a:rPr>
-            </a:br>
-            <a:r>
-              <a:rPr lang="en-US" altLang="zh-CN" sz="1400" dirty="0">
-                <a:latin typeface="Segoe UI" panose="020B0502040204020203" pitchFamily="34" charset="0"/>
-              </a:rPr>
-              <a:t>     # man </a:t>
-            </a:r>
-            <a:r>
-              <a:rPr lang="en-US" altLang="zh-CN" sz="1400" dirty="0" err="1">
-                <a:latin typeface="Segoe UI" panose="020B0502040204020203" pitchFamily="34" charset="0"/>
-              </a:rPr>
-              <a:t>tinypcminfo</a:t>
-            </a:r>
-            <a:br>
-              <a:rPr lang="en-US" altLang="zh-CN" sz="1400" dirty="0">
-                <a:latin typeface="Segoe UI" panose="020B0502040204020203" pitchFamily="34" charset="0"/>
-              </a:rPr>
-            </a:br>
-            <a:endParaRPr lang="zh-CN" altLang="en-US" sz="1400" dirty="0">
-              <a:latin typeface="Segoe UI" panose="020B0502040204020203" pitchFamily="34" charset="0"/>
-            </a:endParaRPr>
-          </a:p>
-        </p:txBody>
-      </p:sp>
-      <p:sp>
-        <p:nvSpPr>
-          <p:cNvPr id="4" name="灯片编号占位符 3">
-            <a:extLst>
-              <a:ext uri="{FF2B5EF4-FFF2-40B4-BE49-F238E27FC236}">
-                <a16:creationId xmlns:a16="http://schemas.microsoft.com/office/drawing/2014/main" id="{546DA8CB-5F74-CD17-BC73-727B2E350FC4}"/>
-              </a:ext>
-            </a:extLst>
-          </p:cNvPr>
-          <p:cNvSpPr>
-            <a:spLocks noGrp="1"/>
-          </p:cNvSpPr>
-          <p:nvPr>
-            <p:ph type="sldNum" sz="quarter" idx="10"/>
-          </p:nvPr>
-        </p:nvSpPr>
-        <p:spPr/>
-        <p:txBody>
-          <a:bodyPr/>
-          <a:lstStyle/>
-          <a:p>
-            <a:pPr defTabSz="1219170" fontAlgn="base">
-              <a:spcBef>
-                <a:spcPct val="0"/>
-              </a:spcBef>
-              <a:spcAft>
-                <a:spcPct val="0"/>
-              </a:spcAft>
-              <a:defRPr/>
-            </a:pPr>
-            <a:fld id="{2B97888F-6AF7-4263-B69D-592D8C33BAC7}" type="slidenum">
-              <a:rPr lang="en-US" smtClean="0">
-                <a:solidFill>
-                  <a:srgbClr val="000000"/>
-                </a:solidFill>
-              </a:rPr>
-              <a:pPr defTabSz="1219170" fontAlgn="base">
-                <a:spcBef>
-                  <a:spcPct val="0"/>
-                </a:spcBef>
-                <a:spcAft>
-                  <a:spcPct val="0"/>
-                </a:spcAft>
-                <a:defRPr/>
-              </a:pPr>
               <a:t>29</a:t>
             </a:fld>
             <a:endParaRPr lang="en-US">
@@ -27300,7 +27095,7 @@
     </p:spTree>
     <p:extLst>
       <p:ext uri="{BB962C8B-B14F-4D97-AF65-F5344CB8AC3E}">
-        <p14:creationId xmlns:p14="http://schemas.microsoft.com/office/powerpoint/2010/main" val="3764372519"/>
+        <p14:creationId xmlns:p14="http://schemas.microsoft.com/office/powerpoint/2010/main" val="517468290"/>
       </p:ext>
     </p:extLst>
   </p:cSld>
@@ -27797,6 +27592,459 @@
       </p:grpSpPr>
       <p:sp>
         <p:nvSpPr>
+          <p:cNvPr id="2" name="标题 1">
+            <a:extLst>
+              <a:ext uri="{FF2B5EF4-FFF2-40B4-BE49-F238E27FC236}">
+                <a16:creationId xmlns:a16="http://schemas.microsoft.com/office/drawing/2014/main" id="{02A57A46-42A1-85B8-BC74-EC5DE802E195}"/>
+              </a:ext>
+            </a:extLst>
+          </p:cNvPr>
+          <p:cNvSpPr>
+            <a:spLocks noGrp="1"/>
+          </p:cNvSpPr>
+          <p:nvPr>
+            <p:ph type="title"/>
+          </p:nvPr>
+        </p:nvSpPr>
+        <p:spPr/>
+        <p:txBody>
+          <a:bodyPr/>
+          <a:lstStyle/>
+          <a:p>
+            <a:r>
+              <a:rPr lang="en-US" altLang="zh-CN" dirty="0"/>
+              <a:t>Porting </a:t>
+            </a:r>
+            <a:r>
+              <a:rPr lang="en-US" altLang="zh-CN" dirty="0" err="1"/>
+              <a:t>Tinyalsa</a:t>
+            </a:r>
+            <a:r>
+              <a:rPr lang="en-US" altLang="zh-CN" dirty="0"/>
+              <a:t> II | </a:t>
+            </a:r>
+            <a:r>
+              <a:rPr lang="en-US" altLang="zh-CN" sz="4000" dirty="0">
+                <a:latin typeface="Segoe UI" panose="020B0502040204020203" pitchFamily="34" charset="0"/>
+              </a:rPr>
+              <a:t>Steps of installation </a:t>
+            </a:r>
+            <a:endParaRPr lang="zh-CN" altLang="en-US" dirty="0"/>
+          </a:p>
+        </p:txBody>
+      </p:sp>
+      <p:sp>
+        <p:nvSpPr>
+          <p:cNvPr id="3" name="内容占位符 2">
+            <a:extLst>
+              <a:ext uri="{FF2B5EF4-FFF2-40B4-BE49-F238E27FC236}">
+                <a16:creationId xmlns:a16="http://schemas.microsoft.com/office/drawing/2014/main" id="{AD7A65ED-4BC0-6442-D11F-9B0662EC3D26}"/>
+              </a:ext>
+            </a:extLst>
+          </p:cNvPr>
+          <p:cNvSpPr>
+            <a:spLocks noGrp="1"/>
+          </p:cNvSpPr>
+          <p:nvPr>
+            <p:ph idx="1"/>
+          </p:nvPr>
+        </p:nvSpPr>
+        <p:spPr/>
+        <p:txBody>
+          <a:bodyPr/>
+          <a:lstStyle/>
+          <a:p>
+            <a:pPr marL="342900" indent="-342900">
+              <a:buFont typeface="+mj-lt"/>
+              <a:buAutoNum type="arabicPeriod"/>
+            </a:pPr>
+            <a:r>
+              <a:rPr lang="en-US" altLang="zh-CN" sz="1400" dirty="0">
+                <a:latin typeface="Segoe UI" panose="020B0502040204020203" pitchFamily="34" charset="0"/>
+              </a:rPr>
+              <a:t>Modify cross compile, add below statements into top of </a:t>
+            </a:r>
+            <a:r>
+              <a:rPr lang="en-US" altLang="zh-CN" sz="1400" dirty="0" err="1">
+                <a:latin typeface="Segoe UI" panose="020B0502040204020203" pitchFamily="34" charset="0"/>
+              </a:rPr>
+              <a:t>Makefile</a:t>
+            </a:r>
+            <a:r>
+              <a:rPr lang="en-US" altLang="zh-CN" sz="1400" dirty="0">
+                <a:latin typeface="Segoe UI" panose="020B0502040204020203" pitchFamily="34" charset="0"/>
+              </a:rPr>
+              <a:t>.</a:t>
+            </a:r>
+            <a:br>
+              <a:rPr lang="en-US" altLang="zh-CN" sz="1400" dirty="0">
+                <a:latin typeface="Segoe UI" panose="020B0502040204020203" pitchFamily="34" charset="0"/>
+              </a:rPr>
+            </a:br>
+            <a:r>
+              <a:rPr lang="en-US" altLang="zh-CN" sz="1400" dirty="0">
+                <a:latin typeface="Segoe UI" panose="020B0502040204020203" pitchFamily="34" charset="0"/>
+              </a:rPr>
+              <a:t>export ARCH = arm</a:t>
+            </a:r>
+            <a:br>
+              <a:rPr lang="en-US" altLang="zh-CN" sz="1400" dirty="0">
+                <a:latin typeface="Segoe UI" panose="020B0502040204020203" pitchFamily="34" charset="0"/>
+              </a:rPr>
+            </a:br>
+            <a:r>
+              <a:rPr lang="en-US" altLang="zh-CN" sz="1400" dirty="0">
+                <a:latin typeface="Segoe UI" panose="020B0502040204020203" pitchFamily="34" charset="0"/>
+              </a:rPr>
+              <a:t>export CROSS_COMPILE = arm-</a:t>
+            </a:r>
+            <a:r>
+              <a:rPr lang="en-US" altLang="zh-CN" sz="1400" dirty="0" err="1">
+                <a:latin typeface="Segoe UI" panose="020B0502040204020203" pitchFamily="34" charset="0"/>
+              </a:rPr>
+              <a:t>linux</a:t>
+            </a:r>
+            <a:r>
+              <a:rPr lang="en-US" altLang="zh-CN" sz="1400" dirty="0">
+                <a:latin typeface="Segoe UI" panose="020B0502040204020203" pitchFamily="34" charset="0"/>
+              </a:rPr>
+              <a:t>-</a:t>
+            </a:r>
+            <a:r>
+              <a:rPr lang="en-US" altLang="zh-CN" sz="1400" dirty="0" err="1">
+                <a:latin typeface="Segoe UI" panose="020B0502040204020203" pitchFamily="34" charset="0"/>
+              </a:rPr>
+              <a:t>gnueabihf</a:t>
+            </a:r>
+            <a:r>
+              <a:rPr lang="en-US" altLang="zh-CN" sz="1400" dirty="0">
+                <a:latin typeface="Segoe UI" panose="020B0502040204020203" pitchFamily="34" charset="0"/>
+              </a:rPr>
+              <a:t>-</a:t>
+            </a:r>
+            <a:br>
+              <a:rPr lang="en-US" altLang="zh-CN" sz="1400" dirty="0">
+                <a:latin typeface="Segoe UI" panose="020B0502040204020203" pitchFamily="34" charset="0"/>
+              </a:rPr>
+            </a:br>
+            <a:r>
+              <a:rPr lang="en-US" altLang="zh-CN" sz="1400" dirty="0">
+                <a:latin typeface="Segoe UI" panose="020B0502040204020203" pitchFamily="34" charset="0"/>
+              </a:rPr>
+              <a:t>export CC = $(CROSS_COMPILE)</a:t>
+            </a:r>
+            <a:r>
+              <a:rPr lang="en-US" altLang="zh-CN" sz="1400" dirty="0" err="1">
+                <a:latin typeface="Segoe UI" panose="020B0502040204020203" pitchFamily="34" charset="0"/>
+              </a:rPr>
+              <a:t>gcc</a:t>
+            </a:r>
+            <a:endParaRPr lang="en-US" altLang="zh-CN" sz="1400" dirty="0">
+              <a:latin typeface="Segoe UI" panose="020B0502040204020203" pitchFamily="34" charset="0"/>
+            </a:endParaRPr>
+          </a:p>
+          <a:p>
+            <a:pPr marL="342900" indent="-342900">
+              <a:buFont typeface="+mj-lt"/>
+              <a:buAutoNum type="arabicPeriod"/>
+            </a:pPr>
+            <a:r>
+              <a:rPr lang="en-US" altLang="zh-CN" sz="1400" dirty="0">
+                <a:latin typeface="Segoe UI" panose="020B0502040204020203" pitchFamily="34" charset="0"/>
+              </a:rPr>
+              <a:t>Assign permissions to scripts in </a:t>
+            </a:r>
+            <a:r>
+              <a:rPr lang="en-US" altLang="zh-CN" sz="1400" dirty="0" err="1">
+                <a:latin typeface="Segoe UI" panose="020B0502040204020203" pitchFamily="34" charset="0"/>
+              </a:rPr>
+              <a:t>tinyalsa</a:t>
+            </a:r>
+            <a:r>
+              <a:rPr lang="en-US" altLang="zh-CN" sz="1400" dirty="0">
+                <a:latin typeface="Segoe UI" panose="020B0502040204020203" pitchFamily="34" charset="0"/>
+              </a:rPr>
+              <a:t> package</a:t>
+            </a:r>
+            <a:br>
+              <a:rPr lang="en-US" altLang="zh-CN" sz="1400" dirty="0">
+                <a:latin typeface="Segoe UI" panose="020B0502040204020203" pitchFamily="34" charset="0"/>
+              </a:rPr>
+            </a:br>
+            <a:r>
+              <a:rPr lang="en-US" altLang="zh-CN" sz="1400" dirty="0">
+                <a:latin typeface="Segoe UI" panose="020B0502040204020203" pitchFamily="34" charset="0"/>
+              </a:rPr>
+              <a:t>#chmod 777 script</a:t>
+            </a:r>
+          </a:p>
+          <a:p>
+            <a:pPr marL="342900" indent="-342900">
+              <a:buFont typeface="+mj-lt"/>
+              <a:buAutoNum type="arabicPeriod"/>
+            </a:pPr>
+            <a:r>
+              <a:rPr lang="en-US" altLang="zh-CN" sz="1400" dirty="0">
+                <a:latin typeface="Segoe UI" panose="020B0502040204020203" pitchFamily="34" charset="0"/>
+              </a:rPr>
+              <a:t>To build and install with Make, run the commands:</a:t>
+            </a:r>
+            <a:br>
+              <a:rPr lang="en-US" altLang="zh-CN" sz="1400" dirty="0">
+                <a:latin typeface="Segoe UI" panose="020B0502040204020203" pitchFamily="34" charset="0"/>
+              </a:rPr>
+            </a:br>
+            <a:r>
+              <a:rPr lang="en-US" altLang="zh-CN" sz="1400" dirty="0">
+                <a:latin typeface="Segoe UI" panose="020B0502040204020203" pitchFamily="34" charset="0"/>
+              </a:rPr>
+              <a:t># </a:t>
+            </a:r>
+            <a:r>
+              <a:rPr lang="en-US" altLang="zh-CN" sz="1400" dirty="0" err="1">
+                <a:latin typeface="Segoe UI" panose="020B0502040204020203" pitchFamily="34" charset="0"/>
+              </a:rPr>
+              <a:t>sudo</a:t>
+            </a:r>
+            <a:r>
+              <a:rPr lang="en-US" altLang="zh-CN" sz="1400" dirty="0">
+                <a:latin typeface="Segoe UI" panose="020B0502040204020203" pitchFamily="34" charset="0"/>
+              </a:rPr>
+              <a:t> make</a:t>
+            </a:r>
+            <a:br>
+              <a:rPr lang="en-US" altLang="zh-CN" sz="1400" dirty="0">
+                <a:latin typeface="Segoe UI" panose="020B0502040204020203" pitchFamily="34" charset="0"/>
+              </a:rPr>
+            </a:br>
+            <a:r>
+              <a:rPr lang="en-US" altLang="zh-CN" sz="1400" dirty="0">
+                <a:latin typeface="Segoe UI" panose="020B0502040204020203" pitchFamily="34" charset="0"/>
+              </a:rPr>
+              <a:t># </a:t>
+            </a:r>
+            <a:r>
+              <a:rPr lang="en-US" altLang="zh-CN" sz="1400" dirty="0" err="1">
+                <a:latin typeface="Segoe UI" panose="020B0502040204020203" pitchFamily="34" charset="0"/>
+              </a:rPr>
+              <a:t>sudo</a:t>
+            </a:r>
+            <a:r>
+              <a:rPr lang="en-US" altLang="zh-CN" sz="1400" dirty="0">
+                <a:latin typeface="Segoe UI" panose="020B0502040204020203" pitchFamily="34" charset="0"/>
+              </a:rPr>
+              <a:t> make install</a:t>
+            </a:r>
+            <a:br>
+              <a:rPr lang="en-US" altLang="zh-CN" sz="1400" dirty="0">
+                <a:latin typeface="Segoe UI" panose="020B0502040204020203" pitchFamily="34" charset="0"/>
+              </a:rPr>
+            </a:br>
+            <a:r>
+              <a:rPr lang="en-US" altLang="zh-CN" sz="1400" dirty="0">
+                <a:latin typeface="Segoe UI" panose="020B0502040204020203" pitchFamily="34" charset="0"/>
+              </a:rPr>
+              <a:t># </a:t>
+            </a:r>
+            <a:r>
+              <a:rPr lang="en-US" altLang="zh-CN" sz="1400" dirty="0" err="1">
+                <a:latin typeface="Segoe UI" panose="020B0502040204020203" pitchFamily="34" charset="0"/>
+              </a:rPr>
+              <a:t>sudo</a:t>
+            </a:r>
+            <a:r>
+              <a:rPr lang="en-US" altLang="zh-CN" sz="1400" dirty="0">
+                <a:latin typeface="Segoe UI" panose="020B0502040204020203" pitchFamily="34" charset="0"/>
+              </a:rPr>
+              <a:t> </a:t>
+            </a:r>
+            <a:r>
+              <a:rPr lang="en-US" altLang="zh-CN" sz="1400" dirty="0" err="1">
+                <a:latin typeface="Segoe UI" panose="020B0502040204020203" pitchFamily="34" charset="0"/>
+              </a:rPr>
+              <a:t>ldconfig</a:t>
+            </a:r>
+            <a:endParaRPr lang="en-US" altLang="zh-CN" sz="1400" dirty="0">
+              <a:latin typeface="Segoe UI" panose="020B0502040204020203" pitchFamily="34" charset="0"/>
+            </a:endParaRPr>
+          </a:p>
+          <a:p>
+            <a:pPr marL="342900" indent="-342900">
+              <a:buFont typeface="+mj-lt"/>
+              <a:buAutoNum type="arabicPeriod"/>
+            </a:pPr>
+            <a:r>
+              <a:rPr lang="en-US" altLang="zh-CN" sz="1400" dirty="0">
+                <a:latin typeface="Segoe UI" panose="020B0502040204020203" pitchFamily="34" charset="0"/>
+              </a:rPr>
+              <a:t>Once installed, the man pages are available via:</a:t>
+            </a:r>
+            <a:br>
+              <a:rPr lang="en-US" altLang="zh-CN" sz="1400" dirty="0">
+                <a:latin typeface="Segoe UI" panose="020B0502040204020203" pitchFamily="34" charset="0"/>
+              </a:rPr>
+            </a:br>
+            <a:r>
+              <a:rPr lang="en-US" altLang="zh-CN" sz="1400" dirty="0">
+                <a:latin typeface="Segoe UI" panose="020B0502040204020203" pitchFamily="34" charset="0"/>
+              </a:rPr>
+              <a:t>     # man </a:t>
+            </a:r>
+            <a:r>
+              <a:rPr lang="en-US" altLang="zh-CN" sz="1400" dirty="0" err="1">
+                <a:latin typeface="Segoe UI" panose="020B0502040204020203" pitchFamily="34" charset="0"/>
+              </a:rPr>
+              <a:t>tinyplay</a:t>
+            </a:r>
+            <a:br>
+              <a:rPr lang="en-US" altLang="zh-CN" sz="1400" dirty="0">
+                <a:latin typeface="Segoe UI" panose="020B0502040204020203" pitchFamily="34" charset="0"/>
+              </a:rPr>
+            </a:br>
+            <a:r>
+              <a:rPr lang="en-US" altLang="zh-CN" sz="1400" dirty="0">
+                <a:latin typeface="Segoe UI" panose="020B0502040204020203" pitchFamily="34" charset="0"/>
+              </a:rPr>
+              <a:t>     # man </a:t>
+            </a:r>
+            <a:r>
+              <a:rPr lang="en-US" altLang="zh-CN" sz="1400" dirty="0" err="1">
+                <a:latin typeface="Segoe UI" panose="020B0502040204020203" pitchFamily="34" charset="0"/>
+              </a:rPr>
+              <a:t>tinycap</a:t>
+            </a:r>
+            <a:br>
+              <a:rPr lang="en-US" altLang="zh-CN" sz="1400" dirty="0">
+                <a:latin typeface="Segoe UI" panose="020B0502040204020203" pitchFamily="34" charset="0"/>
+              </a:rPr>
+            </a:br>
+            <a:r>
+              <a:rPr lang="en-US" altLang="zh-CN" sz="1400" dirty="0">
+                <a:latin typeface="Segoe UI" panose="020B0502040204020203" pitchFamily="34" charset="0"/>
+              </a:rPr>
+              <a:t>     # man </a:t>
+            </a:r>
+            <a:r>
+              <a:rPr lang="en-US" altLang="zh-CN" sz="1400" dirty="0" err="1">
+                <a:latin typeface="Segoe UI" panose="020B0502040204020203" pitchFamily="34" charset="0"/>
+              </a:rPr>
+              <a:t>tinymix</a:t>
+            </a:r>
+            <a:br>
+              <a:rPr lang="en-US" altLang="zh-CN" sz="1400" dirty="0">
+                <a:latin typeface="Segoe UI" panose="020B0502040204020203" pitchFamily="34" charset="0"/>
+              </a:rPr>
+            </a:br>
+            <a:r>
+              <a:rPr lang="en-US" altLang="zh-CN" sz="1400" dirty="0">
+                <a:latin typeface="Segoe UI" panose="020B0502040204020203" pitchFamily="34" charset="0"/>
+              </a:rPr>
+              <a:t>     # man </a:t>
+            </a:r>
+            <a:r>
+              <a:rPr lang="en-US" altLang="zh-CN" sz="1400" dirty="0" err="1">
+                <a:latin typeface="Segoe UI" panose="020B0502040204020203" pitchFamily="34" charset="0"/>
+              </a:rPr>
+              <a:t>tinypcminfo</a:t>
+            </a:r>
+            <a:br>
+              <a:rPr lang="en-US" altLang="zh-CN" sz="1400" dirty="0">
+                <a:latin typeface="Segoe UI" panose="020B0502040204020203" pitchFamily="34" charset="0"/>
+              </a:rPr>
+            </a:br>
+            <a:endParaRPr lang="zh-CN" altLang="en-US" sz="1400" dirty="0">
+              <a:latin typeface="Segoe UI" panose="020B0502040204020203" pitchFamily="34" charset="0"/>
+            </a:endParaRPr>
+          </a:p>
+        </p:txBody>
+      </p:sp>
+      <p:sp>
+        <p:nvSpPr>
+          <p:cNvPr id="4" name="灯片编号占位符 3">
+            <a:extLst>
+              <a:ext uri="{FF2B5EF4-FFF2-40B4-BE49-F238E27FC236}">
+                <a16:creationId xmlns:a16="http://schemas.microsoft.com/office/drawing/2014/main" id="{546DA8CB-5F74-CD17-BC73-727B2E350FC4}"/>
+              </a:ext>
+            </a:extLst>
+          </p:cNvPr>
+          <p:cNvSpPr>
+            <a:spLocks noGrp="1"/>
+          </p:cNvSpPr>
+          <p:nvPr>
+            <p:ph type="sldNum" sz="quarter" idx="10"/>
+          </p:nvPr>
+        </p:nvSpPr>
+        <p:spPr/>
+        <p:txBody>
+          <a:bodyPr/>
+          <a:lstStyle/>
+          <a:p>
+            <a:pPr defTabSz="1219170" fontAlgn="base">
+              <a:spcBef>
+                <a:spcPct val="0"/>
+              </a:spcBef>
+              <a:spcAft>
+                <a:spcPct val="0"/>
+              </a:spcAft>
+              <a:defRPr/>
+            </a:pPr>
+            <a:fld id="{2B97888F-6AF7-4263-B69D-592D8C33BAC7}" type="slidenum">
+              <a:rPr lang="en-US" smtClean="0">
+                <a:solidFill>
+                  <a:srgbClr val="000000"/>
+                </a:solidFill>
+              </a:rPr>
+              <a:pPr defTabSz="1219170" fontAlgn="base">
+                <a:spcBef>
+                  <a:spcPct val="0"/>
+                </a:spcBef>
+                <a:spcAft>
+                  <a:spcPct val="0"/>
+                </a:spcAft>
+                <a:defRPr/>
+              </a:pPr>
+              <a:t>30</a:t>
+            </a:fld>
+            <a:endParaRPr lang="en-US">
+              <a:solidFill>
+                <a:srgbClr val="000000"/>
+              </a:solidFill>
+            </a:endParaRPr>
+          </a:p>
+        </p:txBody>
+      </p:sp>
+    </p:spTree>
+    <p:extLst>
+      <p:ext uri="{BB962C8B-B14F-4D97-AF65-F5344CB8AC3E}">
+        <p14:creationId xmlns:p14="http://schemas.microsoft.com/office/powerpoint/2010/main" val="3764372519"/>
+      </p:ext>
+    </p:extLst>
+  </p:cSld>
+  <p:clrMapOvr>
+    <a:masterClrMapping/>
+  </p:clrMapOvr>
+</p:sld>
+</file>
+
+<file path=ppt/slides/slide31.xml><?xml version="1.0" encoding="utf-8"?>
+<p:sld xmlns:a="http://schemas.openxmlformats.org/drawingml/2006/main" xmlns:r="http://schemas.openxmlformats.org/officeDocument/2006/relationships" xmlns:p="http://schemas.openxmlformats.org/presentationml/2006/main">
+  <p:cSld>
+    <p:spTree>
+      <p:nvGrpSpPr>
+        <p:cNvPr id="1" name=""/>
+        <p:cNvGrpSpPr/>
+        <p:nvPr/>
+      </p:nvGrpSpPr>
+      <p:grpSpPr>
+        <a:xfrm>
+          <a:off x="0" y="0"/>
+          <a:ext cx="0" cy="0"/>
+          <a:chOff x="0" y="0"/>
+          <a:chExt cx="0" cy="0"/>
+        </a:xfrm>
+      </p:grpSpPr>
+      <p:sp>
+        <p:nvSpPr>
           <p:cNvPr id="2" name="Title 1"/>
           <p:cNvSpPr>
             <a:spLocks noGrp="1"/>
@@ -27980,7 +28228,7 @@
               <a:pPr>
                 <a:defRPr/>
               </a:pPr>
-              <a:t>30</a:t>
+              <a:t>31</a:t>
             </a:fld>
             <a:endParaRPr lang="en-US">
               <a:solidFill>
@@ -29192,7 +29440,7 @@
                 <a:buFontTx/>
                 <a:buNone/>
               </a:pPr>
-              <a:t>10/9/2022</a:t>
+              <a:t>10/10/2022</a:t>
             </a:fld>
             <a:endParaRPr lang="en-US" altLang="zh-CN" sz="1000">
               <a:ea typeface="宋体" panose="02010600030101010101" pitchFamily="2" charset="-122"/>
@@ -30357,7 +30605,7 @@
                 <a:buFontTx/>
                 <a:buNone/>
               </a:pPr>
-              <a:t>10/9/2022</a:t>
+              <a:t>10/10/2022</a:t>
             </a:fld>
             <a:endParaRPr lang="en-US" altLang="zh-CN" sz="1000">
               <a:ea typeface="宋体" panose="02010600030101010101" pitchFamily="2" charset="-122"/>

--- a/doc/Guideline for tas2781 Linux driver based on BBB.pptx
+++ b/doc/Guideline for tas2781 Linux driver based on BBB.pptx
@@ -6,7 +6,7 @@
     <p:sldMasterId id="2147483668" r:id="rId2"/>
   </p:sldMasterIdLst>
   <p:notesMasterIdLst>
-    <p:notesMasterId r:id="rId34"/>
+    <p:notesMasterId r:id="rId35"/>
   </p:notesMasterIdLst>
   <p:sldIdLst>
     <p:sldId id="256" r:id="rId3"/>
@@ -20,26 +20,27 @@
     <p:sldId id="913" r:id="rId11"/>
     <p:sldId id="967" r:id="rId12"/>
     <p:sldId id="966" r:id="rId13"/>
-    <p:sldId id="947" r:id="rId14"/>
-    <p:sldId id="968" r:id="rId15"/>
-    <p:sldId id="964" r:id="rId16"/>
-    <p:sldId id="759" r:id="rId17"/>
-    <p:sldId id="948" r:id="rId18"/>
-    <p:sldId id="954" r:id="rId19"/>
-    <p:sldId id="955" r:id="rId20"/>
-    <p:sldId id="950" r:id="rId21"/>
-    <p:sldId id="951" r:id="rId22"/>
-    <p:sldId id="952" r:id="rId23"/>
-    <p:sldId id="956" r:id="rId24"/>
-    <p:sldId id="957" r:id="rId25"/>
-    <p:sldId id="756" r:id="rId26"/>
-    <p:sldId id="757" r:id="rId27"/>
-    <p:sldId id="375" r:id="rId28"/>
-    <p:sldId id="970" r:id="rId29"/>
-    <p:sldId id="969" r:id="rId30"/>
-    <p:sldId id="758" r:id="rId31"/>
-    <p:sldId id="958" r:id="rId32"/>
-    <p:sldId id="301" r:id="rId33"/>
+    <p:sldId id="971" r:id="rId14"/>
+    <p:sldId id="947" r:id="rId15"/>
+    <p:sldId id="968" r:id="rId16"/>
+    <p:sldId id="964" r:id="rId17"/>
+    <p:sldId id="759" r:id="rId18"/>
+    <p:sldId id="948" r:id="rId19"/>
+    <p:sldId id="954" r:id="rId20"/>
+    <p:sldId id="955" r:id="rId21"/>
+    <p:sldId id="950" r:id="rId22"/>
+    <p:sldId id="951" r:id="rId23"/>
+    <p:sldId id="952" r:id="rId24"/>
+    <p:sldId id="956" r:id="rId25"/>
+    <p:sldId id="957" r:id="rId26"/>
+    <p:sldId id="970" r:id="rId27"/>
+    <p:sldId id="757" r:id="rId28"/>
+    <p:sldId id="756" r:id="rId29"/>
+    <p:sldId id="375" r:id="rId30"/>
+    <p:sldId id="969" r:id="rId31"/>
+    <p:sldId id="758" r:id="rId32"/>
+    <p:sldId id="958" r:id="rId33"/>
+    <p:sldId id="301" r:id="rId34"/>
   </p:sldIdLst>
   <p:sldSz cx="12192000" cy="6858000"/>
   <p:notesSz cx="6858000" cy="9144000"/>
@@ -154,6 +155,7 @@
             <p14:sldId id="913"/>
             <p14:sldId id="967"/>
             <p14:sldId id="966"/>
+            <p14:sldId id="971"/>
             <p14:sldId id="947"/>
             <p14:sldId id="968"/>
             <p14:sldId id="964"/>
@@ -166,14 +168,14 @@
             <p14:sldId id="952"/>
             <p14:sldId id="956"/>
             <p14:sldId id="957"/>
+            <p14:sldId id="970"/>
+            <p14:sldId id="757"/>
             <p14:sldId id="756"/>
-            <p14:sldId id="757"/>
           </p14:sldIdLst>
         </p14:section>
         <p14:section name="Appendix" id="{2075A44B-631F-4482-A05D-A359711CFDEF}">
           <p14:sldIdLst>
             <p14:sldId id="375"/>
-            <p14:sldId id="970"/>
             <p14:sldId id="969"/>
             <p14:sldId id="758"/>
             <p14:sldId id="958"/>
@@ -198,7 +200,7 @@
       </p:ext>
     </p:extLst>
   </p:cmAuthor>
-  <p:cmAuthor id="2" name="Jim_XU TI" initials="JT" lastIdx="2" clrIdx="1">
+  <p:cmAuthor id="2" name="Jim_XU TI" initials="JT" lastIdx="3" clrIdx="1">
     <p:extLst>
       <p:ext uri="{19B8F6BF-5375-455C-9EA6-DF929625EA0E}">
         <p15:presenceInfo xmlns:p15="http://schemas.microsoft.com/office/powerpoint/2012/main" userId="aa4f788581eab79e" providerId="Windows Live"/>
@@ -206,6 +208,20 @@
     </p:extLst>
   </p:cmAuthor>
 </p:cmAuthorLst>
+</file>
+
+<file path=ppt/comments/comment1.xml><?xml version="1.0" encoding="utf-8"?>
+<p:cmLst xmlns:a="http://schemas.openxmlformats.org/drawingml/2006/main" xmlns:r="http://schemas.openxmlformats.org/officeDocument/2006/relationships" xmlns:p="http://schemas.openxmlformats.org/presentationml/2006/main">
+  <p:cm authorId="2" dt="2022-10-10T11:08:10.164" idx="3">
+    <p:pos x="1458" y="2373"/>
+    <p:text>Insert makefile</p:text>
+    <p:extLst>
+      <p:ext uri="{C676402C-5697-4E1C-873F-D02D1690AC5C}">
+        <p15:threadingInfo xmlns:p15="http://schemas.microsoft.com/office/powerpoint/2012/main" timeZoneBias="-480"/>
+      </p:ext>
+    </p:extLst>
+  </p:cm>
+</p:cmLst>
 </file>
 
 <file path=ppt/notesMasters/notesMaster1.xml><?xml version="1.0" encoding="utf-8"?>
@@ -290,7 +306,7 @@
           <a:p>
             <a:fld id="{1F697FBE-C442-4BD6-B1C1-3CD7A2814162}" type="datetimeFigureOut">
               <a:rPr lang="zh-CN" altLang="en-US" smtClean="0"/>
-              <a:t>2022/10/10</a:t>
+              <a:t>2022/10/11</a:t>
             </a:fld>
             <a:endParaRPr lang="zh-CN" altLang="en-US"/>
           </a:p>
@@ -10046,18 +10062,18 @@
           <a:lstStyle/>
           <a:p>
             <a:r>
-              <a:rPr lang="en-US" altLang="zh-CN" dirty="0"/>
+              <a:rPr lang="en-US" altLang="zh-CN" sz="2800" dirty="0"/>
               <a:t>Modification in </a:t>
             </a:r>
             <a:r>
-              <a:rPr lang="en-US" altLang="zh-CN" dirty="0" err="1"/>
+              <a:rPr lang="en-US" altLang="zh-CN" sz="2800" dirty="0" err="1"/>
               <a:t>defconfig</a:t>
             </a:r>
             <a:r>
-              <a:rPr lang="en-US" altLang="zh-CN" dirty="0"/>
-              <a:t> for Sound Card</a:t>
-            </a:r>
-            <a:endParaRPr lang="zh-CN" altLang="en-US" dirty="0"/>
+              <a:rPr lang="en-US" altLang="zh-CN" sz="2800" dirty="0"/>
+              <a:t> for Sound Card based on I2C or SPI</a:t>
+            </a:r>
+            <a:endParaRPr lang="zh-CN" altLang="en-US" sz="2800" dirty="0"/>
           </a:p>
         </p:txBody>
       </p:sp>
@@ -10279,6 +10295,182 @@
           <p:cNvPr id="2" name="标题 1">
             <a:extLst>
               <a:ext uri="{FF2B5EF4-FFF2-40B4-BE49-F238E27FC236}">
+                <a16:creationId xmlns:a16="http://schemas.microsoft.com/office/drawing/2014/main" id="{E67A93A3-A543-D8A1-D56A-9C605AC9C840}"/>
+              </a:ext>
+            </a:extLst>
+          </p:cNvPr>
+          <p:cNvSpPr>
+            <a:spLocks noGrp="1"/>
+          </p:cNvSpPr>
+          <p:nvPr>
+            <p:ph type="title"/>
+          </p:nvPr>
+        </p:nvSpPr>
+        <p:spPr/>
+        <p:txBody>
+          <a:bodyPr/>
+          <a:lstStyle/>
+          <a:p>
+            <a:r>
+              <a:rPr lang="en-US" altLang="zh-CN" dirty="0"/>
+              <a:t>CONFIG_COMPAT</a:t>
+            </a:r>
+            <a:endParaRPr lang="zh-CN" altLang="en-US" dirty="0"/>
+          </a:p>
+        </p:txBody>
+      </p:sp>
+      <p:sp>
+        <p:nvSpPr>
+          <p:cNvPr id="3" name="内容占位符 2">
+            <a:extLst>
+              <a:ext uri="{FF2B5EF4-FFF2-40B4-BE49-F238E27FC236}">
+                <a16:creationId xmlns:a16="http://schemas.microsoft.com/office/drawing/2014/main" id="{DDFD9BC6-56A2-353F-CD8F-0C66CBC5714E}"/>
+              </a:ext>
+            </a:extLst>
+          </p:cNvPr>
+          <p:cNvSpPr>
+            <a:spLocks noGrp="1"/>
+          </p:cNvSpPr>
+          <p:nvPr>
+            <p:ph idx="1"/>
+          </p:nvPr>
+        </p:nvSpPr>
+        <p:spPr/>
+        <p:txBody>
+          <a:bodyPr/>
+          <a:lstStyle/>
+          <a:p>
+            <a:r>
+              <a:rPr lang="en-US" altLang="zh-CN" dirty="0"/>
+              <a:t>Enable CONFIG_COMPAT on 64-bit kernel</a:t>
+            </a:r>
+          </a:p>
+          <a:p>
+            <a:pPr lvl="1"/>
+            <a:r>
+              <a:rPr lang="en-US" altLang="zh-CN" b="0" i="0" dirty="0">
+                <a:solidFill>
+                  <a:srgbClr val="333F48"/>
+                </a:solidFill>
+                <a:effectLst/>
+                <a:latin typeface="Arial" panose="020B0604020202020204" pitchFamily="34" charset="0"/>
+              </a:rPr>
+              <a:t>The whole point of CONFIG_COMPAT is to allow running 32-bit </a:t>
+            </a:r>
+            <a:r>
+              <a:rPr lang="en-US" altLang="zh-CN" b="0" i="0" dirty="0" err="1">
+                <a:solidFill>
+                  <a:srgbClr val="333F48"/>
+                </a:solidFill>
+                <a:effectLst/>
+                <a:latin typeface="Arial" panose="020B0604020202020204" pitchFamily="34" charset="0"/>
+              </a:rPr>
+              <a:t>userspace</a:t>
+            </a:r>
+            <a:r>
+              <a:rPr lang="en-US" altLang="zh-CN" b="0" i="0" dirty="0">
+                <a:solidFill>
+                  <a:srgbClr val="333F48"/>
+                </a:solidFill>
+                <a:effectLst/>
+                <a:latin typeface="Arial" panose="020B0604020202020204" pitchFamily="34" charset="0"/>
+              </a:rPr>
+              <a:t> code on a 64-bit kernel.  So no, it doesn’t need to enable on a 32-bit kernel.</a:t>
+            </a:r>
+            <a:endParaRPr lang="zh-CN" altLang="en-US" dirty="0"/>
+          </a:p>
+        </p:txBody>
+      </p:sp>
+      <p:sp>
+        <p:nvSpPr>
+          <p:cNvPr id="4" name="灯片编号占位符 3">
+            <a:extLst>
+              <a:ext uri="{FF2B5EF4-FFF2-40B4-BE49-F238E27FC236}">
+                <a16:creationId xmlns:a16="http://schemas.microsoft.com/office/drawing/2014/main" id="{F7842A1D-062A-12FF-A4B7-57C81F4B18EB}"/>
+              </a:ext>
+            </a:extLst>
+          </p:cNvPr>
+          <p:cNvSpPr>
+            <a:spLocks noGrp="1"/>
+          </p:cNvSpPr>
+          <p:nvPr>
+            <p:ph type="sldNum" sz="quarter" idx="10"/>
+          </p:nvPr>
+        </p:nvSpPr>
+        <p:spPr/>
+        <p:txBody>
+          <a:bodyPr/>
+          <a:lstStyle/>
+          <a:p>
+            <a:pPr defTabSz="1219170" fontAlgn="base">
+              <a:spcBef>
+                <a:spcPct val="0"/>
+              </a:spcBef>
+              <a:spcAft>
+                <a:spcPct val="0"/>
+              </a:spcAft>
+              <a:defRPr/>
+            </a:pPr>
+            <a:fld id="{2B97888F-6AF7-4263-B69D-592D8C33BAC7}" type="slidenum">
+              <a:rPr lang="en-US" smtClean="0">
+                <a:solidFill>
+                  <a:srgbClr val="000000"/>
+                </a:solidFill>
+              </a:rPr>
+              <a:pPr defTabSz="1219170" fontAlgn="base">
+                <a:spcBef>
+                  <a:spcPct val="0"/>
+                </a:spcBef>
+                <a:spcAft>
+                  <a:spcPct val="0"/>
+                </a:spcAft>
+                <a:defRPr/>
+              </a:pPr>
+              <a:t>12</a:t>
+            </a:fld>
+            <a:endParaRPr lang="en-US">
+              <a:solidFill>
+                <a:srgbClr val="000000"/>
+              </a:solidFill>
+            </a:endParaRPr>
+          </a:p>
+        </p:txBody>
+      </p:sp>
+    </p:spTree>
+    <p:extLst>
+      <p:ext uri="{BB962C8B-B14F-4D97-AF65-F5344CB8AC3E}">
+        <p14:creationId xmlns:p14="http://schemas.microsoft.com/office/powerpoint/2010/main" val="1848043545"/>
+      </p:ext>
+    </p:extLst>
+  </p:cSld>
+  <p:clrMapOvr>
+    <a:masterClrMapping/>
+  </p:clrMapOvr>
+</p:sld>
+</file>
+
+<file path=ppt/slides/slide13.xml><?xml version="1.0" encoding="utf-8"?>
+<p:sld xmlns:a="http://schemas.openxmlformats.org/drawingml/2006/main" xmlns:r="http://schemas.openxmlformats.org/officeDocument/2006/relationships" xmlns:p="http://schemas.openxmlformats.org/presentationml/2006/main">
+  <p:cSld>
+    <p:spTree>
+      <p:nvGrpSpPr>
+        <p:cNvPr id="1" name=""/>
+        <p:cNvGrpSpPr/>
+        <p:nvPr/>
+      </p:nvGrpSpPr>
+      <p:grpSpPr>
+        <a:xfrm>
+          <a:off x="0" y="0"/>
+          <a:ext cx="0" cy="0"/>
+          <a:chOff x="0" y="0"/>
+          <a:chExt cx="0" cy="0"/>
+        </a:xfrm>
+      </p:grpSpPr>
+      <p:sp>
+        <p:nvSpPr>
+          <p:cNvPr id="2" name="标题 1">
+            <a:extLst>
+              <a:ext uri="{FF2B5EF4-FFF2-40B4-BE49-F238E27FC236}">
                 <a16:creationId xmlns:a16="http://schemas.microsoft.com/office/drawing/2014/main" id="{AB7A0105-6D12-8715-8F38-DD604EF131F2}"/>
               </a:ext>
             </a:extLst>
@@ -10352,7 +10544,7 @@
                 </a:spcAft>
                 <a:defRPr/>
               </a:pPr>
-              <a:t>12</a:t>
+              <a:t>13</a:t>
             </a:fld>
             <a:endParaRPr lang="en-US">
               <a:solidFill>
@@ -10601,7 +10793,7 @@
 </p:sld>
 </file>
 
-<file path=ppt/slides/slide13.xml><?xml version="1.0" encoding="utf-8"?>
+<file path=ppt/slides/slide14.xml><?xml version="1.0" encoding="utf-8"?>
 <p:sld xmlns:a="http://schemas.openxmlformats.org/drawingml/2006/main" xmlns:r="http://schemas.openxmlformats.org/officeDocument/2006/relationships" xmlns:p="http://schemas.openxmlformats.org/presentationml/2006/main">
   <p:cSld>
     <p:spTree>
@@ -11167,7 +11359,7 @@
                 </a:spcAft>
                 <a:defRPr/>
               </a:pPr>
-              <a:t>13</a:t>
+              <a:t>14</a:t>
             </a:fld>
             <a:endParaRPr lang="en-US">
               <a:solidFill>
@@ -11190,7 +11382,7 @@
 </p:sld>
 </file>
 
-<file path=ppt/slides/slide14.xml><?xml version="1.0" encoding="utf-8"?>
+<file path=ppt/slides/slide15.xml><?xml version="1.0" encoding="utf-8"?>
 <p:sld xmlns:a="http://schemas.openxmlformats.org/drawingml/2006/main" xmlns:r="http://schemas.openxmlformats.org/officeDocument/2006/relationships" xmlns:p="http://schemas.openxmlformats.org/presentationml/2006/main">
   <p:cSld>
     <p:spTree>
@@ -11419,7 +11611,7 @@
                 </a:spcAft>
                 <a:defRPr/>
               </a:pPr>
-              <a:t>14</a:t>
+              <a:t>15</a:t>
             </a:fld>
             <a:endParaRPr lang="en-US">
               <a:solidFill>
@@ -11442,7 +11634,7 @@
 </p:sld>
 </file>
 
-<file path=ppt/slides/slide15.xml><?xml version="1.0" encoding="utf-8"?>
+<file path=ppt/slides/slide16.xml><?xml version="1.0" encoding="utf-8"?>
 <p:sld xmlns:a="http://schemas.openxmlformats.org/drawingml/2006/main" xmlns:r="http://schemas.openxmlformats.org/officeDocument/2006/relationships" xmlns:p="http://schemas.openxmlformats.org/presentationml/2006/main">
   <p:cSld>
     <p:spTree>
@@ -11535,7 +11727,7 @@
                 </a:spcAft>
                 <a:defRPr/>
               </a:pPr>
-              <a:t>15</a:t>
+              <a:t>16</a:t>
             </a:fld>
             <a:endParaRPr lang="en-US">
               <a:solidFill>
@@ -11885,7 +12077,7 @@
         </p:blipFill>
         <p:spPr>
           <a:xfrm>
-            <a:off x="412750" y="4122859"/>
+            <a:off x="444500" y="4375150"/>
             <a:ext cx="11334750" cy="1619250"/>
           </a:xfrm>
           <a:prstGeom prst="rect">
@@ -11897,313 +12089,6 @@
     <p:extLst>
       <p:ext uri="{BB962C8B-B14F-4D97-AF65-F5344CB8AC3E}">
         <p14:creationId xmlns:p14="http://schemas.microsoft.com/office/powerpoint/2010/main" val="551591210"/>
-      </p:ext>
-    </p:extLst>
-  </p:cSld>
-  <p:clrMapOvr>
-    <a:masterClrMapping/>
-  </p:clrMapOvr>
-</p:sld>
-</file>
-
-<file path=ppt/slides/slide16.xml><?xml version="1.0" encoding="utf-8"?>
-<p:sld xmlns:a="http://schemas.openxmlformats.org/drawingml/2006/main" xmlns:r="http://schemas.openxmlformats.org/officeDocument/2006/relationships" xmlns:p="http://schemas.openxmlformats.org/presentationml/2006/main">
-  <p:cSld>
-    <p:spTree>
-      <p:nvGrpSpPr>
-        <p:cNvPr id="1" name=""/>
-        <p:cNvGrpSpPr/>
-        <p:nvPr/>
-      </p:nvGrpSpPr>
-      <p:grpSpPr>
-        <a:xfrm>
-          <a:off x="0" y="0"/>
-          <a:ext cx="0" cy="0"/>
-          <a:chOff x="0" y="0"/>
-          <a:chExt cx="0" cy="0"/>
-        </a:xfrm>
-      </p:grpSpPr>
-      <p:sp>
-        <p:nvSpPr>
-          <p:cNvPr id="6" name="标题 5">
-            <a:extLst>
-              <a:ext uri="{FF2B5EF4-FFF2-40B4-BE49-F238E27FC236}">
-                <a16:creationId xmlns:a16="http://schemas.microsoft.com/office/drawing/2014/main" id="{D6F6AC84-A378-485C-A3D5-469F0AB06CF2}"/>
-              </a:ext>
-            </a:extLst>
-          </p:cNvPr>
-          <p:cNvSpPr>
-            <a:spLocks noGrp="1"/>
-          </p:cNvSpPr>
-          <p:nvPr>
-            <p:ph type="title"/>
-          </p:nvPr>
-        </p:nvSpPr>
-        <p:spPr/>
-        <p:txBody>
-          <a:bodyPr/>
-          <a:lstStyle/>
-          <a:p>
-            <a:r>
-              <a:rPr lang="en-US" altLang="zh-CN" sz="3600" b="1" strike="noStrike" spc="-1" dirty="0">
-                <a:solidFill>
-                  <a:srgbClr val="DE0000"/>
-                </a:solidFill>
-                <a:uFill>
-                  <a:solidFill>
-                    <a:srgbClr val="FFFFFF"/>
-                  </a:solidFill>
-                </a:uFill>
-                <a:latin typeface="Arial" panose="020B0604020202020204"/>
-                <a:ea typeface="DejaVu Sans"/>
-              </a:rPr>
-              <a:t>Driver nodes I </a:t>
-            </a:r>
-            <a:r>
-              <a:rPr lang="en-US" altLang="zh-CN" spc="-1" dirty="0">
-                <a:solidFill>
-                  <a:srgbClr val="DE0000"/>
-                </a:solidFill>
-                <a:uFill>
-                  <a:solidFill>
-                    <a:srgbClr val="FFFFFF"/>
-                  </a:solidFill>
-                </a:uFill>
-                <a:latin typeface="Arial" panose="020B0604020202020204"/>
-                <a:ea typeface="DejaVu Sans"/>
-              </a:rPr>
-              <a:t>| I</a:t>
-            </a:r>
-            <a:r>
-              <a:rPr lang="en-US" altLang="zh-CN" sz="3600" b="1" strike="noStrike" spc="-1" dirty="0">
-                <a:solidFill>
-                  <a:srgbClr val="DE0000"/>
-                </a:solidFill>
-                <a:uFill>
-                  <a:solidFill>
-                    <a:srgbClr val="FFFFFF"/>
-                  </a:solidFill>
-                </a:uFill>
-                <a:latin typeface="Arial" panose="020B0604020202020204"/>
-                <a:ea typeface="DejaVu Sans"/>
-              </a:rPr>
-              <a:t>ntroduction</a:t>
-            </a:r>
-            <a:endParaRPr lang="zh-CN" altLang="en-US" dirty="0"/>
-          </a:p>
-        </p:txBody>
-      </p:sp>
-      <p:sp>
-        <p:nvSpPr>
-          <p:cNvPr id="7" name="内容占位符 6">
-            <a:extLst>
-              <a:ext uri="{FF2B5EF4-FFF2-40B4-BE49-F238E27FC236}">
-                <a16:creationId xmlns:a16="http://schemas.microsoft.com/office/drawing/2014/main" id="{88EE38F9-0269-4DD7-B0FE-B771F2A3C2A9}"/>
-              </a:ext>
-            </a:extLst>
-          </p:cNvPr>
-          <p:cNvSpPr>
-            <a:spLocks noGrp="1"/>
-          </p:cNvSpPr>
-          <p:nvPr>
-            <p:ph idx="1"/>
-          </p:nvPr>
-        </p:nvSpPr>
-        <p:spPr/>
-        <p:txBody>
-          <a:bodyPr/>
-          <a:lstStyle/>
-          <a:p>
-            <a:r>
-              <a:rPr lang="en-US" altLang="zh-CN" sz="2400" dirty="0"/>
-              <a:t>In order to debug driver freely, several driver nodes have been defined, </a:t>
-            </a:r>
-          </a:p>
-          <a:p>
-            <a:endParaRPr lang="en-US" altLang="zh-CN" dirty="0"/>
-          </a:p>
-          <a:p>
-            <a:endParaRPr lang="en-US" altLang="zh-CN" sz="2400" dirty="0"/>
-          </a:p>
-          <a:p>
-            <a:endParaRPr lang="en-US" altLang="zh-CN" dirty="0"/>
-          </a:p>
-          <a:p>
-            <a:endParaRPr lang="en-US" altLang="zh-CN" sz="2400" dirty="0"/>
-          </a:p>
-          <a:p>
-            <a:pPr marL="228600" marR="0" lvl="0" indent="-228600" algn="l" defTabSz="914400" rtl="0" eaLnBrk="1" fontAlgn="auto" latinLnBrk="0" hangingPunct="1">
-              <a:lnSpc>
-                <a:spcPct val="90000"/>
-              </a:lnSpc>
-              <a:spcBef>
-                <a:spcPts val="1000"/>
-              </a:spcBef>
-              <a:spcAft>
-                <a:spcPts val="0"/>
-              </a:spcAft>
-              <a:buClrTx/>
-              <a:buSzTx/>
-              <a:buFont typeface="Arial" panose="020B0604020202020204" pitchFamily="34" charset="0"/>
-              <a:buChar char="•"/>
-              <a:tabLst/>
-              <a:defRPr/>
-            </a:pPr>
-            <a:r>
-              <a:rPr lang="en-US" altLang="zh-CN" kern="1200" dirty="0">
-                <a:solidFill>
-                  <a:prstClr val="black"/>
-                </a:solidFill>
-                <a:latin typeface="Arial"/>
-              </a:rPr>
-              <a:t>Check below path to access above</a:t>
-            </a:r>
-            <a:r>
-              <a:rPr kumimoji="0" lang="en-US" altLang="zh-CN" sz="2400" b="0" i="0" u="none" strike="noStrike" kern="1200" cap="none" spc="0" normalizeH="0" baseline="0" noProof="0" dirty="0">
-                <a:ln>
-                  <a:noFill/>
-                </a:ln>
-                <a:solidFill>
-                  <a:prstClr val="black"/>
-                </a:solidFill>
-                <a:effectLst/>
-                <a:uLnTx/>
-                <a:uFillTx/>
-                <a:latin typeface="Arial"/>
-              </a:rPr>
-              <a:t> driver nodes</a:t>
-            </a:r>
-          </a:p>
-          <a:p>
-            <a:pPr marR="0" lvl="1" defTabSz="914400" latinLnBrk="0">
-              <a:lnSpc>
-                <a:spcPct val="90000"/>
-              </a:lnSpc>
-              <a:buClrTx/>
-              <a:buSzTx/>
-              <a:buFont typeface="Arial" panose="020B0604020202020204" pitchFamily="34" charset="0"/>
-              <a:buChar char="–"/>
-              <a:tabLst/>
-              <a:defRPr/>
-            </a:pPr>
-            <a:r>
-              <a:rPr lang="en-US" altLang="zh-CN" sz="2000" dirty="0"/>
-              <a:t>/sys/bus/i2c/devices/2-0038 </a:t>
-            </a:r>
-          </a:p>
-          <a:p>
-            <a:pPr marR="0" lvl="1" defTabSz="914400" latinLnBrk="0">
-              <a:lnSpc>
-                <a:spcPct val="90000"/>
-              </a:lnSpc>
-              <a:buClrTx/>
-              <a:buSzTx/>
-              <a:buFont typeface="Arial" panose="020B0604020202020204" pitchFamily="34" charset="0"/>
-              <a:buChar char="–"/>
-              <a:tabLst/>
-              <a:defRPr/>
-            </a:pPr>
-            <a:r>
-              <a:rPr lang="en-US" altLang="zh-CN" sz="2000" dirty="0"/>
-              <a:t>/sys/class/i2c-adapter/i2c-2/2-0038  </a:t>
-            </a:r>
-          </a:p>
-          <a:p>
-            <a:pPr marR="0" lvl="1" defTabSz="914400" latinLnBrk="0">
-              <a:lnSpc>
-                <a:spcPct val="90000"/>
-              </a:lnSpc>
-              <a:buClrTx/>
-              <a:buSzTx/>
-              <a:buFont typeface="Arial" panose="020B0604020202020204" pitchFamily="34" charset="0"/>
-              <a:buChar char="–"/>
-              <a:tabLst/>
-              <a:defRPr/>
-            </a:pPr>
-            <a:r>
-              <a:rPr lang="en-US" altLang="zh-CN" sz="2000" dirty="0"/>
-              <a:t>/sys/class/i2c-dev/i2c-2/device/2-0038</a:t>
-            </a:r>
-          </a:p>
-        </p:txBody>
-      </p:sp>
-      <p:sp>
-        <p:nvSpPr>
-          <p:cNvPr id="5" name="灯片编号占位符 4">
-            <a:extLst>
-              <a:ext uri="{FF2B5EF4-FFF2-40B4-BE49-F238E27FC236}">
-                <a16:creationId xmlns:a16="http://schemas.microsoft.com/office/drawing/2014/main" id="{A0EB225E-7E2D-49AB-9C04-CAB0FF989B61}"/>
-              </a:ext>
-            </a:extLst>
-          </p:cNvPr>
-          <p:cNvSpPr>
-            <a:spLocks noGrp="1"/>
-          </p:cNvSpPr>
-          <p:nvPr>
-            <p:ph type="sldNum" sz="quarter" idx="10"/>
-          </p:nvPr>
-        </p:nvSpPr>
-        <p:spPr/>
-        <p:txBody>
-          <a:bodyPr/>
-          <a:lstStyle/>
-          <a:p>
-            <a:pPr>
-              <a:defRPr/>
-            </a:pPr>
-            <a:fld id="{B53548F6-AAA9-4A8D-A869-511B3DFE3256}" type="slidenum">
-              <a:rPr lang="en-US" smtClean="0">
-                <a:solidFill>
-                  <a:srgbClr val="000000"/>
-                </a:solidFill>
-              </a:rPr>
-              <a:pPr>
-                <a:defRPr/>
-              </a:pPr>
-              <a:t>16</a:t>
-            </a:fld>
-            <a:endParaRPr lang="en-US" dirty="0">
-              <a:solidFill>
-                <a:srgbClr val="000000"/>
-              </a:solidFill>
-            </a:endParaRPr>
-          </a:p>
-        </p:txBody>
-      </p:sp>
-      <p:pic>
-        <p:nvPicPr>
-          <p:cNvPr id="2" name="图片 1">
-            <a:extLst>
-              <a:ext uri="{FF2B5EF4-FFF2-40B4-BE49-F238E27FC236}">
-                <a16:creationId xmlns:a16="http://schemas.microsoft.com/office/drawing/2014/main" id="{1CD8C53E-3CCF-FC6A-2E4D-EAFCE02F2512}"/>
-              </a:ext>
-            </a:extLst>
-          </p:cNvPr>
-          <p:cNvPicPr>
-            <a:picLocks noChangeAspect="1"/>
-          </p:cNvPicPr>
-          <p:nvPr/>
-        </p:nvPicPr>
-        <p:blipFill>
-          <a:blip r:embed="rId2"/>
-          <a:stretch>
-            <a:fillRect/>
-          </a:stretch>
-        </p:blipFill>
-        <p:spPr>
-          <a:xfrm>
-            <a:off x="846260" y="1659914"/>
-            <a:ext cx="7427124" cy="801932"/>
-          </a:xfrm>
-          <a:prstGeom prst="rect">
-            <a:avLst/>
-          </a:prstGeom>
-        </p:spPr>
-      </p:pic>
-    </p:spTree>
-    <p:extLst>
-      <p:ext uri="{BB962C8B-B14F-4D97-AF65-F5344CB8AC3E}">
-        <p14:creationId xmlns:p14="http://schemas.microsoft.com/office/powerpoint/2010/main" val="4271154118"/>
       </p:ext>
     </p:extLst>
   </p:cSld>
@@ -12264,6 +12149,313 @@
                 <a:latin typeface="Arial" panose="020B0604020202020204"/>
                 <a:ea typeface="DejaVu Sans"/>
               </a:rPr>
+              <a:t>Driver nodes I </a:t>
+            </a:r>
+            <a:r>
+              <a:rPr lang="en-US" altLang="zh-CN" spc="-1" dirty="0">
+                <a:solidFill>
+                  <a:srgbClr val="DE0000"/>
+                </a:solidFill>
+                <a:uFill>
+                  <a:solidFill>
+                    <a:srgbClr val="FFFFFF"/>
+                  </a:solidFill>
+                </a:uFill>
+                <a:latin typeface="Arial" panose="020B0604020202020204"/>
+                <a:ea typeface="DejaVu Sans"/>
+              </a:rPr>
+              <a:t>| I</a:t>
+            </a:r>
+            <a:r>
+              <a:rPr lang="en-US" altLang="zh-CN" sz="3600" b="1" strike="noStrike" spc="-1" dirty="0">
+                <a:solidFill>
+                  <a:srgbClr val="DE0000"/>
+                </a:solidFill>
+                <a:uFill>
+                  <a:solidFill>
+                    <a:srgbClr val="FFFFFF"/>
+                  </a:solidFill>
+                </a:uFill>
+                <a:latin typeface="Arial" panose="020B0604020202020204"/>
+                <a:ea typeface="DejaVu Sans"/>
+              </a:rPr>
+              <a:t>ntroduction</a:t>
+            </a:r>
+            <a:endParaRPr lang="zh-CN" altLang="en-US" dirty="0"/>
+          </a:p>
+        </p:txBody>
+      </p:sp>
+      <p:sp>
+        <p:nvSpPr>
+          <p:cNvPr id="7" name="内容占位符 6">
+            <a:extLst>
+              <a:ext uri="{FF2B5EF4-FFF2-40B4-BE49-F238E27FC236}">
+                <a16:creationId xmlns:a16="http://schemas.microsoft.com/office/drawing/2014/main" id="{88EE38F9-0269-4DD7-B0FE-B771F2A3C2A9}"/>
+              </a:ext>
+            </a:extLst>
+          </p:cNvPr>
+          <p:cNvSpPr>
+            <a:spLocks noGrp="1"/>
+          </p:cNvSpPr>
+          <p:nvPr>
+            <p:ph idx="1"/>
+          </p:nvPr>
+        </p:nvSpPr>
+        <p:spPr/>
+        <p:txBody>
+          <a:bodyPr/>
+          <a:lstStyle/>
+          <a:p>
+            <a:r>
+              <a:rPr lang="en-US" altLang="zh-CN" sz="2400" dirty="0"/>
+              <a:t>In order to debug driver freely, several driver nodes have been defined, </a:t>
+            </a:r>
+          </a:p>
+          <a:p>
+            <a:endParaRPr lang="en-US" altLang="zh-CN" dirty="0"/>
+          </a:p>
+          <a:p>
+            <a:endParaRPr lang="en-US" altLang="zh-CN" sz="2400" dirty="0"/>
+          </a:p>
+          <a:p>
+            <a:endParaRPr lang="en-US" altLang="zh-CN" dirty="0"/>
+          </a:p>
+          <a:p>
+            <a:endParaRPr lang="en-US" altLang="zh-CN" sz="2400" dirty="0"/>
+          </a:p>
+          <a:p>
+            <a:pPr marL="228600" marR="0" lvl="0" indent="-228600" algn="l" defTabSz="914400" rtl="0" eaLnBrk="1" fontAlgn="auto" latinLnBrk="0" hangingPunct="1">
+              <a:lnSpc>
+                <a:spcPct val="90000"/>
+              </a:lnSpc>
+              <a:spcBef>
+                <a:spcPts val="1000"/>
+              </a:spcBef>
+              <a:spcAft>
+                <a:spcPts val="0"/>
+              </a:spcAft>
+              <a:buClrTx/>
+              <a:buSzTx/>
+              <a:buFont typeface="Arial" panose="020B0604020202020204" pitchFamily="34" charset="0"/>
+              <a:buChar char="•"/>
+              <a:tabLst/>
+              <a:defRPr/>
+            </a:pPr>
+            <a:r>
+              <a:rPr lang="en-US" altLang="zh-CN" kern="1200" dirty="0">
+                <a:solidFill>
+                  <a:prstClr val="black"/>
+                </a:solidFill>
+                <a:latin typeface="Arial"/>
+              </a:rPr>
+              <a:t>Check below path to access above</a:t>
+            </a:r>
+            <a:r>
+              <a:rPr kumimoji="0" lang="en-US" altLang="zh-CN" sz="2400" b="0" i="0" u="none" strike="noStrike" kern="1200" cap="none" spc="0" normalizeH="0" baseline="0" noProof="0" dirty="0">
+                <a:ln>
+                  <a:noFill/>
+                </a:ln>
+                <a:solidFill>
+                  <a:prstClr val="black"/>
+                </a:solidFill>
+                <a:effectLst/>
+                <a:uLnTx/>
+                <a:uFillTx/>
+                <a:latin typeface="Arial"/>
+              </a:rPr>
+              <a:t> driver nodes</a:t>
+            </a:r>
+          </a:p>
+          <a:p>
+            <a:pPr marR="0" lvl="1" defTabSz="914400" latinLnBrk="0">
+              <a:lnSpc>
+                <a:spcPct val="90000"/>
+              </a:lnSpc>
+              <a:buClrTx/>
+              <a:buSzTx/>
+              <a:buFont typeface="Arial" panose="020B0604020202020204" pitchFamily="34" charset="0"/>
+              <a:buChar char="–"/>
+              <a:tabLst/>
+              <a:defRPr/>
+            </a:pPr>
+            <a:r>
+              <a:rPr lang="en-US" altLang="zh-CN" sz="2000" dirty="0"/>
+              <a:t>/sys/bus/i2c/devices/2-0038 </a:t>
+            </a:r>
+          </a:p>
+          <a:p>
+            <a:pPr marR="0" lvl="1" defTabSz="914400" latinLnBrk="0">
+              <a:lnSpc>
+                <a:spcPct val="90000"/>
+              </a:lnSpc>
+              <a:buClrTx/>
+              <a:buSzTx/>
+              <a:buFont typeface="Arial" panose="020B0604020202020204" pitchFamily="34" charset="0"/>
+              <a:buChar char="–"/>
+              <a:tabLst/>
+              <a:defRPr/>
+            </a:pPr>
+            <a:r>
+              <a:rPr lang="en-US" altLang="zh-CN" sz="2000" dirty="0"/>
+              <a:t>/sys/class/i2c-adapter/i2c-2/2-0038  </a:t>
+            </a:r>
+          </a:p>
+          <a:p>
+            <a:pPr marR="0" lvl="1" defTabSz="914400" latinLnBrk="0">
+              <a:lnSpc>
+                <a:spcPct val="90000"/>
+              </a:lnSpc>
+              <a:buClrTx/>
+              <a:buSzTx/>
+              <a:buFont typeface="Arial" panose="020B0604020202020204" pitchFamily="34" charset="0"/>
+              <a:buChar char="–"/>
+              <a:tabLst/>
+              <a:defRPr/>
+            </a:pPr>
+            <a:r>
+              <a:rPr lang="en-US" altLang="zh-CN" sz="2000" dirty="0"/>
+              <a:t>/sys/class/i2c-dev/i2c-2/device/2-0038</a:t>
+            </a:r>
+          </a:p>
+        </p:txBody>
+      </p:sp>
+      <p:sp>
+        <p:nvSpPr>
+          <p:cNvPr id="5" name="灯片编号占位符 4">
+            <a:extLst>
+              <a:ext uri="{FF2B5EF4-FFF2-40B4-BE49-F238E27FC236}">
+                <a16:creationId xmlns:a16="http://schemas.microsoft.com/office/drawing/2014/main" id="{A0EB225E-7E2D-49AB-9C04-CAB0FF989B61}"/>
+              </a:ext>
+            </a:extLst>
+          </p:cNvPr>
+          <p:cNvSpPr>
+            <a:spLocks noGrp="1"/>
+          </p:cNvSpPr>
+          <p:nvPr>
+            <p:ph type="sldNum" sz="quarter" idx="10"/>
+          </p:nvPr>
+        </p:nvSpPr>
+        <p:spPr/>
+        <p:txBody>
+          <a:bodyPr/>
+          <a:lstStyle/>
+          <a:p>
+            <a:pPr>
+              <a:defRPr/>
+            </a:pPr>
+            <a:fld id="{B53548F6-AAA9-4A8D-A869-511B3DFE3256}" type="slidenum">
+              <a:rPr lang="en-US" smtClean="0">
+                <a:solidFill>
+                  <a:srgbClr val="000000"/>
+                </a:solidFill>
+              </a:rPr>
+              <a:pPr>
+                <a:defRPr/>
+              </a:pPr>
+              <a:t>17</a:t>
+            </a:fld>
+            <a:endParaRPr lang="en-US" dirty="0">
+              <a:solidFill>
+                <a:srgbClr val="000000"/>
+              </a:solidFill>
+            </a:endParaRPr>
+          </a:p>
+        </p:txBody>
+      </p:sp>
+      <p:pic>
+        <p:nvPicPr>
+          <p:cNvPr id="2" name="图片 1">
+            <a:extLst>
+              <a:ext uri="{FF2B5EF4-FFF2-40B4-BE49-F238E27FC236}">
+                <a16:creationId xmlns:a16="http://schemas.microsoft.com/office/drawing/2014/main" id="{1CD8C53E-3CCF-FC6A-2E4D-EAFCE02F2512}"/>
+              </a:ext>
+            </a:extLst>
+          </p:cNvPr>
+          <p:cNvPicPr>
+            <a:picLocks noChangeAspect="1"/>
+          </p:cNvPicPr>
+          <p:nvPr/>
+        </p:nvPicPr>
+        <p:blipFill>
+          <a:blip r:embed="rId2"/>
+          <a:stretch>
+            <a:fillRect/>
+          </a:stretch>
+        </p:blipFill>
+        <p:spPr>
+          <a:xfrm>
+            <a:off x="846260" y="1659914"/>
+            <a:ext cx="7427124" cy="801932"/>
+          </a:xfrm>
+          <a:prstGeom prst="rect">
+            <a:avLst/>
+          </a:prstGeom>
+        </p:spPr>
+      </p:pic>
+    </p:spTree>
+    <p:extLst>
+      <p:ext uri="{BB962C8B-B14F-4D97-AF65-F5344CB8AC3E}">
+        <p14:creationId xmlns:p14="http://schemas.microsoft.com/office/powerpoint/2010/main" val="4271154118"/>
+      </p:ext>
+    </p:extLst>
+  </p:cSld>
+  <p:clrMapOvr>
+    <a:masterClrMapping/>
+  </p:clrMapOvr>
+</p:sld>
+</file>
+
+<file path=ppt/slides/slide18.xml><?xml version="1.0" encoding="utf-8"?>
+<p:sld xmlns:a="http://schemas.openxmlformats.org/drawingml/2006/main" xmlns:r="http://schemas.openxmlformats.org/officeDocument/2006/relationships" xmlns:p="http://schemas.openxmlformats.org/presentationml/2006/main">
+  <p:cSld>
+    <p:spTree>
+      <p:nvGrpSpPr>
+        <p:cNvPr id="1" name=""/>
+        <p:cNvGrpSpPr/>
+        <p:nvPr/>
+      </p:nvGrpSpPr>
+      <p:grpSpPr>
+        <a:xfrm>
+          <a:off x="0" y="0"/>
+          <a:ext cx="0" cy="0"/>
+          <a:chOff x="0" y="0"/>
+          <a:chExt cx="0" cy="0"/>
+        </a:xfrm>
+      </p:grpSpPr>
+      <p:sp>
+        <p:nvSpPr>
+          <p:cNvPr id="6" name="标题 5">
+            <a:extLst>
+              <a:ext uri="{FF2B5EF4-FFF2-40B4-BE49-F238E27FC236}">
+                <a16:creationId xmlns:a16="http://schemas.microsoft.com/office/drawing/2014/main" id="{D6F6AC84-A378-485C-A3D5-469F0AB06CF2}"/>
+              </a:ext>
+            </a:extLst>
+          </p:cNvPr>
+          <p:cNvSpPr>
+            <a:spLocks noGrp="1"/>
+          </p:cNvSpPr>
+          <p:nvPr>
+            <p:ph type="title"/>
+          </p:nvPr>
+        </p:nvSpPr>
+        <p:spPr/>
+        <p:txBody>
+          <a:bodyPr/>
+          <a:lstStyle/>
+          <a:p>
+            <a:r>
+              <a:rPr lang="en-US" altLang="zh-CN" sz="3600" b="1" strike="noStrike" spc="-1" dirty="0">
+                <a:solidFill>
+                  <a:srgbClr val="DE0000"/>
+                </a:solidFill>
+                <a:uFill>
+                  <a:solidFill>
+                    <a:srgbClr val="FFFFFF"/>
+                  </a:solidFill>
+                </a:uFill>
+                <a:latin typeface="Arial" panose="020B0604020202020204"/>
+                <a:ea typeface="DejaVu Sans"/>
+              </a:rPr>
               <a:t>Driver nodes II </a:t>
             </a:r>
             <a:r>
@@ -12523,7 +12715,7 @@
               <a:pPr>
                 <a:defRPr/>
               </a:pPr>
-              <a:t>17</a:t>
+              <a:t>18</a:t>
             </a:fld>
             <a:endParaRPr lang="en-US" dirty="0">
               <a:solidFill>
@@ -12886,276 +13078,6 @@
 </p:sld>
 </file>
 
-<file path=ppt/slides/slide18.xml><?xml version="1.0" encoding="utf-8"?>
-<p:sld xmlns:a="http://schemas.openxmlformats.org/drawingml/2006/main" xmlns:r="http://schemas.openxmlformats.org/officeDocument/2006/relationships" xmlns:p="http://schemas.openxmlformats.org/presentationml/2006/main">
-  <p:cSld>
-    <p:spTree>
-      <p:nvGrpSpPr>
-        <p:cNvPr id="1" name=""/>
-        <p:cNvGrpSpPr/>
-        <p:nvPr/>
-      </p:nvGrpSpPr>
-      <p:grpSpPr>
-        <a:xfrm>
-          <a:off x="0" y="0"/>
-          <a:ext cx="0" cy="0"/>
-          <a:chOff x="0" y="0"/>
-          <a:chExt cx="0" cy="0"/>
-        </a:xfrm>
-      </p:grpSpPr>
-      <p:sp>
-        <p:nvSpPr>
-          <p:cNvPr id="6" name="标题 5">
-            <a:extLst>
-              <a:ext uri="{FF2B5EF4-FFF2-40B4-BE49-F238E27FC236}">
-                <a16:creationId xmlns:a16="http://schemas.microsoft.com/office/drawing/2014/main" id="{D6F6AC84-A378-485C-A3D5-469F0AB06CF2}"/>
-              </a:ext>
-            </a:extLst>
-          </p:cNvPr>
-          <p:cNvSpPr>
-            <a:spLocks noGrp="1"/>
-          </p:cNvSpPr>
-          <p:nvPr>
-            <p:ph type="title"/>
-          </p:nvPr>
-        </p:nvSpPr>
-        <p:spPr/>
-        <p:txBody>
-          <a:bodyPr/>
-          <a:lstStyle/>
-          <a:p>
-            <a:r>
-              <a:rPr lang="en-US" altLang="zh-CN" sz="3600" b="1" strike="noStrike" spc="-1" dirty="0">
-                <a:solidFill>
-                  <a:srgbClr val="DE0000"/>
-                </a:solidFill>
-                <a:uFill>
-                  <a:solidFill>
-                    <a:srgbClr val="FFFFFF"/>
-                  </a:solidFill>
-                </a:uFill>
-                <a:latin typeface="Arial" panose="020B0604020202020204"/>
-                <a:ea typeface="DejaVu Sans"/>
-              </a:rPr>
-              <a:t>Driver nodes II </a:t>
-            </a:r>
-            <a:r>
-              <a:rPr lang="en-US" altLang="zh-CN" spc="-1" dirty="0">
-                <a:solidFill>
-                  <a:srgbClr val="DE0000"/>
-                </a:solidFill>
-                <a:uFill>
-                  <a:solidFill>
-                    <a:srgbClr val="FFFFFF"/>
-                  </a:solidFill>
-                </a:uFill>
-                <a:latin typeface="Arial" panose="020B0604020202020204"/>
-                <a:ea typeface="DejaVu Sans"/>
-              </a:rPr>
-              <a:t>|</a:t>
-            </a:r>
-            <a:r>
-              <a:rPr lang="en-US" altLang="zh-CN" sz="3600" b="1" strike="noStrike" spc="-1" dirty="0">
-                <a:solidFill>
-                  <a:srgbClr val="DE0000"/>
-                </a:solidFill>
-                <a:uFill>
-                  <a:solidFill>
-                    <a:srgbClr val="FFFFFF"/>
-                  </a:solidFill>
-                </a:uFill>
-                <a:latin typeface="Arial" panose="020B0604020202020204"/>
-                <a:ea typeface="DejaVu Sans"/>
-              </a:rPr>
-              <a:t> reg</a:t>
-            </a:r>
-            <a:endParaRPr lang="zh-CN" altLang="en-US" dirty="0"/>
-          </a:p>
-        </p:txBody>
-      </p:sp>
-      <p:sp>
-        <p:nvSpPr>
-          <p:cNvPr id="7" name="内容占位符 6">
-            <a:extLst>
-              <a:ext uri="{FF2B5EF4-FFF2-40B4-BE49-F238E27FC236}">
-                <a16:creationId xmlns:a16="http://schemas.microsoft.com/office/drawing/2014/main" id="{88EE38F9-0269-4DD7-B0FE-B771F2A3C2A9}"/>
-              </a:ext>
-            </a:extLst>
-          </p:cNvPr>
-          <p:cNvSpPr>
-            <a:spLocks noGrp="1"/>
-          </p:cNvSpPr>
-          <p:nvPr>
-            <p:ph idx="1"/>
-          </p:nvPr>
-        </p:nvSpPr>
-        <p:spPr/>
-        <p:txBody>
-          <a:bodyPr/>
-          <a:lstStyle/>
-          <a:p>
-            <a:r>
-              <a:rPr lang="en-US" altLang="zh-CN" sz="2400" dirty="0"/>
-              <a:t>#echo </a:t>
-            </a:r>
-            <a:r>
-              <a:rPr lang="en-US" altLang="zh-CN" sz="2400" dirty="0" err="1"/>
-              <a:t>chn</a:t>
-            </a:r>
-            <a:r>
-              <a:rPr lang="en-US" altLang="zh-CN" sz="2400" dirty="0"/>
-              <a:t> 0xBK 0xPG 0xRG 0xXX &gt; reg</a:t>
-            </a:r>
-          </a:p>
-          <a:p>
-            <a:pPr marL="454846" lvl="1" indent="0">
-              <a:buNone/>
-            </a:pPr>
-            <a:r>
-              <a:rPr lang="en-US" altLang="zh-CN" sz="1600" dirty="0"/>
-              <a:t>Illustration: Write a value to a certain register</a:t>
-            </a:r>
-          </a:p>
-          <a:p>
-            <a:pPr lvl="1"/>
-            <a:r>
-              <a:rPr lang="en-US" altLang="zh-CN" sz="1600" dirty="0" err="1"/>
-              <a:t>chn</a:t>
-            </a:r>
-            <a:r>
-              <a:rPr lang="en-US" altLang="zh-CN" sz="1600" dirty="0"/>
-              <a:t> is channel no, must be 1-digital</a:t>
-            </a:r>
-          </a:p>
-          <a:p>
-            <a:pPr lvl="1"/>
-            <a:r>
-              <a:rPr lang="en-US" altLang="zh-CN" sz="1600" dirty="0"/>
-              <a:t>BK, PG, RG &amp; XX must be 2-digital HEX</a:t>
-            </a:r>
-          </a:p>
-          <a:p>
-            <a:pPr lvl="1"/>
-            <a:r>
-              <a:rPr lang="en-US" altLang="zh-CN" sz="1600" dirty="0" err="1"/>
-              <a:t>eg</a:t>
-            </a:r>
-            <a:r>
-              <a:rPr lang="en-US" altLang="zh-CN" sz="1600" dirty="0"/>
-              <a:t>: 0 0x00 </a:t>
-            </a:r>
-            <a:r>
-              <a:rPr lang="en-US" altLang="zh-CN" sz="1600" dirty="0" err="1"/>
-              <a:t>0x00</a:t>
-            </a:r>
-            <a:r>
-              <a:rPr lang="en-US" altLang="zh-CN" sz="1600" dirty="0"/>
-              <a:t> 0x05 0x07 &gt; reg</a:t>
-            </a:r>
-          </a:p>
-          <a:p>
-            <a:r>
-              <a:rPr lang="en-US" altLang="zh-CN" sz="2400" dirty="0"/>
-              <a:t>#cat reg</a:t>
-            </a:r>
-          </a:p>
-          <a:p>
-            <a:pPr marL="454846" lvl="1" indent="0">
-              <a:buNone/>
-            </a:pPr>
-            <a:r>
-              <a:rPr lang="en-US" altLang="zh-CN" sz="1600" dirty="0"/>
-              <a:t>Illustration: Read back the value from the register which have been echoed before</a:t>
-            </a:r>
-          </a:p>
-        </p:txBody>
-      </p:sp>
-      <p:sp>
-        <p:nvSpPr>
-          <p:cNvPr id="5" name="灯片编号占位符 4">
-            <a:extLst>
-              <a:ext uri="{FF2B5EF4-FFF2-40B4-BE49-F238E27FC236}">
-                <a16:creationId xmlns:a16="http://schemas.microsoft.com/office/drawing/2014/main" id="{A0EB225E-7E2D-49AB-9C04-CAB0FF989B61}"/>
-              </a:ext>
-            </a:extLst>
-          </p:cNvPr>
-          <p:cNvSpPr>
-            <a:spLocks noGrp="1"/>
-          </p:cNvSpPr>
-          <p:nvPr>
-            <p:ph type="sldNum" sz="quarter" idx="10"/>
-          </p:nvPr>
-        </p:nvSpPr>
-        <p:spPr/>
-        <p:txBody>
-          <a:bodyPr/>
-          <a:lstStyle/>
-          <a:p>
-            <a:pPr>
-              <a:defRPr/>
-            </a:pPr>
-            <a:fld id="{B53548F6-AAA9-4A8D-A869-511B3DFE3256}" type="slidenum">
-              <a:rPr lang="en-US" smtClean="0">
-                <a:solidFill>
-                  <a:srgbClr val="000000"/>
-                </a:solidFill>
-              </a:rPr>
-              <a:pPr>
-                <a:defRPr/>
-              </a:pPr>
-              <a:t>18</a:t>
-            </a:fld>
-            <a:endParaRPr lang="en-US" dirty="0">
-              <a:solidFill>
-                <a:srgbClr val="000000"/>
-              </a:solidFill>
-            </a:endParaRPr>
-          </a:p>
-        </p:txBody>
-      </p:sp>
-      <p:pic>
-        <p:nvPicPr>
-          <p:cNvPr id="2" name="图片 1">
-            <a:extLst>
-              <a:ext uri="{FF2B5EF4-FFF2-40B4-BE49-F238E27FC236}">
-                <a16:creationId xmlns:a16="http://schemas.microsoft.com/office/drawing/2014/main" id="{07F66BED-2FB2-FD3C-6EEB-23DD2175CE4C}"/>
-              </a:ext>
-            </a:extLst>
-          </p:cNvPr>
-          <p:cNvPicPr>
-            <a:picLocks noChangeAspect="1"/>
-          </p:cNvPicPr>
-          <p:nvPr/>
-        </p:nvPicPr>
-        <p:blipFill>
-          <a:blip r:embed="rId2"/>
-          <a:stretch>
-            <a:fillRect/>
-          </a:stretch>
-        </p:blipFill>
-        <p:spPr>
-          <a:xfrm>
-            <a:off x="892419" y="3585429"/>
-            <a:ext cx="8172450" cy="824859"/>
-          </a:xfrm>
-          <a:prstGeom prst="rect">
-            <a:avLst/>
-          </a:prstGeom>
-        </p:spPr>
-      </p:pic>
-    </p:spTree>
-    <p:extLst>
-      <p:ext uri="{BB962C8B-B14F-4D97-AF65-F5344CB8AC3E}">
-        <p14:creationId xmlns:p14="http://schemas.microsoft.com/office/powerpoint/2010/main" val="864682733"/>
-      </p:ext>
-    </p:extLst>
-  </p:cSld>
-  <p:clrMapOvr>
-    <a:masterClrMapping/>
-  </p:clrMapOvr>
-</p:sld>
-</file>
-
 <file path=ppt/slides/slide19.xml><?xml version="1.0" encoding="utf-8"?>
 <p:sld xmlns:a="http://schemas.openxmlformats.org/drawingml/2006/main" xmlns:r="http://schemas.openxmlformats.org/officeDocument/2006/relationships" xmlns:p="http://schemas.openxmlformats.org/presentationml/2006/main">
   <p:cSld>
@@ -13207,11 +13129,37 @@
                 <a:latin typeface="Arial" panose="020B0604020202020204"/>
                 <a:ea typeface="DejaVu Sans"/>
               </a:rPr>
-              <a:t>Driver nodes III | </a:t>
-            </a:r>
-            <a:r>
-              <a:rPr lang="en-US" altLang="zh-CN" sz="3600" dirty="0" err="1"/>
-              <a:t>regdump</a:t>
+              <a:t>Driver nodes II </a:t>
+            </a:r>
+            <a:r>
+              <a:rPr lang="en-US" altLang="zh-CN" spc="-1" dirty="0">
+                <a:solidFill>
+                  <a:srgbClr val="DE0000"/>
+                </a:solidFill>
+                <a:uFill>
+                  <a:solidFill>
+                    <a:srgbClr val="FFFFFF"/>
+                  </a:solidFill>
+                </a:uFill>
+                <a:latin typeface="Arial" panose="020B0604020202020204"/>
+                <a:ea typeface="DejaVu Sans"/>
+              </a:rPr>
+              <a:t>|</a:t>
+            </a:r>
+            <a:r>
+              <a:rPr lang="en-US" altLang="zh-CN" sz="3600" b="1" strike="noStrike" spc="-1" dirty="0">
+                <a:solidFill>
+                  <a:srgbClr val="DE0000"/>
+                </a:solidFill>
+                <a:uFill>
+                  <a:solidFill>
+                    <a:srgbClr val="FFFFFF"/>
+                  </a:solidFill>
+                </a:uFill>
+                <a:latin typeface="Arial" panose="020B0604020202020204"/>
+                <a:ea typeface="DejaVu Sans"/>
+              </a:rPr>
+              <a:t> reg</a:t>
             </a:r>
             <a:endParaRPr lang="zh-CN" altLang="en-US" dirty="0"/>
           </a:p>
@@ -13248,63 +13196,69 @@
             </a:r>
             <a:r>
               <a:rPr lang="en-US" altLang="zh-CN" sz="2400" dirty="0"/>
-              <a:t> 0xBK 0xPG &gt; </a:t>
-            </a:r>
-            <a:r>
-              <a:rPr lang="en-US" altLang="zh-CN" sz="2400" dirty="0" err="1"/>
-              <a:t>regdump</a:t>
-            </a:r>
-            <a:endParaRPr lang="en-US" altLang="zh-CN" sz="2400" dirty="0"/>
+              <a:t> 0xBK 0xPG 0xRG 0xXX &gt; reg</a:t>
+            </a:r>
           </a:p>
           <a:p>
             <a:pPr marL="454846" lvl="1" indent="0">
               <a:buNone/>
             </a:pPr>
             <a:r>
-              <a:rPr lang="en-US" altLang="zh-CN" sz="2000" dirty="0"/>
-              <a:t>Illustration: the command dump all the registers of the specific page</a:t>
+              <a:rPr lang="en-US" altLang="zh-CN" sz="1600" dirty="0"/>
+              <a:t>Illustration: Write a value to a certain register</a:t>
             </a:r>
           </a:p>
           <a:p>
             <a:pPr lvl="1"/>
             <a:r>
-              <a:rPr lang="en-US" altLang="zh-CN" dirty="0" err="1"/>
+              <a:rPr lang="en-US" altLang="zh-CN" sz="1600" dirty="0" err="1"/>
               <a:t>chn</a:t>
             </a:r>
             <a:r>
-              <a:rPr lang="en-US" altLang="zh-CN" dirty="0"/>
+              <a:rPr lang="en-US" altLang="zh-CN" sz="1600" dirty="0"/>
               <a:t> is channel no, must be 1-digital</a:t>
             </a:r>
           </a:p>
           <a:p>
             <a:pPr lvl="1"/>
             <a:r>
-              <a:rPr lang="en-US" altLang="zh-CN" dirty="0"/>
-              <a:t>BK &amp; PG must be 2-digital HEX</a:t>
+              <a:rPr lang="en-US" altLang="zh-CN" sz="1600" dirty="0"/>
+              <a:t>BK, PG, RG &amp; XX must be 2-digital HEX</a:t>
+            </a:r>
+          </a:p>
+          <a:p>
+            <a:pPr lvl="1"/>
+            <a:r>
+              <a:rPr lang="en-US" altLang="zh-CN" sz="1600" dirty="0" err="1"/>
+              <a:t>eg</a:t>
+            </a:r>
+            <a:r>
+              <a:rPr lang="en-US" altLang="zh-CN" sz="1600" dirty="0"/>
+              <a:t>: 0 0x00 </a:t>
+            </a:r>
+            <a:r>
+              <a:rPr lang="en-US" altLang="zh-CN" sz="1600" dirty="0" err="1"/>
+              <a:t>0x00</a:t>
+            </a:r>
+            <a:r>
+              <a:rPr lang="en-US" altLang="zh-CN" sz="1600" dirty="0"/>
+              <a:t> 0x05 0x07 &gt; reg</a:t>
             </a:r>
           </a:p>
           <a:p>
             <a:r>
               <a:rPr lang="en-US" altLang="zh-CN" sz="2400" dirty="0"/>
-              <a:t>#cat </a:t>
-            </a:r>
-            <a:r>
-              <a:rPr lang="en-US" altLang="zh-CN" sz="2400" dirty="0" err="1"/>
-              <a:t>regdump</a:t>
-            </a:r>
-            <a:endParaRPr lang="en-US" altLang="zh-CN" sz="2400" dirty="0"/>
+              <a:t>#cat reg</a:t>
+            </a:r>
           </a:p>
           <a:p>
             <a:pPr marL="454846" lvl="1" indent="0">
               <a:buNone/>
             </a:pPr>
             <a:r>
-              <a:rPr lang="en-US" altLang="zh-CN" sz="2000" dirty="0"/>
-              <a:t>Illustration: run the echo command, show the 7-bit i2c address of the chip and dump the registers</a:t>
-            </a:r>
-          </a:p>
-          <a:p>
-            <a:endParaRPr lang="en-US" altLang="zh-CN" sz="2000" dirty="0"/>
+              <a:rPr lang="en-US" altLang="zh-CN" sz="1600" dirty="0"/>
+              <a:t>Illustration: Read back the value from the register which have been echoed before</a:t>
+            </a:r>
           </a:p>
         </p:txBody>
       </p:sp>
@@ -13351,148 +13305,40 @@
           </a:p>
         </p:txBody>
       </p:sp>
-      <p:graphicFrame>
-        <p:nvGraphicFramePr>
-          <p:cNvPr id="2" name="对象 1">
+      <p:pic>
+        <p:nvPicPr>
+          <p:cNvPr id="2" name="图片 1">
             <a:extLst>
               <a:ext uri="{FF2B5EF4-FFF2-40B4-BE49-F238E27FC236}">
-                <a16:creationId xmlns:a16="http://schemas.microsoft.com/office/drawing/2014/main" id="{EE204299-CBFE-4479-B7AD-6287588AB5AE}"/>
+                <a16:creationId xmlns:a16="http://schemas.microsoft.com/office/drawing/2014/main" id="{07F66BED-2FB2-FD3C-6EEB-23DD2175CE4C}"/>
               </a:ext>
             </a:extLst>
           </p:cNvPr>
-          <p:cNvGraphicFramePr>
-            <a:graphicFrameLocks noChangeAspect="1"/>
-          </p:cNvGraphicFramePr>
-          <p:nvPr>
-            <p:extLst>
-              <p:ext uri="{D42A27DB-BD31-4B8C-83A1-F6EECF244321}">
-                <p14:modId xmlns:p14="http://schemas.microsoft.com/office/powerpoint/2010/main" val="1926953102"/>
-              </p:ext>
-            </p:extLst>
-          </p:nvPr>
-        </p:nvGraphicFramePr>
-        <p:xfrm>
-          <a:off x="1689100" y="4252913"/>
-          <a:ext cx="1295400" cy="1173162"/>
-        </p:xfrm>
-        <a:graphic>
-          <a:graphicData uri="http://schemas.openxmlformats.org/presentationml/2006/ole">
-            <mc:AlternateContent xmlns:mc="http://schemas.openxmlformats.org/markup-compatibility/2006">
-              <mc:Choice xmlns:v="urn:schemas-microsoft-com:vml" Requires="v">
-                <p:oleObj name="包装程序外壳对象" showAsIcon="1" r:id="rId2" imgW="731520" imgH="663058" progId="Package">
-                  <p:embed/>
-                </p:oleObj>
-              </mc:Choice>
-              <mc:Fallback>
-                <p:oleObj name="包装程序外壳对象" showAsIcon="1" r:id="rId2" imgW="731520" imgH="663058" progId="Package">
-                  <p:embed/>
-                  <p:pic>
-                    <p:nvPicPr>
-                      <p:cNvPr id="2" name="对象 1">
-                        <a:extLst>
-                          <a:ext uri="{FF2B5EF4-FFF2-40B4-BE49-F238E27FC236}">
-                            <a16:creationId xmlns:a16="http://schemas.microsoft.com/office/drawing/2014/main" id="{EE204299-CBFE-4479-B7AD-6287588AB5AE}"/>
-                          </a:ext>
-                        </a:extLst>
-                      </p:cNvPr>
-                      <p:cNvPicPr/>
-                      <p:nvPr/>
-                    </p:nvPicPr>
-                    <p:blipFill>
-                      <a:blip r:embed="rId3"/>
-                      <a:stretch>
-                        <a:fillRect/>
-                      </a:stretch>
-                    </p:blipFill>
-                    <p:spPr>
-                      <a:xfrm>
-                        <a:off x="1689100" y="4252913"/>
-                        <a:ext cx="1295400" cy="1173162"/>
-                      </a:xfrm>
-                      <a:prstGeom prst="rect">
-                        <a:avLst/>
-                      </a:prstGeom>
-                    </p:spPr>
-                  </p:pic>
-                </p:oleObj>
-              </mc:Fallback>
-            </mc:AlternateContent>
-          </a:graphicData>
-        </a:graphic>
-      </p:graphicFrame>
-      <p:graphicFrame>
-        <p:nvGraphicFramePr>
-          <p:cNvPr id="3" name="对象 2">
-            <a:extLst>
-              <a:ext uri="{FF2B5EF4-FFF2-40B4-BE49-F238E27FC236}">
-                <a16:creationId xmlns:a16="http://schemas.microsoft.com/office/drawing/2014/main" id="{77825F16-FE1A-43C3-9FB5-4E31084E5CA7}"/>
-              </a:ext>
-            </a:extLst>
-          </p:cNvPr>
-          <p:cNvGraphicFramePr>
-            <a:graphicFrameLocks noChangeAspect="1"/>
-          </p:cNvGraphicFramePr>
-          <p:nvPr>
-            <p:extLst>
-              <p:ext uri="{D42A27DB-BD31-4B8C-83A1-F6EECF244321}">
-                <p14:modId xmlns:p14="http://schemas.microsoft.com/office/powerpoint/2010/main" val="2534478129"/>
-              </p:ext>
-            </p:extLst>
-          </p:nvPr>
-        </p:nvGraphicFramePr>
-        <p:xfrm>
-          <a:off x="7143750" y="4343400"/>
-          <a:ext cx="1096963" cy="990600"/>
-        </p:xfrm>
-        <a:graphic>
-          <a:graphicData uri="http://schemas.openxmlformats.org/presentationml/2006/ole">
-            <mc:AlternateContent xmlns:mc="http://schemas.openxmlformats.org/markup-compatibility/2006">
-              <mc:Choice xmlns:v="urn:schemas-microsoft-com:vml" Requires="v">
-                <p:oleObj name="包装程序外壳对象" showAsIcon="1" r:id="rId4" imgW="619200" imgH="559800" progId="Package">
-                  <p:embed/>
-                </p:oleObj>
-              </mc:Choice>
-              <mc:Fallback>
-                <p:oleObj name="包装程序外壳对象" showAsIcon="1" r:id="rId4" imgW="619200" imgH="559800" progId="Package">
-                  <p:embed/>
-                  <p:pic>
-                    <p:nvPicPr>
-                      <p:cNvPr id="3" name="对象 2">
-                        <a:extLst>
-                          <a:ext uri="{FF2B5EF4-FFF2-40B4-BE49-F238E27FC236}">
-                            <a16:creationId xmlns:a16="http://schemas.microsoft.com/office/drawing/2014/main" id="{77825F16-FE1A-43C3-9FB5-4E31084E5CA7}"/>
-                          </a:ext>
-                        </a:extLst>
-                      </p:cNvPr>
-                      <p:cNvPicPr/>
-                      <p:nvPr/>
-                    </p:nvPicPr>
-                    <p:blipFill>
-                      <a:blip r:embed="rId5"/>
-                      <a:stretch>
-                        <a:fillRect/>
-                      </a:stretch>
-                    </p:blipFill>
-                    <p:spPr>
-                      <a:xfrm>
-                        <a:off x="7143750" y="4343400"/>
-                        <a:ext cx="1096963" cy="990600"/>
-                      </a:xfrm>
-                      <a:prstGeom prst="rect">
-                        <a:avLst/>
-                      </a:prstGeom>
-                    </p:spPr>
-                  </p:pic>
-                </p:oleObj>
-              </mc:Fallback>
-            </mc:AlternateContent>
-          </a:graphicData>
-        </a:graphic>
-      </p:graphicFrame>
+          <p:cNvPicPr>
+            <a:picLocks noChangeAspect="1"/>
+          </p:cNvPicPr>
+          <p:nvPr/>
+        </p:nvPicPr>
+        <p:blipFill>
+          <a:blip r:embed="rId2"/>
+          <a:stretch>
+            <a:fillRect/>
+          </a:stretch>
+        </p:blipFill>
+        <p:spPr>
+          <a:xfrm>
+            <a:off x="892419" y="3585429"/>
+            <a:ext cx="8172450" cy="824859"/>
+          </a:xfrm>
+          <a:prstGeom prst="rect">
+            <a:avLst/>
+          </a:prstGeom>
+        </p:spPr>
+      </p:pic>
     </p:spTree>
     <p:extLst>
       <p:ext uri="{BB962C8B-B14F-4D97-AF65-F5344CB8AC3E}">
-        <p14:creationId xmlns:p14="http://schemas.microsoft.com/office/powerpoint/2010/main" val="3793822625"/>
+        <p14:creationId xmlns:p14="http://schemas.microsoft.com/office/powerpoint/2010/main" val="864682733"/>
       </p:ext>
     </p:extLst>
   </p:cSld>
@@ -13799,7 +13645,7 @@
                 <a:buFontTx/>
                 <a:buNone/>
               </a:pPr>
-              <a:t>10/10/2022</a:t>
+              <a:t>10/11/2022</a:t>
             </a:fld>
             <a:endParaRPr lang="en-US" altLang="zh-CN" sz="1000">
               <a:ea typeface="宋体" panose="02010600030101010101" pitchFamily="2" charset="-122"/>
@@ -14028,14 +13874,14 @@
           <p:nvPr>
             <p:extLst>
               <p:ext uri="{D42A27DB-BD31-4B8C-83A1-F6EECF244321}">
-                <p14:modId xmlns:p14="http://schemas.microsoft.com/office/powerpoint/2010/main" val="4225712928"/>
+                <p14:modId xmlns:p14="http://schemas.microsoft.com/office/powerpoint/2010/main" val="2599145527"/>
               </p:ext>
             </p:extLst>
           </p:nvPr>
         </p:nvGraphicFramePr>
         <p:xfrm>
           <a:off x="2667000" y="914400"/>
-          <a:ext cx="7010400" cy="3679798"/>
+          <a:ext cx="7010400" cy="3954112"/>
         </p:xfrm>
         <a:graphic>
           <a:graphicData uri="http://schemas.openxmlformats.org/drawingml/2006/table">
@@ -18759,7 +18605,7 @@
                         <a:defRPr/>
                       </a:pPr>
                       <a:r>
-                        <a:rPr kumimoji="0" lang="en-US" altLang="zh-CN" sz="1800" b="0" i="0" u="none" strike="noStrike" cap="none" normalizeH="0" baseline="0" dirty="0">
+                        <a:rPr kumimoji="0" lang="en-US" altLang="zh-CN" sz="1800" b="0" i="0" u="none" strike="noStrike" cap="none" normalizeH="0" baseline="0">
                           <a:ln>
                             <a:noFill/>
                           </a:ln>
@@ -18771,7 +18617,7 @@
                           <a:ea typeface="宋体" panose="02010600030101010101" pitchFamily="2" charset="-122"/>
                           <a:cs typeface="Arial" panose="020B0604020202020204" pitchFamily="34" charset="0"/>
                         </a:rPr>
-                        <a:t>2022/10/9</a:t>
+                        <a:t>2022/10/8</a:t>
                       </a:r>
                       <a:endParaRPr kumimoji="0" lang="zh-CN" altLang="en-US" sz="1800" b="0" i="0" u="none" strike="noStrike" cap="none" normalizeH="0" baseline="0" dirty="0">
                         <a:ln>
@@ -19597,7 +19443,285 @@
                         <a:buNone/>
                         <a:tabLst/>
                       </a:pPr>
-                      <a:endParaRPr kumimoji="0" lang="zh-CN" altLang="en-US" sz="1800" b="0" i="0" u="none" strike="noStrike" cap="none" normalizeH="0" baseline="0">
+                      <a:r>
+                        <a:rPr kumimoji="0" lang="en-US" altLang="zh-CN" sz="1800" b="0" i="0" u="none" strike="noStrike" cap="none" normalizeH="0" baseline="0" dirty="0">
+                          <a:ln>
+                            <a:noFill/>
+                          </a:ln>
+                          <a:solidFill>
+                            <a:srgbClr val="000000"/>
+                          </a:solidFill>
+                          <a:effectLst/>
+                          <a:latin typeface="Arial" panose="020B0604020202020204" pitchFamily="34" charset="0"/>
+                          <a:ea typeface="宋体" panose="02010600030101010101" pitchFamily="2" charset="-122"/>
+                          <a:cs typeface="Arial" panose="020B0604020202020204" pitchFamily="34" charset="0"/>
+                        </a:rPr>
+                        <a:t>1.4</a:t>
+                      </a:r>
+                      <a:endParaRPr kumimoji="0" lang="zh-CN" altLang="en-US" sz="1800" b="0" i="0" u="none" strike="noStrike" cap="none" normalizeH="0" baseline="0" dirty="0">
+                        <a:ln>
+                          <a:noFill/>
+                        </a:ln>
+                        <a:solidFill>
+                          <a:srgbClr val="000000"/>
+                        </a:solidFill>
+                        <a:effectLst/>
+                        <a:latin typeface="Arial" panose="020B0604020202020204" pitchFamily="34" charset="0"/>
+                        <a:ea typeface="宋体" panose="02010600030101010101" pitchFamily="2" charset="-122"/>
+                        <a:cs typeface="Arial" panose="020B0604020202020204" pitchFamily="34" charset="0"/>
+                      </a:endParaRPr>
+                    </a:p>
+                  </a:txBody>
+                  <a:tcPr marT="45718" marB="45718" anchor="ctr" horzOverflow="overflow">
+                    <a:lnL w="12700" cap="flat" cmpd="sng" algn="ctr">
+                      <a:solidFill>
+                        <a:schemeClr val="bg1"/>
+                      </a:solidFill>
+                      <a:prstDash val="solid"/>
+                      <a:round/>
+                      <a:headEnd type="none" w="med" len="med"/>
+                      <a:tailEnd type="none" w="med" len="med"/>
+                    </a:lnL>
+                    <a:lnR w="12700" cap="flat" cmpd="sng" algn="ctr">
+                      <a:solidFill>
+                        <a:schemeClr val="bg1"/>
+                      </a:solidFill>
+                      <a:prstDash val="solid"/>
+                      <a:round/>
+                      <a:headEnd type="none" w="med" len="med"/>
+                      <a:tailEnd type="none" w="med" len="med"/>
+                    </a:lnR>
+                    <a:lnT w="12700" cap="flat" cmpd="sng" algn="ctr">
+                      <a:solidFill>
+                        <a:schemeClr val="bg1"/>
+                      </a:solidFill>
+                      <a:prstDash val="solid"/>
+                      <a:round/>
+                      <a:headEnd type="none" w="med" len="med"/>
+                      <a:tailEnd type="none" w="med" len="med"/>
+                    </a:lnT>
+                    <a:lnB w="12700" cap="flat" cmpd="sng" algn="ctr">
+                      <a:solidFill>
+                        <a:schemeClr val="bg1"/>
+                      </a:solidFill>
+                      <a:prstDash val="solid"/>
+                      <a:round/>
+                      <a:headEnd type="none" w="med" len="med"/>
+                      <a:tailEnd type="none" w="med" len="med"/>
+                    </a:lnB>
+                    <a:lnTlToBr>
+                      <a:noFill/>
+                    </a:lnTlToBr>
+                    <a:lnBlToTr>
+                      <a:noFill/>
+                    </a:lnBlToTr>
+                    <a:solidFill>
+                      <a:srgbClr val="DAF1FE"/>
+                    </a:solidFill>
+                  </a:tcPr>
+                </a:tc>
+                <a:tc>
+                  <a:txBody>
+                    <a:bodyPr/>
+                    <a:lstStyle>
+                      <a:lvl1pPr>
+                        <a:lnSpc>
+                          <a:spcPct val="105000"/>
+                        </a:lnSpc>
+                        <a:spcBef>
+                          <a:spcPct val="45000"/>
+                        </a:spcBef>
+                        <a:buClr>
+                          <a:srgbClr val="FAB400"/>
+                        </a:buClr>
+                        <a:buSzPct val="75000"/>
+                        <a:buFont typeface="Arial" panose="020B0604020202020204" pitchFamily="34" charset="0"/>
+                        <a:defRPr>
+                          <a:solidFill>
+                            <a:srgbClr val="000000"/>
+                          </a:solidFill>
+                          <a:latin typeface="Arial" panose="020B0604020202020204" pitchFamily="34" charset="0"/>
+                        </a:defRPr>
+                      </a:lvl1pPr>
+                      <a:lvl2pPr marL="742950" indent="-285750">
+                        <a:lnSpc>
+                          <a:spcPct val="105000"/>
+                        </a:lnSpc>
+                        <a:buClr>
+                          <a:schemeClr val="tx1"/>
+                        </a:buClr>
+                        <a:buFont typeface="Arial" panose="020B0604020202020204" pitchFamily="34" charset="0"/>
+                        <a:defRPr sz="1600">
+                          <a:solidFill>
+                            <a:srgbClr val="000000"/>
+                          </a:solidFill>
+                          <a:latin typeface="Arial" panose="020B0604020202020204" pitchFamily="34" charset="0"/>
+                        </a:defRPr>
+                      </a:lvl2pPr>
+                      <a:lvl3pPr marL="1143000" indent="-228600">
+                        <a:lnSpc>
+                          <a:spcPct val="105000"/>
+                        </a:lnSpc>
+                        <a:buClr>
+                          <a:schemeClr val="tx1"/>
+                        </a:buClr>
+                        <a:buFont typeface="Arial" panose="020B0604020202020204" pitchFamily="34" charset="0"/>
+                        <a:defRPr sz="1400">
+                          <a:solidFill>
+                            <a:srgbClr val="000000"/>
+                          </a:solidFill>
+                          <a:latin typeface="Arial" panose="020B0604020202020204" pitchFamily="34" charset="0"/>
+                        </a:defRPr>
+                      </a:lvl3pPr>
+                      <a:lvl4pPr marL="1600200" indent="-228600">
+                        <a:lnSpc>
+                          <a:spcPct val="105000"/>
+                        </a:lnSpc>
+                        <a:buClr>
+                          <a:schemeClr val="tx1"/>
+                        </a:buClr>
+                        <a:buFont typeface="Arial" panose="020B0604020202020204" pitchFamily="34" charset="0"/>
+                        <a:defRPr sz="1200">
+                          <a:solidFill>
+                            <a:srgbClr val="000000"/>
+                          </a:solidFill>
+                          <a:latin typeface="Arial" panose="020B0604020202020204" pitchFamily="34" charset="0"/>
+                        </a:defRPr>
+                      </a:lvl4pPr>
+                      <a:lvl5pPr marL="2057400" indent="-228600">
+                        <a:lnSpc>
+                          <a:spcPct val="105000"/>
+                        </a:lnSpc>
+                        <a:buClr>
+                          <a:schemeClr val="tx1"/>
+                        </a:buClr>
+                        <a:buFont typeface="Arial" panose="020B0604020202020204" pitchFamily="34" charset="0"/>
+                        <a:defRPr sz="1200">
+                          <a:solidFill>
+                            <a:srgbClr val="000000"/>
+                          </a:solidFill>
+                          <a:latin typeface="Arial" panose="020B0604020202020204" pitchFamily="34" charset="0"/>
+                        </a:defRPr>
+                      </a:lvl5pPr>
+                      <a:lvl6pPr marL="2514600" indent="-228600" eaLnBrk="0" fontAlgn="base" hangingPunct="0">
+                        <a:lnSpc>
+                          <a:spcPct val="105000"/>
+                        </a:lnSpc>
+                        <a:spcBef>
+                          <a:spcPct val="0"/>
+                        </a:spcBef>
+                        <a:spcAft>
+                          <a:spcPct val="0"/>
+                        </a:spcAft>
+                        <a:buClr>
+                          <a:schemeClr val="tx1"/>
+                        </a:buClr>
+                        <a:buFont typeface="Arial" panose="020B0604020202020204" pitchFamily="34" charset="0"/>
+                        <a:defRPr sz="1200">
+                          <a:solidFill>
+                            <a:srgbClr val="000000"/>
+                          </a:solidFill>
+                          <a:latin typeface="Arial" panose="020B0604020202020204" pitchFamily="34" charset="0"/>
+                        </a:defRPr>
+                      </a:lvl6pPr>
+                      <a:lvl7pPr marL="2971800" indent="-228600" eaLnBrk="0" fontAlgn="base" hangingPunct="0">
+                        <a:lnSpc>
+                          <a:spcPct val="105000"/>
+                        </a:lnSpc>
+                        <a:spcBef>
+                          <a:spcPct val="0"/>
+                        </a:spcBef>
+                        <a:spcAft>
+                          <a:spcPct val="0"/>
+                        </a:spcAft>
+                        <a:buClr>
+                          <a:schemeClr val="tx1"/>
+                        </a:buClr>
+                        <a:buFont typeface="Arial" panose="020B0604020202020204" pitchFamily="34" charset="0"/>
+                        <a:defRPr sz="1200">
+                          <a:solidFill>
+                            <a:srgbClr val="000000"/>
+                          </a:solidFill>
+                          <a:latin typeface="Arial" panose="020B0604020202020204" pitchFamily="34" charset="0"/>
+                        </a:defRPr>
+                      </a:lvl7pPr>
+                      <a:lvl8pPr marL="3429000" indent="-228600" eaLnBrk="0" fontAlgn="base" hangingPunct="0">
+                        <a:lnSpc>
+                          <a:spcPct val="105000"/>
+                        </a:lnSpc>
+                        <a:spcBef>
+                          <a:spcPct val="0"/>
+                        </a:spcBef>
+                        <a:spcAft>
+                          <a:spcPct val="0"/>
+                        </a:spcAft>
+                        <a:buClr>
+                          <a:schemeClr val="tx1"/>
+                        </a:buClr>
+                        <a:buFont typeface="Arial" panose="020B0604020202020204" pitchFamily="34" charset="0"/>
+                        <a:defRPr sz="1200">
+                          <a:solidFill>
+                            <a:srgbClr val="000000"/>
+                          </a:solidFill>
+                          <a:latin typeface="Arial" panose="020B0604020202020204" pitchFamily="34" charset="0"/>
+                        </a:defRPr>
+                      </a:lvl8pPr>
+                      <a:lvl9pPr marL="3886200" indent="-228600" eaLnBrk="0" fontAlgn="base" hangingPunct="0">
+                        <a:lnSpc>
+                          <a:spcPct val="105000"/>
+                        </a:lnSpc>
+                        <a:spcBef>
+                          <a:spcPct val="0"/>
+                        </a:spcBef>
+                        <a:spcAft>
+                          <a:spcPct val="0"/>
+                        </a:spcAft>
+                        <a:buClr>
+                          <a:schemeClr val="tx1"/>
+                        </a:buClr>
+                        <a:buFont typeface="Arial" panose="020B0604020202020204" pitchFamily="34" charset="0"/>
+                        <a:defRPr sz="1200">
+                          <a:solidFill>
+                            <a:srgbClr val="000000"/>
+                          </a:solidFill>
+                          <a:latin typeface="Arial" panose="020B0604020202020204" pitchFamily="34" charset="0"/>
+                        </a:defRPr>
+                      </a:lvl9pPr>
+                    </a:lstStyle>
+                    <a:p>
+                      <a:pPr marL="0" marR="0" lvl="0" indent="0" algn="ctr" defTabSz="914400" rtl="0" eaLnBrk="1" fontAlgn="base" latinLnBrk="0" hangingPunct="1">
+                        <a:lnSpc>
+                          <a:spcPct val="100000"/>
+                        </a:lnSpc>
+                        <a:spcBef>
+                          <a:spcPct val="0"/>
+                        </a:spcBef>
+                        <a:spcAft>
+                          <a:spcPct val="0"/>
+                        </a:spcAft>
+                        <a:buClrTx/>
+                        <a:buSzTx/>
+                        <a:buFontTx/>
+                        <a:buNone/>
+                        <a:tabLst/>
+                        <a:defRPr/>
+                      </a:pPr>
+                      <a:r>
+                        <a:rPr kumimoji="0" lang="en-US" altLang="zh-CN" sz="1800" b="0" i="0" u="none" strike="noStrike" cap="none" normalizeH="0" baseline="0" dirty="0">
+                          <a:ln>
+                            <a:noFill/>
+                          </a:ln>
+                          <a:solidFill>
+                            <a:srgbClr val="000000"/>
+                          </a:solidFill>
+                          <a:effectLst/>
+                          <a:latin typeface="Arial" panose="020B0604020202020204" pitchFamily="34" charset="0"/>
+                          <a:ea typeface="宋体" panose="02010600030101010101" pitchFamily="2" charset="-122"/>
+                          <a:cs typeface="Arial" panose="020B0604020202020204" pitchFamily="34" charset="0"/>
+                        </a:rPr>
+                        <a:t>2022/10/10</a:t>
+                      </a:r>
+                      <a:endParaRPr kumimoji="0" lang="zh-CN" altLang="en-US" sz="1800" b="0" i="0" u="none" strike="noStrike" cap="none" normalizeH="0" baseline="0" dirty="0">
                         <a:ln>
                           <a:noFill/>
                         </a:ln>
@@ -20091,253 +20215,21 @@
                         <a:buNone/>
                         <a:tabLst/>
                       </a:pPr>
-                      <a:endParaRPr kumimoji="0" lang="zh-CN" altLang="en-US" sz="1800" b="0" i="0" u="none" strike="noStrike" cap="none" normalizeH="0" baseline="0">
-                        <a:ln>
-                          <a:noFill/>
-                        </a:ln>
-                        <a:solidFill>
-                          <a:srgbClr val="000000"/>
-                        </a:solidFill>
-                        <a:effectLst/>
-                        <a:latin typeface="Arial" panose="020B0604020202020204" pitchFamily="34" charset="0"/>
-                        <a:ea typeface="宋体" panose="02010600030101010101" pitchFamily="2" charset="-122"/>
-                        <a:cs typeface="Arial" panose="020B0604020202020204" pitchFamily="34" charset="0"/>
-                      </a:endParaRPr>
-                    </a:p>
-                  </a:txBody>
-                  <a:tcPr marT="45718" marB="45718" anchor="ctr" horzOverflow="overflow">
-                    <a:lnL w="12700" cap="flat" cmpd="sng" algn="ctr">
-                      <a:solidFill>
-                        <a:schemeClr val="bg1"/>
-                      </a:solidFill>
-                      <a:prstDash val="solid"/>
-                      <a:round/>
-                      <a:headEnd type="none" w="med" len="med"/>
-                      <a:tailEnd type="none" w="med" len="med"/>
-                    </a:lnL>
-                    <a:lnR w="12700" cap="flat" cmpd="sng" algn="ctr">
-                      <a:solidFill>
-                        <a:schemeClr val="bg1"/>
-                      </a:solidFill>
-                      <a:prstDash val="solid"/>
-                      <a:round/>
-                      <a:headEnd type="none" w="med" len="med"/>
-                      <a:tailEnd type="none" w="med" len="med"/>
-                    </a:lnR>
-                    <a:lnT w="12700" cap="flat" cmpd="sng" algn="ctr">
-                      <a:solidFill>
-                        <a:schemeClr val="bg1"/>
-                      </a:solidFill>
-                      <a:prstDash val="solid"/>
-                      <a:round/>
-                      <a:headEnd type="none" w="med" len="med"/>
-                      <a:tailEnd type="none" w="med" len="med"/>
-                    </a:lnT>
-                    <a:lnB w="12700" cap="flat" cmpd="sng" algn="ctr">
-                      <a:solidFill>
-                        <a:schemeClr val="bg1"/>
-                      </a:solidFill>
-                      <a:prstDash val="solid"/>
-                      <a:round/>
-                      <a:headEnd type="none" w="med" len="med"/>
-                      <a:tailEnd type="none" w="med" len="med"/>
-                    </a:lnB>
-                    <a:lnTlToBr>
-                      <a:noFill/>
-                    </a:lnTlToBr>
-                    <a:lnBlToTr>
-                      <a:noFill/>
-                    </a:lnBlToTr>
-                    <a:solidFill>
-                      <a:srgbClr val="DAF1FE"/>
-                    </a:solidFill>
-                  </a:tcPr>
-                </a:tc>
-                <a:tc>
-                  <a:txBody>
-                    <a:bodyPr/>
-                    <a:lstStyle>
-                      <a:lvl1pPr>
-                        <a:lnSpc>
-                          <a:spcPct val="105000"/>
-                        </a:lnSpc>
-                        <a:spcBef>
-                          <a:spcPct val="45000"/>
-                        </a:spcBef>
-                        <a:buClr>
-                          <a:srgbClr val="FAB400"/>
-                        </a:buClr>
-                        <a:buSzPct val="75000"/>
-                        <a:buFont typeface="Arial" panose="020B0604020202020204" pitchFamily="34" charset="0"/>
-                        <a:defRPr>
+                      <a:r>
+                        <a:rPr kumimoji="0" lang="en-US" altLang="zh-CN" sz="1800" b="0" i="0" u="none" strike="noStrike" cap="none" normalizeH="0" baseline="0" dirty="0">
+                          <a:ln>
+                            <a:noFill/>
+                          </a:ln>
                           <a:solidFill>
                             <a:srgbClr val="000000"/>
                           </a:solidFill>
+                          <a:effectLst/>
                           <a:latin typeface="Arial" panose="020B0604020202020204" pitchFamily="34" charset="0"/>
-                        </a:defRPr>
-                      </a:lvl1pPr>
-                      <a:lvl2pPr marL="742950" indent="-285750">
-                        <a:lnSpc>
-                          <a:spcPct val="105000"/>
-                        </a:lnSpc>
-                        <a:buClr>
-                          <a:schemeClr val="tx1"/>
-                        </a:buClr>
-                        <a:buFont typeface="Arial" panose="020B0604020202020204" pitchFamily="34" charset="0"/>
-                        <a:defRPr sz="1600">
-                          <a:solidFill>
-                            <a:srgbClr val="000000"/>
-                          </a:solidFill>
-                          <a:latin typeface="Arial" panose="020B0604020202020204" pitchFamily="34" charset="0"/>
-                        </a:defRPr>
-                      </a:lvl2pPr>
-                      <a:lvl3pPr marL="1143000" indent="-228600">
-                        <a:lnSpc>
-                          <a:spcPct val="105000"/>
-                        </a:lnSpc>
-                        <a:buClr>
-                          <a:schemeClr val="tx1"/>
-                        </a:buClr>
-                        <a:buFont typeface="Arial" panose="020B0604020202020204" pitchFamily="34" charset="0"/>
-                        <a:defRPr sz="1400">
-                          <a:solidFill>
-                            <a:srgbClr val="000000"/>
-                          </a:solidFill>
-                          <a:latin typeface="Arial" panose="020B0604020202020204" pitchFamily="34" charset="0"/>
-                        </a:defRPr>
-                      </a:lvl3pPr>
-                      <a:lvl4pPr marL="1600200" indent="-228600">
-                        <a:lnSpc>
-                          <a:spcPct val="105000"/>
-                        </a:lnSpc>
-                        <a:buClr>
-                          <a:schemeClr val="tx1"/>
-                        </a:buClr>
-                        <a:buFont typeface="Arial" panose="020B0604020202020204" pitchFamily="34" charset="0"/>
-                        <a:defRPr sz="1200">
-                          <a:solidFill>
-                            <a:srgbClr val="000000"/>
-                          </a:solidFill>
-                          <a:latin typeface="Arial" panose="020B0604020202020204" pitchFamily="34" charset="0"/>
-                        </a:defRPr>
-                      </a:lvl4pPr>
-                      <a:lvl5pPr marL="2057400" indent="-228600">
-                        <a:lnSpc>
-                          <a:spcPct val="105000"/>
-                        </a:lnSpc>
-                        <a:buClr>
-                          <a:schemeClr val="tx1"/>
-                        </a:buClr>
-                        <a:buFont typeface="Arial" panose="020B0604020202020204" pitchFamily="34" charset="0"/>
-                        <a:defRPr sz="1200">
-                          <a:solidFill>
-                            <a:srgbClr val="000000"/>
-                          </a:solidFill>
-                          <a:latin typeface="Arial" panose="020B0604020202020204" pitchFamily="34" charset="0"/>
-                        </a:defRPr>
-                      </a:lvl5pPr>
-                      <a:lvl6pPr marL="2514600" indent="-228600" eaLnBrk="0" fontAlgn="base" hangingPunct="0">
-                        <a:lnSpc>
-                          <a:spcPct val="105000"/>
-                        </a:lnSpc>
-                        <a:spcBef>
-                          <a:spcPct val="0"/>
-                        </a:spcBef>
-                        <a:spcAft>
-                          <a:spcPct val="0"/>
-                        </a:spcAft>
-                        <a:buClr>
-                          <a:schemeClr val="tx1"/>
-                        </a:buClr>
-                        <a:buFont typeface="Arial" panose="020B0604020202020204" pitchFamily="34" charset="0"/>
-                        <a:defRPr sz="1200">
-                          <a:solidFill>
-                            <a:srgbClr val="000000"/>
-                          </a:solidFill>
-                          <a:latin typeface="Arial" panose="020B0604020202020204" pitchFamily="34" charset="0"/>
-                        </a:defRPr>
-                      </a:lvl6pPr>
-                      <a:lvl7pPr marL="2971800" indent="-228600" eaLnBrk="0" fontAlgn="base" hangingPunct="0">
-                        <a:lnSpc>
-                          <a:spcPct val="105000"/>
-                        </a:lnSpc>
-                        <a:spcBef>
-                          <a:spcPct val="0"/>
-                        </a:spcBef>
-                        <a:spcAft>
-                          <a:spcPct val="0"/>
-                        </a:spcAft>
-                        <a:buClr>
-                          <a:schemeClr val="tx1"/>
-                        </a:buClr>
-                        <a:buFont typeface="Arial" panose="020B0604020202020204" pitchFamily="34" charset="0"/>
-                        <a:defRPr sz="1200">
-                          <a:solidFill>
-                            <a:srgbClr val="000000"/>
-                          </a:solidFill>
-                          <a:latin typeface="Arial" panose="020B0604020202020204" pitchFamily="34" charset="0"/>
-                        </a:defRPr>
-                      </a:lvl7pPr>
-                      <a:lvl8pPr marL="3429000" indent="-228600" eaLnBrk="0" fontAlgn="base" hangingPunct="0">
-                        <a:lnSpc>
-                          <a:spcPct val="105000"/>
-                        </a:lnSpc>
-                        <a:spcBef>
-                          <a:spcPct val="0"/>
-                        </a:spcBef>
-                        <a:spcAft>
-                          <a:spcPct val="0"/>
-                        </a:spcAft>
-                        <a:buClr>
-                          <a:schemeClr val="tx1"/>
-                        </a:buClr>
-                        <a:buFont typeface="Arial" panose="020B0604020202020204" pitchFamily="34" charset="0"/>
-                        <a:defRPr sz="1200">
-                          <a:solidFill>
-                            <a:srgbClr val="000000"/>
-                          </a:solidFill>
-                          <a:latin typeface="Arial" panose="020B0604020202020204" pitchFamily="34" charset="0"/>
-                        </a:defRPr>
-                      </a:lvl8pPr>
-                      <a:lvl9pPr marL="3886200" indent="-228600" eaLnBrk="0" fontAlgn="base" hangingPunct="0">
-                        <a:lnSpc>
-                          <a:spcPct val="105000"/>
-                        </a:lnSpc>
-                        <a:spcBef>
-                          <a:spcPct val="0"/>
-                        </a:spcBef>
-                        <a:spcAft>
-                          <a:spcPct val="0"/>
-                        </a:spcAft>
-                        <a:buClr>
-                          <a:schemeClr val="tx1"/>
-                        </a:buClr>
-                        <a:buFont typeface="Arial" panose="020B0604020202020204" pitchFamily="34" charset="0"/>
-                        <a:defRPr sz="1200">
-                          <a:solidFill>
-                            <a:srgbClr val="000000"/>
-                          </a:solidFill>
-                          <a:latin typeface="Arial" panose="020B0604020202020204" pitchFamily="34" charset="0"/>
-                        </a:defRPr>
-                      </a:lvl9pPr>
-                    </a:lstStyle>
-                    <a:p>
-                      <a:pPr marL="0" marR="0" lvl="0" indent="0" algn="ctr" defTabSz="914400" rtl="0" eaLnBrk="1" fontAlgn="base" latinLnBrk="0" hangingPunct="1">
-                        <a:lnSpc>
-                          <a:spcPct val="100000"/>
-                        </a:lnSpc>
-                        <a:spcBef>
-                          <a:spcPct val="0"/>
-                        </a:spcBef>
-                        <a:spcAft>
-                          <a:spcPct val="0"/>
-                        </a:spcAft>
-                        <a:buClrTx/>
-                        <a:buSzTx/>
-                        <a:buFontTx/>
-                        <a:buNone/>
-                        <a:tabLst/>
-                      </a:pPr>
+                          <a:ea typeface="宋体" panose="02010600030101010101" pitchFamily="2" charset="-122"/>
+                          <a:cs typeface="Arial" panose="020B0604020202020204" pitchFamily="34" charset="0"/>
+                        </a:rPr>
+                        <a:t>Add CONFIG_COMPAT and FTC section</a:t>
+                      </a:r>
                       <a:endParaRPr kumimoji="0" lang="zh-CN" altLang="en-US" sz="1800" b="0" i="0" u="none" strike="noStrike" cap="none" normalizeH="0" baseline="0" dirty="0">
                         <a:ln>
                           <a:noFill/>
@@ -22459,6 +22351,352 @@
                 <a:latin typeface="Arial" panose="020B0604020202020204"/>
                 <a:ea typeface="DejaVu Sans"/>
               </a:rPr>
+              <a:t>Driver nodes III | </a:t>
+            </a:r>
+            <a:r>
+              <a:rPr lang="en-US" altLang="zh-CN" sz="3600" dirty="0" err="1"/>
+              <a:t>regdump</a:t>
+            </a:r>
+            <a:endParaRPr lang="zh-CN" altLang="en-US" dirty="0"/>
+          </a:p>
+        </p:txBody>
+      </p:sp>
+      <p:sp>
+        <p:nvSpPr>
+          <p:cNvPr id="7" name="内容占位符 6">
+            <a:extLst>
+              <a:ext uri="{FF2B5EF4-FFF2-40B4-BE49-F238E27FC236}">
+                <a16:creationId xmlns:a16="http://schemas.microsoft.com/office/drawing/2014/main" id="{88EE38F9-0269-4DD7-B0FE-B771F2A3C2A9}"/>
+              </a:ext>
+            </a:extLst>
+          </p:cNvPr>
+          <p:cNvSpPr>
+            <a:spLocks noGrp="1"/>
+          </p:cNvSpPr>
+          <p:nvPr>
+            <p:ph idx="1"/>
+          </p:nvPr>
+        </p:nvSpPr>
+        <p:spPr/>
+        <p:txBody>
+          <a:bodyPr/>
+          <a:lstStyle/>
+          <a:p>
+            <a:r>
+              <a:rPr lang="en-US" altLang="zh-CN" sz="2400" dirty="0"/>
+              <a:t>#echo </a:t>
+            </a:r>
+            <a:r>
+              <a:rPr lang="en-US" altLang="zh-CN" sz="2400" dirty="0" err="1"/>
+              <a:t>chn</a:t>
+            </a:r>
+            <a:r>
+              <a:rPr lang="en-US" altLang="zh-CN" sz="2400" dirty="0"/>
+              <a:t> 0xBK 0xPG &gt; </a:t>
+            </a:r>
+            <a:r>
+              <a:rPr lang="en-US" altLang="zh-CN" sz="2400" dirty="0" err="1"/>
+              <a:t>regdump</a:t>
+            </a:r>
+            <a:endParaRPr lang="en-US" altLang="zh-CN" sz="2400" dirty="0"/>
+          </a:p>
+          <a:p>
+            <a:pPr marL="454846" lvl="1" indent="0">
+              <a:buNone/>
+            </a:pPr>
+            <a:r>
+              <a:rPr lang="en-US" altLang="zh-CN" sz="2000" dirty="0"/>
+              <a:t>Illustration: the command dump all the registers of the specific page</a:t>
+            </a:r>
+          </a:p>
+          <a:p>
+            <a:pPr lvl="1"/>
+            <a:r>
+              <a:rPr lang="en-US" altLang="zh-CN" dirty="0" err="1"/>
+              <a:t>chn</a:t>
+            </a:r>
+            <a:r>
+              <a:rPr lang="en-US" altLang="zh-CN" dirty="0"/>
+              <a:t> is channel no, must be 1-digital</a:t>
+            </a:r>
+          </a:p>
+          <a:p>
+            <a:pPr lvl="1"/>
+            <a:r>
+              <a:rPr lang="en-US" altLang="zh-CN" dirty="0"/>
+              <a:t>BK &amp; PG must be 2-digital HEX</a:t>
+            </a:r>
+          </a:p>
+          <a:p>
+            <a:r>
+              <a:rPr lang="en-US" altLang="zh-CN" sz="2400" dirty="0"/>
+              <a:t>#cat </a:t>
+            </a:r>
+            <a:r>
+              <a:rPr lang="en-US" altLang="zh-CN" sz="2400" dirty="0" err="1"/>
+              <a:t>regdump</a:t>
+            </a:r>
+            <a:endParaRPr lang="en-US" altLang="zh-CN" sz="2400" dirty="0"/>
+          </a:p>
+          <a:p>
+            <a:pPr marL="454846" lvl="1" indent="0">
+              <a:buNone/>
+            </a:pPr>
+            <a:r>
+              <a:rPr lang="en-US" altLang="zh-CN" sz="2000" dirty="0"/>
+              <a:t>Illustration: run the echo command, show the 7-bit i2c address of the chip and dump the registers</a:t>
+            </a:r>
+          </a:p>
+          <a:p>
+            <a:endParaRPr lang="en-US" altLang="zh-CN" sz="2000" dirty="0"/>
+          </a:p>
+        </p:txBody>
+      </p:sp>
+      <p:sp>
+        <p:nvSpPr>
+          <p:cNvPr id="5" name="灯片编号占位符 4">
+            <a:extLst>
+              <a:ext uri="{FF2B5EF4-FFF2-40B4-BE49-F238E27FC236}">
+                <a16:creationId xmlns:a16="http://schemas.microsoft.com/office/drawing/2014/main" id="{A0EB225E-7E2D-49AB-9C04-CAB0FF989B61}"/>
+              </a:ext>
+            </a:extLst>
+          </p:cNvPr>
+          <p:cNvSpPr>
+            <a:spLocks noGrp="1"/>
+          </p:cNvSpPr>
+          <p:nvPr>
+            <p:ph type="sldNum" sz="quarter" idx="10"/>
+          </p:nvPr>
+        </p:nvSpPr>
+        <p:spPr/>
+        <p:txBody>
+          <a:bodyPr/>
+          <a:lstStyle/>
+          <a:p>
+            <a:pPr>
+              <a:defRPr/>
+            </a:pPr>
+            <a:fld id="{B53548F6-AAA9-4A8D-A869-511B3DFE3256}" type="slidenum">
+              <a:rPr lang="en-US" smtClean="0">
+                <a:solidFill>
+                  <a:srgbClr val="000000"/>
+                </a:solidFill>
+              </a:rPr>
+              <a:pPr>
+                <a:defRPr/>
+              </a:pPr>
+              <a:t>20</a:t>
+            </a:fld>
+            <a:endParaRPr lang="en-US" dirty="0">
+              <a:solidFill>
+                <a:srgbClr val="000000"/>
+              </a:solidFill>
+            </a:endParaRPr>
+          </a:p>
+        </p:txBody>
+      </p:sp>
+      <p:graphicFrame>
+        <p:nvGraphicFramePr>
+          <p:cNvPr id="2" name="对象 1">
+            <a:extLst>
+              <a:ext uri="{FF2B5EF4-FFF2-40B4-BE49-F238E27FC236}">
+                <a16:creationId xmlns:a16="http://schemas.microsoft.com/office/drawing/2014/main" id="{EE204299-CBFE-4479-B7AD-6287588AB5AE}"/>
+              </a:ext>
+            </a:extLst>
+          </p:cNvPr>
+          <p:cNvGraphicFramePr>
+            <a:graphicFrameLocks noChangeAspect="1"/>
+          </p:cNvGraphicFramePr>
+          <p:nvPr>
+            <p:extLst>
+              <p:ext uri="{D42A27DB-BD31-4B8C-83A1-F6EECF244321}">
+                <p14:modId xmlns:p14="http://schemas.microsoft.com/office/powerpoint/2010/main" val="1926953102"/>
+              </p:ext>
+            </p:extLst>
+          </p:nvPr>
+        </p:nvGraphicFramePr>
+        <p:xfrm>
+          <a:off x="1689100" y="4252913"/>
+          <a:ext cx="1295400" cy="1173162"/>
+        </p:xfrm>
+        <a:graphic>
+          <a:graphicData uri="http://schemas.openxmlformats.org/presentationml/2006/ole">
+            <mc:AlternateContent xmlns:mc="http://schemas.openxmlformats.org/markup-compatibility/2006">
+              <mc:Choice xmlns:v="urn:schemas-microsoft-com:vml" Requires="v">
+                <p:oleObj name="包装程序外壳对象" showAsIcon="1" r:id="rId2" imgW="731520" imgH="663058" progId="Package">
+                  <p:embed/>
+                </p:oleObj>
+              </mc:Choice>
+              <mc:Fallback>
+                <p:oleObj name="包装程序外壳对象" showAsIcon="1" r:id="rId2" imgW="731520" imgH="663058" progId="Package">
+                  <p:embed/>
+                  <p:pic>
+                    <p:nvPicPr>
+                      <p:cNvPr id="2" name="对象 1">
+                        <a:extLst>
+                          <a:ext uri="{FF2B5EF4-FFF2-40B4-BE49-F238E27FC236}">
+                            <a16:creationId xmlns:a16="http://schemas.microsoft.com/office/drawing/2014/main" id="{EE204299-CBFE-4479-B7AD-6287588AB5AE}"/>
+                          </a:ext>
+                        </a:extLst>
+                      </p:cNvPr>
+                      <p:cNvPicPr/>
+                      <p:nvPr/>
+                    </p:nvPicPr>
+                    <p:blipFill>
+                      <a:blip r:embed="rId3"/>
+                      <a:stretch>
+                        <a:fillRect/>
+                      </a:stretch>
+                    </p:blipFill>
+                    <p:spPr>
+                      <a:xfrm>
+                        <a:off x="1689100" y="4252913"/>
+                        <a:ext cx="1295400" cy="1173162"/>
+                      </a:xfrm>
+                      <a:prstGeom prst="rect">
+                        <a:avLst/>
+                      </a:prstGeom>
+                    </p:spPr>
+                  </p:pic>
+                </p:oleObj>
+              </mc:Fallback>
+            </mc:AlternateContent>
+          </a:graphicData>
+        </a:graphic>
+      </p:graphicFrame>
+      <p:graphicFrame>
+        <p:nvGraphicFramePr>
+          <p:cNvPr id="3" name="对象 2">
+            <a:extLst>
+              <a:ext uri="{FF2B5EF4-FFF2-40B4-BE49-F238E27FC236}">
+                <a16:creationId xmlns:a16="http://schemas.microsoft.com/office/drawing/2014/main" id="{77825F16-FE1A-43C3-9FB5-4E31084E5CA7}"/>
+              </a:ext>
+            </a:extLst>
+          </p:cNvPr>
+          <p:cNvGraphicFramePr>
+            <a:graphicFrameLocks noChangeAspect="1"/>
+          </p:cNvGraphicFramePr>
+          <p:nvPr>
+            <p:extLst>
+              <p:ext uri="{D42A27DB-BD31-4B8C-83A1-F6EECF244321}">
+                <p14:modId xmlns:p14="http://schemas.microsoft.com/office/powerpoint/2010/main" val="2534478129"/>
+              </p:ext>
+            </p:extLst>
+          </p:nvPr>
+        </p:nvGraphicFramePr>
+        <p:xfrm>
+          <a:off x="7143750" y="4343400"/>
+          <a:ext cx="1096963" cy="990600"/>
+        </p:xfrm>
+        <a:graphic>
+          <a:graphicData uri="http://schemas.openxmlformats.org/presentationml/2006/ole">
+            <mc:AlternateContent xmlns:mc="http://schemas.openxmlformats.org/markup-compatibility/2006">
+              <mc:Choice xmlns:v="urn:schemas-microsoft-com:vml" Requires="v">
+                <p:oleObj name="包装程序外壳对象" showAsIcon="1" r:id="rId4" imgW="619200" imgH="559800" progId="Package">
+                  <p:embed/>
+                </p:oleObj>
+              </mc:Choice>
+              <mc:Fallback>
+                <p:oleObj name="包装程序外壳对象" showAsIcon="1" r:id="rId4" imgW="619200" imgH="559800" progId="Package">
+                  <p:embed/>
+                  <p:pic>
+                    <p:nvPicPr>
+                      <p:cNvPr id="3" name="对象 2">
+                        <a:extLst>
+                          <a:ext uri="{FF2B5EF4-FFF2-40B4-BE49-F238E27FC236}">
+                            <a16:creationId xmlns:a16="http://schemas.microsoft.com/office/drawing/2014/main" id="{77825F16-FE1A-43C3-9FB5-4E31084E5CA7}"/>
+                          </a:ext>
+                        </a:extLst>
+                      </p:cNvPr>
+                      <p:cNvPicPr/>
+                      <p:nvPr/>
+                    </p:nvPicPr>
+                    <p:blipFill>
+                      <a:blip r:embed="rId5"/>
+                      <a:stretch>
+                        <a:fillRect/>
+                      </a:stretch>
+                    </p:blipFill>
+                    <p:spPr>
+                      <a:xfrm>
+                        <a:off x="7143750" y="4343400"/>
+                        <a:ext cx="1096963" cy="990600"/>
+                      </a:xfrm>
+                      <a:prstGeom prst="rect">
+                        <a:avLst/>
+                      </a:prstGeom>
+                    </p:spPr>
+                  </p:pic>
+                </p:oleObj>
+              </mc:Fallback>
+            </mc:AlternateContent>
+          </a:graphicData>
+        </a:graphic>
+      </p:graphicFrame>
+    </p:spTree>
+    <p:extLst>
+      <p:ext uri="{BB962C8B-B14F-4D97-AF65-F5344CB8AC3E}">
+        <p14:creationId xmlns:p14="http://schemas.microsoft.com/office/powerpoint/2010/main" val="3793822625"/>
+      </p:ext>
+    </p:extLst>
+  </p:cSld>
+  <p:clrMapOvr>
+    <a:masterClrMapping/>
+  </p:clrMapOvr>
+</p:sld>
+</file>
+
+<file path=ppt/slides/slide21.xml><?xml version="1.0" encoding="utf-8"?>
+<p:sld xmlns:a="http://schemas.openxmlformats.org/drawingml/2006/main" xmlns:r="http://schemas.openxmlformats.org/officeDocument/2006/relationships" xmlns:p="http://schemas.openxmlformats.org/presentationml/2006/main">
+  <p:cSld>
+    <p:spTree>
+      <p:nvGrpSpPr>
+        <p:cNvPr id="1" name=""/>
+        <p:cNvGrpSpPr/>
+        <p:nvPr/>
+      </p:nvGrpSpPr>
+      <p:grpSpPr>
+        <a:xfrm>
+          <a:off x="0" y="0"/>
+          <a:ext cx="0" cy="0"/>
+          <a:chOff x="0" y="0"/>
+          <a:chExt cx="0" cy="0"/>
+        </a:xfrm>
+      </p:grpSpPr>
+      <p:sp>
+        <p:nvSpPr>
+          <p:cNvPr id="6" name="标题 5">
+            <a:extLst>
+              <a:ext uri="{FF2B5EF4-FFF2-40B4-BE49-F238E27FC236}">
+                <a16:creationId xmlns:a16="http://schemas.microsoft.com/office/drawing/2014/main" id="{D6F6AC84-A378-485C-A3D5-469F0AB06CF2}"/>
+              </a:ext>
+            </a:extLst>
+          </p:cNvPr>
+          <p:cNvSpPr>
+            <a:spLocks noGrp="1"/>
+          </p:cNvSpPr>
+          <p:nvPr>
+            <p:ph type="title"/>
+          </p:nvPr>
+        </p:nvSpPr>
+        <p:spPr/>
+        <p:txBody>
+          <a:bodyPr/>
+          <a:lstStyle/>
+          <a:p>
+            <a:r>
+              <a:rPr lang="en-US" altLang="zh-CN" sz="3600" b="1" strike="noStrike" spc="-1" dirty="0">
+                <a:solidFill>
+                  <a:srgbClr val="DE0000"/>
+                </a:solidFill>
+                <a:uFill>
+                  <a:solidFill>
+                    <a:srgbClr val="FFFFFF"/>
+                  </a:solidFill>
+                </a:uFill>
+                <a:latin typeface="Arial" panose="020B0604020202020204"/>
+                <a:ea typeface="DejaVu Sans"/>
+              </a:rPr>
               <a:t>Driver nodes IV | </a:t>
             </a:r>
             <a:r>
@@ -22623,7 +22861,7 @@
               <a:pPr>
                 <a:defRPr/>
               </a:pPr>
-              <a:t>20</a:t>
+              <a:t>21</a:t>
             </a:fld>
             <a:endParaRPr lang="en-US" dirty="0">
               <a:solidFill>
@@ -22706,7 +22944,7 @@
 </p:sld>
 </file>
 
-<file path=ppt/slides/slide21.xml><?xml version="1.0" encoding="utf-8"?>
+<file path=ppt/slides/slide22.xml><?xml version="1.0" encoding="utf-8"?>
 <p:sld xmlns:a="http://schemas.openxmlformats.org/drawingml/2006/main" xmlns:r="http://schemas.openxmlformats.org/officeDocument/2006/relationships" xmlns:p="http://schemas.openxmlformats.org/presentationml/2006/main">
   <p:cSld>
     <p:spTree>
@@ -22878,7 +23116,7 @@
               <a:pPr>
                 <a:defRPr/>
               </a:pPr>
-              <a:t>21</a:t>
+              <a:t>22</a:t>
             </a:fld>
             <a:endParaRPr lang="en-US" dirty="0">
               <a:solidFill>
@@ -22933,7 +23171,7 @@
 </p:sld>
 </file>
 
-<file path=ppt/slides/slide22.xml><?xml version="1.0" encoding="utf-8"?>
+<file path=ppt/slides/slide23.xml><?xml version="1.0" encoding="utf-8"?>
 <p:sld xmlns:a="http://schemas.openxmlformats.org/drawingml/2006/main" xmlns:r="http://schemas.openxmlformats.org/officeDocument/2006/relationships" xmlns:p="http://schemas.openxmlformats.org/presentationml/2006/main">
   <p:cSld>
     <p:spTree>
@@ -23092,7 +23330,7 @@
                 </a:spcAft>
                 <a:defRPr/>
               </a:pPr>
-              <a:t>22</a:t>
+              <a:t>23</a:t>
             </a:fld>
             <a:endParaRPr lang="en-US">
               <a:solidFill>
@@ -24065,7 +24303,7 @@
 </p:sld>
 </file>
 
-<file path=ppt/slides/slide23.xml><?xml version="1.0" encoding="utf-8"?>
+<file path=ppt/slides/slide24.xml><?xml version="1.0" encoding="utf-8"?>
 <p:sld xmlns:a="http://schemas.openxmlformats.org/drawingml/2006/main" xmlns:r="http://schemas.openxmlformats.org/officeDocument/2006/relationships" xmlns:p="http://schemas.openxmlformats.org/presentationml/2006/main">
   <p:cSld>
     <p:spTree>
@@ -24251,7 +24489,7 @@
                 </a:spcAft>
                 <a:defRPr/>
               </a:pPr>
-              <a:t>23</a:t>
+              <a:t>24</a:t>
             </a:fld>
             <a:endParaRPr lang="en-US">
               <a:solidFill>
@@ -25224,7 +25462,7 @@
 </p:sld>
 </file>
 
-<file path=ppt/slides/slide24.xml><?xml version="1.0" encoding="utf-8"?>
+<file path=ppt/slides/slide25.xml><?xml version="1.0" encoding="utf-8"?>
 <p:sld xmlns:a="http://schemas.openxmlformats.org/drawingml/2006/main" xmlns:r="http://schemas.openxmlformats.org/officeDocument/2006/relationships" xmlns:p="http://schemas.openxmlformats.org/presentationml/2006/main">
   <p:cSld>
     <p:spTree>
@@ -25246,7 +25484,7 @@
           <p:cNvPr id="2" name="标题 1">
             <a:extLst>
               <a:ext uri="{FF2B5EF4-FFF2-40B4-BE49-F238E27FC236}">
-                <a16:creationId xmlns:a16="http://schemas.microsoft.com/office/drawing/2014/main" id="{827CC934-9D9F-C2EF-02AC-F8FC691BD3BF}"/>
+                <a16:creationId xmlns:a16="http://schemas.microsoft.com/office/drawing/2014/main" id="{6EFC9AF7-D7E1-C059-CB74-884B1CD75208}"/>
               </a:ext>
             </a:extLst>
           </p:cNvPr>
@@ -25264,7 +25502,7 @@
           <a:p>
             <a:r>
               <a:rPr lang="en-US" altLang="zh-CN" dirty="0"/>
-              <a:t>Calibration test</a:t>
+              <a:t>FTC Tool Package</a:t>
             </a:r>
             <a:endParaRPr lang="zh-CN" altLang="en-US" dirty="0"/>
           </a:p>
@@ -25275,7 +25513,7 @@
           <p:cNvPr id="3" name="内容占位符 2">
             <a:extLst>
               <a:ext uri="{FF2B5EF4-FFF2-40B4-BE49-F238E27FC236}">
-                <a16:creationId xmlns:a16="http://schemas.microsoft.com/office/drawing/2014/main" id="{3FE2CB8A-BD34-59D9-4079-70275A46BD6E}"/>
+                <a16:creationId xmlns:a16="http://schemas.microsoft.com/office/drawing/2014/main" id="{CE146287-FC0A-1D69-31E9-A2C386B01FA5}"/>
               </a:ext>
             </a:extLst>
           </p:cNvPr>
@@ -25292,49 +25530,93 @@
           <a:lstStyle/>
           <a:p>
             <a:r>
+              <a:rPr lang="en-US" altLang="zh-CN" dirty="0" err="1"/>
+              <a:t>Makefile</a:t>
+            </a:r>
+            <a:r>
               <a:rPr lang="en-US" altLang="zh-CN" dirty="0"/>
-              <a:t>It’s necessary to enable IV sense in PPC3.</a:t>
-            </a:r>
-          </a:p>
-          <a:p>
+              <a:t> in the package is for arm-</a:t>
+            </a:r>
+            <a:r>
+              <a:rPr lang="en-US" altLang="zh-CN" dirty="0" err="1"/>
+              <a:t>linux</a:t>
+            </a:r>
             <a:r>
               <a:rPr lang="en-US" altLang="zh-CN" dirty="0"/>
-              <a:t>Write a shell script to test calibration. Select </a:t>
-            </a:r>
-            <a:r>
-              <a:rPr lang="en-US" altLang="zh-CN" dirty="0" err="1">
-                <a:solidFill>
-                  <a:srgbClr val="FF0000"/>
-                </a:solidFill>
+              <a:t>-</a:t>
+            </a:r>
+            <a:r>
+              <a:rPr lang="en-US" altLang="zh-CN" dirty="0" err="1"/>
+              <a:t>gnuebinf</a:t>
+            </a:r>
+            <a:endParaRPr lang="en-US" altLang="zh-CN" dirty="0"/>
+          </a:p>
+          <a:p>
+            <a:pPr lvl="1"/>
+            <a:r>
+              <a:rPr lang="en-US" altLang="zh-CN" dirty="0"/>
+              <a:t>Generate tool</a:t>
+            </a:r>
+          </a:p>
+          <a:p>
+            <a:pPr marL="764890" lvl="2" indent="0">
+              <a:buNone/>
+            </a:pPr>
+            <a:r>
+              <a:rPr lang="en-US" altLang="zh-CN" dirty="0"/>
+              <a:t># make</a:t>
+            </a:r>
+          </a:p>
+          <a:p>
+            <a:r>
+              <a:rPr lang="en-US" altLang="zh-CN" dirty="0"/>
+              <a:t>Makefile.x86 in the package is for x86</a:t>
+            </a:r>
+          </a:p>
+          <a:p>
+            <a:pPr lvl="1"/>
+            <a:r>
+              <a:rPr lang="en-US" altLang="zh-CN" dirty="0"/>
+              <a:t>Generate tool</a:t>
+            </a:r>
+          </a:p>
+          <a:p>
+            <a:pPr marL="689111" lvl="2" indent="0">
+              <a:buNone/>
+            </a:pPr>
+            <a:r>
+              <a:rPr lang="en-US" altLang="zh-CN" dirty="0"/>
+              <a:t> # make –f Makefile.x86</a:t>
+            </a:r>
+          </a:p>
+          <a:p>
+            <a:r>
+              <a:rPr lang="en-US" altLang="zh-CN" sz="2400" dirty="0">
+                <a:latin typeface="Segoe UI" panose="020B0502040204020203" pitchFamily="34" charset="0"/>
               </a:rPr>
-              <a:t>calibration_tuning_mode</a:t>
-            </a:r>
-            <a:r>
-              <a:rPr lang="en-US" altLang="zh-CN" dirty="0">
-                <a:solidFill>
-                  <a:srgbClr val="FF0000"/>
-                </a:solidFill>
-              </a:rPr>
-              <a:t> 1 </a:t>
+              <a:t>Assign permissions to </a:t>
             </a:r>
             <a:r>
               <a:rPr lang="en-US" altLang="zh-CN" dirty="0"/>
-              <a:t>in “configuration”.</a:t>
+              <a:t>tas2781_ftc</a:t>
             </a:r>
           </a:p>
           <a:p>
             <a:pPr marL="378923" lvl="1" indent="0">
               <a:buNone/>
             </a:pPr>
-            <a:endParaRPr lang="en-US" altLang="zh-CN" b="0" i="0" dirty="0">
-              <a:solidFill>
-                <a:srgbClr val="2A2B2E"/>
-              </a:solidFill>
-              <a:effectLst/>
-              <a:latin typeface="PingFang SC"/>
-            </a:endParaRPr>
-          </a:p>
-          <a:p>
+            <a:r>
+              <a:rPr lang="en-US" altLang="zh-CN" dirty="0"/>
+              <a:t># </a:t>
+            </a:r>
+            <a:r>
+              <a:rPr lang="en-US" altLang="zh-CN" dirty="0" err="1"/>
+              <a:t>chmod</a:t>
+            </a:r>
+            <a:r>
+              <a:rPr lang="en-US" altLang="zh-CN" dirty="0"/>
+              <a:t> 777 tas2781_ftc</a:t>
+            </a:r>
             <a:endParaRPr lang="zh-CN" altLang="en-US" dirty="0"/>
           </a:p>
         </p:txBody>
@@ -25344,7 +25626,7 @@
           <p:cNvPr id="4" name="灯片编号占位符 3">
             <a:extLst>
               <a:ext uri="{FF2B5EF4-FFF2-40B4-BE49-F238E27FC236}">
-                <a16:creationId xmlns:a16="http://schemas.microsoft.com/office/drawing/2014/main" id="{6A47FF54-7DC9-1827-5BB3-C22590CC09C0}"/>
+                <a16:creationId xmlns:a16="http://schemas.microsoft.com/office/drawing/2014/main" id="{AD83D1B5-8E09-2904-57A9-CEA3F1BA0DEC}"/>
               </a:ext>
             </a:extLst>
           </p:cNvPr>
@@ -25384,7 +25666,7 @@
                 </a:spcAft>
                 <a:defRPr/>
               </a:pPr>
-              <a:t>24</a:t>
+              <a:t>25</a:t>
             </a:fld>
             <a:endParaRPr lang="en-US">
               <a:solidFill>
@@ -25394,652 +25676,10 @@
           </a:p>
         </p:txBody>
       </p:sp>
-      <p:sp>
-        <p:nvSpPr>
-          <p:cNvPr id="5" name="内容占位符 2">
-            <a:extLst>
-              <a:ext uri="{FF2B5EF4-FFF2-40B4-BE49-F238E27FC236}">
-                <a16:creationId xmlns:a16="http://schemas.microsoft.com/office/drawing/2014/main" id="{11B4898D-A816-5CA1-132E-445495106A9F}"/>
-              </a:ext>
-            </a:extLst>
-          </p:cNvPr>
-          <p:cNvSpPr txBox="1">
-            <a:spLocks/>
-          </p:cNvSpPr>
-          <p:nvPr/>
-        </p:nvSpPr>
-        <p:spPr bwMode="auto">
-          <a:xfrm>
-            <a:off x="135761" y="2498073"/>
-            <a:ext cx="6031774" cy="3228395"/>
-          </a:xfrm>
-          <a:prstGeom prst="rect">
-            <a:avLst/>
-          </a:prstGeom>
-          <a:noFill/>
-          <a:ln w="9525" algn="ctr">
-            <a:noFill/>
-            <a:miter lim="800000"/>
-            <a:headEnd/>
-            <a:tailEnd/>
-          </a:ln>
-        </p:spPr>
-        <p:txBody>
-          <a:bodyPr vert="horz" wrap="square" lIns="76140" tIns="38067" rIns="76140" bIns="38067" numCol="1" anchor="t" anchorCtr="0" compatLnSpc="1">
-            <a:prstTxWarp prst="textNoShape">
-              <a:avLst/>
-            </a:prstTxWarp>
-          </a:bodyPr>
-          <a:lstStyle>
-            <a:lvl1pPr marL="252034" indent="-252034" algn="l" rtl="0" eaLnBrk="0" fontAlgn="base" hangingPunct="0">
-              <a:spcBef>
-                <a:spcPts val="889"/>
-              </a:spcBef>
-              <a:spcAft>
-                <a:spcPct val="0"/>
-              </a:spcAft>
-              <a:buChar char="•"/>
-              <a:defRPr sz="2400">
-                <a:solidFill>
-                  <a:schemeClr val="tx1"/>
-                </a:solidFill>
-                <a:latin typeface="+mn-lt"/>
-                <a:ea typeface="+mn-ea"/>
-                <a:cs typeface="+mn-cs"/>
-              </a:defRPr>
-            </a:lvl1pPr>
-            <a:lvl2pPr marL="638011" indent="-259088" algn="l" rtl="0" eaLnBrk="0" fontAlgn="base" hangingPunct="0">
-              <a:spcBef>
-                <a:spcPct val="20000"/>
-              </a:spcBef>
-              <a:spcAft>
-                <a:spcPct val="0"/>
-              </a:spcAft>
-              <a:buChar char="–"/>
-              <a:defRPr sz="2133">
-                <a:solidFill>
-                  <a:schemeClr val="tx1"/>
-                </a:solidFill>
-                <a:latin typeface="+mn-lt"/>
-              </a:defRPr>
-            </a:lvl2pPr>
-            <a:lvl3pPr marL="948199" indent="-183309" algn="l" rtl="0" eaLnBrk="0" fontAlgn="base" hangingPunct="0">
-              <a:spcBef>
-                <a:spcPct val="15000"/>
-              </a:spcBef>
-              <a:spcAft>
-                <a:spcPct val="0"/>
-              </a:spcAft>
-              <a:buChar char="•"/>
-              <a:defRPr sz="2000">
-                <a:solidFill>
-                  <a:schemeClr val="tx1"/>
-                </a:solidFill>
-                <a:latin typeface="+mn-lt"/>
-              </a:defRPr>
-            </a:lvl3pPr>
-            <a:lvl4pPr marL="1334177" indent="-259088" algn="l" rtl="0" eaLnBrk="0" fontAlgn="base" hangingPunct="0">
-              <a:spcBef>
-                <a:spcPct val="5000"/>
-              </a:spcBef>
-              <a:spcAft>
-                <a:spcPct val="0"/>
-              </a:spcAft>
-              <a:buChar char="–"/>
-              <a:defRPr sz="2000">
-                <a:solidFill>
-                  <a:schemeClr val="tx1"/>
-                </a:solidFill>
-                <a:latin typeface="+mn-lt"/>
-              </a:defRPr>
-            </a:lvl4pPr>
-            <a:lvl5pPr marL="1653172" indent="-192129" algn="l" rtl="0" eaLnBrk="0" fontAlgn="base" hangingPunct="0">
-              <a:spcBef>
-                <a:spcPct val="0"/>
-              </a:spcBef>
-              <a:spcAft>
-                <a:spcPct val="0"/>
-              </a:spcAft>
-              <a:buChar char="»"/>
-              <a:defRPr sz="2000">
-                <a:solidFill>
-                  <a:schemeClr val="tx1"/>
-                </a:solidFill>
-                <a:latin typeface="+mn-lt"/>
-              </a:defRPr>
-            </a:lvl5pPr>
-            <a:lvl6pPr marL="2160763" indent="-192129" algn="l" rtl="0" fontAlgn="base">
-              <a:spcBef>
-                <a:spcPct val="0"/>
-              </a:spcBef>
-              <a:spcAft>
-                <a:spcPct val="0"/>
-              </a:spcAft>
-              <a:buChar char="»"/>
-              <a:defRPr sz="1733">
-                <a:solidFill>
-                  <a:schemeClr val="tx1"/>
-                </a:solidFill>
-                <a:latin typeface="+mn-lt"/>
-              </a:defRPr>
-            </a:lvl6pPr>
-            <a:lvl7pPr marL="2668355" indent="-192129" algn="l" rtl="0" fontAlgn="base">
-              <a:spcBef>
-                <a:spcPct val="0"/>
-              </a:spcBef>
-              <a:spcAft>
-                <a:spcPct val="0"/>
-              </a:spcAft>
-              <a:buChar char="»"/>
-              <a:defRPr sz="1733">
-                <a:solidFill>
-                  <a:schemeClr val="tx1"/>
-                </a:solidFill>
-                <a:latin typeface="+mn-lt"/>
-              </a:defRPr>
-            </a:lvl7pPr>
-            <a:lvl8pPr marL="3175943" indent="-192129" algn="l" rtl="0" fontAlgn="base">
-              <a:spcBef>
-                <a:spcPct val="0"/>
-              </a:spcBef>
-              <a:spcAft>
-                <a:spcPct val="0"/>
-              </a:spcAft>
-              <a:buChar char="»"/>
-              <a:defRPr sz="1733">
-                <a:solidFill>
-                  <a:schemeClr val="tx1"/>
-                </a:solidFill>
-                <a:latin typeface="+mn-lt"/>
-              </a:defRPr>
-            </a:lvl8pPr>
-            <a:lvl9pPr marL="3683535" indent="-192129" algn="l" rtl="0" fontAlgn="base">
-              <a:spcBef>
-                <a:spcPct val="0"/>
-              </a:spcBef>
-              <a:spcAft>
-                <a:spcPct val="0"/>
-              </a:spcAft>
-              <a:buChar char="»"/>
-              <a:defRPr sz="1733">
-                <a:solidFill>
-                  <a:schemeClr val="tx1"/>
-                </a:solidFill>
-                <a:latin typeface="+mn-lt"/>
-              </a:defRPr>
-            </a:lvl9pPr>
-          </a:lstStyle>
-          <a:p>
-            <a:pPr marL="378923" lvl="1" indent="0">
-              <a:buFontTx/>
-              <a:buNone/>
-            </a:pPr>
-            <a:r>
-              <a:rPr lang="en-US" altLang="zh-CN" b="1" kern="0" dirty="0"/>
-              <a:t>Shell script with </a:t>
-            </a:r>
-            <a:r>
-              <a:rPr lang="en-US" altLang="zh-CN" b="1" kern="0" dirty="0" err="1"/>
-              <a:t>Alsa</a:t>
-            </a:r>
-            <a:endParaRPr lang="en-US" altLang="zh-CN" b="1" kern="0" dirty="0"/>
-          </a:p>
-          <a:p>
-            <a:pPr marL="378923" lvl="1" indent="0">
-              <a:buFontTx/>
-              <a:buNone/>
-            </a:pPr>
-            <a:endParaRPr lang="en-US" altLang="zh-CN" kern="0" dirty="0"/>
-          </a:p>
-          <a:p>
-            <a:pPr marL="378923" lvl="1" indent="0">
-              <a:buNone/>
-            </a:pPr>
-            <a:r>
-              <a:rPr lang="en-US" altLang="zh-CN" sz="1400" kern="0" dirty="0"/>
-              <a:t>#! /bin/bash</a:t>
-            </a:r>
-          </a:p>
-          <a:p>
-            <a:pPr marL="378923" lvl="1" indent="0">
-              <a:buNone/>
-            </a:pPr>
-            <a:r>
-              <a:rPr lang="en-US" altLang="zh-CN" sz="1400" kern="0" dirty="0" err="1"/>
-              <a:t>amixer</a:t>
-            </a:r>
-            <a:r>
-              <a:rPr lang="en-US" altLang="zh-CN" sz="1400" kern="0" dirty="0"/>
-              <a:t> </a:t>
-            </a:r>
-            <a:r>
-              <a:rPr lang="en-US" altLang="zh-CN" sz="1400" kern="0" dirty="0" err="1"/>
-              <a:t>cset</a:t>
-            </a:r>
-            <a:r>
-              <a:rPr lang="en-US" altLang="zh-CN" sz="1400" kern="0" dirty="0"/>
-              <a:t> </a:t>
-            </a:r>
-            <a:r>
-              <a:rPr lang="en-US" altLang="zh-CN" sz="1400" kern="0" dirty="0" err="1"/>
-              <a:t>numid</a:t>
-            </a:r>
-            <a:r>
-              <a:rPr lang="en-US" altLang="zh-CN" sz="1400" kern="0" dirty="0"/>
-              <a:t>=1,iface=</a:t>
-            </a:r>
-            <a:r>
-              <a:rPr lang="en-US" altLang="zh-CN" sz="1400" kern="0" dirty="0" err="1"/>
-              <a:t>MIXER,name</a:t>
-            </a:r>
-            <a:r>
-              <a:rPr lang="en-US" altLang="zh-CN" sz="1400" kern="0" dirty="0"/>
-              <a:t>="Program" 0</a:t>
-            </a:r>
-          </a:p>
-          <a:p>
-            <a:pPr marL="378923" lvl="1" indent="0">
-              <a:buNone/>
-            </a:pPr>
-            <a:r>
-              <a:rPr lang="en-US" altLang="zh-CN" sz="1400" kern="0" dirty="0" err="1"/>
-              <a:t>amixer</a:t>
-            </a:r>
-            <a:r>
-              <a:rPr lang="en-US" altLang="zh-CN" sz="1400" kern="0" dirty="0"/>
-              <a:t> </a:t>
-            </a:r>
-            <a:r>
-              <a:rPr lang="en-US" altLang="zh-CN" sz="1400" kern="0" dirty="0" err="1"/>
-              <a:t>cset</a:t>
-            </a:r>
-            <a:r>
-              <a:rPr lang="en-US" altLang="zh-CN" sz="1400" kern="0" dirty="0"/>
-              <a:t> </a:t>
-            </a:r>
-            <a:r>
-              <a:rPr lang="en-US" altLang="zh-CN" sz="1400" kern="0" dirty="0" err="1"/>
-              <a:t>numid</a:t>
-            </a:r>
-            <a:r>
-              <a:rPr lang="en-US" altLang="zh-CN" sz="1400" kern="0" dirty="0"/>
-              <a:t>=3,iface=</a:t>
-            </a:r>
-            <a:r>
-              <a:rPr lang="en-US" altLang="zh-CN" sz="1400" kern="0" dirty="0" err="1"/>
-              <a:t>MIXER,name</a:t>
-            </a:r>
-            <a:r>
-              <a:rPr lang="en-US" altLang="zh-CN" sz="1400" kern="0" dirty="0"/>
-              <a:t>="Configuration" 1</a:t>
-            </a:r>
-          </a:p>
-          <a:p>
-            <a:pPr marL="378923" lvl="1" indent="0">
-              <a:buNone/>
-            </a:pPr>
-            <a:r>
-              <a:rPr lang="en-US" altLang="zh-CN" sz="1400" kern="0" dirty="0" err="1"/>
-              <a:t>amixer</a:t>
-            </a:r>
-            <a:r>
-              <a:rPr lang="en-US" altLang="zh-CN" sz="1400" kern="0" dirty="0"/>
-              <a:t> </a:t>
-            </a:r>
-            <a:r>
-              <a:rPr lang="en-US" altLang="zh-CN" sz="1400" kern="0" dirty="0" err="1"/>
-              <a:t>cset</a:t>
-            </a:r>
-            <a:r>
-              <a:rPr lang="en-US" altLang="zh-CN" sz="1400" kern="0" dirty="0"/>
-              <a:t> </a:t>
-            </a:r>
-            <a:r>
-              <a:rPr lang="en-US" altLang="zh-CN" sz="1400" kern="0" dirty="0" err="1"/>
-              <a:t>numid</a:t>
-            </a:r>
-            <a:r>
-              <a:rPr lang="en-US" altLang="zh-CN" sz="1400" kern="0" dirty="0"/>
-              <a:t>=2,iface=</a:t>
-            </a:r>
-            <a:r>
-              <a:rPr lang="en-US" altLang="zh-CN" sz="1400" kern="0" dirty="0" err="1"/>
-              <a:t>MIXER,name</a:t>
-            </a:r>
-            <a:r>
-              <a:rPr lang="en-US" altLang="zh-CN" sz="1400" kern="0" dirty="0"/>
-              <a:t>='TASDEVICE Profile id' 4</a:t>
-            </a:r>
-          </a:p>
-          <a:p>
-            <a:pPr marL="378923" lvl="1" indent="0">
-              <a:buNone/>
-            </a:pPr>
-            <a:r>
-              <a:rPr lang="en-US" altLang="zh-CN" sz="1400" kern="0" dirty="0" err="1"/>
-              <a:t>aplay</a:t>
-            </a:r>
-            <a:r>
-              <a:rPr lang="en-US" altLang="zh-CN" sz="1400" kern="0" dirty="0"/>
-              <a:t> --device="hw:0,0" silence.wav &amp;</a:t>
-            </a:r>
-          </a:p>
-          <a:p>
-            <a:pPr marL="378923" lvl="1" indent="0">
-              <a:buNone/>
-            </a:pPr>
-            <a:r>
-              <a:rPr lang="en-US" altLang="zh-CN" sz="1400" kern="0" dirty="0"/>
-              <a:t>sleep 15</a:t>
-            </a:r>
-          </a:p>
-          <a:p>
-            <a:pPr marL="378923" lvl="1" indent="0">
-              <a:buNone/>
-            </a:pPr>
-            <a:r>
-              <a:rPr lang="en-US" altLang="zh-CN" sz="1400" kern="0" dirty="0"/>
-              <a:t>./tas2781_ftc</a:t>
-            </a:r>
-          </a:p>
-        </p:txBody>
-      </p:sp>
-      <p:sp>
-        <p:nvSpPr>
-          <p:cNvPr id="6" name="内容占位符 2">
-            <a:extLst>
-              <a:ext uri="{FF2B5EF4-FFF2-40B4-BE49-F238E27FC236}">
-                <a16:creationId xmlns:a16="http://schemas.microsoft.com/office/drawing/2014/main" id="{650A4F49-7C47-358C-FF22-81482A1DB247}"/>
-              </a:ext>
-            </a:extLst>
-          </p:cNvPr>
-          <p:cNvSpPr txBox="1">
-            <a:spLocks/>
-          </p:cNvSpPr>
-          <p:nvPr/>
-        </p:nvSpPr>
-        <p:spPr bwMode="auto">
-          <a:xfrm>
-            <a:off x="6588045" y="2498072"/>
-            <a:ext cx="4354776" cy="3228395"/>
-          </a:xfrm>
-          <a:prstGeom prst="rect">
-            <a:avLst/>
-          </a:prstGeom>
-          <a:noFill/>
-          <a:ln w="9525" algn="ctr">
-            <a:noFill/>
-            <a:miter lim="800000"/>
-            <a:headEnd/>
-            <a:tailEnd/>
-          </a:ln>
-        </p:spPr>
-        <p:txBody>
-          <a:bodyPr vert="horz" wrap="square" lIns="76140" tIns="38067" rIns="76140" bIns="38067" numCol="1" anchor="t" anchorCtr="0" compatLnSpc="1">
-            <a:prstTxWarp prst="textNoShape">
-              <a:avLst/>
-            </a:prstTxWarp>
-          </a:bodyPr>
-          <a:lstStyle>
-            <a:lvl1pPr marL="252034" indent="-252034" algn="l" rtl="0" eaLnBrk="0" fontAlgn="base" hangingPunct="0">
-              <a:spcBef>
-                <a:spcPts val="889"/>
-              </a:spcBef>
-              <a:spcAft>
-                <a:spcPct val="0"/>
-              </a:spcAft>
-              <a:buChar char="•"/>
-              <a:defRPr sz="2400">
-                <a:solidFill>
-                  <a:schemeClr val="tx1"/>
-                </a:solidFill>
-                <a:latin typeface="+mn-lt"/>
-                <a:ea typeface="+mn-ea"/>
-                <a:cs typeface="+mn-cs"/>
-              </a:defRPr>
-            </a:lvl1pPr>
-            <a:lvl2pPr marL="638011" indent="-259088" algn="l" rtl="0" eaLnBrk="0" fontAlgn="base" hangingPunct="0">
-              <a:spcBef>
-                <a:spcPct val="20000"/>
-              </a:spcBef>
-              <a:spcAft>
-                <a:spcPct val="0"/>
-              </a:spcAft>
-              <a:buChar char="–"/>
-              <a:defRPr sz="2133">
-                <a:solidFill>
-                  <a:schemeClr val="tx1"/>
-                </a:solidFill>
-                <a:latin typeface="+mn-lt"/>
-              </a:defRPr>
-            </a:lvl2pPr>
-            <a:lvl3pPr marL="948199" indent="-183309" algn="l" rtl="0" eaLnBrk="0" fontAlgn="base" hangingPunct="0">
-              <a:spcBef>
-                <a:spcPct val="15000"/>
-              </a:spcBef>
-              <a:spcAft>
-                <a:spcPct val="0"/>
-              </a:spcAft>
-              <a:buChar char="•"/>
-              <a:defRPr sz="2000">
-                <a:solidFill>
-                  <a:schemeClr val="tx1"/>
-                </a:solidFill>
-                <a:latin typeface="+mn-lt"/>
-              </a:defRPr>
-            </a:lvl3pPr>
-            <a:lvl4pPr marL="1334177" indent="-259088" algn="l" rtl="0" eaLnBrk="0" fontAlgn="base" hangingPunct="0">
-              <a:spcBef>
-                <a:spcPct val="5000"/>
-              </a:spcBef>
-              <a:spcAft>
-                <a:spcPct val="0"/>
-              </a:spcAft>
-              <a:buChar char="–"/>
-              <a:defRPr sz="2000">
-                <a:solidFill>
-                  <a:schemeClr val="tx1"/>
-                </a:solidFill>
-                <a:latin typeface="+mn-lt"/>
-              </a:defRPr>
-            </a:lvl4pPr>
-            <a:lvl5pPr marL="1653172" indent="-192129" algn="l" rtl="0" eaLnBrk="0" fontAlgn="base" hangingPunct="0">
-              <a:spcBef>
-                <a:spcPct val="0"/>
-              </a:spcBef>
-              <a:spcAft>
-                <a:spcPct val="0"/>
-              </a:spcAft>
-              <a:buChar char="»"/>
-              <a:defRPr sz="2000">
-                <a:solidFill>
-                  <a:schemeClr val="tx1"/>
-                </a:solidFill>
-                <a:latin typeface="+mn-lt"/>
-              </a:defRPr>
-            </a:lvl5pPr>
-            <a:lvl6pPr marL="2160763" indent="-192129" algn="l" rtl="0" fontAlgn="base">
-              <a:spcBef>
-                <a:spcPct val="0"/>
-              </a:spcBef>
-              <a:spcAft>
-                <a:spcPct val="0"/>
-              </a:spcAft>
-              <a:buChar char="»"/>
-              <a:defRPr sz="1733">
-                <a:solidFill>
-                  <a:schemeClr val="tx1"/>
-                </a:solidFill>
-                <a:latin typeface="+mn-lt"/>
-              </a:defRPr>
-            </a:lvl6pPr>
-            <a:lvl7pPr marL="2668355" indent="-192129" algn="l" rtl="0" fontAlgn="base">
-              <a:spcBef>
-                <a:spcPct val="0"/>
-              </a:spcBef>
-              <a:spcAft>
-                <a:spcPct val="0"/>
-              </a:spcAft>
-              <a:buChar char="»"/>
-              <a:defRPr sz="1733">
-                <a:solidFill>
-                  <a:schemeClr val="tx1"/>
-                </a:solidFill>
-                <a:latin typeface="+mn-lt"/>
-              </a:defRPr>
-            </a:lvl7pPr>
-            <a:lvl8pPr marL="3175943" indent="-192129" algn="l" rtl="0" fontAlgn="base">
-              <a:spcBef>
-                <a:spcPct val="0"/>
-              </a:spcBef>
-              <a:spcAft>
-                <a:spcPct val="0"/>
-              </a:spcAft>
-              <a:buChar char="»"/>
-              <a:defRPr sz="1733">
-                <a:solidFill>
-                  <a:schemeClr val="tx1"/>
-                </a:solidFill>
-                <a:latin typeface="+mn-lt"/>
-              </a:defRPr>
-            </a:lvl8pPr>
-            <a:lvl9pPr marL="3683535" indent="-192129" algn="l" rtl="0" fontAlgn="base">
-              <a:spcBef>
-                <a:spcPct val="0"/>
-              </a:spcBef>
-              <a:spcAft>
-                <a:spcPct val="0"/>
-              </a:spcAft>
-              <a:buChar char="»"/>
-              <a:defRPr sz="1733">
-                <a:solidFill>
-                  <a:schemeClr val="tx1"/>
-                </a:solidFill>
-                <a:latin typeface="+mn-lt"/>
-              </a:defRPr>
-            </a:lvl9pPr>
-          </a:lstStyle>
-          <a:p>
-            <a:pPr marL="378923" lvl="1" indent="0">
-              <a:buFontTx/>
-              <a:buNone/>
-            </a:pPr>
-            <a:r>
-              <a:rPr lang="en-US" altLang="zh-CN" b="1" kern="0" dirty="0"/>
-              <a:t>Shell script with </a:t>
-            </a:r>
-            <a:r>
-              <a:rPr lang="en-US" altLang="zh-CN" b="1" kern="0" dirty="0" err="1"/>
-              <a:t>Tinyalsa</a:t>
-            </a:r>
-            <a:endParaRPr lang="en-US" altLang="zh-CN" b="1" kern="0" dirty="0"/>
-          </a:p>
-          <a:p>
-            <a:pPr marL="378923" lvl="1" indent="0">
-              <a:buFontTx/>
-              <a:buNone/>
-            </a:pPr>
-            <a:endParaRPr lang="en-US" altLang="zh-CN" kern="0" dirty="0"/>
-          </a:p>
-          <a:p>
-            <a:pPr marL="378923" lvl="1" indent="0">
-              <a:buFontTx/>
-              <a:buNone/>
-            </a:pPr>
-            <a:r>
-              <a:rPr lang="en-US" altLang="zh-CN" sz="1400" kern="0" dirty="0"/>
-              <a:t>#! /bin/bash</a:t>
-            </a:r>
-          </a:p>
-          <a:p>
-            <a:pPr marL="378923" lvl="1" indent="0">
-              <a:buFontTx/>
-              <a:buNone/>
-            </a:pPr>
-            <a:r>
-              <a:rPr lang="en-US" altLang="zh-CN" sz="1400" kern="0" dirty="0" err="1"/>
-              <a:t>tinymix</a:t>
-            </a:r>
-            <a:r>
-              <a:rPr lang="en-US" altLang="zh-CN" sz="1400" kern="0" dirty="0"/>
-              <a:t> set "Program" 0</a:t>
-            </a:r>
-          </a:p>
-          <a:p>
-            <a:pPr marL="378923" lvl="1" indent="0">
-              <a:buFontTx/>
-              <a:buNone/>
-            </a:pPr>
-            <a:r>
-              <a:rPr lang="en-US" altLang="zh-CN" sz="1400" kern="0" dirty="0" err="1"/>
-              <a:t>tinymix</a:t>
-            </a:r>
-            <a:r>
-              <a:rPr lang="en-US" altLang="zh-CN" sz="1400" kern="0" dirty="0"/>
-              <a:t> set "Configuration" 1</a:t>
-            </a:r>
-          </a:p>
-          <a:p>
-            <a:pPr marL="378923" lvl="1" indent="0">
-              <a:buFontTx/>
-              <a:buNone/>
-            </a:pPr>
-            <a:r>
-              <a:rPr lang="en-US" altLang="zh-CN" sz="1400" kern="0" dirty="0" err="1"/>
-              <a:t>tinymix</a:t>
-            </a:r>
-            <a:r>
-              <a:rPr lang="en-US" altLang="zh-CN" sz="1400" kern="0" dirty="0"/>
-              <a:t> set "TASDEVICE Profile id" 4</a:t>
-            </a:r>
-          </a:p>
-          <a:p>
-            <a:pPr marL="378923" lvl="1" indent="0">
-              <a:buFontTx/>
-              <a:buNone/>
-            </a:pPr>
-            <a:r>
-              <a:rPr lang="en-US" altLang="zh-CN" sz="1400" kern="0" dirty="0" err="1"/>
-              <a:t>tinyplay</a:t>
-            </a:r>
-            <a:r>
-              <a:rPr lang="en-US" altLang="zh-CN" sz="1400" kern="0" dirty="0"/>
-              <a:t> silence.wav &amp;</a:t>
-            </a:r>
-          </a:p>
-          <a:p>
-            <a:pPr marL="378923" lvl="1" indent="0">
-              <a:buFontTx/>
-              <a:buNone/>
-            </a:pPr>
-            <a:r>
-              <a:rPr lang="en-US" altLang="zh-CN" sz="1400" kern="0" dirty="0"/>
-              <a:t>sleep 15</a:t>
-            </a:r>
-          </a:p>
-          <a:p>
-            <a:pPr marL="378923" lvl="1" indent="0">
-              <a:buFontTx/>
-              <a:buNone/>
-            </a:pPr>
-            <a:r>
-              <a:rPr lang="en-US" altLang="zh-CN" sz="1400" kern="0" dirty="0"/>
-              <a:t>./tas2781_ftc</a:t>
-            </a:r>
-          </a:p>
-          <a:p>
-            <a:pPr marL="378923" lvl="1" indent="0">
-              <a:buFontTx/>
-              <a:buNone/>
-            </a:pPr>
-            <a:endParaRPr lang="zh-CN" altLang="en-US" kern="0" dirty="0"/>
-          </a:p>
-        </p:txBody>
-      </p:sp>
     </p:spTree>
     <p:extLst>
       <p:ext uri="{BB962C8B-B14F-4D97-AF65-F5344CB8AC3E}">
-        <p14:creationId xmlns:p14="http://schemas.microsoft.com/office/powerpoint/2010/main" val="538029246"/>
+        <p14:creationId xmlns:p14="http://schemas.microsoft.com/office/powerpoint/2010/main" val="2204068713"/>
       </p:ext>
     </p:extLst>
   </p:cSld>
@@ -26049,7 +25689,7 @@
 </p:sld>
 </file>
 
-<file path=ppt/slides/slide25.xml><?xml version="1.0" encoding="utf-8"?>
+<file path=ppt/slides/slide26.xml><?xml version="1.0" encoding="utf-8"?>
 <p:sld xmlns:a="http://schemas.openxmlformats.org/drawingml/2006/main" xmlns:r="http://schemas.openxmlformats.org/officeDocument/2006/relationships" xmlns:p="http://schemas.openxmlformats.org/presentationml/2006/main">
   <p:cSld>
     <p:spTree>
@@ -26239,7 +25879,7 @@
                 </a:spcAft>
                 <a:defRPr/>
               </a:pPr>
-              <a:t>25</a:t>
+              <a:t>26</a:t>
             </a:fld>
             <a:endParaRPr lang="en-US">
               <a:solidFill>
@@ -26292,7 +25932,832 @@
 </p:sld>
 </file>
 
-<file path=ppt/slides/slide26.xml><?xml version="1.0" encoding="utf-8"?>
+<file path=ppt/slides/slide27.xml><?xml version="1.0" encoding="utf-8"?>
+<p:sld xmlns:a="http://schemas.openxmlformats.org/drawingml/2006/main" xmlns:r="http://schemas.openxmlformats.org/officeDocument/2006/relationships" xmlns:p="http://schemas.openxmlformats.org/presentationml/2006/main">
+  <p:cSld>
+    <p:spTree>
+      <p:nvGrpSpPr>
+        <p:cNvPr id="1" name=""/>
+        <p:cNvGrpSpPr/>
+        <p:nvPr/>
+      </p:nvGrpSpPr>
+      <p:grpSpPr>
+        <a:xfrm>
+          <a:off x="0" y="0"/>
+          <a:ext cx="0" cy="0"/>
+          <a:chOff x="0" y="0"/>
+          <a:chExt cx="0" cy="0"/>
+        </a:xfrm>
+      </p:grpSpPr>
+      <p:sp>
+        <p:nvSpPr>
+          <p:cNvPr id="2" name="标题 1">
+            <a:extLst>
+              <a:ext uri="{FF2B5EF4-FFF2-40B4-BE49-F238E27FC236}">
+                <a16:creationId xmlns:a16="http://schemas.microsoft.com/office/drawing/2014/main" id="{827CC934-9D9F-C2EF-02AC-F8FC691BD3BF}"/>
+              </a:ext>
+            </a:extLst>
+          </p:cNvPr>
+          <p:cNvSpPr>
+            <a:spLocks noGrp="1"/>
+          </p:cNvSpPr>
+          <p:nvPr>
+            <p:ph type="title"/>
+          </p:nvPr>
+        </p:nvSpPr>
+        <p:spPr/>
+        <p:txBody>
+          <a:bodyPr/>
+          <a:lstStyle/>
+          <a:p>
+            <a:r>
+              <a:rPr lang="en-US" altLang="zh-CN" dirty="0"/>
+              <a:t>Calibration test</a:t>
+            </a:r>
+            <a:endParaRPr lang="zh-CN" altLang="en-US" dirty="0"/>
+          </a:p>
+        </p:txBody>
+      </p:sp>
+      <p:sp>
+        <p:nvSpPr>
+          <p:cNvPr id="3" name="内容占位符 2">
+            <a:extLst>
+              <a:ext uri="{FF2B5EF4-FFF2-40B4-BE49-F238E27FC236}">
+                <a16:creationId xmlns:a16="http://schemas.microsoft.com/office/drawing/2014/main" id="{3FE2CB8A-BD34-59D9-4079-70275A46BD6E}"/>
+              </a:ext>
+            </a:extLst>
+          </p:cNvPr>
+          <p:cNvSpPr>
+            <a:spLocks noGrp="1"/>
+          </p:cNvSpPr>
+          <p:nvPr>
+            <p:ph idx="1"/>
+          </p:nvPr>
+        </p:nvSpPr>
+        <p:spPr/>
+        <p:txBody>
+          <a:bodyPr/>
+          <a:lstStyle/>
+          <a:p>
+            <a:r>
+              <a:rPr lang="en-US" altLang="zh-CN" dirty="0"/>
+              <a:t>It’s necessary to enable IV sense in PPC3.</a:t>
+            </a:r>
+          </a:p>
+          <a:p>
+            <a:r>
+              <a:rPr lang="en-US" altLang="zh-CN" dirty="0"/>
+              <a:t>Write a shell script to test calibration. Select </a:t>
+            </a:r>
+            <a:r>
+              <a:rPr lang="en-US" altLang="zh-CN" dirty="0" err="1">
+                <a:solidFill>
+                  <a:srgbClr val="FF0000"/>
+                </a:solidFill>
+              </a:rPr>
+              <a:t>calibration_tuning_mode</a:t>
+            </a:r>
+            <a:r>
+              <a:rPr lang="en-US" altLang="zh-CN" dirty="0">
+                <a:solidFill>
+                  <a:srgbClr val="FF0000"/>
+                </a:solidFill>
+              </a:rPr>
+              <a:t> 1 </a:t>
+            </a:r>
+            <a:r>
+              <a:rPr lang="en-US" altLang="zh-CN" dirty="0"/>
+              <a:t>in “configuration”.</a:t>
+            </a:r>
+          </a:p>
+          <a:p>
+            <a:pPr marL="378923" lvl="1" indent="0">
+              <a:buNone/>
+            </a:pPr>
+            <a:endParaRPr lang="en-US" altLang="zh-CN" b="0" i="0" dirty="0">
+              <a:solidFill>
+                <a:srgbClr val="2A2B2E"/>
+              </a:solidFill>
+              <a:effectLst/>
+              <a:latin typeface="PingFang SC"/>
+            </a:endParaRPr>
+          </a:p>
+          <a:p>
+            <a:endParaRPr lang="zh-CN" altLang="en-US" dirty="0"/>
+          </a:p>
+        </p:txBody>
+      </p:sp>
+      <p:sp>
+        <p:nvSpPr>
+          <p:cNvPr id="4" name="灯片编号占位符 3">
+            <a:extLst>
+              <a:ext uri="{FF2B5EF4-FFF2-40B4-BE49-F238E27FC236}">
+                <a16:creationId xmlns:a16="http://schemas.microsoft.com/office/drawing/2014/main" id="{6A47FF54-7DC9-1827-5BB3-C22590CC09C0}"/>
+              </a:ext>
+            </a:extLst>
+          </p:cNvPr>
+          <p:cNvSpPr>
+            <a:spLocks noGrp="1"/>
+          </p:cNvSpPr>
+          <p:nvPr>
+            <p:ph type="sldNum" sz="quarter" idx="10"/>
+          </p:nvPr>
+        </p:nvSpPr>
+        <p:spPr/>
+        <p:txBody>
+          <a:bodyPr/>
+          <a:lstStyle/>
+          <a:p>
+            <a:pPr defTabSz="1219170" fontAlgn="base">
+              <a:spcBef>
+                <a:spcPct val="0"/>
+              </a:spcBef>
+              <a:spcAft>
+                <a:spcPct val="0"/>
+              </a:spcAft>
+              <a:defRPr/>
+            </a:pPr>
+            <a:fld id="{2B97888F-6AF7-4263-B69D-592D8C33BAC7}" type="slidenum">
+              <a:rPr lang="en-US" smtClean="0">
+                <a:solidFill>
+                  <a:srgbClr val="000000"/>
+                </a:solidFill>
+              </a:rPr>
+              <a:pPr defTabSz="1219170" fontAlgn="base">
+                <a:spcBef>
+                  <a:spcPct val="0"/>
+                </a:spcBef>
+                <a:spcAft>
+                  <a:spcPct val="0"/>
+                </a:spcAft>
+                <a:defRPr/>
+              </a:pPr>
+              <a:t>27</a:t>
+            </a:fld>
+            <a:endParaRPr lang="en-US">
+              <a:solidFill>
+                <a:srgbClr val="000000"/>
+              </a:solidFill>
+            </a:endParaRPr>
+          </a:p>
+        </p:txBody>
+      </p:sp>
+      <p:sp>
+        <p:nvSpPr>
+          <p:cNvPr id="5" name="内容占位符 2">
+            <a:extLst>
+              <a:ext uri="{FF2B5EF4-FFF2-40B4-BE49-F238E27FC236}">
+                <a16:creationId xmlns:a16="http://schemas.microsoft.com/office/drawing/2014/main" id="{11B4898D-A816-5CA1-132E-445495106A9F}"/>
+              </a:ext>
+            </a:extLst>
+          </p:cNvPr>
+          <p:cNvSpPr txBox="1">
+            <a:spLocks/>
+          </p:cNvSpPr>
+          <p:nvPr/>
+        </p:nvSpPr>
+        <p:spPr bwMode="auto">
+          <a:xfrm>
+            <a:off x="135761" y="2498073"/>
+            <a:ext cx="6031774" cy="3228395"/>
+          </a:xfrm>
+          <a:prstGeom prst="rect">
+            <a:avLst/>
+          </a:prstGeom>
+          <a:noFill/>
+          <a:ln w="9525" algn="ctr">
+            <a:noFill/>
+            <a:miter lim="800000"/>
+            <a:headEnd/>
+            <a:tailEnd/>
+          </a:ln>
+        </p:spPr>
+        <p:txBody>
+          <a:bodyPr vert="horz" wrap="square" lIns="76140" tIns="38067" rIns="76140" bIns="38067" numCol="1" anchor="t" anchorCtr="0" compatLnSpc="1">
+            <a:prstTxWarp prst="textNoShape">
+              <a:avLst/>
+            </a:prstTxWarp>
+          </a:bodyPr>
+          <a:lstStyle>
+            <a:lvl1pPr marL="252034" indent="-252034" algn="l" rtl="0" eaLnBrk="0" fontAlgn="base" hangingPunct="0">
+              <a:spcBef>
+                <a:spcPts val="889"/>
+              </a:spcBef>
+              <a:spcAft>
+                <a:spcPct val="0"/>
+              </a:spcAft>
+              <a:buChar char="•"/>
+              <a:defRPr sz="2400">
+                <a:solidFill>
+                  <a:schemeClr val="tx1"/>
+                </a:solidFill>
+                <a:latin typeface="+mn-lt"/>
+                <a:ea typeface="+mn-ea"/>
+                <a:cs typeface="+mn-cs"/>
+              </a:defRPr>
+            </a:lvl1pPr>
+            <a:lvl2pPr marL="638011" indent="-259088" algn="l" rtl="0" eaLnBrk="0" fontAlgn="base" hangingPunct="0">
+              <a:spcBef>
+                <a:spcPct val="20000"/>
+              </a:spcBef>
+              <a:spcAft>
+                <a:spcPct val="0"/>
+              </a:spcAft>
+              <a:buChar char="–"/>
+              <a:defRPr sz="2133">
+                <a:solidFill>
+                  <a:schemeClr val="tx1"/>
+                </a:solidFill>
+                <a:latin typeface="+mn-lt"/>
+              </a:defRPr>
+            </a:lvl2pPr>
+            <a:lvl3pPr marL="948199" indent="-183309" algn="l" rtl="0" eaLnBrk="0" fontAlgn="base" hangingPunct="0">
+              <a:spcBef>
+                <a:spcPct val="15000"/>
+              </a:spcBef>
+              <a:spcAft>
+                <a:spcPct val="0"/>
+              </a:spcAft>
+              <a:buChar char="•"/>
+              <a:defRPr sz="2000">
+                <a:solidFill>
+                  <a:schemeClr val="tx1"/>
+                </a:solidFill>
+                <a:latin typeface="+mn-lt"/>
+              </a:defRPr>
+            </a:lvl3pPr>
+            <a:lvl4pPr marL="1334177" indent="-259088" algn="l" rtl="0" eaLnBrk="0" fontAlgn="base" hangingPunct="0">
+              <a:spcBef>
+                <a:spcPct val="5000"/>
+              </a:spcBef>
+              <a:spcAft>
+                <a:spcPct val="0"/>
+              </a:spcAft>
+              <a:buChar char="–"/>
+              <a:defRPr sz="2000">
+                <a:solidFill>
+                  <a:schemeClr val="tx1"/>
+                </a:solidFill>
+                <a:latin typeface="+mn-lt"/>
+              </a:defRPr>
+            </a:lvl4pPr>
+            <a:lvl5pPr marL="1653172" indent="-192129" algn="l" rtl="0" eaLnBrk="0" fontAlgn="base" hangingPunct="0">
+              <a:spcBef>
+                <a:spcPct val="0"/>
+              </a:spcBef>
+              <a:spcAft>
+                <a:spcPct val="0"/>
+              </a:spcAft>
+              <a:buChar char="»"/>
+              <a:defRPr sz="2000">
+                <a:solidFill>
+                  <a:schemeClr val="tx1"/>
+                </a:solidFill>
+                <a:latin typeface="+mn-lt"/>
+              </a:defRPr>
+            </a:lvl5pPr>
+            <a:lvl6pPr marL="2160763" indent="-192129" algn="l" rtl="0" fontAlgn="base">
+              <a:spcBef>
+                <a:spcPct val="0"/>
+              </a:spcBef>
+              <a:spcAft>
+                <a:spcPct val="0"/>
+              </a:spcAft>
+              <a:buChar char="»"/>
+              <a:defRPr sz="1733">
+                <a:solidFill>
+                  <a:schemeClr val="tx1"/>
+                </a:solidFill>
+                <a:latin typeface="+mn-lt"/>
+              </a:defRPr>
+            </a:lvl6pPr>
+            <a:lvl7pPr marL="2668355" indent="-192129" algn="l" rtl="0" fontAlgn="base">
+              <a:spcBef>
+                <a:spcPct val="0"/>
+              </a:spcBef>
+              <a:spcAft>
+                <a:spcPct val="0"/>
+              </a:spcAft>
+              <a:buChar char="»"/>
+              <a:defRPr sz="1733">
+                <a:solidFill>
+                  <a:schemeClr val="tx1"/>
+                </a:solidFill>
+                <a:latin typeface="+mn-lt"/>
+              </a:defRPr>
+            </a:lvl7pPr>
+            <a:lvl8pPr marL="3175943" indent="-192129" algn="l" rtl="0" fontAlgn="base">
+              <a:spcBef>
+                <a:spcPct val="0"/>
+              </a:spcBef>
+              <a:spcAft>
+                <a:spcPct val="0"/>
+              </a:spcAft>
+              <a:buChar char="»"/>
+              <a:defRPr sz="1733">
+                <a:solidFill>
+                  <a:schemeClr val="tx1"/>
+                </a:solidFill>
+                <a:latin typeface="+mn-lt"/>
+              </a:defRPr>
+            </a:lvl8pPr>
+            <a:lvl9pPr marL="3683535" indent="-192129" algn="l" rtl="0" fontAlgn="base">
+              <a:spcBef>
+                <a:spcPct val="0"/>
+              </a:spcBef>
+              <a:spcAft>
+                <a:spcPct val="0"/>
+              </a:spcAft>
+              <a:buChar char="»"/>
+              <a:defRPr sz="1733">
+                <a:solidFill>
+                  <a:schemeClr val="tx1"/>
+                </a:solidFill>
+                <a:latin typeface="+mn-lt"/>
+              </a:defRPr>
+            </a:lvl9pPr>
+          </a:lstStyle>
+          <a:p>
+            <a:pPr marL="378923" lvl="1" indent="0">
+              <a:buFontTx/>
+              <a:buNone/>
+            </a:pPr>
+            <a:r>
+              <a:rPr lang="en-US" altLang="zh-CN" b="1" kern="0" dirty="0"/>
+              <a:t>Shell script with </a:t>
+            </a:r>
+            <a:r>
+              <a:rPr lang="en-US" altLang="zh-CN" b="1" kern="0" dirty="0" err="1"/>
+              <a:t>Alsa</a:t>
+            </a:r>
+            <a:endParaRPr lang="en-US" altLang="zh-CN" b="1" kern="0" dirty="0"/>
+          </a:p>
+          <a:p>
+            <a:pPr marL="378923" lvl="1" indent="0">
+              <a:buFontTx/>
+              <a:buNone/>
+            </a:pPr>
+            <a:endParaRPr lang="en-US" altLang="zh-CN" kern="0" dirty="0"/>
+          </a:p>
+          <a:p>
+            <a:pPr marL="378923" lvl="1" indent="0">
+              <a:buNone/>
+            </a:pPr>
+            <a:r>
+              <a:rPr lang="en-US" altLang="zh-CN" sz="1400" kern="0" dirty="0"/>
+              <a:t>#! /bin/bash</a:t>
+            </a:r>
+          </a:p>
+          <a:p>
+            <a:pPr marL="378923" lvl="1" indent="0">
+              <a:buNone/>
+            </a:pPr>
+            <a:r>
+              <a:rPr lang="en-US" altLang="zh-CN" sz="1400" kern="0" dirty="0" err="1"/>
+              <a:t>amixer</a:t>
+            </a:r>
+            <a:r>
+              <a:rPr lang="en-US" altLang="zh-CN" sz="1400" kern="0" dirty="0"/>
+              <a:t> </a:t>
+            </a:r>
+            <a:r>
+              <a:rPr lang="en-US" altLang="zh-CN" sz="1400" kern="0" dirty="0" err="1"/>
+              <a:t>cset</a:t>
+            </a:r>
+            <a:r>
+              <a:rPr lang="en-US" altLang="zh-CN" sz="1400" kern="0" dirty="0"/>
+              <a:t> </a:t>
+            </a:r>
+            <a:r>
+              <a:rPr lang="en-US" altLang="zh-CN" sz="1400" kern="0" dirty="0" err="1"/>
+              <a:t>numid</a:t>
+            </a:r>
+            <a:r>
+              <a:rPr lang="en-US" altLang="zh-CN" sz="1400" kern="0" dirty="0"/>
+              <a:t>=1,iface=</a:t>
+            </a:r>
+            <a:r>
+              <a:rPr lang="en-US" altLang="zh-CN" sz="1400" kern="0" dirty="0" err="1"/>
+              <a:t>MIXER,name</a:t>
+            </a:r>
+            <a:r>
+              <a:rPr lang="en-US" altLang="zh-CN" sz="1400" kern="0" dirty="0"/>
+              <a:t>="Program" 0</a:t>
+            </a:r>
+          </a:p>
+          <a:p>
+            <a:pPr marL="378923" lvl="1" indent="0">
+              <a:buNone/>
+            </a:pPr>
+            <a:r>
+              <a:rPr lang="en-US" altLang="zh-CN" sz="1400" kern="0" dirty="0" err="1"/>
+              <a:t>amixer</a:t>
+            </a:r>
+            <a:r>
+              <a:rPr lang="en-US" altLang="zh-CN" sz="1400" kern="0" dirty="0"/>
+              <a:t> </a:t>
+            </a:r>
+            <a:r>
+              <a:rPr lang="en-US" altLang="zh-CN" sz="1400" kern="0" dirty="0" err="1"/>
+              <a:t>cset</a:t>
+            </a:r>
+            <a:r>
+              <a:rPr lang="en-US" altLang="zh-CN" sz="1400" kern="0" dirty="0"/>
+              <a:t> </a:t>
+            </a:r>
+            <a:r>
+              <a:rPr lang="en-US" altLang="zh-CN" sz="1400" kern="0" dirty="0" err="1"/>
+              <a:t>numid</a:t>
+            </a:r>
+            <a:r>
+              <a:rPr lang="en-US" altLang="zh-CN" sz="1400" kern="0" dirty="0"/>
+              <a:t>=3,iface=</a:t>
+            </a:r>
+            <a:r>
+              <a:rPr lang="en-US" altLang="zh-CN" sz="1400" kern="0" dirty="0" err="1"/>
+              <a:t>MIXER,name</a:t>
+            </a:r>
+            <a:r>
+              <a:rPr lang="en-US" altLang="zh-CN" sz="1400" kern="0" dirty="0"/>
+              <a:t>="Configuration" 1</a:t>
+            </a:r>
+          </a:p>
+          <a:p>
+            <a:pPr marL="378923" lvl="1" indent="0">
+              <a:buNone/>
+            </a:pPr>
+            <a:r>
+              <a:rPr lang="en-US" altLang="zh-CN" sz="1400" kern="0" dirty="0" err="1"/>
+              <a:t>amixer</a:t>
+            </a:r>
+            <a:r>
+              <a:rPr lang="en-US" altLang="zh-CN" sz="1400" kern="0" dirty="0"/>
+              <a:t> </a:t>
+            </a:r>
+            <a:r>
+              <a:rPr lang="en-US" altLang="zh-CN" sz="1400" kern="0" dirty="0" err="1"/>
+              <a:t>cset</a:t>
+            </a:r>
+            <a:r>
+              <a:rPr lang="en-US" altLang="zh-CN" sz="1400" kern="0" dirty="0"/>
+              <a:t> </a:t>
+            </a:r>
+            <a:r>
+              <a:rPr lang="en-US" altLang="zh-CN" sz="1400" kern="0" dirty="0" err="1"/>
+              <a:t>numid</a:t>
+            </a:r>
+            <a:r>
+              <a:rPr lang="en-US" altLang="zh-CN" sz="1400" kern="0" dirty="0"/>
+              <a:t>=2,iface=</a:t>
+            </a:r>
+            <a:r>
+              <a:rPr lang="en-US" altLang="zh-CN" sz="1400" kern="0" dirty="0" err="1"/>
+              <a:t>MIXER,name</a:t>
+            </a:r>
+            <a:r>
+              <a:rPr lang="en-US" altLang="zh-CN" sz="1400" kern="0" dirty="0"/>
+              <a:t>='TASDEVICE Profile id' 4</a:t>
+            </a:r>
+          </a:p>
+          <a:p>
+            <a:pPr marL="378923" lvl="1" indent="0">
+              <a:buNone/>
+            </a:pPr>
+            <a:r>
+              <a:rPr lang="en-US" altLang="zh-CN" sz="1400" kern="0" dirty="0" err="1"/>
+              <a:t>aplay</a:t>
+            </a:r>
+            <a:r>
+              <a:rPr lang="en-US" altLang="zh-CN" sz="1400" kern="0" dirty="0"/>
+              <a:t> --device="hw:0,0" silence.wav &amp;</a:t>
+            </a:r>
+          </a:p>
+          <a:p>
+            <a:pPr marL="378923" lvl="1" indent="0">
+              <a:buNone/>
+            </a:pPr>
+            <a:r>
+              <a:rPr lang="en-US" altLang="zh-CN" sz="1400" kern="0" dirty="0"/>
+              <a:t>sleep 15</a:t>
+            </a:r>
+          </a:p>
+          <a:p>
+            <a:pPr marL="378923" lvl="1" indent="0">
+              <a:buNone/>
+            </a:pPr>
+            <a:r>
+              <a:rPr lang="en-US" altLang="zh-CN" sz="1400" kern="0" dirty="0"/>
+              <a:t>./tas2781_ftc</a:t>
+            </a:r>
+          </a:p>
+        </p:txBody>
+      </p:sp>
+      <p:sp>
+        <p:nvSpPr>
+          <p:cNvPr id="6" name="内容占位符 2">
+            <a:extLst>
+              <a:ext uri="{FF2B5EF4-FFF2-40B4-BE49-F238E27FC236}">
+                <a16:creationId xmlns:a16="http://schemas.microsoft.com/office/drawing/2014/main" id="{650A4F49-7C47-358C-FF22-81482A1DB247}"/>
+              </a:ext>
+            </a:extLst>
+          </p:cNvPr>
+          <p:cNvSpPr txBox="1">
+            <a:spLocks/>
+          </p:cNvSpPr>
+          <p:nvPr/>
+        </p:nvSpPr>
+        <p:spPr bwMode="auto">
+          <a:xfrm>
+            <a:off x="6588045" y="2498072"/>
+            <a:ext cx="4354776" cy="3228395"/>
+          </a:xfrm>
+          <a:prstGeom prst="rect">
+            <a:avLst/>
+          </a:prstGeom>
+          <a:noFill/>
+          <a:ln w="9525" algn="ctr">
+            <a:noFill/>
+            <a:miter lim="800000"/>
+            <a:headEnd/>
+            <a:tailEnd/>
+          </a:ln>
+        </p:spPr>
+        <p:txBody>
+          <a:bodyPr vert="horz" wrap="square" lIns="76140" tIns="38067" rIns="76140" bIns="38067" numCol="1" anchor="t" anchorCtr="0" compatLnSpc="1">
+            <a:prstTxWarp prst="textNoShape">
+              <a:avLst/>
+            </a:prstTxWarp>
+          </a:bodyPr>
+          <a:lstStyle>
+            <a:lvl1pPr marL="252034" indent="-252034" algn="l" rtl="0" eaLnBrk="0" fontAlgn="base" hangingPunct="0">
+              <a:spcBef>
+                <a:spcPts val="889"/>
+              </a:spcBef>
+              <a:spcAft>
+                <a:spcPct val="0"/>
+              </a:spcAft>
+              <a:buChar char="•"/>
+              <a:defRPr sz="2400">
+                <a:solidFill>
+                  <a:schemeClr val="tx1"/>
+                </a:solidFill>
+                <a:latin typeface="+mn-lt"/>
+                <a:ea typeface="+mn-ea"/>
+                <a:cs typeface="+mn-cs"/>
+              </a:defRPr>
+            </a:lvl1pPr>
+            <a:lvl2pPr marL="638011" indent="-259088" algn="l" rtl="0" eaLnBrk="0" fontAlgn="base" hangingPunct="0">
+              <a:spcBef>
+                <a:spcPct val="20000"/>
+              </a:spcBef>
+              <a:spcAft>
+                <a:spcPct val="0"/>
+              </a:spcAft>
+              <a:buChar char="–"/>
+              <a:defRPr sz="2133">
+                <a:solidFill>
+                  <a:schemeClr val="tx1"/>
+                </a:solidFill>
+                <a:latin typeface="+mn-lt"/>
+              </a:defRPr>
+            </a:lvl2pPr>
+            <a:lvl3pPr marL="948199" indent="-183309" algn="l" rtl="0" eaLnBrk="0" fontAlgn="base" hangingPunct="0">
+              <a:spcBef>
+                <a:spcPct val="15000"/>
+              </a:spcBef>
+              <a:spcAft>
+                <a:spcPct val="0"/>
+              </a:spcAft>
+              <a:buChar char="•"/>
+              <a:defRPr sz="2000">
+                <a:solidFill>
+                  <a:schemeClr val="tx1"/>
+                </a:solidFill>
+                <a:latin typeface="+mn-lt"/>
+              </a:defRPr>
+            </a:lvl3pPr>
+            <a:lvl4pPr marL="1334177" indent="-259088" algn="l" rtl="0" eaLnBrk="0" fontAlgn="base" hangingPunct="0">
+              <a:spcBef>
+                <a:spcPct val="5000"/>
+              </a:spcBef>
+              <a:spcAft>
+                <a:spcPct val="0"/>
+              </a:spcAft>
+              <a:buChar char="–"/>
+              <a:defRPr sz="2000">
+                <a:solidFill>
+                  <a:schemeClr val="tx1"/>
+                </a:solidFill>
+                <a:latin typeface="+mn-lt"/>
+              </a:defRPr>
+            </a:lvl4pPr>
+            <a:lvl5pPr marL="1653172" indent="-192129" algn="l" rtl="0" eaLnBrk="0" fontAlgn="base" hangingPunct="0">
+              <a:spcBef>
+                <a:spcPct val="0"/>
+              </a:spcBef>
+              <a:spcAft>
+                <a:spcPct val="0"/>
+              </a:spcAft>
+              <a:buChar char="»"/>
+              <a:defRPr sz="2000">
+                <a:solidFill>
+                  <a:schemeClr val="tx1"/>
+                </a:solidFill>
+                <a:latin typeface="+mn-lt"/>
+              </a:defRPr>
+            </a:lvl5pPr>
+            <a:lvl6pPr marL="2160763" indent="-192129" algn="l" rtl="0" fontAlgn="base">
+              <a:spcBef>
+                <a:spcPct val="0"/>
+              </a:spcBef>
+              <a:spcAft>
+                <a:spcPct val="0"/>
+              </a:spcAft>
+              <a:buChar char="»"/>
+              <a:defRPr sz="1733">
+                <a:solidFill>
+                  <a:schemeClr val="tx1"/>
+                </a:solidFill>
+                <a:latin typeface="+mn-lt"/>
+              </a:defRPr>
+            </a:lvl6pPr>
+            <a:lvl7pPr marL="2668355" indent="-192129" algn="l" rtl="0" fontAlgn="base">
+              <a:spcBef>
+                <a:spcPct val="0"/>
+              </a:spcBef>
+              <a:spcAft>
+                <a:spcPct val="0"/>
+              </a:spcAft>
+              <a:buChar char="»"/>
+              <a:defRPr sz="1733">
+                <a:solidFill>
+                  <a:schemeClr val="tx1"/>
+                </a:solidFill>
+                <a:latin typeface="+mn-lt"/>
+              </a:defRPr>
+            </a:lvl7pPr>
+            <a:lvl8pPr marL="3175943" indent="-192129" algn="l" rtl="0" fontAlgn="base">
+              <a:spcBef>
+                <a:spcPct val="0"/>
+              </a:spcBef>
+              <a:spcAft>
+                <a:spcPct val="0"/>
+              </a:spcAft>
+              <a:buChar char="»"/>
+              <a:defRPr sz="1733">
+                <a:solidFill>
+                  <a:schemeClr val="tx1"/>
+                </a:solidFill>
+                <a:latin typeface="+mn-lt"/>
+              </a:defRPr>
+            </a:lvl8pPr>
+            <a:lvl9pPr marL="3683535" indent="-192129" algn="l" rtl="0" fontAlgn="base">
+              <a:spcBef>
+                <a:spcPct val="0"/>
+              </a:spcBef>
+              <a:spcAft>
+                <a:spcPct val="0"/>
+              </a:spcAft>
+              <a:buChar char="»"/>
+              <a:defRPr sz="1733">
+                <a:solidFill>
+                  <a:schemeClr val="tx1"/>
+                </a:solidFill>
+                <a:latin typeface="+mn-lt"/>
+              </a:defRPr>
+            </a:lvl9pPr>
+          </a:lstStyle>
+          <a:p>
+            <a:pPr marL="378923" lvl="1" indent="0">
+              <a:buFontTx/>
+              <a:buNone/>
+            </a:pPr>
+            <a:r>
+              <a:rPr lang="en-US" altLang="zh-CN" b="1" kern="0" dirty="0"/>
+              <a:t>Shell script with </a:t>
+            </a:r>
+            <a:r>
+              <a:rPr lang="en-US" altLang="zh-CN" b="1" kern="0" dirty="0" err="1"/>
+              <a:t>Tinyalsa</a:t>
+            </a:r>
+            <a:endParaRPr lang="en-US" altLang="zh-CN" b="1" kern="0" dirty="0"/>
+          </a:p>
+          <a:p>
+            <a:pPr marL="378923" lvl="1" indent="0">
+              <a:buFontTx/>
+              <a:buNone/>
+            </a:pPr>
+            <a:endParaRPr lang="en-US" altLang="zh-CN" kern="0" dirty="0"/>
+          </a:p>
+          <a:p>
+            <a:pPr marL="378923" lvl="1" indent="0">
+              <a:buFontTx/>
+              <a:buNone/>
+            </a:pPr>
+            <a:r>
+              <a:rPr lang="en-US" altLang="zh-CN" sz="1400" kern="0" dirty="0"/>
+              <a:t>#! /bin/bash</a:t>
+            </a:r>
+          </a:p>
+          <a:p>
+            <a:pPr marL="378923" lvl="1" indent="0">
+              <a:buFontTx/>
+              <a:buNone/>
+            </a:pPr>
+            <a:r>
+              <a:rPr lang="en-US" altLang="zh-CN" sz="1400" kern="0" dirty="0" err="1"/>
+              <a:t>tinymix</a:t>
+            </a:r>
+            <a:r>
+              <a:rPr lang="en-US" altLang="zh-CN" sz="1400" kern="0" dirty="0"/>
+              <a:t> set "Program" 0</a:t>
+            </a:r>
+          </a:p>
+          <a:p>
+            <a:pPr marL="378923" lvl="1" indent="0">
+              <a:buFontTx/>
+              <a:buNone/>
+            </a:pPr>
+            <a:r>
+              <a:rPr lang="en-US" altLang="zh-CN" sz="1400" kern="0" dirty="0" err="1"/>
+              <a:t>tinymix</a:t>
+            </a:r>
+            <a:r>
+              <a:rPr lang="en-US" altLang="zh-CN" sz="1400" kern="0" dirty="0"/>
+              <a:t> set "Configuration" 1</a:t>
+            </a:r>
+          </a:p>
+          <a:p>
+            <a:pPr marL="378923" lvl="1" indent="0">
+              <a:buFontTx/>
+              <a:buNone/>
+            </a:pPr>
+            <a:r>
+              <a:rPr lang="en-US" altLang="zh-CN" sz="1400" kern="0" dirty="0" err="1"/>
+              <a:t>tinymix</a:t>
+            </a:r>
+            <a:r>
+              <a:rPr lang="en-US" altLang="zh-CN" sz="1400" kern="0" dirty="0"/>
+              <a:t> set "TASDEVICE Profile id" 4</a:t>
+            </a:r>
+          </a:p>
+          <a:p>
+            <a:pPr marL="378923" lvl="1" indent="0">
+              <a:buFontTx/>
+              <a:buNone/>
+            </a:pPr>
+            <a:r>
+              <a:rPr lang="en-US" altLang="zh-CN" sz="1400" kern="0" dirty="0" err="1"/>
+              <a:t>tinyplay</a:t>
+            </a:r>
+            <a:r>
+              <a:rPr lang="en-US" altLang="zh-CN" sz="1400" kern="0" dirty="0"/>
+              <a:t> silence.wav &amp;</a:t>
+            </a:r>
+          </a:p>
+          <a:p>
+            <a:pPr marL="378923" lvl="1" indent="0">
+              <a:buFontTx/>
+              <a:buNone/>
+            </a:pPr>
+            <a:r>
+              <a:rPr lang="en-US" altLang="zh-CN" sz="1400" kern="0" dirty="0"/>
+              <a:t>sleep 15</a:t>
+            </a:r>
+          </a:p>
+          <a:p>
+            <a:pPr marL="378923" lvl="1" indent="0">
+              <a:buFontTx/>
+              <a:buNone/>
+            </a:pPr>
+            <a:r>
+              <a:rPr lang="en-US" altLang="zh-CN" sz="1400" kern="0" dirty="0"/>
+              <a:t>./tas2781_ftc</a:t>
+            </a:r>
+          </a:p>
+          <a:p>
+            <a:pPr marL="378923" lvl="1" indent="0">
+              <a:buFontTx/>
+              <a:buNone/>
+            </a:pPr>
+            <a:endParaRPr lang="zh-CN" altLang="en-US" kern="0" dirty="0"/>
+          </a:p>
+        </p:txBody>
+      </p:sp>
+    </p:spTree>
+    <p:extLst>
+      <p:ext uri="{BB962C8B-B14F-4D97-AF65-F5344CB8AC3E}">
+        <p14:creationId xmlns:p14="http://schemas.microsoft.com/office/powerpoint/2010/main" val="538029246"/>
+      </p:ext>
+    </p:extLst>
+  </p:cSld>
+  <p:clrMapOvr>
+    <a:masterClrMapping/>
+  </p:clrMapOvr>
+</p:sld>
+</file>
+
+<file path=ppt/slides/slide28.xml><?xml version="1.0" encoding="utf-8"?>
 <p:sld xmlns:a="http://schemas.openxmlformats.org/drawingml/2006/main" xmlns:r="http://schemas.openxmlformats.org/officeDocument/2006/relationships" xmlns:p="http://schemas.openxmlformats.org/presentationml/2006/main">
   <p:cSld>
     <p:spTree>
@@ -26359,7 +26824,7 @@
               <a:pPr>
                 <a:defRPr/>
               </a:pPr>
-              <a:t>26</a:t>
+              <a:t>28</a:t>
             </a:fld>
             <a:endParaRPr lang="en-US">
               <a:solidFill>
@@ -26382,276 +26847,7 @@
 </p:sld>
 </file>
 
-<file path=ppt/slides/slide27.xml><?xml version="1.0" encoding="utf-8"?>
-<p:sld xmlns:a="http://schemas.openxmlformats.org/drawingml/2006/main" xmlns:r="http://schemas.openxmlformats.org/officeDocument/2006/relationships" xmlns:p="http://schemas.openxmlformats.org/presentationml/2006/main">
-  <p:cSld>
-    <p:spTree>
-      <p:nvGrpSpPr>
-        <p:cNvPr id="1" name=""/>
-        <p:cNvGrpSpPr/>
-        <p:nvPr/>
-      </p:nvGrpSpPr>
-      <p:grpSpPr>
-        <a:xfrm>
-          <a:off x="0" y="0"/>
-          <a:ext cx="0" cy="0"/>
-          <a:chOff x="0" y="0"/>
-          <a:chExt cx="0" cy="0"/>
-        </a:xfrm>
-      </p:grpSpPr>
-      <p:sp>
-        <p:nvSpPr>
-          <p:cNvPr id="2" name="标题 1">
-            <a:extLst>
-              <a:ext uri="{FF2B5EF4-FFF2-40B4-BE49-F238E27FC236}">
-                <a16:creationId xmlns:a16="http://schemas.microsoft.com/office/drawing/2014/main" id="{6EFC9AF7-D7E1-C059-CB74-884B1CD75208}"/>
-              </a:ext>
-            </a:extLst>
-          </p:cNvPr>
-          <p:cNvSpPr>
-            <a:spLocks noGrp="1"/>
-          </p:cNvSpPr>
-          <p:nvPr>
-            <p:ph type="title"/>
-          </p:nvPr>
-        </p:nvSpPr>
-        <p:spPr/>
-        <p:txBody>
-          <a:bodyPr/>
-          <a:lstStyle/>
-          <a:p>
-            <a:r>
-              <a:rPr lang="en-US" altLang="zh-CN" dirty="0"/>
-              <a:t>How to Compile FTC tool</a:t>
-            </a:r>
-            <a:endParaRPr lang="zh-CN" altLang="en-US" dirty="0"/>
-          </a:p>
-        </p:txBody>
-      </p:sp>
-      <p:sp>
-        <p:nvSpPr>
-          <p:cNvPr id="3" name="内容占位符 2">
-            <a:extLst>
-              <a:ext uri="{FF2B5EF4-FFF2-40B4-BE49-F238E27FC236}">
-                <a16:creationId xmlns:a16="http://schemas.microsoft.com/office/drawing/2014/main" id="{CE146287-FC0A-1D69-31E9-A2C386B01FA5}"/>
-              </a:ext>
-            </a:extLst>
-          </p:cNvPr>
-          <p:cNvSpPr>
-            <a:spLocks noGrp="1"/>
-          </p:cNvSpPr>
-          <p:nvPr>
-            <p:ph idx="1"/>
-          </p:nvPr>
-        </p:nvSpPr>
-        <p:spPr/>
-        <p:txBody>
-          <a:bodyPr/>
-          <a:lstStyle/>
-          <a:p>
-            <a:r>
-              <a:rPr lang="en-US" altLang="zh-CN" dirty="0"/>
-              <a:t>Change cross compile with arm-</a:t>
-            </a:r>
-            <a:r>
-              <a:rPr lang="en-US" altLang="zh-CN" dirty="0" err="1"/>
-              <a:t>linux</a:t>
-            </a:r>
-            <a:r>
-              <a:rPr lang="en-US" altLang="zh-CN" dirty="0"/>
-              <a:t>-</a:t>
-            </a:r>
-            <a:r>
-              <a:rPr lang="en-US" altLang="zh-CN" dirty="0" err="1"/>
-              <a:t>gcc</a:t>
-            </a:r>
-            <a:endParaRPr lang="en-US" altLang="zh-CN" dirty="0"/>
-          </a:p>
-          <a:p>
-            <a:pPr lvl="1"/>
-            <a:endParaRPr lang="en-US" altLang="zh-CN" dirty="0"/>
-          </a:p>
-          <a:p>
-            <a:pPr lvl="1"/>
-            <a:endParaRPr lang="en-US" altLang="zh-CN" dirty="0"/>
-          </a:p>
-          <a:p>
-            <a:r>
-              <a:rPr lang="en-US" altLang="zh-CN" dirty="0"/>
-              <a:t>Generate execute file</a:t>
-            </a:r>
-          </a:p>
-          <a:p>
-            <a:pPr lvl="1"/>
-            <a:r>
-              <a:rPr lang="en-US" altLang="zh-CN" dirty="0">
-                <a:solidFill>
-                  <a:schemeClr val="tx1">
-                    <a:lumMod val="50000"/>
-                    <a:lumOff val="50000"/>
-                  </a:schemeClr>
-                </a:solidFill>
-              </a:rPr>
-              <a:t># make</a:t>
-            </a:r>
-          </a:p>
-          <a:p>
-            <a:r>
-              <a:rPr lang="en-US" altLang="zh-CN" sz="2400" dirty="0">
-                <a:latin typeface="Segoe UI" panose="020B0502040204020203" pitchFamily="34" charset="0"/>
-              </a:rPr>
-              <a:t>Assign permissions to </a:t>
-            </a:r>
-            <a:r>
-              <a:rPr lang="en-US" altLang="zh-CN" dirty="0"/>
-              <a:t>tas2781_ftc</a:t>
-            </a:r>
-          </a:p>
-          <a:p>
-            <a:pPr lvl="1"/>
-            <a:r>
-              <a:rPr lang="en-US" altLang="zh-CN" dirty="0">
-                <a:solidFill>
-                  <a:schemeClr val="tx1">
-                    <a:lumMod val="50000"/>
-                    <a:lumOff val="50000"/>
-                  </a:schemeClr>
-                </a:solidFill>
-              </a:rPr>
-              <a:t># </a:t>
-            </a:r>
-            <a:r>
-              <a:rPr lang="en-US" altLang="zh-CN" dirty="0" err="1">
-                <a:solidFill>
-                  <a:schemeClr val="tx1">
-                    <a:lumMod val="50000"/>
-                    <a:lumOff val="50000"/>
-                  </a:schemeClr>
-                </a:solidFill>
-              </a:rPr>
-              <a:t>chmod</a:t>
-            </a:r>
-            <a:r>
-              <a:rPr lang="en-US" altLang="zh-CN" dirty="0">
-                <a:solidFill>
-                  <a:schemeClr val="tx1">
-                    <a:lumMod val="50000"/>
-                    <a:lumOff val="50000"/>
-                  </a:schemeClr>
-                </a:solidFill>
-              </a:rPr>
-              <a:t> 777 tas2781_ftc</a:t>
-            </a:r>
-            <a:endParaRPr lang="zh-CN" altLang="en-US" dirty="0">
-              <a:solidFill>
-                <a:schemeClr val="tx1">
-                  <a:lumMod val="50000"/>
-                  <a:lumOff val="50000"/>
-                </a:schemeClr>
-              </a:solidFill>
-            </a:endParaRPr>
-          </a:p>
-        </p:txBody>
-      </p:sp>
-      <p:sp>
-        <p:nvSpPr>
-          <p:cNvPr id="4" name="灯片编号占位符 3">
-            <a:extLst>
-              <a:ext uri="{FF2B5EF4-FFF2-40B4-BE49-F238E27FC236}">
-                <a16:creationId xmlns:a16="http://schemas.microsoft.com/office/drawing/2014/main" id="{AD83D1B5-8E09-2904-57A9-CEA3F1BA0DEC}"/>
-              </a:ext>
-            </a:extLst>
-          </p:cNvPr>
-          <p:cNvSpPr>
-            <a:spLocks noGrp="1"/>
-          </p:cNvSpPr>
-          <p:nvPr>
-            <p:ph type="sldNum" sz="quarter" idx="10"/>
-          </p:nvPr>
-        </p:nvSpPr>
-        <p:spPr/>
-        <p:txBody>
-          <a:bodyPr/>
-          <a:lstStyle/>
-          <a:p>
-            <a:pPr defTabSz="1219170" fontAlgn="base">
-              <a:spcBef>
-                <a:spcPct val="0"/>
-              </a:spcBef>
-              <a:spcAft>
-                <a:spcPct val="0"/>
-              </a:spcAft>
-              <a:defRPr/>
-            </a:pPr>
-            <a:fld id="{2B97888F-6AF7-4263-B69D-592D8C33BAC7}" type="slidenum">
-              <a:rPr lang="en-US" smtClean="0">
-                <a:solidFill>
-                  <a:srgbClr val="000000"/>
-                </a:solidFill>
-              </a:rPr>
-              <a:pPr defTabSz="1219170" fontAlgn="base">
-                <a:spcBef>
-                  <a:spcPct val="0"/>
-                </a:spcBef>
-                <a:spcAft>
-                  <a:spcPct val="0"/>
-                </a:spcAft>
-                <a:defRPr/>
-              </a:pPr>
-              <a:t>27</a:t>
-            </a:fld>
-            <a:endParaRPr lang="en-US">
-              <a:solidFill>
-                <a:srgbClr val="000000"/>
-              </a:solidFill>
-            </a:endParaRPr>
-          </a:p>
-        </p:txBody>
-      </p:sp>
-      <p:pic>
-        <p:nvPicPr>
-          <p:cNvPr id="5" name="图片 4">
-            <a:extLst>
-              <a:ext uri="{FF2B5EF4-FFF2-40B4-BE49-F238E27FC236}">
-                <a16:creationId xmlns:a16="http://schemas.microsoft.com/office/drawing/2014/main" id="{79704CFA-D427-F926-FC8C-C31BE6A9E428}"/>
-              </a:ext>
-            </a:extLst>
-          </p:cNvPr>
-          <p:cNvPicPr>
-            <a:picLocks noChangeAspect="1"/>
-          </p:cNvPicPr>
-          <p:nvPr/>
-        </p:nvPicPr>
-        <p:blipFill>
-          <a:blip r:embed="rId2"/>
-          <a:stretch>
-            <a:fillRect/>
-          </a:stretch>
-        </p:blipFill>
-        <p:spPr>
-          <a:xfrm>
-            <a:off x="1064759" y="1571722"/>
-            <a:ext cx="3162009" cy="642094"/>
-          </a:xfrm>
-          <a:prstGeom prst="rect">
-            <a:avLst/>
-          </a:prstGeom>
-        </p:spPr>
-      </p:pic>
-    </p:spTree>
-    <p:extLst>
-      <p:ext uri="{BB962C8B-B14F-4D97-AF65-F5344CB8AC3E}">
-        <p14:creationId xmlns:p14="http://schemas.microsoft.com/office/powerpoint/2010/main" val="2204068713"/>
-      </p:ext>
-    </p:extLst>
-  </p:cSld>
-  <p:clrMapOvr>
-    <a:masterClrMapping/>
-  </p:clrMapOvr>
-</p:sld>
-</file>
-
-<file path=ppt/slides/slide28.xml><?xml version="1.0" encoding="utf-8"?>
+<file path=ppt/slides/slide29.xml><?xml version="1.0" encoding="utf-8"?>
 <p:sld xmlns:a="http://schemas.openxmlformats.org/drawingml/2006/main" xmlns:r="http://schemas.openxmlformats.org/officeDocument/2006/relationships" xmlns:p="http://schemas.openxmlformats.org/presentationml/2006/main">
   <p:cSld>
     <p:spTree>
@@ -26691,7 +26887,7 @@
           <a:p>
             <a:r>
               <a:rPr lang="en-US" altLang="zh-CN" dirty="0"/>
-              <a:t>Download Kernel 5.10-rt for BBB from…</a:t>
+              <a:t>Kernel 5.10-rt</a:t>
             </a:r>
             <a:endParaRPr lang="zh-CN" altLang="en-US" dirty="0"/>
           </a:p>
@@ -26719,12 +26915,34 @@
           <a:lstStyle/>
           <a:p>
             <a:r>
+              <a:rPr lang="en-US" altLang="zh-CN" dirty="0"/>
+              <a:t>Download Kernel 5.10-rt for BBB from…</a:t>
+            </a:r>
+            <a:endParaRPr lang="zh-CN" altLang="en-US" dirty="0"/>
+          </a:p>
+          <a:p>
+            <a:pPr lvl="1"/>
+            <a:r>
               <a:rPr lang="en-US" altLang="zh-CN" dirty="0">
                 <a:hlinkClick r:id="rId2"/>
               </a:rPr>
               <a:t>https://github.com/beagleboard/linux/tree/5.10-rt</a:t>
             </a:r>
             <a:endParaRPr lang="en-US" altLang="zh-CN" dirty="0"/>
+          </a:p>
+          <a:p>
+            <a:r>
+              <a:rPr lang="en-US" altLang="zh-CN" dirty="0"/>
+              <a:t># </a:t>
+            </a:r>
+            <a:r>
+              <a:rPr lang="en-US" altLang="zh-CN" dirty="0" err="1"/>
+              <a:t>sudo</a:t>
+            </a:r>
+            <a:r>
+              <a:rPr lang="en-US" altLang="zh-CN" dirty="0"/>
+              <a:t> unzip kernel-5.10-rt</a:t>
+            </a:r>
           </a:p>
           <a:p>
             <a:pPr marL="0" indent="0">
@@ -26779,309 +26997,6 @@
                 </a:spcAft>
                 <a:defRPr/>
               </a:pPr>
-              <a:t>28</a:t>
-            </a:fld>
-            <a:endParaRPr lang="en-US">
-              <a:solidFill>
-                <a:srgbClr val="000000"/>
-              </a:solidFill>
-            </a:endParaRPr>
-          </a:p>
-        </p:txBody>
-      </p:sp>
-    </p:spTree>
-    <p:extLst>
-      <p:ext uri="{BB962C8B-B14F-4D97-AF65-F5344CB8AC3E}">
-        <p14:creationId xmlns:p14="http://schemas.microsoft.com/office/powerpoint/2010/main" val="510109635"/>
-      </p:ext>
-    </p:extLst>
-  </p:cSld>
-  <p:clrMapOvr>
-    <a:masterClrMapping/>
-  </p:clrMapOvr>
-</p:sld>
-</file>
-
-<file path=ppt/slides/slide29.xml><?xml version="1.0" encoding="utf-8"?>
-<p:sld xmlns:a="http://schemas.openxmlformats.org/drawingml/2006/main" xmlns:r="http://schemas.openxmlformats.org/officeDocument/2006/relationships" xmlns:p="http://schemas.openxmlformats.org/presentationml/2006/main">
-  <p:cSld>
-    <p:spTree>
-      <p:nvGrpSpPr>
-        <p:cNvPr id="1" name=""/>
-        <p:cNvGrpSpPr/>
-        <p:nvPr/>
-      </p:nvGrpSpPr>
-      <p:grpSpPr>
-        <a:xfrm>
-          <a:off x="0" y="0"/>
-          <a:ext cx="0" cy="0"/>
-          <a:chOff x="0" y="0"/>
-          <a:chExt cx="0" cy="0"/>
-        </a:xfrm>
-      </p:grpSpPr>
-      <p:sp>
-        <p:nvSpPr>
-          <p:cNvPr id="2" name="标题 1">
-            <a:extLst>
-              <a:ext uri="{FF2B5EF4-FFF2-40B4-BE49-F238E27FC236}">
-                <a16:creationId xmlns:a16="http://schemas.microsoft.com/office/drawing/2014/main" id="{6400713A-C30C-71CF-C0DC-7EB1BBCB4A73}"/>
-              </a:ext>
-            </a:extLst>
-          </p:cNvPr>
-          <p:cNvSpPr>
-            <a:spLocks noGrp="1"/>
-          </p:cNvSpPr>
-          <p:nvPr>
-            <p:ph type="title"/>
-          </p:nvPr>
-        </p:nvSpPr>
-        <p:spPr/>
-        <p:txBody>
-          <a:bodyPr/>
-          <a:lstStyle/>
-          <a:p>
-            <a:r>
-              <a:rPr lang="en-US" altLang="zh-CN" dirty="0"/>
-              <a:t>Porting </a:t>
-            </a:r>
-            <a:r>
-              <a:rPr lang="en-US" altLang="zh-CN" dirty="0" err="1"/>
-              <a:t>Tinyalsa</a:t>
-            </a:r>
-            <a:r>
-              <a:rPr lang="en-US" altLang="zh-CN" dirty="0"/>
-              <a:t> I</a:t>
-            </a:r>
-            <a:endParaRPr lang="zh-CN" altLang="en-US" dirty="0"/>
-          </a:p>
-        </p:txBody>
-      </p:sp>
-      <p:sp>
-        <p:nvSpPr>
-          <p:cNvPr id="3" name="内容占位符 2">
-            <a:extLst>
-              <a:ext uri="{FF2B5EF4-FFF2-40B4-BE49-F238E27FC236}">
-                <a16:creationId xmlns:a16="http://schemas.microsoft.com/office/drawing/2014/main" id="{13A3899B-5FE5-32B0-3D3C-640DE2AD4DCB}"/>
-              </a:ext>
-            </a:extLst>
-          </p:cNvPr>
-          <p:cNvSpPr>
-            <a:spLocks noGrp="1"/>
-          </p:cNvSpPr>
-          <p:nvPr>
-            <p:ph idx="1"/>
-          </p:nvPr>
-        </p:nvSpPr>
-        <p:spPr/>
-        <p:txBody>
-          <a:bodyPr/>
-          <a:lstStyle/>
-          <a:p>
-            <a:r>
-              <a:rPr lang="en-US" altLang="zh-CN" sz="1800" b="0" i="0" dirty="0">
-                <a:effectLst/>
-                <a:latin typeface="Segoe UI" panose="020B0502040204020203" pitchFamily="34" charset="0"/>
-              </a:rPr>
-              <a:t>Reference link:</a:t>
-            </a:r>
-            <a:br>
-              <a:rPr lang="en-US" altLang="zh-CN" sz="1800" b="0" i="0" dirty="0">
-                <a:effectLst/>
-                <a:latin typeface="Segoe UI" panose="020B0502040204020203" pitchFamily="34" charset="0"/>
-              </a:rPr>
-            </a:br>
-            <a:r>
-              <a:rPr lang="en-US" altLang="zh-CN" sz="1800" b="0" i="0" u="sng" dirty="0" err="1">
-                <a:solidFill>
-                  <a:srgbClr val="64B4FA"/>
-                </a:solidFill>
-                <a:effectLst/>
-                <a:latin typeface="Segoe UI" panose="020B0502040204020203" pitchFamily="34" charset="0"/>
-                <a:hlinkClick r:id="rId2"/>
-              </a:rPr>
-              <a:t>Tinyalsa</a:t>
-            </a:r>
-            <a:r>
-              <a:rPr lang="en-US" altLang="zh-CN" sz="1800" b="0" i="0" u="sng" dirty="0">
-                <a:solidFill>
-                  <a:srgbClr val="64B4FA"/>
-                </a:solidFill>
-                <a:effectLst/>
-                <a:latin typeface="Segoe UI" panose="020B0502040204020203" pitchFamily="34" charset="0"/>
-                <a:hlinkClick r:id="rId2"/>
-              </a:rPr>
-              <a:t> - Tiny library to interface with ALSA in the Linux kernel - (</a:t>
-            </a:r>
-            <a:r>
-              <a:rPr lang="en-US" altLang="zh-CN" sz="1800" b="0" i="0" u="sng" dirty="0" err="1">
-                <a:solidFill>
-                  <a:srgbClr val="64B4FA"/>
-                </a:solidFill>
-                <a:effectLst/>
-                <a:latin typeface="Segoe UI" panose="020B0502040204020203" pitchFamily="34" charset="0"/>
-                <a:hlinkClick r:id="rId2"/>
-              </a:rPr>
-              <a:t>tinyalsa</a:t>
-            </a:r>
-            <a:r>
-              <a:rPr lang="en-US" altLang="zh-CN" sz="1800" b="0" i="0" u="sng" dirty="0">
-                <a:solidFill>
-                  <a:srgbClr val="64B4FA"/>
-                </a:solidFill>
-                <a:effectLst/>
-                <a:latin typeface="Segoe UI" panose="020B0502040204020203" pitchFamily="34" charset="0"/>
-                <a:hlinkClick r:id="rId2"/>
-              </a:rPr>
-              <a:t>) (opensourcelibs.com)</a:t>
-            </a:r>
-            <a:br>
-              <a:rPr lang="en-US" altLang="zh-CN" sz="1800" b="0" i="0" dirty="0">
-                <a:effectLst/>
-                <a:latin typeface="Segoe UI" panose="020B0502040204020203" pitchFamily="34" charset="0"/>
-              </a:rPr>
-            </a:br>
-            <a:r>
-              <a:rPr lang="en-US" altLang="zh-CN" sz="1800" b="0" i="0" dirty="0">
-                <a:effectLst/>
-                <a:latin typeface="Segoe UI" panose="020B0502040204020203" pitchFamily="34" charset="0"/>
-              </a:rPr>
-              <a:t>Download link:</a:t>
-            </a:r>
-            <a:br>
-              <a:rPr lang="en-US" altLang="zh-CN" sz="1800" b="0" i="0" dirty="0">
-                <a:effectLst/>
-                <a:latin typeface="Segoe UI" panose="020B0502040204020203" pitchFamily="34" charset="0"/>
-              </a:rPr>
-            </a:br>
-            <a:r>
-              <a:rPr lang="en-US" altLang="zh-CN" sz="1800" b="0" i="0" u="sng" dirty="0">
-                <a:solidFill>
-                  <a:srgbClr val="64B4FA"/>
-                </a:solidFill>
-                <a:effectLst/>
-                <a:latin typeface="Segoe UI" panose="020B0502040204020203" pitchFamily="34" charset="0"/>
-                <a:hlinkClick r:id="rId3"/>
-              </a:rPr>
-              <a:t>GitHub - </a:t>
-            </a:r>
-            <a:r>
-              <a:rPr lang="en-US" altLang="zh-CN" sz="1800" b="0" i="0" u="sng" dirty="0" err="1">
-                <a:solidFill>
-                  <a:srgbClr val="64B4FA"/>
-                </a:solidFill>
-                <a:effectLst/>
-                <a:latin typeface="Segoe UI" panose="020B0502040204020203" pitchFamily="34" charset="0"/>
-                <a:hlinkClick r:id="rId3"/>
-              </a:rPr>
-              <a:t>tinyalsa</a:t>
-            </a:r>
-            <a:r>
-              <a:rPr lang="en-US" altLang="zh-CN" sz="1800" b="0" i="0" u="sng" dirty="0">
-                <a:solidFill>
-                  <a:srgbClr val="64B4FA"/>
-                </a:solidFill>
-                <a:effectLst/>
-                <a:latin typeface="Segoe UI" panose="020B0502040204020203" pitchFamily="34" charset="0"/>
-                <a:hlinkClick r:id="rId3"/>
-              </a:rPr>
-              <a:t>/</a:t>
-            </a:r>
-            <a:r>
-              <a:rPr lang="en-US" altLang="zh-CN" sz="1800" b="0" i="0" u="sng" dirty="0" err="1">
-                <a:solidFill>
-                  <a:srgbClr val="64B4FA"/>
-                </a:solidFill>
-                <a:effectLst/>
-                <a:latin typeface="Segoe UI" panose="020B0502040204020203" pitchFamily="34" charset="0"/>
-                <a:hlinkClick r:id="rId3"/>
-              </a:rPr>
-              <a:t>tinyalsa</a:t>
-            </a:r>
-            <a:r>
-              <a:rPr lang="en-US" altLang="zh-CN" sz="1800" b="0" i="0" u="sng" dirty="0">
-                <a:solidFill>
-                  <a:srgbClr val="64B4FA"/>
-                </a:solidFill>
-                <a:effectLst/>
-                <a:latin typeface="Segoe UI" panose="020B0502040204020203" pitchFamily="34" charset="0"/>
-                <a:hlinkClick r:id="rId3"/>
-              </a:rPr>
-              <a:t>: Tiny library to interface with ALSA in the Linux kernel</a:t>
-            </a:r>
-            <a:br>
-              <a:rPr lang="en-US" altLang="zh-CN" sz="1800" b="0" i="0" dirty="0">
-                <a:effectLst/>
-                <a:latin typeface="Segoe UI" panose="020B0502040204020203" pitchFamily="34" charset="0"/>
-              </a:rPr>
-            </a:br>
-            <a:endParaRPr lang="en-US" altLang="zh-CN" sz="1800" b="0" i="0" dirty="0">
-              <a:effectLst/>
-              <a:latin typeface="Segoe UI" panose="020B0502040204020203" pitchFamily="34" charset="0"/>
-            </a:endParaRPr>
-          </a:p>
-          <a:p>
-            <a:r>
-              <a:rPr lang="en-US" altLang="zh-CN" sz="1800" dirty="0">
-                <a:latin typeface="Segoe UI" panose="020B0502040204020203" pitchFamily="34" charset="0"/>
-              </a:rPr>
-              <a:t>M</a:t>
-            </a:r>
-            <a:r>
-              <a:rPr lang="en-US" altLang="zh-CN" sz="1800" b="0" i="0" dirty="0">
-                <a:effectLst/>
-                <a:latin typeface="Segoe UI" panose="020B0502040204020203" pitchFamily="34" charset="0"/>
-              </a:rPr>
-              <a:t>ove driver code into BBB’s local direction.</a:t>
-            </a:r>
-            <a:endParaRPr lang="zh-CN" altLang="en-US" sz="1533" dirty="0"/>
-          </a:p>
-        </p:txBody>
-      </p:sp>
-      <p:sp>
-        <p:nvSpPr>
-          <p:cNvPr id="4" name="灯片编号占位符 3">
-            <a:extLst>
-              <a:ext uri="{FF2B5EF4-FFF2-40B4-BE49-F238E27FC236}">
-                <a16:creationId xmlns:a16="http://schemas.microsoft.com/office/drawing/2014/main" id="{C656DC8C-2E63-7243-8CCB-F744EA0FE946}"/>
-              </a:ext>
-            </a:extLst>
-          </p:cNvPr>
-          <p:cNvSpPr>
-            <a:spLocks noGrp="1"/>
-          </p:cNvSpPr>
-          <p:nvPr>
-            <p:ph type="sldNum" sz="quarter" idx="10"/>
-          </p:nvPr>
-        </p:nvSpPr>
-        <p:spPr/>
-        <p:txBody>
-          <a:bodyPr/>
-          <a:lstStyle/>
-          <a:p>
-            <a:pPr defTabSz="1219170" fontAlgn="base">
-              <a:spcBef>
-                <a:spcPct val="0"/>
-              </a:spcBef>
-              <a:spcAft>
-                <a:spcPct val="0"/>
-              </a:spcAft>
-              <a:defRPr/>
-            </a:pPr>
-            <a:fld id="{2B97888F-6AF7-4263-B69D-592D8C33BAC7}" type="slidenum">
-              <a:rPr lang="en-US" smtClean="0">
-                <a:solidFill>
-                  <a:srgbClr val="000000"/>
-                </a:solidFill>
-              </a:rPr>
-              <a:pPr defTabSz="1219170" fontAlgn="base">
-                <a:spcBef>
-                  <a:spcPct val="0"/>
-                </a:spcBef>
-                <a:spcAft>
-                  <a:spcPct val="0"/>
-                </a:spcAft>
-                <a:defRPr/>
-              </a:pPr>
               <a:t>29</a:t>
             </a:fld>
             <a:endParaRPr lang="en-US">
@@ -27095,7 +27010,7 @@
     </p:spTree>
     <p:extLst>
       <p:ext uri="{BB962C8B-B14F-4D97-AF65-F5344CB8AC3E}">
-        <p14:creationId xmlns:p14="http://schemas.microsoft.com/office/powerpoint/2010/main" val="517468290"/>
+        <p14:creationId xmlns:p14="http://schemas.microsoft.com/office/powerpoint/2010/main" val="510109635"/>
       </p:ext>
     </p:extLst>
   </p:cSld>
@@ -27595,6 +27510,317 @@
           <p:cNvPr id="2" name="标题 1">
             <a:extLst>
               <a:ext uri="{FF2B5EF4-FFF2-40B4-BE49-F238E27FC236}">
+                <a16:creationId xmlns:a16="http://schemas.microsoft.com/office/drawing/2014/main" id="{6400713A-C30C-71CF-C0DC-7EB1BBCB4A73}"/>
+              </a:ext>
+            </a:extLst>
+          </p:cNvPr>
+          <p:cNvSpPr>
+            <a:spLocks noGrp="1"/>
+          </p:cNvSpPr>
+          <p:nvPr>
+            <p:ph type="title"/>
+          </p:nvPr>
+        </p:nvSpPr>
+        <p:spPr/>
+        <p:txBody>
+          <a:bodyPr/>
+          <a:lstStyle/>
+          <a:p>
+            <a:r>
+              <a:rPr lang="en-US" altLang="zh-CN" dirty="0"/>
+              <a:t>Porting </a:t>
+            </a:r>
+            <a:r>
+              <a:rPr lang="en-US" altLang="zh-CN" dirty="0" err="1"/>
+              <a:t>Tinyalsa</a:t>
+            </a:r>
+            <a:r>
+              <a:rPr lang="en-US" altLang="zh-CN" dirty="0"/>
+              <a:t> I</a:t>
+            </a:r>
+            <a:endParaRPr lang="zh-CN" altLang="en-US" dirty="0"/>
+          </a:p>
+        </p:txBody>
+      </p:sp>
+      <p:sp>
+        <p:nvSpPr>
+          <p:cNvPr id="3" name="内容占位符 2">
+            <a:extLst>
+              <a:ext uri="{FF2B5EF4-FFF2-40B4-BE49-F238E27FC236}">
+                <a16:creationId xmlns:a16="http://schemas.microsoft.com/office/drawing/2014/main" id="{13A3899B-5FE5-32B0-3D3C-640DE2AD4DCB}"/>
+              </a:ext>
+            </a:extLst>
+          </p:cNvPr>
+          <p:cNvSpPr>
+            <a:spLocks noGrp="1"/>
+          </p:cNvSpPr>
+          <p:nvPr>
+            <p:ph idx="1"/>
+          </p:nvPr>
+        </p:nvSpPr>
+        <p:spPr/>
+        <p:txBody>
+          <a:bodyPr/>
+          <a:lstStyle/>
+          <a:p>
+            <a:r>
+              <a:rPr lang="en-US" altLang="zh-CN" sz="1800" b="0" i="0" dirty="0">
+                <a:effectLst/>
+                <a:latin typeface="Segoe UI" panose="020B0502040204020203" pitchFamily="34" charset="0"/>
+              </a:rPr>
+              <a:t>Reference link:</a:t>
+            </a:r>
+            <a:br>
+              <a:rPr lang="en-US" altLang="zh-CN" sz="1800" b="0" i="0" dirty="0">
+                <a:effectLst/>
+                <a:latin typeface="Segoe UI" panose="020B0502040204020203" pitchFamily="34" charset="0"/>
+              </a:rPr>
+            </a:br>
+            <a:r>
+              <a:rPr lang="en-US" altLang="zh-CN" sz="1800" b="0" i="0" u="sng" dirty="0" err="1">
+                <a:solidFill>
+                  <a:srgbClr val="64B4FA"/>
+                </a:solidFill>
+                <a:effectLst/>
+                <a:latin typeface="Segoe UI" panose="020B0502040204020203" pitchFamily="34" charset="0"/>
+                <a:hlinkClick r:id="rId2"/>
+              </a:rPr>
+              <a:t>Tinyalsa</a:t>
+            </a:r>
+            <a:r>
+              <a:rPr lang="en-US" altLang="zh-CN" sz="1800" b="0" i="0" u="sng" dirty="0">
+                <a:solidFill>
+                  <a:srgbClr val="64B4FA"/>
+                </a:solidFill>
+                <a:effectLst/>
+                <a:latin typeface="Segoe UI" panose="020B0502040204020203" pitchFamily="34" charset="0"/>
+                <a:hlinkClick r:id="rId2"/>
+              </a:rPr>
+              <a:t> - Tiny library to interface with ALSA in the Linux kernel - (</a:t>
+            </a:r>
+            <a:r>
+              <a:rPr lang="en-US" altLang="zh-CN" sz="1800" b="0" i="0" u="sng" dirty="0" err="1">
+                <a:solidFill>
+                  <a:srgbClr val="64B4FA"/>
+                </a:solidFill>
+                <a:effectLst/>
+                <a:latin typeface="Segoe UI" panose="020B0502040204020203" pitchFamily="34" charset="0"/>
+                <a:hlinkClick r:id="rId2"/>
+              </a:rPr>
+              <a:t>tinyalsa</a:t>
+            </a:r>
+            <a:r>
+              <a:rPr lang="en-US" altLang="zh-CN" sz="1800" b="0" i="0" u="sng" dirty="0">
+                <a:solidFill>
+                  <a:srgbClr val="64B4FA"/>
+                </a:solidFill>
+                <a:effectLst/>
+                <a:latin typeface="Segoe UI" panose="020B0502040204020203" pitchFamily="34" charset="0"/>
+                <a:hlinkClick r:id="rId2"/>
+              </a:rPr>
+              <a:t>) (opensourcelibs.com)</a:t>
+            </a:r>
+            <a:br>
+              <a:rPr lang="en-US" altLang="zh-CN" sz="1800" b="0" i="0" dirty="0">
+                <a:effectLst/>
+                <a:latin typeface="Segoe UI" panose="020B0502040204020203" pitchFamily="34" charset="0"/>
+              </a:rPr>
+            </a:br>
+            <a:r>
+              <a:rPr lang="en-US" altLang="zh-CN" sz="1800" b="0" i="0" dirty="0">
+                <a:effectLst/>
+                <a:latin typeface="Segoe UI" panose="020B0502040204020203" pitchFamily="34" charset="0"/>
+              </a:rPr>
+              <a:t>Download link:</a:t>
+            </a:r>
+            <a:br>
+              <a:rPr lang="en-US" altLang="zh-CN" sz="1800" b="0" i="0" dirty="0">
+                <a:effectLst/>
+                <a:latin typeface="Segoe UI" panose="020B0502040204020203" pitchFamily="34" charset="0"/>
+              </a:rPr>
+            </a:br>
+            <a:r>
+              <a:rPr lang="en-US" altLang="zh-CN" sz="1800" b="0" i="0" u="sng" dirty="0">
+                <a:solidFill>
+                  <a:srgbClr val="64B4FA"/>
+                </a:solidFill>
+                <a:effectLst/>
+                <a:latin typeface="Segoe UI" panose="020B0502040204020203" pitchFamily="34" charset="0"/>
+                <a:hlinkClick r:id="rId3"/>
+              </a:rPr>
+              <a:t>GitHub - </a:t>
+            </a:r>
+            <a:r>
+              <a:rPr lang="en-US" altLang="zh-CN" sz="1800" b="0" i="0" u="sng" dirty="0" err="1">
+                <a:solidFill>
+                  <a:srgbClr val="64B4FA"/>
+                </a:solidFill>
+                <a:effectLst/>
+                <a:latin typeface="Segoe UI" panose="020B0502040204020203" pitchFamily="34" charset="0"/>
+                <a:hlinkClick r:id="rId3"/>
+              </a:rPr>
+              <a:t>tinyalsa</a:t>
+            </a:r>
+            <a:r>
+              <a:rPr lang="en-US" altLang="zh-CN" sz="1800" b="0" i="0" u="sng" dirty="0">
+                <a:solidFill>
+                  <a:srgbClr val="64B4FA"/>
+                </a:solidFill>
+                <a:effectLst/>
+                <a:latin typeface="Segoe UI" panose="020B0502040204020203" pitchFamily="34" charset="0"/>
+                <a:hlinkClick r:id="rId3"/>
+              </a:rPr>
+              <a:t>/</a:t>
+            </a:r>
+            <a:r>
+              <a:rPr lang="en-US" altLang="zh-CN" sz="1800" b="0" i="0" u="sng" dirty="0" err="1">
+                <a:solidFill>
+                  <a:srgbClr val="64B4FA"/>
+                </a:solidFill>
+                <a:effectLst/>
+                <a:latin typeface="Segoe UI" panose="020B0502040204020203" pitchFamily="34" charset="0"/>
+                <a:hlinkClick r:id="rId3"/>
+              </a:rPr>
+              <a:t>tinyalsa</a:t>
+            </a:r>
+            <a:r>
+              <a:rPr lang="en-US" altLang="zh-CN" sz="1800" b="0" i="0" u="sng" dirty="0">
+                <a:solidFill>
+                  <a:srgbClr val="64B4FA"/>
+                </a:solidFill>
+                <a:effectLst/>
+                <a:latin typeface="Segoe UI" panose="020B0502040204020203" pitchFamily="34" charset="0"/>
+                <a:hlinkClick r:id="rId3"/>
+              </a:rPr>
+              <a:t>: Tiny library to interface with ALSA in the Linux kernel</a:t>
+            </a:r>
+            <a:endParaRPr lang="en-US" altLang="zh-CN" sz="1800" b="0" i="0" dirty="0">
+              <a:effectLst/>
+              <a:latin typeface="Segoe UI" panose="020B0502040204020203" pitchFamily="34" charset="0"/>
+            </a:endParaRPr>
+          </a:p>
+          <a:p>
+            <a:r>
+              <a:rPr lang="en-US" altLang="zh-CN" sz="1800" dirty="0">
+                <a:latin typeface="Segoe UI" panose="020B0502040204020203" pitchFamily="34" charset="0"/>
+              </a:rPr>
+              <a:t>Move</a:t>
+            </a:r>
+            <a:r>
+              <a:rPr lang="en-US" altLang="zh-CN" sz="1800" b="0" i="0" dirty="0">
+                <a:effectLst/>
+                <a:latin typeface="Segoe UI" panose="020B0502040204020203" pitchFamily="34" charset="0"/>
+              </a:rPr>
+              <a:t> driver code into /</a:t>
+            </a:r>
+            <a:r>
+              <a:rPr lang="en-US" altLang="zh-CN" sz="1800" b="0" i="0" dirty="0" err="1">
+                <a:effectLst/>
+                <a:latin typeface="Segoe UI" panose="020B0502040204020203" pitchFamily="34" charset="0"/>
+              </a:rPr>
+              <a:t>usr</a:t>
+            </a:r>
+            <a:r>
+              <a:rPr lang="en-US" altLang="zh-CN" sz="1800" b="0" i="0" dirty="0">
+                <a:effectLst/>
+                <a:latin typeface="Segoe UI" panose="020B0502040204020203" pitchFamily="34" charset="0"/>
+              </a:rPr>
+              <a:t>/local on BBB.</a:t>
+            </a:r>
+            <a:endParaRPr lang="zh-CN" altLang="en-US" sz="1533" dirty="0"/>
+          </a:p>
+        </p:txBody>
+      </p:sp>
+      <p:sp>
+        <p:nvSpPr>
+          <p:cNvPr id="4" name="灯片编号占位符 3">
+            <a:extLst>
+              <a:ext uri="{FF2B5EF4-FFF2-40B4-BE49-F238E27FC236}">
+                <a16:creationId xmlns:a16="http://schemas.microsoft.com/office/drawing/2014/main" id="{C656DC8C-2E63-7243-8CCB-F744EA0FE946}"/>
+              </a:ext>
+            </a:extLst>
+          </p:cNvPr>
+          <p:cNvSpPr>
+            <a:spLocks noGrp="1"/>
+          </p:cNvSpPr>
+          <p:nvPr>
+            <p:ph type="sldNum" sz="quarter" idx="10"/>
+          </p:nvPr>
+        </p:nvSpPr>
+        <p:spPr/>
+        <p:txBody>
+          <a:bodyPr/>
+          <a:lstStyle/>
+          <a:p>
+            <a:pPr defTabSz="1219170" fontAlgn="base">
+              <a:spcBef>
+                <a:spcPct val="0"/>
+              </a:spcBef>
+              <a:spcAft>
+                <a:spcPct val="0"/>
+              </a:spcAft>
+              <a:defRPr/>
+            </a:pPr>
+            <a:fld id="{2B97888F-6AF7-4263-B69D-592D8C33BAC7}" type="slidenum">
+              <a:rPr lang="en-US" smtClean="0">
+                <a:solidFill>
+                  <a:srgbClr val="000000"/>
+                </a:solidFill>
+              </a:rPr>
+              <a:pPr defTabSz="1219170" fontAlgn="base">
+                <a:spcBef>
+                  <a:spcPct val="0"/>
+                </a:spcBef>
+                <a:spcAft>
+                  <a:spcPct val="0"/>
+                </a:spcAft>
+                <a:defRPr/>
+              </a:pPr>
+              <a:t>30</a:t>
+            </a:fld>
+            <a:endParaRPr lang="en-US">
+              <a:solidFill>
+                <a:srgbClr val="000000"/>
+              </a:solidFill>
+            </a:endParaRPr>
+          </a:p>
+        </p:txBody>
+      </p:sp>
+    </p:spTree>
+    <p:extLst>
+      <p:ext uri="{BB962C8B-B14F-4D97-AF65-F5344CB8AC3E}">
+        <p14:creationId xmlns:p14="http://schemas.microsoft.com/office/powerpoint/2010/main" val="517468290"/>
+      </p:ext>
+    </p:extLst>
+  </p:cSld>
+  <p:clrMapOvr>
+    <a:masterClrMapping/>
+  </p:clrMapOvr>
+</p:sld>
+</file>
+
+<file path=ppt/slides/slide31.xml><?xml version="1.0" encoding="utf-8"?>
+<p:sld xmlns:a="http://schemas.openxmlformats.org/drawingml/2006/main" xmlns:r="http://schemas.openxmlformats.org/officeDocument/2006/relationships" xmlns:p="http://schemas.openxmlformats.org/presentationml/2006/main">
+  <p:cSld>
+    <p:spTree>
+      <p:nvGrpSpPr>
+        <p:cNvPr id="1" name=""/>
+        <p:cNvGrpSpPr/>
+        <p:nvPr/>
+      </p:nvGrpSpPr>
+      <p:grpSpPr>
+        <a:xfrm>
+          <a:off x="0" y="0"/>
+          <a:ext cx="0" cy="0"/>
+          <a:chOff x="0" y="0"/>
+          <a:chExt cx="0" cy="0"/>
+        </a:xfrm>
+      </p:grpSpPr>
+      <p:sp>
+        <p:nvSpPr>
+          <p:cNvPr id="2" name="标题 1">
+            <a:extLst>
+              <a:ext uri="{FF2B5EF4-FFF2-40B4-BE49-F238E27FC236}">
                 <a16:creationId xmlns:a16="http://schemas.microsoft.com/office/drawing/2014/main" id="{02A57A46-42A1-85B8-BC74-EC5DE802E195}"/>
               </a:ext>
             </a:extLst>
@@ -28003,7 +28229,7 @@
                 </a:spcAft>
                 <a:defRPr/>
               </a:pPr>
-              <a:t>30</a:t>
+              <a:t>31</a:t>
             </a:fld>
             <a:endParaRPr lang="en-US">
               <a:solidFill>
@@ -28026,7 +28252,7 @@
 </p:sld>
 </file>
 
-<file path=ppt/slides/slide31.xml><?xml version="1.0" encoding="utf-8"?>
+<file path=ppt/slides/slide32.xml><?xml version="1.0" encoding="utf-8"?>
 <p:sld xmlns:a="http://schemas.openxmlformats.org/drawingml/2006/main" xmlns:r="http://schemas.openxmlformats.org/officeDocument/2006/relationships" xmlns:p="http://schemas.openxmlformats.org/presentationml/2006/main">
   <p:cSld>
     <p:spTree>
@@ -28228,7 +28454,7 @@
               <a:pPr>
                 <a:defRPr/>
               </a:pPr>
-              <a:t>31</a:t>
+              <a:t>32</a:t>
             </a:fld>
             <a:endParaRPr lang="en-US">
               <a:solidFill>
@@ -29440,7 +29666,7 @@
                 <a:buFontTx/>
                 <a:buNone/>
               </a:pPr>
-              <a:t>10/10/2022</a:t>
+              <a:t>10/11/2022</a:t>
             </a:fld>
             <a:endParaRPr lang="en-US" altLang="zh-CN" sz="1000">
               <a:ea typeface="宋体" panose="02010600030101010101" pitchFamily="2" charset="-122"/>
@@ -30605,7 +30831,7 @@
                 <a:buFontTx/>
                 <a:buNone/>
               </a:pPr>
-              <a:t>10/10/2022</a:t>
+              <a:t>10/11/2022</a:t>
             </a:fld>
             <a:endParaRPr lang="en-US" altLang="zh-CN" sz="1000">
               <a:ea typeface="宋体" panose="02010600030101010101" pitchFamily="2" charset="-122"/>

--- a/doc/Guideline for tas2781 Linux driver based on BBB.pptx
+++ b/doc/Guideline for tas2781 Linux driver based on BBB.pptx
@@ -210,20 +210,6 @@
 </p:cmAuthorLst>
 </file>
 
-<file path=ppt/comments/comment1.xml><?xml version="1.0" encoding="utf-8"?>
-<p:cmLst xmlns:a="http://schemas.openxmlformats.org/drawingml/2006/main" xmlns:r="http://schemas.openxmlformats.org/officeDocument/2006/relationships" xmlns:p="http://schemas.openxmlformats.org/presentationml/2006/main">
-  <p:cm authorId="2" dt="2022-10-10T11:08:10.164" idx="3">
-    <p:pos x="1458" y="2373"/>
-    <p:text>Insert makefile</p:text>
-    <p:extLst>
-      <p:ext uri="{C676402C-5697-4E1C-873F-D02D1690AC5C}">
-        <p15:threadingInfo xmlns:p15="http://schemas.microsoft.com/office/powerpoint/2012/main" timeZoneBias="-480"/>
-      </p:ext>
-    </p:extLst>
-  </p:cm>
-</p:cmLst>
-</file>
-
 <file path=ppt/notesMasters/notesMaster1.xml><?xml version="1.0" encoding="utf-8"?>
 <p:notesMaster xmlns:a="http://schemas.openxmlformats.org/drawingml/2006/main" xmlns:r="http://schemas.openxmlformats.org/officeDocument/2006/relationships" xmlns:p="http://schemas.openxmlformats.org/presentationml/2006/main">
   <p:cSld>
@@ -306,7 +292,7 @@
           <a:p>
             <a:fld id="{1F697FBE-C442-4BD6-B1C1-3CD7A2814162}" type="datetimeFigureOut">
               <a:rPr lang="zh-CN" altLang="en-US" smtClean="0"/>
-              <a:t>2022/10/11</a:t>
+              <a:t>2022/10/12</a:t>
             </a:fld>
             <a:endParaRPr lang="zh-CN" altLang="en-US"/>
           </a:p>
@@ -12489,12 +12475,8 @@
               <a:t> </a:t>
             </a:r>
             <a:r>
-              <a:rPr lang="en-US" altLang="zh-CN" sz="3600" dirty="0" err="1"/>
-              <a:t>fwload</a:t>
-            </a:r>
-            <a:r>
               <a:rPr lang="en-US" altLang="zh-CN" sz="3600" dirty="0"/>
-              <a:t>/i2caddr</a:t>
+              <a:t>i2caddr</a:t>
             </a:r>
             <a:r>
               <a:rPr lang="en-US" altLang="zh-CN" dirty="0"/>
@@ -12510,10 +12492,10 @@
       </p:sp>
       <p:sp>
         <p:nvSpPr>
-          <p:cNvPr id="7" name="内容占位符 6">
+          <p:cNvPr id="11" name="Content Placeholder 10">
             <a:extLst>
               <a:ext uri="{FF2B5EF4-FFF2-40B4-BE49-F238E27FC236}">
-                <a16:creationId xmlns:a16="http://schemas.microsoft.com/office/drawing/2014/main" id="{88EE38F9-0269-4DD7-B0FE-B771F2A3C2A9}"/>
+                <a16:creationId xmlns:a16="http://schemas.microsoft.com/office/drawing/2014/main" id="{1665BE40-D67D-476F-BDEE-FEC4215908B4}"/>
               </a:ext>
             </a:extLst>
           </p:cNvPr>
@@ -12524,67 +12506,42 @@
             <p:ph sz="half" idx="1"/>
           </p:nvPr>
         </p:nvSpPr>
-        <p:spPr>
-          <a:xfrm>
-            <a:off x="444514" y="1185866"/>
-            <a:ext cx="5543551" cy="1887290"/>
-          </a:xfrm>
-        </p:spPr>
+        <p:spPr/>
         <p:txBody>
           <a:bodyPr/>
           <a:lstStyle/>
           <a:p>
             <a:r>
               <a:rPr lang="en-US" altLang="zh-CN" sz="2400" dirty="0"/>
-              <a:t>#echo &gt; </a:t>
+              <a:t>#</a:t>
             </a:r>
             <a:r>
               <a:rPr lang="en-US" altLang="zh-CN" sz="2400" dirty="0" err="1"/>
-              <a:t>fwload</a:t>
-            </a:r>
-            <a:endParaRPr lang="en-US" altLang="zh-CN" sz="2400" dirty="0"/>
+              <a:t>amixer</a:t>
+            </a:r>
+            <a:r>
+              <a:rPr lang="en-US" altLang="zh-CN" sz="2400" dirty="0"/>
+              <a:t> contents</a:t>
+            </a:r>
+            <a:endParaRPr lang="en-US" altLang="zh-CN" sz="1800" dirty="0"/>
           </a:p>
           <a:p>
             <a:pPr marL="454846" lvl="1" indent="0">
-              <a:buNone/>
-            </a:pPr>
-            <a:r>
-              <a:rPr lang="en-US" altLang="zh-CN" dirty="0" err="1"/>
-              <a:t>lllustration</a:t>
-            </a:r>
-            <a:r>
-              <a:rPr lang="en-US" altLang="zh-CN" dirty="0"/>
-              <a:t>: Use for debug if firmware has not been compiled into </a:t>
-            </a:r>
-            <a:r>
-              <a:rPr lang="en-US" altLang="zh-CN" dirty="0" err="1"/>
-              <a:t>rootfs</a:t>
-            </a:r>
-            <a:r>
-              <a:rPr lang="en-US" altLang="zh-CN" dirty="0"/>
-              <a:t>.</a:t>
-            </a:r>
-          </a:p>
-          <a:p>
-            <a:pPr marL="454846" lvl="1" indent="0">
+              <a:buFontTx/>
               <a:buNone/>
             </a:pPr>
             <a:endParaRPr lang="en-US" altLang="zh-CN" sz="1800" dirty="0"/>
           </a:p>
           <a:p>
             <a:pPr marL="454846" lvl="1" indent="0">
+              <a:buFontTx/>
               <a:buNone/>
             </a:pPr>
             <a:endParaRPr lang="en-US" altLang="zh-CN" sz="1800" dirty="0"/>
           </a:p>
           <a:p>
             <a:pPr marL="454846" lvl="1" indent="0">
-              <a:buNone/>
-            </a:pPr>
-            <a:endParaRPr lang="en-US" altLang="zh-CN" sz="1800" dirty="0"/>
-          </a:p>
-          <a:p>
-            <a:pPr marL="454846" lvl="1" indent="0">
+              <a:buFontTx/>
               <a:buNone/>
             </a:pPr>
             <a:endParaRPr lang="en-US" altLang="zh-CN" sz="1800" dirty="0"/>
@@ -12595,6 +12552,9 @@
               <a:buAutoNum type="arabicPeriod" startAt="2"/>
             </a:pPr>
             <a:endParaRPr lang="en-US" altLang="zh-CN" sz="1800" dirty="0"/>
+          </a:p>
+          <a:p>
+            <a:endParaRPr lang="en-US" dirty="0"/>
           </a:p>
         </p:txBody>
       </p:sp>
@@ -12727,10 +12687,10 @@
       </p:sp>
       <p:pic>
         <p:nvPicPr>
-          <p:cNvPr id="9" name="图片 8">
+          <p:cNvPr id="3" name="图片 2">
             <a:extLst>
               <a:ext uri="{FF2B5EF4-FFF2-40B4-BE49-F238E27FC236}">
-                <a16:creationId xmlns:a16="http://schemas.microsoft.com/office/drawing/2014/main" id="{C7ACA08B-F145-4A3C-A316-44DA285AC182}"/>
+                <a16:creationId xmlns:a16="http://schemas.microsoft.com/office/drawing/2014/main" id="{A27898F0-27DF-706F-983C-F5C6339BD746}"/>
               </a:ext>
             </a:extLst>
           </p:cNvPr>
@@ -12747,37 +12707,7 @@
         </p:blipFill>
         <p:spPr>
           <a:xfrm>
-            <a:off x="550944" y="2291616"/>
-            <a:ext cx="5405809" cy="664286"/>
-          </a:xfrm>
-          <a:prstGeom prst="rect">
-            <a:avLst/>
-          </a:prstGeom>
-        </p:spPr>
-      </p:pic>
-      <p:pic>
-        <p:nvPicPr>
-          <p:cNvPr id="3" name="图片 2">
-            <a:extLst>
-              <a:ext uri="{FF2B5EF4-FFF2-40B4-BE49-F238E27FC236}">
-                <a16:creationId xmlns:a16="http://schemas.microsoft.com/office/drawing/2014/main" id="{A27898F0-27DF-706F-983C-F5C6339BD746}"/>
-              </a:ext>
-            </a:extLst>
-          </p:cNvPr>
-          <p:cNvPicPr>
-            <a:picLocks noChangeAspect="1"/>
-          </p:cNvPicPr>
-          <p:nvPr/>
-        </p:nvPicPr>
-        <p:blipFill>
-          <a:blip r:embed="rId3"/>
-          <a:stretch>
-            <a:fillRect/>
-          </a:stretch>
-        </p:blipFill>
-        <p:spPr>
-          <a:xfrm>
-            <a:off x="309033" y="3784845"/>
+            <a:off x="457199" y="1597428"/>
             <a:ext cx="5942001" cy="1605329"/>
           </a:xfrm>
           <a:prstGeom prst="rect">
@@ -12800,7 +12730,7 @@
           <p:nvPr/>
         </p:nvPicPr>
         <p:blipFill>
-          <a:blip r:embed="rId4"/>
+          <a:blip r:embed="rId3"/>
           <a:stretch>
             <a:fillRect/>
           </a:stretch>
@@ -12830,7 +12760,7 @@
           <p:nvPr/>
         </p:nvPicPr>
         <p:blipFill>
-          <a:blip r:embed="rId5"/>
+          <a:blip r:embed="rId4"/>
           <a:stretch>
             <a:fillRect/>
           </a:stretch>
@@ -12845,226 +12775,6 @@
           </a:prstGeom>
         </p:spPr>
       </p:pic>
-      <p:sp>
-        <p:nvSpPr>
-          <p:cNvPr id="4" name="内容占位符 6">
-            <a:extLst>
-              <a:ext uri="{FF2B5EF4-FFF2-40B4-BE49-F238E27FC236}">
-                <a16:creationId xmlns:a16="http://schemas.microsoft.com/office/drawing/2014/main" id="{9A64524D-CAB6-55FC-2997-48FF1C567F80}"/>
-              </a:ext>
-            </a:extLst>
-          </p:cNvPr>
-          <p:cNvSpPr txBox="1">
-            <a:spLocks/>
-          </p:cNvSpPr>
-          <p:nvPr/>
-        </p:nvSpPr>
-        <p:spPr bwMode="auto">
-          <a:xfrm>
-            <a:off x="404282" y="3268424"/>
-            <a:ext cx="5543551" cy="793228"/>
-          </a:xfrm>
-          <a:prstGeom prst="rect">
-            <a:avLst/>
-          </a:prstGeom>
-          <a:noFill/>
-          <a:ln w="9525" algn="ctr">
-            <a:noFill/>
-            <a:miter lim="800000"/>
-            <a:headEnd/>
-            <a:tailEnd/>
-          </a:ln>
-        </p:spPr>
-        <p:txBody>
-          <a:bodyPr vert="horz" wrap="square" lIns="76163" tIns="38086" rIns="76163" bIns="38086" numCol="1" anchor="t" anchorCtr="0" compatLnSpc="1">
-            <a:prstTxWarp prst="textNoShape">
-              <a:avLst/>
-            </a:prstTxWarp>
-          </a:bodyPr>
-          <a:lstStyle>
-            <a:lvl1pPr marL="252034" indent="-252034" algn="l" rtl="0" eaLnBrk="0" fontAlgn="base" hangingPunct="0">
-              <a:spcBef>
-                <a:spcPts val="889"/>
-              </a:spcBef>
-              <a:spcAft>
-                <a:spcPct val="0"/>
-              </a:spcAft>
-              <a:buChar char="•"/>
-              <a:defRPr lang="en-US" sz="2300" smtClean="0">
-                <a:solidFill>
-                  <a:schemeClr val="tx1"/>
-                </a:solidFill>
-                <a:latin typeface="+mn-lt"/>
-                <a:ea typeface="+mn-ea"/>
-                <a:cs typeface="+mn-cs"/>
-              </a:defRPr>
-            </a:lvl1pPr>
-            <a:lvl2pPr marL="638011" indent="-259088" algn="l" rtl="0" eaLnBrk="0" fontAlgn="base" hangingPunct="0">
-              <a:spcBef>
-                <a:spcPct val="20000"/>
-              </a:spcBef>
-              <a:spcAft>
-                <a:spcPct val="0"/>
-              </a:spcAft>
-              <a:buChar char="–"/>
-              <a:defRPr lang="en-US" sz="2000" smtClean="0">
-                <a:solidFill>
-                  <a:schemeClr val="tx1"/>
-                </a:solidFill>
-                <a:latin typeface="+mn-lt"/>
-                <a:ea typeface="+mn-ea"/>
-                <a:cs typeface="+mn-cs"/>
-              </a:defRPr>
-            </a:lvl2pPr>
-            <a:lvl3pPr marL="948199" indent="-183309" algn="l" rtl="0" eaLnBrk="0" fontAlgn="base" hangingPunct="0">
-              <a:spcBef>
-                <a:spcPct val="15000"/>
-              </a:spcBef>
-              <a:spcAft>
-                <a:spcPct val="0"/>
-              </a:spcAft>
-              <a:buChar char="•"/>
-              <a:defRPr lang="en-US" sz="2000" smtClean="0">
-                <a:solidFill>
-                  <a:schemeClr val="tx1"/>
-                </a:solidFill>
-                <a:latin typeface="+mn-lt"/>
-                <a:ea typeface="+mn-ea"/>
-                <a:cs typeface="+mn-cs"/>
-              </a:defRPr>
-            </a:lvl3pPr>
-            <a:lvl4pPr marL="1334177" indent="-259088" algn="l" rtl="0" eaLnBrk="0" fontAlgn="base" hangingPunct="0">
-              <a:spcBef>
-                <a:spcPct val="5000"/>
-              </a:spcBef>
-              <a:spcAft>
-                <a:spcPct val="0"/>
-              </a:spcAft>
-              <a:buChar char="–"/>
-              <a:defRPr lang="en-US" sz="2000" smtClean="0">
-                <a:solidFill>
-                  <a:schemeClr val="tx1"/>
-                </a:solidFill>
-                <a:latin typeface="+mn-lt"/>
-                <a:ea typeface="+mn-ea"/>
-                <a:cs typeface="+mn-cs"/>
-              </a:defRPr>
-            </a:lvl4pPr>
-            <a:lvl5pPr marL="1653172" indent="-192129" algn="l" rtl="0" eaLnBrk="0" fontAlgn="base" hangingPunct="0">
-              <a:spcBef>
-                <a:spcPct val="0"/>
-              </a:spcBef>
-              <a:spcAft>
-                <a:spcPct val="0"/>
-              </a:spcAft>
-              <a:buChar char="»"/>
-              <a:defRPr lang="en-US" sz="2300">
-                <a:solidFill>
-                  <a:schemeClr val="tx1"/>
-                </a:solidFill>
-                <a:latin typeface="+mn-lt"/>
-                <a:ea typeface="+mn-ea"/>
-                <a:cs typeface="+mn-cs"/>
-              </a:defRPr>
-            </a:lvl5pPr>
-            <a:lvl6pPr marL="2160763" indent="-192129" algn="l" rtl="0" fontAlgn="base">
-              <a:spcBef>
-                <a:spcPct val="0"/>
-              </a:spcBef>
-              <a:spcAft>
-                <a:spcPct val="0"/>
-              </a:spcAft>
-              <a:buChar char="»"/>
-              <a:defRPr sz="2000">
-                <a:solidFill>
-                  <a:schemeClr val="tx1"/>
-                </a:solidFill>
-                <a:latin typeface="+mn-lt"/>
-              </a:defRPr>
-            </a:lvl6pPr>
-            <a:lvl7pPr marL="2668355" indent="-192129" algn="l" rtl="0" fontAlgn="base">
-              <a:spcBef>
-                <a:spcPct val="0"/>
-              </a:spcBef>
-              <a:spcAft>
-                <a:spcPct val="0"/>
-              </a:spcAft>
-              <a:buChar char="»"/>
-              <a:defRPr sz="2000">
-                <a:solidFill>
-                  <a:schemeClr val="tx1"/>
-                </a:solidFill>
-                <a:latin typeface="+mn-lt"/>
-              </a:defRPr>
-            </a:lvl7pPr>
-            <a:lvl8pPr marL="3175943" indent="-192129" algn="l" rtl="0" fontAlgn="base">
-              <a:spcBef>
-                <a:spcPct val="0"/>
-              </a:spcBef>
-              <a:spcAft>
-                <a:spcPct val="0"/>
-              </a:spcAft>
-              <a:buChar char="»"/>
-              <a:defRPr sz="2000">
-                <a:solidFill>
-                  <a:schemeClr val="tx1"/>
-                </a:solidFill>
-                <a:latin typeface="+mn-lt"/>
-              </a:defRPr>
-            </a:lvl8pPr>
-            <a:lvl9pPr marL="3683535" indent="-192129" algn="l" rtl="0" fontAlgn="base">
-              <a:spcBef>
-                <a:spcPct val="0"/>
-              </a:spcBef>
-              <a:spcAft>
-                <a:spcPct val="0"/>
-              </a:spcAft>
-              <a:buChar char="»"/>
-              <a:defRPr sz="2000">
-                <a:solidFill>
-                  <a:schemeClr val="tx1"/>
-                </a:solidFill>
-                <a:latin typeface="+mn-lt"/>
-              </a:defRPr>
-            </a:lvl9pPr>
-          </a:lstStyle>
-          <a:p>
-            <a:r>
-              <a:rPr lang="en-US" altLang="zh-CN" sz="2400" kern="0" dirty="0"/>
-              <a:t>#amixer contents</a:t>
-            </a:r>
-            <a:endParaRPr lang="en-US" altLang="zh-CN" sz="1800" kern="0" dirty="0"/>
-          </a:p>
-          <a:p>
-            <a:pPr marL="454846" lvl="1" indent="0">
-              <a:buFontTx/>
-              <a:buNone/>
-            </a:pPr>
-            <a:endParaRPr lang="en-US" altLang="zh-CN" sz="1800" kern="0" dirty="0"/>
-          </a:p>
-          <a:p>
-            <a:pPr marL="454846" lvl="1" indent="0">
-              <a:buFontTx/>
-              <a:buNone/>
-            </a:pPr>
-            <a:endParaRPr lang="en-US" altLang="zh-CN" sz="1800" kern="0" dirty="0"/>
-          </a:p>
-          <a:p>
-            <a:pPr marL="454846" lvl="1" indent="0">
-              <a:buFontTx/>
-              <a:buNone/>
-            </a:pPr>
-            <a:endParaRPr lang="en-US" altLang="zh-CN" sz="1800" kern="0" dirty="0"/>
-          </a:p>
-          <a:p>
-            <a:pPr marL="797746" lvl="1" indent="-342900">
-              <a:buFont typeface="+mj-lt"/>
-              <a:buAutoNum type="arabicPeriod" startAt="2"/>
-            </a:pPr>
-            <a:endParaRPr lang="en-US" altLang="zh-CN" sz="1800" kern="0" dirty="0"/>
-          </a:p>
-        </p:txBody>
-      </p:sp>
     </p:spTree>
     <p:extLst>
       <p:ext uri="{BB962C8B-B14F-4D97-AF65-F5344CB8AC3E}">
@@ -13645,7 +13355,7 @@
                 <a:buFontTx/>
                 <a:buNone/>
               </a:pPr>
-              <a:t>10/11/2022</a:t>
+              <a:t>10/12/2022</a:t>
             </a:fld>
             <a:endParaRPr lang="en-US" altLang="zh-CN" sz="1000">
               <a:ea typeface="宋体" panose="02010600030101010101" pitchFamily="2" charset="-122"/>
@@ -22523,12 +22233,12 @@
           <a:graphicData uri="http://schemas.openxmlformats.org/presentationml/2006/ole">
             <mc:AlternateContent xmlns:mc="http://schemas.openxmlformats.org/markup-compatibility/2006">
               <mc:Choice xmlns:v="urn:schemas-microsoft-com:vml" Requires="v">
-                <p:oleObj name="包装程序外壳对象" showAsIcon="1" r:id="rId2" imgW="731520" imgH="663058" progId="Package">
+                <p:oleObj spid="_x0000_s3076" name="包装程序外壳对象" showAsIcon="1" r:id="rId3" imgW="731520" imgH="663058" progId="Package">
                   <p:embed/>
                 </p:oleObj>
               </mc:Choice>
               <mc:Fallback>
-                <p:oleObj name="包装程序外壳对象" showAsIcon="1" r:id="rId2" imgW="731520" imgH="663058" progId="Package">
+                <p:oleObj name="包装程序外壳对象" showAsIcon="1" r:id="rId3" imgW="731520" imgH="663058" progId="Package">
                   <p:embed/>
                   <p:pic>
                     <p:nvPicPr>
@@ -22543,7 +22253,7 @@
                       <p:nvPr/>
                     </p:nvPicPr>
                     <p:blipFill>
-                      <a:blip r:embed="rId3"/>
+                      <a:blip r:embed="rId4"/>
                       <a:stretch>
                         <a:fillRect/>
                       </a:stretch>
@@ -22592,12 +22302,12 @@
           <a:graphicData uri="http://schemas.openxmlformats.org/presentationml/2006/ole">
             <mc:AlternateContent xmlns:mc="http://schemas.openxmlformats.org/markup-compatibility/2006">
               <mc:Choice xmlns:v="urn:schemas-microsoft-com:vml" Requires="v">
-                <p:oleObj name="包装程序外壳对象" showAsIcon="1" r:id="rId4" imgW="619200" imgH="559800" progId="Package">
+                <p:oleObj spid="_x0000_s3077" name="包装程序外壳对象" showAsIcon="1" r:id="rId5" imgW="619200" imgH="559800" progId="Package">
                   <p:embed/>
                 </p:oleObj>
               </mc:Choice>
               <mc:Fallback>
-                <p:oleObj name="包装程序外壳对象" showAsIcon="1" r:id="rId4" imgW="619200" imgH="559800" progId="Package">
+                <p:oleObj name="包装程序外壳对象" showAsIcon="1" r:id="rId5" imgW="619200" imgH="559800" progId="Package">
                   <p:embed/>
                   <p:pic>
                     <p:nvPicPr>
@@ -22612,7 +22322,7 @@
                       <p:nvPr/>
                     </p:nvPicPr>
                     <p:blipFill>
-                      <a:blip r:embed="rId5"/>
+                      <a:blip r:embed="rId6"/>
                       <a:stretch>
                         <a:fillRect/>
                       </a:stretch>
@@ -27704,7 +27414,7 @@
               <a:rPr lang="en-US" altLang="zh-CN" sz="1800" dirty="0">
                 <a:latin typeface="Segoe UI" panose="020B0502040204020203" pitchFamily="34" charset="0"/>
               </a:rPr>
-              <a:t>Move</a:t>
+              <a:t>copy</a:t>
             </a:r>
             <a:r>
               <a:rPr lang="en-US" altLang="zh-CN" sz="1800" b="0" i="0" dirty="0">
@@ -29474,7 +29184,7 @@
               <a:buSzPct val="75000"/>
               <a:buFont typeface="Arial" panose="020B0604020202020204" pitchFamily="34" charset="0"/>
               <a:buBlip>
-                <a:blip r:embed="rId3"/>
+                <a:blip r:embed="rId4"/>
               </a:buBlip>
               <a:defRPr sz="2000">
                 <a:solidFill>
@@ -29666,7 +29376,7 @@
                 <a:buFontTx/>
                 <a:buNone/>
               </a:pPr>
-              <a:t>10/11/2022</a:t>
+              <a:t>10/12/2022</a:t>
             </a:fld>
             <a:endParaRPr lang="en-US" altLang="zh-CN" sz="1000">
               <a:ea typeface="宋体" panose="02010600030101010101" pitchFamily="2" charset="-122"/>
@@ -29951,7 +29661,7 @@
           <p:nvPr/>
         </p:nvPicPr>
         <p:blipFill>
-          <a:blip r:embed="rId4">
+          <a:blip r:embed="rId5">
             <a:extLst>
               <a:ext uri="{28A0092B-C50C-407E-A947-70E740481C1C}">
                 <a14:useLocalDpi xmlns:a14="http://schemas.microsoft.com/office/drawing/2010/main" val="0"/>
@@ -30208,7 +29918,7 @@
           <p:nvPr/>
         </p:nvPicPr>
         <p:blipFill>
-          <a:blip r:embed="rId5"/>
+          <a:blip r:embed="rId6"/>
           <a:stretch>
             <a:fillRect/>
           </a:stretch>
@@ -30238,7 +29948,7 @@
           <p:nvPr/>
         </p:nvPicPr>
         <p:blipFill>
-          <a:blip r:embed="rId6"/>
+          <a:blip r:embed="rId7"/>
           <a:stretch>
             <a:fillRect/>
           </a:stretch>
@@ -30453,7 +30163,7 @@
       <p:graphicFrame>
         <p:nvGraphicFramePr>
           <p:cNvPr id="9" name="对象 8">
-            <a:hlinkClick r:id="rId7" action="ppaction://hlinkfile"/>
+            <a:hlinkClick r:id="rId8" action="ppaction://hlinkfile"/>
             <a:extLst>
               <a:ext uri="{FF2B5EF4-FFF2-40B4-BE49-F238E27FC236}">
                 <a16:creationId xmlns:a16="http://schemas.microsoft.com/office/drawing/2014/main" id="{CBB4F72A-79D8-AC5E-61CD-EEED233216FB}"/>
@@ -30479,12 +30189,12 @@
           <a:graphicData uri="http://schemas.openxmlformats.org/presentationml/2006/ole">
             <mc:AlternateContent xmlns:mc="http://schemas.openxmlformats.org/markup-compatibility/2006">
               <mc:Choice xmlns:v="urn:schemas-microsoft-com:vml" Requires="v">
-                <p:oleObj name="包装程序外壳对象" showAsIcon="1" r:id="rId8" imgW="2094840" imgH="552600" progId="Package">
+                <p:oleObj spid="_x0000_s1027" name="包装程序外壳对象" showAsIcon="1" r:id="rId9" imgW="2094840" imgH="552600" progId="Package">
                   <p:embed/>
                 </p:oleObj>
               </mc:Choice>
               <mc:Fallback>
-                <p:oleObj name="包装程序外壳对象" showAsIcon="1" r:id="rId8" imgW="2094840" imgH="552600" progId="Package">
+                <p:oleObj name="包装程序外壳对象" showAsIcon="1" r:id="rId9" imgW="2094840" imgH="552600" progId="Package">
                   <p:embed/>
                   <p:pic>
                     <p:nvPicPr>
@@ -30500,7 +30210,7 @@
                       <p:nvPr/>
                     </p:nvPicPr>
                     <p:blipFill>
-                      <a:blip r:embed="rId9"/>
+                      <a:blip r:embed="rId10"/>
                       <a:stretch>
                         <a:fillRect/>
                       </a:stretch>
@@ -30639,7 +30349,7 @@
               <a:buSzPct val="75000"/>
               <a:buFont typeface="Arial" panose="020B0604020202020204" pitchFamily="34" charset="0"/>
               <a:buBlip>
-                <a:blip r:embed="rId2"/>
+                <a:blip r:embed="rId3"/>
               </a:buBlip>
               <a:defRPr sz="2000">
                 <a:solidFill>
@@ -30831,7 +30541,7 @@
                 <a:buFontTx/>
                 <a:buNone/>
               </a:pPr>
-              <a:t>10/11/2022</a:t>
+              <a:t>10/12/2022</a:t>
             </a:fld>
             <a:endParaRPr lang="en-US" altLang="zh-CN" sz="1000">
               <a:ea typeface="宋体" panose="02010600030101010101" pitchFamily="2" charset="-122"/>
@@ -31116,7 +30826,7 @@
           <p:nvPr/>
         </p:nvPicPr>
         <p:blipFill>
-          <a:blip r:embed="rId3"/>
+          <a:blip r:embed="rId4"/>
           <a:stretch>
             <a:fillRect/>
           </a:stretch>
@@ -31146,7 +30856,7 @@
           <p:nvPr/>
         </p:nvPicPr>
         <p:blipFill>
-          <a:blip r:embed="rId4">
+          <a:blip r:embed="rId5">
             <a:extLst>
               <a:ext uri="{28A0092B-C50C-407E-A947-70E740481C1C}">
                 <a14:useLocalDpi xmlns:a14="http://schemas.microsoft.com/office/drawing/2010/main" val="0"/>
@@ -31411,7 +31121,7 @@
           <p:nvPr/>
         </p:nvPicPr>
         <p:blipFill>
-          <a:blip r:embed="rId5"/>
+          <a:blip r:embed="rId6"/>
           <a:stretch>
             <a:fillRect/>
           </a:stretch>
@@ -31626,7 +31336,7 @@
       <p:graphicFrame>
         <p:nvGraphicFramePr>
           <p:cNvPr id="8" name="对象 7">
-            <a:hlinkClick r:id="rId6" action="ppaction://hlinkfile"/>
+            <a:hlinkClick r:id="rId7" action="ppaction://hlinkfile"/>
             <a:extLst>
               <a:ext uri="{FF2B5EF4-FFF2-40B4-BE49-F238E27FC236}">
                 <a16:creationId xmlns:a16="http://schemas.microsoft.com/office/drawing/2014/main" id="{F8ED35B6-85E0-3A75-FCD7-5424FDC3BC2C}"/>
@@ -31652,12 +31362,12 @@
           <a:graphicData uri="http://schemas.openxmlformats.org/presentationml/2006/ole">
             <mc:AlternateContent xmlns:mc="http://schemas.openxmlformats.org/markup-compatibility/2006">
               <mc:Choice xmlns:v="urn:schemas-microsoft-com:vml" Requires="v">
-                <p:oleObj name="包装程序外壳对象" showAsIcon="1" r:id="rId7" imgW="2094840" imgH="552600" progId="Package">
+                <p:oleObj spid="_x0000_s2051" name="包装程序外壳对象" showAsIcon="1" r:id="rId8" imgW="2094840" imgH="552600" progId="Package">
                   <p:embed/>
                 </p:oleObj>
               </mc:Choice>
               <mc:Fallback>
-                <p:oleObj name="包装程序外壳对象" showAsIcon="1" r:id="rId7" imgW="2094840" imgH="552600" progId="Package">
+                <p:oleObj name="包装程序外壳对象" showAsIcon="1" r:id="rId8" imgW="2094840" imgH="552600" progId="Package">
                   <p:embed/>
                   <p:pic>
                     <p:nvPicPr>
@@ -31673,7 +31383,7 @@
                       <p:nvPr/>
                     </p:nvPicPr>
                     <p:blipFill>
-                      <a:blip r:embed="rId8"/>
+                      <a:blip r:embed="rId9"/>
                       <a:stretch>
                         <a:fillRect/>
                       </a:stretch>

--- a/doc/Guideline for tas2781 Linux driver based on BBB.pptx
+++ b/doc/Guideline for tas2781 Linux driver based on BBB.pptx
@@ -6,7 +6,7 @@
     <p:sldMasterId id="2147483668" r:id="rId2"/>
   </p:sldMasterIdLst>
   <p:notesMasterIdLst>
-    <p:notesMasterId r:id="rId35"/>
+    <p:notesMasterId r:id="rId36"/>
   </p:notesMasterIdLst>
   <p:sldIdLst>
     <p:sldId id="256" r:id="rId3"/>
@@ -25,22 +25,23 @@
     <p:sldId id="968" r:id="rId16"/>
     <p:sldId id="964" r:id="rId17"/>
     <p:sldId id="759" r:id="rId18"/>
-    <p:sldId id="948" r:id="rId19"/>
-    <p:sldId id="954" r:id="rId20"/>
-    <p:sldId id="955" r:id="rId21"/>
-    <p:sldId id="950" r:id="rId22"/>
-    <p:sldId id="951" r:id="rId23"/>
-    <p:sldId id="952" r:id="rId24"/>
-    <p:sldId id="956" r:id="rId25"/>
-    <p:sldId id="957" r:id="rId26"/>
-    <p:sldId id="970" r:id="rId27"/>
-    <p:sldId id="757" r:id="rId28"/>
-    <p:sldId id="756" r:id="rId29"/>
-    <p:sldId id="375" r:id="rId30"/>
-    <p:sldId id="969" r:id="rId31"/>
-    <p:sldId id="758" r:id="rId32"/>
-    <p:sldId id="958" r:id="rId33"/>
-    <p:sldId id="301" r:id="rId34"/>
+    <p:sldId id="972" r:id="rId19"/>
+    <p:sldId id="948" r:id="rId20"/>
+    <p:sldId id="954" r:id="rId21"/>
+    <p:sldId id="955" r:id="rId22"/>
+    <p:sldId id="950" r:id="rId23"/>
+    <p:sldId id="951" r:id="rId24"/>
+    <p:sldId id="952" r:id="rId25"/>
+    <p:sldId id="956" r:id="rId26"/>
+    <p:sldId id="957" r:id="rId27"/>
+    <p:sldId id="970" r:id="rId28"/>
+    <p:sldId id="757" r:id="rId29"/>
+    <p:sldId id="756" r:id="rId30"/>
+    <p:sldId id="375" r:id="rId31"/>
+    <p:sldId id="969" r:id="rId32"/>
+    <p:sldId id="758" r:id="rId33"/>
+    <p:sldId id="958" r:id="rId34"/>
+    <p:sldId id="301" r:id="rId35"/>
   </p:sldIdLst>
   <p:sldSz cx="12192000" cy="6858000"/>
   <p:notesSz cx="6858000" cy="9144000"/>
@@ -160,6 +161,7 @@
             <p14:sldId id="968"/>
             <p14:sldId id="964"/>
             <p14:sldId id="759"/>
+            <p14:sldId id="972"/>
             <p14:sldId id="948"/>
             <p14:sldId id="954"/>
             <p14:sldId id="955"/>
@@ -292,7 +294,7 @@
           <a:p>
             <a:fld id="{1F697FBE-C442-4BD6-B1C1-3CD7A2814162}" type="datetimeFigureOut">
               <a:rPr lang="zh-CN" altLang="en-US" smtClean="0"/>
-              <a:t>2022/10/12</a:t>
+              <a:t>2022/10/14</a:t>
             </a:fld>
             <a:endParaRPr lang="zh-CN" altLang="en-US"/>
           </a:p>
@@ -12103,10 +12105,10 @@
       </p:grpSpPr>
       <p:sp>
         <p:nvSpPr>
-          <p:cNvPr id="6" name="标题 5">
+          <p:cNvPr id="2" name="Title 1">
             <a:extLst>
               <a:ext uri="{FF2B5EF4-FFF2-40B4-BE49-F238E27FC236}">
-                <a16:creationId xmlns:a16="http://schemas.microsoft.com/office/drawing/2014/main" id="{D6F6AC84-A378-485C-A3D5-469F0AB06CF2}"/>
+                <a16:creationId xmlns:a16="http://schemas.microsoft.com/office/drawing/2014/main" id="{9F51B46A-FA67-4ADA-A898-2017030BD08F}"/>
               </a:ext>
             </a:extLst>
           </p:cNvPr>
@@ -12123,60 +12125,27 @@
           <a:lstStyle/>
           <a:p>
             <a:r>
-              <a:rPr lang="en-US" altLang="zh-CN" sz="3600" b="1" strike="noStrike" spc="-1" dirty="0">
-                <a:solidFill>
-                  <a:srgbClr val="DE0000"/>
-                </a:solidFill>
-                <a:uFill>
-                  <a:solidFill>
-                    <a:srgbClr val="FFFFFF"/>
-                  </a:solidFill>
-                </a:uFill>
-                <a:latin typeface="Arial" panose="020B0604020202020204"/>
-                <a:ea typeface="DejaVu Sans"/>
+              <a:rPr lang="en-US" altLang="zh-CN" dirty="0">
+                <a:ea typeface="宋体" panose="02010600030101010101" pitchFamily="2" charset="-122"/>
               </a:rPr>
-              <a:t>Driver nodes I </a:t>
-            </a:r>
-            <a:r>
-              <a:rPr lang="en-US" altLang="zh-CN" spc="-1" dirty="0">
-                <a:solidFill>
-                  <a:srgbClr val="DE0000"/>
-                </a:solidFill>
-                <a:uFill>
-                  <a:solidFill>
-                    <a:srgbClr val="FFFFFF"/>
-                  </a:solidFill>
-                </a:uFill>
-                <a:latin typeface="Arial" panose="020B0604020202020204"/>
-                <a:ea typeface="DejaVu Sans"/>
+              <a:t>Audio card | </a:t>
+            </a:r>
+            <a:r>
+              <a:rPr lang="en-US" altLang="zh-CN" dirty="0" err="1">
+                <a:ea typeface="宋体" panose="02010600030101010101" pitchFamily="2" charset="-122"/>
               </a:rPr>
-              <a:t>| I</a:t>
-            </a:r>
-            <a:r>
-              <a:rPr lang="en-US" altLang="zh-CN" sz="3600" b="1" strike="noStrike" spc="-1" dirty="0">
-                <a:solidFill>
-                  <a:srgbClr val="DE0000"/>
-                </a:solidFill>
-                <a:uFill>
-                  <a:solidFill>
-                    <a:srgbClr val="FFFFFF"/>
-                  </a:solidFill>
-                </a:uFill>
-                <a:latin typeface="Arial" panose="020B0604020202020204"/>
-                <a:ea typeface="DejaVu Sans"/>
-              </a:rPr>
-              <a:t>ntroduction</a:t>
-            </a:r>
-            <a:endParaRPr lang="zh-CN" altLang="en-US" dirty="0"/>
+              <a:t>Kcontrols</a:t>
+            </a:r>
+            <a:endParaRPr lang="en-US" dirty="0"/>
           </a:p>
         </p:txBody>
       </p:sp>
       <p:sp>
         <p:nvSpPr>
-          <p:cNvPr id="7" name="内容占位符 6">
+          <p:cNvPr id="3" name="Content Placeholder 2">
             <a:extLst>
               <a:ext uri="{FF2B5EF4-FFF2-40B4-BE49-F238E27FC236}">
-                <a16:creationId xmlns:a16="http://schemas.microsoft.com/office/drawing/2014/main" id="{88EE38F9-0269-4DD7-B0FE-B771F2A3C2A9}"/>
+                <a16:creationId xmlns:a16="http://schemas.microsoft.com/office/drawing/2014/main" id="{1DFF9790-7554-4E2A-91D9-E52505D6F838}"/>
               </a:ext>
             </a:extLst>
           </p:cNvPr>
@@ -12187,130 +12156,83 @@
             <p:ph idx="1"/>
           </p:nvPr>
         </p:nvSpPr>
-        <p:spPr/>
+        <p:spPr>
+          <a:xfrm>
+            <a:off x="444507" y="1048483"/>
+            <a:ext cx="5370367" cy="4945932"/>
+          </a:xfrm>
+        </p:spPr>
         <p:txBody>
           <a:bodyPr/>
           <a:lstStyle/>
           <a:p>
             <a:r>
-              <a:rPr lang="en-US" altLang="zh-CN" sz="2400" dirty="0"/>
-              <a:t>In order to debug driver freely, several driver nodes have been defined, </a:t>
-            </a:r>
-          </a:p>
-          <a:p>
-            <a:endParaRPr lang="en-US" altLang="zh-CN" dirty="0"/>
-          </a:p>
-          <a:p>
-            <a:endParaRPr lang="en-US" altLang="zh-CN" sz="2400" dirty="0"/>
-          </a:p>
-          <a:p>
-            <a:endParaRPr lang="en-US" altLang="zh-CN" dirty="0"/>
-          </a:p>
-          <a:p>
-            <a:endParaRPr lang="en-US" altLang="zh-CN" sz="2400" dirty="0"/>
-          </a:p>
-          <a:p>
-            <a:pPr marL="228600" marR="0" lvl="0" indent="-228600" algn="l" defTabSz="914400" rtl="0" eaLnBrk="1" fontAlgn="auto" latinLnBrk="0" hangingPunct="1">
-              <a:lnSpc>
-                <a:spcPct val="90000"/>
-              </a:lnSpc>
-              <a:spcBef>
-                <a:spcPts val="1000"/>
-              </a:spcBef>
-              <a:spcAft>
-                <a:spcPts val="0"/>
-              </a:spcAft>
-              <a:buClrTx/>
-              <a:buSzTx/>
-              <a:buFont typeface="Arial" panose="020B0604020202020204" pitchFamily="34" charset="0"/>
-              <a:buChar char="•"/>
-              <a:tabLst/>
-              <a:defRPr/>
+              <a:rPr lang="en-US" dirty="0"/>
+              <a:t>Please use below commands to check </a:t>
+            </a:r>
+            <a:r>
+              <a:rPr lang="en-US" dirty="0" err="1"/>
+              <a:t>Kcontrols</a:t>
+            </a:r>
+            <a:r>
+              <a:rPr lang="en-US" dirty="0"/>
+              <a:t> created in driver.</a:t>
+            </a:r>
+          </a:p>
+          <a:p>
+            <a:pPr marL="0" indent="0">
+              <a:buNone/>
             </a:pPr>
             <a:r>
-              <a:rPr lang="en-US" altLang="zh-CN" kern="1200" dirty="0">
-                <a:solidFill>
-                  <a:prstClr val="black"/>
-                </a:solidFill>
-                <a:latin typeface="Arial"/>
-              </a:rPr>
-              <a:t>Check below path to access above</a:t>
-            </a:r>
-            <a:r>
-              <a:rPr kumimoji="0" lang="en-US" altLang="zh-CN" sz="2400" b="0" i="0" u="none" strike="noStrike" kern="1200" cap="none" spc="0" normalizeH="0" baseline="0" noProof="0" dirty="0">
-                <a:ln>
-                  <a:noFill/>
-                </a:ln>
-                <a:solidFill>
-                  <a:prstClr val="black"/>
-                </a:solidFill>
-                <a:effectLst/>
-                <a:uLnTx/>
-                <a:uFillTx/>
-                <a:latin typeface="Arial"/>
-              </a:rPr>
-              <a:t> driver nodes</a:t>
-            </a:r>
-          </a:p>
-          <a:p>
-            <a:pPr marR="0" lvl="1" defTabSz="914400" latinLnBrk="0">
-              <a:lnSpc>
-                <a:spcPct val="90000"/>
-              </a:lnSpc>
-              <a:buClrTx/>
-              <a:buSzTx/>
-              <a:buFont typeface="Arial" panose="020B0604020202020204" pitchFamily="34" charset="0"/>
-              <a:buChar char="–"/>
-              <a:tabLst/>
-              <a:defRPr/>
+              <a:rPr lang="en-US" dirty="0"/>
+              <a:t>#</a:t>
+            </a:r>
+            <a:r>
+              <a:rPr lang="en-US" dirty="0" err="1"/>
+              <a:t>amixer</a:t>
+            </a:r>
+            <a:r>
+              <a:rPr lang="en-US" dirty="0"/>
+              <a:t> contents</a:t>
+            </a:r>
+          </a:p>
+          <a:p>
+            <a:endParaRPr lang="en-US" dirty="0"/>
+          </a:p>
+          <a:p>
+            <a:endParaRPr lang="en-US" dirty="0"/>
+          </a:p>
+          <a:p>
+            <a:endParaRPr lang="en-US" dirty="0"/>
+          </a:p>
+          <a:p>
+            <a:pPr marL="0" indent="0">
+              <a:buNone/>
             </a:pPr>
             <a:r>
-              <a:rPr lang="en-US" altLang="zh-CN" sz="2000" dirty="0"/>
-              <a:t>/sys/bus/i2c/devices/2-0038 </a:t>
-            </a:r>
-          </a:p>
-          <a:p>
-            <a:pPr marR="0" lvl="1" defTabSz="914400" latinLnBrk="0">
-              <a:lnSpc>
-                <a:spcPct val="90000"/>
-              </a:lnSpc>
-              <a:buClrTx/>
-              <a:buSzTx/>
-              <a:buFont typeface="Arial" panose="020B0604020202020204" pitchFamily="34" charset="0"/>
-              <a:buChar char="–"/>
-              <a:tabLst/>
-              <a:defRPr/>
-            </a:pPr>
-            <a:r>
-              <a:rPr lang="en-US" altLang="zh-CN" sz="2000" dirty="0"/>
-              <a:t>/sys/class/i2c-adapter/i2c-2/2-0038  </a:t>
-            </a:r>
-          </a:p>
-          <a:p>
-            <a:pPr marR="0" lvl="1" defTabSz="914400" latinLnBrk="0">
-              <a:lnSpc>
-                <a:spcPct val="90000"/>
-              </a:lnSpc>
-              <a:buClrTx/>
-              <a:buSzTx/>
-              <a:buFont typeface="Arial" panose="020B0604020202020204" pitchFamily="34" charset="0"/>
-              <a:buChar char="–"/>
-              <a:tabLst/>
-              <a:defRPr/>
-            </a:pPr>
-            <a:r>
-              <a:rPr lang="en-US" altLang="zh-CN" sz="2000" dirty="0"/>
-              <a:t>/sys/class/i2c-dev/i2c-2/device/2-0038</a:t>
-            </a:r>
+              <a:rPr lang="en-US" dirty="0"/>
+              <a:t>#</a:t>
+            </a:r>
+            <a:r>
+              <a:rPr lang="en-US" dirty="0" err="1"/>
+              <a:t>tinymixer</a:t>
+            </a:r>
+            <a:r>
+              <a:rPr lang="en-US" dirty="0"/>
+              <a:t> contents</a:t>
+            </a:r>
+          </a:p>
+          <a:p>
+            <a:endParaRPr lang="en-US" dirty="0"/>
           </a:p>
         </p:txBody>
       </p:sp>
       <p:sp>
         <p:nvSpPr>
-          <p:cNvPr id="5" name="灯片编号占位符 4">
+          <p:cNvPr id="4" name="Slide Number Placeholder 3">
             <a:extLst>
               <a:ext uri="{FF2B5EF4-FFF2-40B4-BE49-F238E27FC236}">
-                <a16:creationId xmlns:a16="http://schemas.microsoft.com/office/drawing/2014/main" id="{A0EB225E-7E2D-49AB-9C04-CAB0FF989B61}"/>
+                <a16:creationId xmlns:a16="http://schemas.microsoft.com/office/drawing/2014/main" id="{16412818-2695-473C-8A8A-31F406309BC5}"/>
               </a:ext>
             </a:extLst>
           </p:cNvPr>
@@ -12326,21 +12248,33 @@
           <a:bodyPr/>
           <a:lstStyle/>
           <a:p>
-            <a:pPr>
+            <a:pPr defTabSz="1219170" fontAlgn="base">
+              <a:spcBef>
+                <a:spcPct val="0"/>
+              </a:spcBef>
+              <a:spcAft>
+                <a:spcPct val="0"/>
+              </a:spcAft>
               <a:defRPr/>
             </a:pPr>
-            <a:fld id="{B53548F6-AAA9-4A8D-A869-511B3DFE3256}" type="slidenum">
+            <a:fld id="{2B97888F-6AF7-4263-B69D-592D8C33BAC7}" type="slidenum">
               <a:rPr lang="en-US" smtClean="0">
                 <a:solidFill>
                   <a:srgbClr val="000000"/>
                 </a:solidFill>
               </a:rPr>
-              <a:pPr>
+              <a:pPr defTabSz="1219170" fontAlgn="base">
+                <a:spcBef>
+                  <a:spcPct val="0"/>
+                </a:spcBef>
+                <a:spcAft>
+                  <a:spcPct val="0"/>
+                </a:spcAft>
                 <a:defRPr/>
               </a:pPr>
               <a:t>17</a:t>
             </a:fld>
-            <a:endParaRPr lang="en-US" dirty="0">
+            <a:endParaRPr lang="en-US">
               <a:solidFill>
                 <a:srgbClr val="000000"/>
               </a:solidFill>
@@ -12348,12 +12282,220 @@
           </a:p>
         </p:txBody>
       </p:sp>
+      <p:sp>
+        <p:nvSpPr>
+          <p:cNvPr id="5" name="Content Placeholder 2">
+            <a:extLst>
+              <a:ext uri="{FF2B5EF4-FFF2-40B4-BE49-F238E27FC236}">
+                <a16:creationId xmlns:a16="http://schemas.microsoft.com/office/drawing/2014/main" id="{265D64F6-086B-41CD-8CB1-9AB3534DA428}"/>
+              </a:ext>
+            </a:extLst>
+          </p:cNvPr>
+          <p:cNvSpPr txBox="1">
+            <a:spLocks/>
+          </p:cNvSpPr>
+          <p:nvPr/>
+        </p:nvSpPr>
+        <p:spPr bwMode="auto">
+          <a:xfrm>
+            <a:off x="6377126" y="1048483"/>
+            <a:ext cx="5370367" cy="4945932"/>
+          </a:xfrm>
+          <a:prstGeom prst="rect">
+            <a:avLst/>
+          </a:prstGeom>
+          <a:noFill/>
+          <a:ln w="9525" algn="ctr">
+            <a:noFill/>
+            <a:miter lim="800000"/>
+            <a:headEnd/>
+            <a:tailEnd/>
+          </a:ln>
+        </p:spPr>
+        <p:txBody>
+          <a:bodyPr vert="horz" wrap="square" lIns="76140" tIns="38067" rIns="76140" bIns="38067" numCol="1" anchor="t" anchorCtr="0" compatLnSpc="1">
+            <a:prstTxWarp prst="textNoShape">
+              <a:avLst/>
+            </a:prstTxWarp>
+          </a:bodyPr>
+          <a:lstStyle>
+            <a:lvl1pPr marL="252034" indent="-252034" algn="l" rtl="0" eaLnBrk="0" fontAlgn="base" hangingPunct="0">
+              <a:spcBef>
+                <a:spcPts val="889"/>
+              </a:spcBef>
+              <a:spcAft>
+                <a:spcPct val="0"/>
+              </a:spcAft>
+              <a:buChar char="•"/>
+              <a:defRPr sz="2400">
+                <a:solidFill>
+                  <a:schemeClr val="tx1"/>
+                </a:solidFill>
+                <a:latin typeface="+mn-lt"/>
+                <a:ea typeface="+mn-ea"/>
+                <a:cs typeface="+mn-cs"/>
+              </a:defRPr>
+            </a:lvl1pPr>
+            <a:lvl2pPr marL="638011" indent="-259088" algn="l" rtl="0" eaLnBrk="0" fontAlgn="base" hangingPunct="0">
+              <a:spcBef>
+                <a:spcPct val="20000"/>
+              </a:spcBef>
+              <a:spcAft>
+                <a:spcPct val="0"/>
+              </a:spcAft>
+              <a:buChar char="–"/>
+              <a:defRPr sz="2133">
+                <a:solidFill>
+                  <a:schemeClr val="tx1"/>
+                </a:solidFill>
+                <a:latin typeface="+mn-lt"/>
+              </a:defRPr>
+            </a:lvl2pPr>
+            <a:lvl3pPr marL="948199" indent="-183309" algn="l" rtl="0" eaLnBrk="0" fontAlgn="base" hangingPunct="0">
+              <a:spcBef>
+                <a:spcPct val="15000"/>
+              </a:spcBef>
+              <a:spcAft>
+                <a:spcPct val="0"/>
+              </a:spcAft>
+              <a:buChar char="•"/>
+              <a:defRPr sz="2000">
+                <a:solidFill>
+                  <a:schemeClr val="tx1"/>
+                </a:solidFill>
+                <a:latin typeface="+mn-lt"/>
+              </a:defRPr>
+            </a:lvl3pPr>
+            <a:lvl4pPr marL="1334177" indent="-259088" algn="l" rtl="0" eaLnBrk="0" fontAlgn="base" hangingPunct="0">
+              <a:spcBef>
+                <a:spcPct val="5000"/>
+              </a:spcBef>
+              <a:spcAft>
+                <a:spcPct val="0"/>
+              </a:spcAft>
+              <a:buChar char="–"/>
+              <a:defRPr sz="2000">
+                <a:solidFill>
+                  <a:schemeClr val="tx1"/>
+                </a:solidFill>
+                <a:latin typeface="+mn-lt"/>
+              </a:defRPr>
+            </a:lvl4pPr>
+            <a:lvl5pPr marL="1653172" indent="-192129" algn="l" rtl="0" eaLnBrk="0" fontAlgn="base" hangingPunct="0">
+              <a:spcBef>
+                <a:spcPct val="0"/>
+              </a:spcBef>
+              <a:spcAft>
+                <a:spcPct val="0"/>
+              </a:spcAft>
+              <a:buChar char="»"/>
+              <a:defRPr sz="2000">
+                <a:solidFill>
+                  <a:schemeClr val="tx1"/>
+                </a:solidFill>
+                <a:latin typeface="+mn-lt"/>
+              </a:defRPr>
+            </a:lvl5pPr>
+            <a:lvl6pPr marL="2160763" indent="-192129" algn="l" rtl="0" fontAlgn="base">
+              <a:spcBef>
+                <a:spcPct val="0"/>
+              </a:spcBef>
+              <a:spcAft>
+                <a:spcPct val="0"/>
+              </a:spcAft>
+              <a:buChar char="»"/>
+              <a:defRPr sz="1733">
+                <a:solidFill>
+                  <a:schemeClr val="tx1"/>
+                </a:solidFill>
+                <a:latin typeface="+mn-lt"/>
+              </a:defRPr>
+            </a:lvl6pPr>
+            <a:lvl7pPr marL="2668355" indent="-192129" algn="l" rtl="0" fontAlgn="base">
+              <a:spcBef>
+                <a:spcPct val="0"/>
+              </a:spcBef>
+              <a:spcAft>
+                <a:spcPct val="0"/>
+              </a:spcAft>
+              <a:buChar char="»"/>
+              <a:defRPr sz="1733">
+                <a:solidFill>
+                  <a:schemeClr val="tx1"/>
+                </a:solidFill>
+                <a:latin typeface="+mn-lt"/>
+              </a:defRPr>
+            </a:lvl7pPr>
+            <a:lvl8pPr marL="3175943" indent="-192129" algn="l" rtl="0" fontAlgn="base">
+              <a:spcBef>
+                <a:spcPct val="0"/>
+              </a:spcBef>
+              <a:spcAft>
+                <a:spcPct val="0"/>
+              </a:spcAft>
+              <a:buChar char="»"/>
+              <a:defRPr sz="1733">
+                <a:solidFill>
+                  <a:schemeClr val="tx1"/>
+                </a:solidFill>
+                <a:latin typeface="+mn-lt"/>
+              </a:defRPr>
+            </a:lvl8pPr>
+            <a:lvl9pPr marL="3683535" indent="-192129" algn="l" rtl="0" fontAlgn="base">
+              <a:spcBef>
+                <a:spcPct val="0"/>
+              </a:spcBef>
+              <a:spcAft>
+                <a:spcPct val="0"/>
+              </a:spcAft>
+              <a:buChar char="»"/>
+              <a:defRPr sz="1733">
+                <a:solidFill>
+                  <a:schemeClr val="tx1"/>
+                </a:solidFill>
+                <a:latin typeface="+mn-lt"/>
+              </a:defRPr>
+            </a:lvl9pPr>
+          </a:lstStyle>
+          <a:p>
+            <a:r>
+              <a:rPr lang="en-US" kern="0" dirty="0"/>
+              <a:t>Also we can use Graphical interface to adjust these </a:t>
+            </a:r>
+            <a:r>
+              <a:rPr lang="en-US" kern="0" dirty="0" err="1"/>
+              <a:t>kcontrols</a:t>
+            </a:r>
+            <a:r>
+              <a:rPr lang="en-US" kern="0" dirty="0"/>
+              <a:t>. Push esc to exit.</a:t>
+            </a:r>
+          </a:p>
+          <a:p>
+            <a:pPr marL="0" indent="0">
+              <a:buNone/>
+            </a:pPr>
+            <a:r>
+              <a:rPr lang="en-US" kern="0" dirty="0"/>
+              <a:t>#</a:t>
+            </a:r>
+            <a:r>
+              <a:rPr lang="en-US" kern="0" dirty="0" err="1"/>
+              <a:t>alsamixer</a:t>
+            </a:r>
+            <a:endParaRPr lang="en-US" kern="0" dirty="0"/>
+          </a:p>
+          <a:p>
+            <a:endParaRPr lang="en-US" kern="0" dirty="0"/>
+          </a:p>
+        </p:txBody>
+      </p:sp>
       <p:pic>
         <p:nvPicPr>
-          <p:cNvPr id="2" name="图片 1">
+          <p:cNvPr id="7" name="Picture 6">
             <a:extLst>
               <a:ext uri="{FF2B5EF4-FFF2-40B4-BE49-F238E27FC236}">
-                <a16:creationId xmlns:a16="http://schemas.microsoft.com/office/drawing/2014/main" id="{1CD8C53E-3CCF-FC6A-2E4D-EAFCE02F2512}"/>
+                <a16:creationId xmlns:a16="http://schemas.microsoft.com/office/drawing/2014/main" id="{6E4A58BF-B220-4297-9476-D25F48C24499}"/>
               </a:ext>
             </a:extLst>
           </p:cNvPr>
@@ -12363,15 +12505,93 @@
           <p:nvPr/>
         </p:nvPicPr>
         <p:blipFill>
-          <a:blip r:embed="rId2"/>
+          <a:blip r:embed="rId2">
+            <a:extLst>
+              <a:ext uri="{28A0092B-C50C-407E-A947-70E740481C1C}">
+                <a14:useLocalDpi xmlns:a14="http://schemas.microsoft.com/office/drawing/2010/main" val="0"/>
+              </a:ext>
+            </a:extLst>
+          </a:blip>
           <a:stretch>
             <a:fillRect/>
           </a:stretch>
         </p:blipFill>
         <p:spPr>
           <a:xfrm>
-            <a:off x="846260" y="1659914"/>
-            <a:ext cx="7427124" cy="801932"/>
+            <a:off x="493923" y="2302911"/>
+            <a:ext cx="4860881" cy="1540892"/>
+          </a:xfrm>
+          <a:prstGeom prst="rect">
+            <a:avLst/>
+          </a:prstGeom>
+        </p:spPr>
+      </p:pic>
+      <p:pic>
+        <p:nvPicPr>
+          <p:cNvPr id="13" name="Picture 12">
+            <a:extLst>
+              <a:ext uri="{FF2B5EF4-FFF2-40B4-BE49-F238E27FC236}">
+                <a16:creationId xmlns:a16="http://schemas.microsoft.com/office/drawing/2014/main" id="{13E076F8-A652-4623-ACB6-70FA5D5A98A2}"/>
+              </a:ext>
+            </a:extLst>
+          </p:cNvPr>
+          <p:cNvPicPr>
+            <a:picLocks noChangeAspect="1"/>
+          </p:cNvPicPr>
+          <p:nvPr/>
+        </p:nvPicPr>
+        <p:blipFill>
+          <a:blip r:embed="rId3">
+            <a:extLst>
+              <a:ext uri="{28A0092B-C50C-407E-A947-70E740481C1C}">
+                <a14:useLocalDpi xmlns:a14="http://schemas.microsoft.com/office/drawing/2010/main" val="0"/>
+              </a:ext>
+            </a:extLst>
+          </a:blip>
+          <a:stretch>
+            <a:fillRect/>
+          </a:stretch>
+        </p:blipFill>
+        <p:spPr>
+          <a:xfrm>
+            <a:off x="6437126" y="2831716"/>
+            <a:ext cx="5260951" cy="3135838"/>
+          </a:xfrm>
+          <a:prstGeom prst="rect">
+            <a:avLst/>
+          </a:prstGeom>
+        </p:spPr>
+      </p:pic>
+      <p:pic>
+        <p:nvPicPr>
+          <p:cNvPr id="15" name="Picture 14">
+            <a:extLst>
+              <a:ext uri="{FF2B5EF4-FFF2-40B4-BE49-F238E27FC236}">
+                <a16:creationId xmlns:a16="http://schemas.microsoft.com/office/drawing/2014/main" id="{8C13EAAC-3A4F-494D-9054-30364DB03DDE}"/>
+              </a:ext>
+            </a:extLst>
+          </p:cNvPr>
+          <p:cNvPicPr>
+            <a:picLocks noChangeAspect="1"/>
+          </p:cNvPicPr>
+          <p:nvPr/>
+        </p:nvPicPr>
+        <p:blipFill>
+          <a:blip r:embed="rId4">
+            <a:extLst>
+              <a:ext uri="{28A0092B-C50C-407E-A947-70E740481C1C}">
+                <a14:useLocalDpi xmlns:a14="http://schemas.microsoft.com/office/drawing/2010/main" val="0"/>
+              </a:ext>
+            </a:extLst>
+          </a:blip>
+          <a:stretch>
+            <a:fillRect/>
+          </a:stretch>
+        </p:blipFill>
+        <p:spPr>
+          <a:xfrm>
+            <a:off x="475297" y="4399635"/>
+            <a:ext cx="5871829" cy="929766"/>
           </a:xfrm>
           <a:prstGeom prst="rect">
             <a:avLst/>
@@ -12381,7 +12601,7 @@
     </p:spTree>
     <p:extLst>
       <p:ext uri="{BB962C8B-B14F-4D97-AF65-F5344CB8AC3E}">
-        <p14:creationId xmlns:p14="http://schemas.microsoft.com/office/powerpoint/2010/main" val="4271154118"/>
+        <p14:creationId xmlns:p14="http://schemas.microsoft.com/office/powerpoint/2010/main" val="987250736"/>
       </p:ext>
     </p:extLst>
   </p:cSld>
@@ -12442,7 +12662,7 @@
                 <a:latin typeface="Arial" panose="020B0604020202020204"/>
                 <a:ea typeface="DejaVu Sans"/>
               </a:rPr>
-              <a:t>Driver nodes II </a:t>
+              <a:t>Driver nodes I </a:t>
             </a:r>
             <a:r>
               <a:rPr lang="en-US" altLang="zh-CN" spc="-1" dirty="0">
@@ -12457,7 +12677,7 @@
                 <a:latin typeface="Arial" panose="020B0604020202020204"/>
                 <a:ea typeface="DejaVu Sans"/>
               </a:rPr>
-              <a:t>|</a:t>
+              <a:t>| I</a:t>
             </a:r>
             <a:r>
               <a:rPr lang="en-US" altLang="zh-CN" sz="3600" b="1" strike="noStrike" spc="-1" dirty="0">
@@ -12472,19 +12692,7 @@
                 <a:latin typeface="Arial" panose="020B0604020202020204"/>
                 <a:ea typeface="DejaVu Sans"/>
               </a:rPr>
-              <a:t> </a:t>
-            </a:r>
-            <a:r>
-              <a:rPr lang="en-US" altLang="zh-CN" sz="3600" dirty="0"/>
-              <a:t>i2caddr</a:t>
-            </a:r>
-            <a:r>
-              <a:rPr lang="en-US" altLang="zh-CN" dirty="0"/>
-              <a:t>/</a:t>
-            </a:r>
-            <a:r>
-              <a:rPr lang="en-US" altLang="zh-CN" dirty="0" err="1"/>
-              <a:t>devinfo</a:t>
+              <a:t>ntroduction</a:t>
             </a:r>
             <a:endParaRPr lang="zh-CN" altLang="en-US" dirty="0"/>
           </a:p>
@@ -12492,10 +12700,10 @@
       </p:sp>
       <p:sp>
         <p:nvSpPr>
-          <p:cNvPr id="11" name="Content Placeholder 10">
+          <p:cNvPr id="7" name="内容占位符 6">
             <a:extLst>
               <a:ext uri="{FF2B5EF4-FFF2-40B4-BE49-F238E27FC236}">
-                <a16:creationId xmlns:a16="http://schemas.microsoft.com/office/drawing/2014/main" id="{1665BE40-D67D-476F-BDEE-FEC4215908B4}"/>
+                <a16:creationId xmlns:a16="http://schemas.microsoft.com/office/drawing/2014/main" id="{88EE38F9-0269-4DD7-B0FE-B771F2A3C2A9}"/>
               </a:ext>
             </a:extLst>
           </p:cNvPr>
@@ -12503,7 +12711,7 @@
             <a:spLocks noGrp="1"/>
           </p:cNvSpPr>
           <p:nvPr>
-            <p:ph sz="half" idx="1"/>
+            <p:ph idx="1"/>
           </p:nvPr>
         </p:nvSpPr>
         <p:spPr/>
@@ -12513,132 +12721,114 @@
           <a:p>
             <a:r>
               <a:rPr lang="en-US" altLang="zh-CN" sz="2400" dirty="0"/>
-              <a:t>#</a:t>
-            </a:r>
-            <a:r>
-              <a:rPr lang="en-US" altLang="zh-CN" sz="2400" dirty="0" err="1"/>
-              <a:t>amixer</a:t>
-            </a:r>
-            <a:r>
-              <a:rPr lang="en-US" altLang="zh-CN" sz="2400" dirty="0"/>
-              <a:t> contents</a:t>
-            </a:r>
-            <a:endParaRPr lang="en-US" altLang="zh-CN" sz="1800" dirty="0"/>
-          </a:p>
-          <a:p>
-            <a:pPr marL="454846" lvl="1" indent="0">
-              <a:buFontTx/>
-              <a:buNone/>
+              <a:t>In order to debug driver freely, several driver nodes have been defined, </a:t>
+            </a:r>
+          </a:p>
+          <a:p>
+            <a:endParaRPr lang="en-US" altLang="zh-CN" dirty="0"/>
+          </a:p>
+          <a:p>
+            <a:endParaRPr lang="en-US" altLang="zh-CN" sz="2400" dirty="0"/>
+          </a:p>
+          <a:p>
+            <a:endParaRPr lang="en-US" altLang="zh-CN" dirty="0"/>
+          </a:p>
+          <a:p>
+            <a:endParaRPr lang="en-US" altLang="zh-CN" sz="2400" dirty="0"/>
+          </a:p>
+          <a:p>
+            <a:pPr marL="228600" marR="0" lvl="0" indent="-228600" algn="l" defTabSz="914400" rtl="0" eaLnBrk="1" fontAlgn="auto" latinLnBrk="0" hangingPunct="1">
+              <a:lnSpc>
+                <a:spcPct val="90000"/>
+              </a:lnSpc>
+              <a:spcBef>
+                <a:spcPts val="1000"/>
+              </a:spcBef>
+              <a:spcAft>
+                <a:spcPts val="0"/>
+              </a:spcAft>
+              <a:buClrTx/>
+              <a:buSzTx/>
+              <a:buFont typeface="Arial" panose="020B0604020202020204" pitchFamily="34" charset="0"/>
+              <a:buChar char="•"/>
+              <a:tabLst/>
+              <a:defRPr/>
             </a:pPr>
-            <a:endParaRPr lang="en-US" altLang="zh-CN" sz="1800" dirty="0"/>
-          </a:p>
-          <a:p>
-            <a:pPr marL="454846" lvl="1" indent="0">
-              <a:buFontTx/>
-              <a:buNone/>
+            <a:r>
+              <a:rPr lang="en-US" altLang="zh-CN" kern="1200" dirty="0">
+                <a:solidFill>
+                  <a:prstClr val="black"/>
+                </a:solidFill>
+                <a:latin typeface="Arial"/>
+              </a:rPr>
+              <a:t>Check below path to access above</a:t>
+            </a:r>
+            <a:r>
+              <a:rPr kumimoji="0" lang="en-US" altLang="zh-CN" sz="2400" b="0" i="0" u="none" strike="noStrike" kern="1200" cap="none" spc="0" normalizeH="0" baseline="0" noProof="0" dirty="0">
+                <a:ln>
+                  <a:noFill/>
+                </a:ln>
+                <a:solidFill>
+                  <a:prstClr val="black"/>
+                </a:solidFill>
+                <a:effectLst/>
+                <a:uLnTx/>
+                <a:uFillTx/>
+                <a:latin typeface="Arial"/>
+              </a:rPr>
+              <a:t> driver nodes</a:t>
+            </a:r>
+          </a:p>
+          <a:p>
+            <a:pPr marR="0" lvl="1" defTabSz="914400" latinLnBrk="0">
+              <a:lnSpc>
+                <a:spcPct val="90000"/>
+              </a:lnSpc>
+              <a:buClrTx/>
+              <a:buSzTx/>
+              <a:buFont typeface="Arial" panose="020B0604020202020204" pitchFamily="34" charset="0"/>
+              <a:buChar char="–"/>
+              <a:tabLst/>
+              <a:defRPr/>
             </a:pPr>
-            <a:endParaRPr lang="en-US" altLang="zh-CN" sz="1800" dirty="0"/>
-          </a:p>
-          <a:p>
-            <a:pPr marL="454846" lvl="1" indent="0">
-              <a:buFontTx/>
-              <a:buNone/>
+            <a:r>
+              <a:rPr lang="en-US" altLang="zh-CN" sz="2000" dirty="0"/>
+              <a:t>/sys/bus/i2c/devices/2-0038 </a:t>
+            </a:r>
+          </a:p>
+          <a:p>
+            <a:pPr marR="0" lvl="1" defTabSz="914400" latinLnBrk="0">
+              <a:lnSpc>
+                <a:spcPct val="90000"/>
+              </a:lnSpc>
+              <a:buClrTx/>
+              <a:buSzTx/>
+              <a:buFont typeface="Arial" panose="020B0604020202020204" pitchFamily="34" charset="0"/>
+              <a:buChar char="–"/>
+              <a:tabLst/>
+              <a:defRPr/>
             </a:pPr>
-            <a:endParaRPr lang="en-US" altLang="zh-CN" sz="1800" dirty="0"/>
-          </a:p>
-          <a:p>
-            <a:pPr marL="797746" lvl="1" indent="-342900">
-              <a:buFont typeface="+mj-lt"/>
-              <a:buAutoNum type="arabicPeriod" startAt="2"/>
+            <a:r>
+              <a:rPr lang="en-US" altLang="zh-CN" sz="2000" dirty="0"/>
+              <a:t>/sys/class/i2c-adapter/i2c-2/2-0038  </a:t>
+            </a:r>
+          </a:p>
+          <a:p>
+            <a:pPr marR="0" lvl="1" defTabSz="914400" latinLnBrk="0">
+              <a:lnSpc>
+                <a:spcPct val="90000"/>
+              </a:lnSpc>
+              <a:buClrTx/>
+              <a:buSzTx/>
+              <a:buFont typeface="Arial" panose="020B0604020202020204" pitchFamily="34" charset="0"/>
+              <a:buChar char="–"/>
+              <a:tabLst/>
+              <a:defRPr/>
             </a:pPr>
-            <a:endParaRPr lang="en-US" altLang="zh-CN" sz="1800" dirty="0"/>
-          </a:p>
-          <a:p>
-            <a:endParaRPr lang="en-US" dirty="0"/>
-          </a:p>
-        </p:txBody>
-      </p:sp>
-      <p:sp>
-        <p:nvSpPr>
-          <p:cNvPr id="2" name="内容占位符 1">
-            <a:extLst>
-              <a:ext uri="{FF2B5EF4-FFF2-40B4-BE49-F238E27FC236}">
-                <a16:creationId xmlns:a16="http://schemas.microsoft.com/office/drawing/2014/main" id="{556A71DF-A4C2-4CFD-B5BB-EB96FD0D488C}"/>
-              </a:ext>
-            </a:extLst>
-          </p:cNvPr>
-          <p:cNvSpPr>
-            <a:spLocks noGrp="1"/>
-          </p:cNvSpPr>
-          <p:nvPr>
-            <p:ph sz="half" idx="2"/>
-          </p:nvPr>
-        </p:nvSpPr>
-        <p:spPr/>
-        <p:txBody>
-          <a:bodyPr/>
-          <a:lstStyle/>
-          <a:p>
-            <a:r>
-              <a:rPr lang="en-US" altLang="zh-CN" sz="2400" dirty="0"/>
-              <a:t>#cat </a:t>
-            </a:r>
-            <a:r>
-              <a:rPr lang="en-US" altLang="zh-CN" sz="2400" dirty="0" err="1"/>
-              <a:t>dev_addr</a:t>
-            </a:r>
-            <a:endParaRPr lang="en-US" altLang="zh-CN" sz="2400" dirty="0"/>
-          </a:p>
-          <a:p>
-            <a:pPr marL="454846" lvl="1" indent="0">
-              <a:buNone/>
-            </a:pPr>
-            <a:r>
-              <a:rPr lang="en-US" altLang="zh-CN" dirty="0"/>
-              <a:t>Illustration: show the active i2c address</a:t>
-            </a:r>
-          </a:p>
-          <a:p>
-            <a:pPr marL="454846" lvl="1" indent="0">
-              <a:buNone/>
-            </a:pPr>
-            <a:endParaRPr lang="en-US" altLang="zh-CN" sz="1800" dirty="0"/>
-          </a:p>
-          <a:p>
-            <a:pPr marL="454846" lvl="1" indent="0">
-              <a:buNone/>
-            </a:pPr>
-            <a:endParaRPr lang="en-US" altLang="zh-CN" sz="1800" dirty="0"/>
-          </a:p>
-          <a:p>
-            <a:r>
-              <a:rPr lang="en-US" altLang="zh-CN" sz="2400" dirty="0"/>
-              <a:t>#cat </a:t>
-            </a:r>
-            <a:r>
-              <a:rPr lang="en-US" altLang="zh-CN" sz="2400" dirty="0" err="1"/>
-              <a:t>devinfo</a:t>
-            </a:r>
-            <a:endParaRPr lang="en-US" altLang="zh-CN" sz="2400" dirty="0"/>
-          </a:p>
-          <a:p>
-            <a:pPr marL="379041" lvl="1" indent="0">
-              <a:buNone/>
-            </a:pPr>
-            <a:r>
-              <a:rPr lang="en-US" altLang="zh-CN" dirty="0"/>
-              <a:t>Illustration: Get the basic information of audio device on the board</a:t>
-            </a:r>
-            <a:endParaRPr lang="zh-CN" altLang="en-US" dirty="0"/>
-          </a:p>
-          <a:p>
-            <a:pPr marL="454846" lvl="1" indent="0">
-              <a:buNone/>
-            </a:pPr>
-            <a:endParaRPr lang="en-US" altLang="zh-CN" sz="1800" dirty="0"/>
-          </a:p>
-          <a:p>
-            <a:endParaRPr lang="zh-CN" altLang="en-US" dirty="0"/>
+            <a:r>
+              <a:rPr lang="en-US" altLang="zh-CN" sz="2000" dirty="0"/>
+              <a:t>/sys/class/i2c-dev/i2c-2/device/2-0038</a:t>
+            </a:r>
           </a:p>
         </p:txBody>
       </p:sp>
@@ -12687,10 +12877,10 @@
       </p:sp>
       <p:pic>
         <p:nvPicPr>
-          <p:cNvPr id="3" name="图片 2">
+          <p:cNvPr id="2" name="图片 1">
             <a:extLst>
               <a:ext uri="{FF2B5EF4-FFF2-40B4-BE49-F238E27FC236}">
-                <a16:creationId xmlns:a16="http://schemas.microsoft.com/office/drawing/2014/main" id="{A27898F0-27DF-706F-983C-F5C6339BD746}"/>
+                <a16:creationId xmlns:a16="http://schemas.microsoft.com/office/drawing/2014/main" id="{1CD8C53E-3CCF-FC6A-2E4D-EAFCE02F2512}"/>
               </a:ext>
             </a:extLst>
           </p:cNvPr>
@@ -12707,68 +12897,8 @@
         </p:blipFill>
         <p:spPr>
           <a:xfrm>
-            <a:off x="457199" y="1597428"/>
-            <a:ext cx="5942001" cy="1605329"/>
-          </a:xfrm>
-          <a:prstGeom prst="rect">
-            <a:avLst/>
-          </a:prstGeom>
-        </p:spPr>
-      </p:pic>
-      <p:pic>
-        <p:nvPicPr>
-          <p:cNvPr id="12" name="图片 11">
-            <a:extLst>
-              <a:ext uri="{FF2B5EF4-FFF2-40B4-BE49-F238E27FC236}">
-                <a16:creationId xmlns:a16="http://schemas.microsoft.com/office/drawing/2014/main" id="{69B9EDFA-400B-CF12-4415-EE14725E9C1D}"/>
-              </a:ext>
-            </a:extLst>
-          </p:cNvPr>
-          <p:cNvPicPr>
-            <a:picLocks noChangeAspect="1"/>
-          </p:cNvPicPr>
-          <p:nvPr/>
-        </p:nvPicPr>
-        <p:blipFill>
-          <a:blip r:embed="rId3"/>
-          <a:stretch>
-            <a:fillRect/>
-          </a:stretch>
-        </p:blipFill>
-        <p:spPr>
-          <a:xfrm>
-            <a:off x="6696076" y="2028155"/>
-            <a:ext cx="4533900" cy="457200"/>
-          </a:xfrm>
-          <a:prstGeom prst="rect">
-            <a:avLst/>
-          </a:prstGeom>
-        </p:spPr>
-      </p:pic>
-      <p:pic>
-        <p:nvPicPr>
-          <p:cNvPr id="13" name="图片 12">
-            <a:extLst>
-              <a:ext uri="{FF2B5EF4-FFF2-40B4-BE49-F238E27FC236}">
-                <a16:creationId xmlns:a16="http://schemas.microsoft.com/office/drawing/2014/main" id="{40FEA9D9-F27E-14FC-5C5B-0453FF2A0B1B}"/>
-              </a:ext>
-            </a:extLst>
-          </p:cNvPr>
-          <p:cNvPicPr>
-            <a:picLocks noChangeAspect="1"/>
-          </p:cNvPicPr>
-          <p:nvPr/>
-        </p:nvPicPr>
-        <p:blipFill>
-          <a:blip r:embed="rId4"/>
-          <a:stretch>
-            <a:fillRect/>
-          </a:stretch>
-        </p:blipFill>
-        <p:spPr>
-          <a:xfrm>
-            <a:off x="6598708" y="3784845"/>
-            <a:ext cx="4514850" cy="457200"/>
+            <a:off x="846260" y="1659914"/>
+            <a:ext cx="7427124" cy="801932"/>
           </a:xfrm>
           <a:prstGeom prst="rect">
             <a:avLst/>
@@ -12778,7 +12908,7 @@
     </p:spTree>
     <p:extLst>
       <p:ext uri="{BB962C8B-B14F-4D97-AF65-F5344CB8AC3E}">
-        <p14:creationId xmlns:p14="http://schemas.microsoft.com/office/powerpoint/2010/main" val="1953372526"/>
+        <p14:creationId xmlns:p14="http://schemas.microsoft.com/office/powerpoint/2010/main" val="4271154118"/>
       </p:ext>
     </p:extLst>
   </p:cSld>
@@ -12869,7 +12999,19 @@
                 <a:latin typeface="Arial" panose="020B0604020202020204"/>
                 <a:ea typeface="DejaVu Sans"/>
               </a:rPr>
-              <a:t> reg</a:t>
+              <a:t> </a:t>
+            </a:r>
+            <a:r>
+              <a:rPr lang="en-US" altLang="zh-CN" sz="3600" dirty="0"/>
+              <a:t>i2caddr</a:t>
+            </a:r>
+            <a:r>
+              <a:rPr lang="en-US" altLang="zh-CN" dirty="0"/>
+              <a:t>/</a:t>
+            </a:r>
+            <a:r>
+              <a:rPr lang="en-US" altLang="zh-CN" dirty="0" err="1"/>
+              <a:t>devinfo</a:t>
             </a:r>
             <a:endParaRPr lang="zh-CN" altLang="en-US" dirty="0"/>
           </a:p>
@@ -12877,10 +13019,10 @@
       </p:sp>
       <p:sp>
         <p:nvSpPr>
-          <p:cNvPr id="7" name="内容占位符 6">
+          <p:cNvPr id="2" name="内容占位符 1">
             <a:extLst>
               <a:ext uri="{FF2B5EF4-FFF2-40B4-BE49-F238E27FC236}">
-                <a16:creationId xmlns:a16="http://schemas.microsoft.com/office/drawing/2014/main" id="{88EE38F9-0269-4DD7-B0FE-B771F2A3C2A9}"/>
+                <a16:creationId xmlns:a16="http://schemas.microsoft.com/office/drawing/2014/main" id="{556A71DF-A4C2-4CFD-B5BB-EB96FD0D488C}"/>
               </a:ext>
             </a:extLst>
           </p:cNvPr>
@@ -12888,87 +13030,79 @@
             <a:spLocks noGrp="1"/>
           </p:cNvSpPr>
           <p:nvPr>
-            <p:ph idx="1"/>
+            <p:ph sz="half" idx="2"/>
           </p:nvPr>
         </p:nvSpPr>
-        <p:spPr/>
+        <p:spPr>
+          <a:xfrm>
+            <a:off x="552451" y="957282"/>
+            <a:ext cx="5543549" cy="4692651"/>
+          </a:xfrm>
+        </p:spPr>
         <p:txBody>
           <a:bodyPr/>
           <a:lstStyle/>
           <a:p>
             <a:r>
               <a:rPr lang="en-US" altLang="zh-CN" sz="2400" dirty="0"/>
-              <a:t>#echo </a:t>
+              <a:t>#cat </a:t>
             </a:r>
             <a:r>
               <a:rPr lang="en-US" altLang="zh-CN" sz="2400" dirty="0" err="1"/>
-              <a:t>chn</a:t>
-            </a:r>
-            <a:r>
-              <a:rPr lang="en-US" altLang="zh-CN" sz="2400" dirty="0"/>
-              <a:t> 0xBK 0xPG 0xRG 0xXX &gt; reg</a:t>
-            </a:r>
+              <a:t>dev_addr</a:t>
+            </a:r>
+            <a:endParaRPr lang="en-US" altLang="zh-CN" sz="2400" dirty="0"/>
           </a:p>
           <a:p>
             <a:pPr marL="454846" lvl="1" indent="0">
               <a:buNone/>
             </a:pPr>
             <a:r>
-              <a:rPr lang="en-US" altLang="zh-CN" sz="1600" dirty="0"/>
-              <a:t>Illustration: Write a value to a certain register</a:t>
-            </a:r>
-          </a:p>
-          <a:p>
-            <a:pPr lvl="1"/>
-            <a:r>
-              <a:rPr lang="en-US" altLang="zh-CN" sz="1600" dirty="0" err="1"/>
-              <a:t>chn</a:t>
-            </a:r>
-            <a:r>
-              <a:rPr lang="en-US" altLang="zh-CN" sz="1600" dirty="0"/>
-              <a:t> is channel no, must be 1-digital</a:t>
-            </a:r>
-          </a:p>
-          <a:p>
-            <a:pPr lvl="1"/>
-            <a:r>
-              <a:rPr lang="en-US" altLang="zh-CN" sz="1600" dirty="0"/>
-              <a:t>BK, PG, RG &amp; XX must be 2-digital HEX</a:t>
-            </a:r>
-          </a:p>
-          <a:p>
-            <a:pPr lvl="1"/>
-            <a:r>
-              <a:rPr lang="en-US" altLang="zh-CN" sz="1600" dirty="0" err="1"/>
-              <a:t>eg</a:t>
-            </a:r>
-            <a:r>
-              <a:rPr lang="en-US" altLang="zh-CN" sz="1600" dirty="0"/>
-              <a:t>: 0 0x00 </a:t>
-            </a:r>
-            <a:r>
-              <a:rPr lang="en-US" altLang="zh-CN" sz="1600" dirty="0" err="1"/>
-              <a:t>0x00</a:t>
-            </a:r>
-            <a:r>
-              <a:rPr lang="en-US" altLang="zh-CN" sz="1600" dirty="0"/>
-              <a:t> 0x05 0x07 &gt; reg</a:t>
-            </a:r>
-          </a:p>
-          <a:p>
-            <a:r>
-              <a:rPr lang="en-US" altLang="zh-CN" sz="2400" dirty="0"/>
-              <a:t>#cat reg</a:t>
+              <a:rPr lang="en-US" altLang="zh-CN" dirty="0"/>
+              <a:t>Illustration: show the active i2c address</a:t>
             </a:r>
           </a:p>
           <a:p>
             <a:pPr marL="454846" lvl="1" indent="0">
               <a:buNone/>
             </a:pPr>
-            <a:r>
-              <a:rPr lang="en-US" altLang="zh-CN" sz="1600" dirty="0"/>
-              <a:t>Illustration: Read back the value from the register which have been echoed before</a:t>
-            </a:r>
+            <a:endParaRPr lang="en-US" altLang="zh-CN" sz="1800" dirty="0"/>
+          </a:p>
+          <a:p>
+            <a:pPr marL="454846" lvl="1" indent="0">
+              <a:buNone/>
+            </a:pPr>
+            <a:endParaRPr lang="en-US" altLang="zh-CN" sz="1800" dirty="0"/>
+          </a:p>
+          <a:p>
+            <a:r>
+              <a:rPr lang="en-US" altLang="zh-CN" sz="2400" dirty="0"/>
+              <a:t>#cat </a:t>
+            </a:r>
+            <a:r>
+              <a:rPr lang="en-US" altLang="zh-CN" sz="2400" dirty="0" err="1"/>
+              <a:t>devinfo</a:t>
+            </a:r>
+            <a:endParaRPr lang="en-US" altLang="zh-CN" sz="2400" dirty="0"/>
+          </a:p>
+          <a:p>
+            <a:pPr marL="379041" lvl="1" indent="0">
+              <a:buNone/>
+            </a:pPr>
+            <a:r>
+              <a:rPr lang="en-US" altLang="zh-CN" dirty="0"/>
+              <a:t>Illustration: Get the basic information of audio device on the board</a:t>
+            </a:r>
+            <a:endParaRPr lang="zh-CN" altLang="en-US" dirty="0"/>
+          </a:p>
+          <a:p>
+            <a:pPr marL="454846" lvl="1" indent="0">
+              <a:buNone/>
+            </a:pPr>
+            <a:endParaRPr lang="en-US" altLang="zh-CN" sz="1800" dirty="0"/>
+          </a:p>
+          <a:p>
+            <a:endParaRPr lang="zh-CN" altLang="en-US" dirty="0"/>
           </a:p>
         </p:txBody>
       </p:sp>
@@ -12988,7 +13122,12 @@
             <p:ph type="sldNum" sz="quarter" idx="10"/>
           </p:nvPr>
         </p:nvSpPr>
-        <p:spPr/>
+        <p:spPr>
+          <a:xfrm>
+            <a:off x="3217332" y="5754169"/>
+            <a:ext cx="2844800" cy="206376"/>
+          </a:xfrm>
+        </p:spPr>
         <p:txBody>
           <a:bodyPr/>
           <a:lstStyle/>
@@ -13017,10 +13156,10 @@
       </p:sp>
       <p:pic>
         <p:nvPicPr>
-          <p:cNvPr id="2" name="图片 1">
+          <p:cNvPr id="12" name="图片 11">
             <a:extLst>
               <a:ext uri="{FF2B5EF4-FFF2-40B4-BE49-F238E27FC236}">
-                <a16:creationId xmlns:a16="http://schemas.microsoft.com/office/drawing/2014/main" id="{07F66BED-2FB2-FD3C-6EEB-23DD2175CE4C}"/>
+                <a16:creationId xmlns:a16="http://schemas.microsoft.com/office/drawing/2014/main" id="{69B9EDFA-400B-CF12-4415-EE14725E9C1D}"/>
               </a:ext>
             </a:extLst>
           </p:cNvPr>
@@ -13037,8 +13176,38 @@
         </p:blipFill>
         <p:spPr>
           <a:xfrm>
-            <a:off x="892419" y="3585429"/>
-            <a:ext cx="8172450" cy="824859"/>
+            <a:off x="1057275" y="1799572"/>
+            <a:ext cx="4533900" cy="457200"/>
+          </a:xfrm>
+          <a:prstGeom prst="rect">
+            <a:avLst/>
+          </a:prstGeom>
+        </p:spPr>
+      </p:pic>
+      <p:pic>
+        <p:nvPicPr>
+          <p:cNvPr id="13" name="图片 12">
+            <a:extLst>
+              <a:ext uri="{FF2B5EF4-FFF2-40B4-BE49-F238E27FC236}">
+                <a16:creationId xmlns:a16="http://schemas.microsoft.com/office/drawing/2014/main" id="{40FEA9D9-F27E-14FC-5C5B-0453FF2A0B1B}"/>
+              </a:ext>
+            </a:extLst>
+          </p:cNvPr>
+          <p:cNvPicPr>
+            <a:picLocks noChangeAspect="1"/>
+          </p:cNvPicPr>
+          <p:nvPr/>
+        </p:nvPicPr>
+        <p:blipFill>
+          <a:blip r:embed="rId3"/>
+          <a:stretch>
+            <a:fillRect/>
+          </a:stretch>
+        </p:blipFill>
+        <p:spPr>
+          <a:xfrm>
+            <a:off x="959907" y="3556262"/>
+            <a:ext cx="4514850" cy="457200"/>
           </a:xfrm>
           <a:prstGeom prst="rect">
             <a:avLst/>
@@ -13048,7 +13217,7 @@
     </p:spTree>
     <p:extLst>
       <p:ext uri="{BB962C8B-B14F-4D97-AF65-F5344CB8AC3E}">
-        <p14:creationId xmlns:p14="http://schemas.microsoft.com/office/powerpoint/2010/main" val="864682733"/>
+        <p14:creationId xmlns:p14="http://schemas.microsoft.com/office/powerpoint/2010/main" val="1953372526"/>
       </p:ext>
     </p:extLst>
   </p:cSld>
@@ -13355,7 +13524,7 @@
                 <a:buFontTx/>
                 <a:buNone/>
               </a:pPr>
-              <a:t>10/12/2022</a:t>
+              <a:t>10/14/2022</a:t>
             </a:fld>
             <a:endParaRPr lang="en-US" altLang="zh-CN" sz="1000">
               <a:ea typeface="宋体" panose="02010600030101010101" pitchFamily="2" charset="-122"/>
@@ -22061,11 +22230,37 @@
                 <a:latin typeface="Arial" panose="020B0604020202020204"/>
                 <a:ea typeface="DejaVu Sans"/>
               </a:rPr>
-              <a:t>Driver nodes III | </a:t>
-            </a:r>
-            <a:r>
-              <a:rPr lang="en-US" altLang="zh-CN" sz="3600" dirty="0" err="1"/>
-              <a:t>regdump</a:t>
+              <a:t>Driver nodes II </a:t>
+            </a:r>
+            <a:r>
+              <a:rPr lang="en-US" altLang="zh-CN" spc="-1" dirty="0">
+                <a:solidFill>
+                  <a:srgbClr val="DE0000"/>
+                </a:solidFill>
+                <a:uFill>
+                  <a:solidFill>
+                    <a:srgbClr val="FFFFFF"/>
+                  </a:solidFill>
+                </a:uFill>
+                <a:latin typeface="Arial" panose="020B0604020202020204"/>
+                <a:ea typeface="DejaVu Sans"/>
+              </a:rPr>
+              <a:t>|</a:t>
+            </a:r>
+            <a:r>
+              <a:rPr lang="en-US" altLang="zh-CN" sz="3600" b="1" strike="noStrike" spc="-1" dirty="0">
+                <a:solidFill>
+                  <a:srgbClr val="DE0000"/>
+                </a:solidFill>
+                <a:uFill>
+                  <a:solidFill>
+                    <a:srgbClr val="FFFFFF"/>
+                  </a:solidFill>
+                </a:uFill>
+                <a:latin typeface="Arial" panose="020B0604020202020204"/>
+                <a:ea typeface="DejaVu Sans"/>
+              </a:rPr>
+              <a:t> reg</a:t>
             </a:r>
             <a:endParaRPr lang="zh-CN" altLang="en-US" dirty="0"/>
           </a:p>
@@ -22102,63 +22297,69 @@
             </a:r>
             <a:r>
               <a:rPr lang="en-US" altLang="zh-CN" sz="2400" dirty="0"/>
-              <a:t> 0xBK 0xPG &gt; </a:t>
-            </a:r>
-            <a:r>
-              <a:rPr lang="en-US" altLang="zh-CN" sz="2400" dirty="0" err="1"/>
-              <a:t>regdump</a:t>
-            </a:r>
-            <a:endParaRPr lang="en-US" altLang="zh-CN" sz="2400" dirty="0"/>
+              <a:t> 0xBK 0xPG 0xRG 0xXX &gt; reg</a:t>
+            </a:r>
           </a:p>
           <a:p>
             <a:pPr marL="454846" lvl="1" indent="0">
               <a:buNone/>
             </a:pPr>
             <a:r>
-              <a:rPr lang="en-US" altLang="zh-CN" sz="2000" dirty="0"/>
-              <a:t>Illustration: the command dump all the registers of the specific page</a:t>
+              <a:rPr lang="en-US" altLang="zh-CN" sz="1600" dirty="0"/>
+              <a:t>Illustration: Write a value to a certain register</a:t>
             </a:r>
           </a:p>
           <a:p>
             <a:pPr lvl="1"/>
             <a:r>
-              <a:rPr lang="en-US" altLang="zh-CN" dirty="0" err="1"/>
+              <a:rPr lang="en-US" altLang="zh-CN" sz="1600" dirty="0" err="1"/>
               <a:t>chn</a:t>
             </a:r>
             <a:r>
-              <a:rPr lang="en-US" altLang="zh-CN" dirty="0"/>
+              <a:rPr lang="en-US" altLang="zh-CN" sz="1600" dirty="0"/>
               <a:t> is channel no, must be 1-digital</a:t>
             </a:r>
           </a:p>
           <a:p>
             <a:pPr lvl="1"/>
             <a:r>
-              <a:rPr lang="en-US" altLang="zh-CN" dirty="0"/>
-              <a:t>BK &amp; PG must be 2-digital HEX</a:t>
+              <a:rPr lang="en-US" altLang="zh-CN" sz="1600" dirty="0"/>
+              <a:t>BK, PG, RG &amp; XX must be 2-digital HEX</a:t>
+            </a:r>
+          </a:p>
+          <a:p>
+            <a:pPr lvl="1"/>
+            <a:r>
+              <a:rPr lang="en-US" altLang="zh-CN" sz="1600" dirty="0" err="1"/>
+              <a:t>eg</a:t>
+            </a:r>
+            <a:r>
+              <a:rPr lang="en-US" altLang="zh-CN" sz="1600" dirty="0"/>
+              <a:t>: 0 0x00 </a:t>
+            </a:r>
+            <a:r>
+              <a:rPr lang="en-US" altLang="zh-CN" sz="1600" dirty="0" err="1"/>
+              <a:t>0x00</a:t>
+            </a:r>
+            <a:r>
+              <a:rPr lang="en-US" altLang="zh-CN" sz="1600" dirty="0"/>
+              <a:t> 0x05 0x07 &gt; reg</a:t>
             </a:r>
           </a:p>
           <a:p>
             <a:r>
               <a:rPr lang="en-US" altLang="zh-CN" sz="2400" dirty="0"/>
-              <a:t>#cat </a:t>
-            </a:r>
-            <a:r>
-              <a:rPr lang="en-US" altLang="zh-CN" sz="2400" dirty="0" err="1"/>
-              <a:t>regdump</a:t>
-            </a:r>
-            <a:endParaRPr lang="en-US" altLang="zh-CN" sz="2400" dirty="0"/>
+              <a:t>#cat reg</a:t>
+            </a:r>
           </a:p>
           <a:p>
             <a:pPr marL="454846" lvl="1" indent="0">
               <a:buNone/>
             </a:pPr>
             <a:r>
-              <a:rPr lang="en-US" altLang="zh-CN" sz="2000" dirty="0"/>
-              <a:t>Illustration: run the echo command, show the 7-bit i2c address of the chip and dump the registers</a:t>
-            </a:r>
-          </a:p>
-          <a:p>
-            <a:endParaRPr lang="en-US" altLang="zh-CN" sz="2000" dirty="0"/>
+              <a:rPr lang="en-US" altLang="zh-CN" sz="1600" dirty="0"/>
+              <a:t>Illustration: Read back the value from the register which have been echoed before</a:t>
+            </a:r>
           </a:p>
         </p:txBody>
       </p:sp>
@@ -22196,6 +22397,244 @@
                 <a:defRPr/>
               </a:pPr>
               <a:t>20</a:t>
+            </a:fld>
+            <a:endParaRPr lang="en-US" dirty="0">
+              <a:solidFill>
+                <a:srgbClr val="000000"/>
+              </a:solidFill>
+            </a:endParaRPr>
+          </a:p>
+        </p:txBody>
+      </p:sp>
+      <p:pic>
+        <p:nvPicPr>
+          <p:cNvPr id="2" name="图片 1">
+            <a:extLst>
+              <a:ext uri="{FF2B5EF4-FFF2-40B4-BE49-F238E27FC236}">
+                <a16:creationId xmlns:a16="http://schemas.microsoft.com/office/drawing/2014/main" id="{07F66BED-2FB2-FD3C-6EEB-23DD2175CE4C}"/>
+              </a:ext>
+            </a:extLst>
+          </p:cNvPr>
+          <p:cNvPicPr>
+            <a:picLocks noChangeAspect="1"/>
+          </p:cNvPicPr>
+          <p:nvPr/>
+        </p:nvPicPr>
+        <p:blipFill>
+          <a:blip r:embed="rId2"/>
+          <a:stretch>
+            <a:fillRect/>
+          </a:stretch>
+        </p:blipFill>
+        <p:spPr>
+          <a:xfrm>
+            <a:off x="892419" y="3585429"/>
+            <a:ext cx="8172450" cy="824859"/>
+          </a:xfrm>
+          <a:prstGeom prst="rect">
+            <a:avLst/>
+          </a:prstGeom>
+        </p:spPr>
+      </p:pic>
+    </p:spTree>
+    <p:extLst>
+      <p:ext uri="{BB962C8B-B14F-4D97-AF65-F5344CB8AC3E}">
+        <p14:creationId xmlns:p14="http://schemas.microsoft.com/office/powerpoint/2010/main" val="864682733"/>
+      </p:ext>
+    </p:extLst>
+  </p:cSld>
+  <p:clrMapOvr>
+    <a:masterClrMapping/>
+  </p:clrMapOvr>
+</p:sld>
+</file>
+
+<file path=ppt/slides/slide21.xml><?xml version="1.0" encoding="utf-8"?>
+<p:sld xmlns:a="http://schemas.openxmlformats.org/drawingml/2006/main" xmlns:r="http://schemas.openxmlformats.org/officeDocument/2006/relationships" xmlns:p="http://schemas.openxmlformats.org/presentationml/2006/main">
+  <p:cSld>
+    <p:spTree>
+      <p:nvGrpSpPr>
+        <p:cNvPr id="1" name=""/>
+        <p:cNvGrpSpPr/>
+        <p:nvPr/>
+      </p:nvGrpSpPr>
+      <p:grpSpPr>
+        <a:xfrm>
+          <a:off x="0" y="0"/>
+          <a:ext cx="0" cy="0"/>
+          <a:chOff x="0" y="0"/>
+          <a:chExt cx="0" cy="0"/>
+        </a:xfrm>
+      </p:grpSpPr>
+      <p:sp>
+        <p:nvSpPr>
+          <p:cNvPr id="6" name="标题 5">
+            <a:extLst>
+              <a:ext uri="{FF2B5EF4-FFF2-40B4-BE49-F238E27FC236}">
+                <a16:creationId xmlns:a16="http://schemas.microsoft.com/office/drawing/2014/main" id="{D6F6AC84-A378-485C-A3D5-469F0AB06CF2}"/>
+              </a:ext>
+            </a:extLst>
+          </p:cNvPr>
+          <p:cNvSpPr>
+            <a:spLocks noGrp="1"/>
+          </p:cNvSpPr>
+          <p:nvPr>
+            <p:ph type="title"/>
+          </p:nvPr>
+        </p:nvSpPr>
+        <p:spPr/>
+        <p:txBody>
+          <a:bodyPr/>
+          <a:lstStyle/>
+          <a:p>
+            <a:r>
+              <a:rPr lang="en-US" altLang="zh-CN" sz="3600" b="1" strike="noStrike" spc="-1" dirty="0">
+                <a:solidFill>
+                  <a:srgbClr val="DE0000"/>
+                </a:solidFill>
+                <a:uFill>
+                  <a:solidFill>
+                    <a:srgbClr val="FFFFFF"/>
+                  </a:solidFill>
+                </a:uFill>
+                <a:latin typeface="Arial" panose="020B0604020202020204"/>
+                <a:ea typeface="DejaVu Sans"/>
+              </a:rPr>
+              <a:t>Driver nodes III | </a:t>
+            </a:r>
+            <a:r>
+              <a:rPr lang="en-US" altLang="zh-CN" sz="3600" dirty="0" err="1"/>
+              <a:t>regdump</a:t>
+            </a:r>
+            <a:endParaRPr lang="zh-CN" altLang="en-US" dirty="0"/>
+          </a:p>
+        </p:txBody>
+      </p:sp>
+      <p:sp>
+        <p:nvSpPr>
+          <p:cNvPr id="7" name="内容占位符 6">
+            <a:extLst>
+              <a:ext uri="{FF2B5EF4-FFF2-40B4-BE49-F238E27FC236}">
+                <a16:creationId xmlns:a16="http://schemas.microsoft.com/office/drawing/2014/main" id="{88EE38F9-0269-4DD7-B0FE-B771F2A3C2A9}"/>
+              </a:ext>
+            </a:extLst>
+          </p:cNvPr>
+          <p:cNvSpPr>
+            <a:spLocks noGrp="1"/>
+          </p:cNvSpPr>
+          <p:nvPr>
+            <p:ph idx="1"/>
+          </p:nvPr>
+        </p:nvSpPr>
+        <p:spPr/>
+        <p:txBody>
+          <a:bodyPr/>
+          <a:lstStyle/>
+          <a:p>
+            <a:r>
+              <a:rPr lang="en-US" altLang="zh-CN" sz="2400" dirty="0"/>
+              <a:t>#echo </a:t>
+            </a:r>
+            <a:r>
+              <a:rPr lang="en-US" altLang="zh-CN" sz="2400" dirty="0" err="1"/>
+              <a:t>chn</a:t>
+            </a:r>
+            <a:r>
+              <a:rPr lang="en-US" altLang="zh-CN" sz="2400" dirty="0"/>
+              <a:t> 0xBK 0xPG &gt; </a:t>
+            </a:r>
+            <a:r>
+              <a:rPr lang="en-US" altLang="zh-CN" sz="2400" dirty="0" err="1"/>
+              <a:t>regdump</a:t>
+            </a:r>
+            <a:endParaRPr lang="en-US" altLang="zh-CN" sz="2400" dirty="0"/>
+          </a:p>
+          <a:p>
+            <a:pPr marL="454846" lvl="1" indent="0">
+              <a:buNone/>
+            </a:pPr>
+            <a:r>
+              <a:rPr lang="en-US" altLang="zh-CN" sz="2000" dirty="0"/>
+              <a:t>Illustration: the command dump all the registers of the specific page</a:t>
+            </a:r>
+          </a:p>
+          <a:p>
+            <a:pPr lvl="1"/>
+            <a:r>
+              <a:rPr lang="en-US" altLang="zh-CN" dirty="0" err="1"/>
+              <a:t>chn</a:t>
+            </a:r>
+            <a:r>
+              <a:rPr lang="en-US" altLang="zh-CN" dirty="0"/>
+              <a:t> is channel no, must be 1-digital</a:t>
+            </a:r>
+          </a:p>
+          <a:p>
+            <a:pPr lvl="1"/>
+            <a:r>
+              <a:rPr lang="en-US" altLang="zh-CN" dirty="0"/>
+              <a:t>BK &amp; PG must be 2-digital HEX</a:t>
+            </a:r>
+          </a:p>
+          <a:p>
+            <a:r>
+              <a:rPr lang="en-US" altLang="zh-CN" sz="2400" dirty="0"/>
+              <a:t>#cat </a:t>
+            </a:r>
+            <a:r>
+              <a:rPr lang="en-US" altLang="zh-CN" sz="2400" dirty="0" err="1"/>
+              <a:t>regdump</a:t>
+            </a:r>
+            <a:endParaRPr lang="en-US" altLang="zh-CN" sz="2400" dirty="0"/>
+          </a:p>
+          <a:p>
+            <a:pPr marL="454846" lvl="1" indent="0">
+              <a:buNone/>
+            </a:pPr>
+            <a:r>
+              <a:rPr lang="en-US" altLang="zh-CN" sz="2000" dirty="0"/>
+              <a:t>Illustration: run the echo command, show the 7-bit i2c address of the chip and dump the registers</a:t>
+            </a:r>
+          </a:p>
+          <a:p>
+            <a:endParaRPr lang="en-US" altLang="zh-CN" sz="2000" dirty="0"/>
+          </a:p>
+        </p:txBody>
+      </p:sp>
+      <p:sp>
+        <p:nvSpPr>
+          <p:cNvPr id="5" name="灯片编号占位符 4">
+            <a:extLst>
+              <a:ext uri="{FF2B5EF4-FFF2-40B4-BE49-F238E27FC236}">
+                <a16:creationId xmlns:a16="http://schemas.microsoft.com/office/drawing/2014/main" id="{A0EB225E-7E2D-49AB-9C04-CAB0FF989B61}"/>
+              </a:ext>
+            </a:extLst>
+          </p:cNvPr>
+          <p:cNvSpPr>
+            <a:spLocks noGrp="1"/>
+          </p:cNvSpPr>
+          <p:nvPr>
+            <p:ph type="sldNum" sz="quarter" idx="10"/>
+          </p:nvPr>
+        </p:nvSpPr>
+        <p:spPr/>
+        <p:txBody>
+          <a:bodyPr/>
+          <a:lstStyle/>
+          <a:p>
+            <a:pPr>
+              <a:defRPr/>
+            </a:pPr>
+            <a:fld id="{B53548F6-AAA9-4A8D-A869-511B3DFE3256}" type="slidenum">
+              <a:rPr lang="en-US" smtClean="0">
+                <a:solidFill>
+                  <a:srgbClr val="000000"/>
+                </a:solidFill>
+              </a:rPr>
+              <a:pPr>
+                <a:defRPr/>
+              </a:pPr>
+              <a:t>21</a:t>
             </a:fld>
             <a:endParaRPr lang="en-US" dirty="0">
               <a:solidFill>
@@ -22233,7 +22672,7 @@
           <a:graphicData uri="http://schemas.openxmlformats.org/presentationml/2006/ole">
             <mc:AlternateContent xmlns:mc="http://schemas.openxmlformats.org/markup-compatibility/2006">
               <mc:Choice xmlns:v="urn:schemas-microsoft-com:vml" Requires="v">
-                <p:oleObj spid="_x0000_s3076" name="包装程序外壳对象" showAsIcon="1" r:id="rId3" imgW="731520" imgH="663058" progId="Package">
+                <p:oleObj spid="_x0000_s3094" name="包装程序外壳对象" showAsIcon="1" r:id="rId3" imgW="731520" imgH="663058" progId="Package">
                   <p:embed/>
                 </p:oleObj>
               </mc:Choice>
@@ -22302,7 +22741,7 @@
           <a:graphicData uri="http://schemas.openxmlformats.org/presentationml/2006/ole">
             <mc:AlternateContent xmlns:mc="http://schemas.openxmlformats.org/markup-compatibility/2006">
               <mc:Choice xmlns:v="urn:schemas-microsoft-com:vml" Requires="v">
-                <p:oleObj spid="_x0000_s3077" name="包装程序外壳对象" showAsIcon="1" r:id="rId5" imgW="619200" imgH="559800" progId="Package">
+                <p:oleObj spid="_x0000_s3095" name="包装程序外壳对象" showAsIcon="1" r:id="rId5" imgW="619200" imgH="559800" progId="Package">
                   <p:embed/>
                 </p:oleObj>
               </mc:Choice>
@@ -22356,7 +22795,7 @@
 </p:sld>
 </file>
 
-<file path=ppt/slides/slide21.xml><?xml version="1.0" encoding="utf-8"?>
+<file path=ppt/slides/slide22.xml><?xml version="1.0" encoding="utf-8"?>
 <p:sld xmlns:a="http://schemas.openxmlformats.org/drawingml/2006/main" xmlns:r="http://schemas.openxmlformats.org/officeDocument/2006/relationships" xmlns:p="http://schemas.openxmlformats.org/presentationml/2006/main">
   <p:cSld>
     <p:spTree>
@@ -22571,7 +23010,7 @@
               <a:pPr>
                 <a:defRPr/>
               </a:pPr>
-              <a:t>21</a:t>
+              <a:t>22</a:t>
             </a:fld>
             <a:endParaRPr lang="en-US" dirty="0">
               <a:solidFill>
@@ -22654,7 +23093,7 @@
 </p:sld>
 </file>
 
-<file path=ppt/slides/slide22.xml><?xml version="1.0" encoding="utf-8"?>
+<file path=ppt/slides/slide23.xml><?xml version="1.0" encoding="utf-8"?>
 <p:sld xmlns:a="http://schemas.openxmlformats.org/drawingml/2006/main" xmlns:r="http://schemas.openxmlformats.org/officeDocument/2006/relationships" xmlns:p="http://schemas.openxmlformats.org/presentationml/2006/main">
   <p:cSld>
     <p:spTree>
@@ -22826,7 +23265,7 @@
               <a:pPr>
                 <a:defRPr/>
               </a:pPr>
-              <a:t>22</a:t>
+              <a:t>23</a:t>
             </a:fld>
             <a:endParaRPr lang="en-US" dirty="0">
               <a:solidFill>
@@ -22881,7 +23320,7 @@
 </p:sld>
 </file>
 
-<file path=ppt/slides/slide23.xml><?xml version="1.0" encoding="utf-8"?>
+<file path=ppt/slides/slide24.xml><?xml version="1.0" encoding="utf-8"?>
 <p:sld xmlns:a="http://schemas.openxmlformats.org/drawingml/2006/main" xmlns:r="http://schemas.openxmlformats.org/officeDocument/2006/relationships" xmlns:p="http://schemas.openxmlformats.org/presentationml/2006/main">
   <p:cSld>
     <p:spTree>
@@ -23040,7 +23479,7 @@
                 </a:spcAft>
                 <a:defRPr/>
               </a:pPr>
-              <a:t>23</a:t>
+              <a:t>24</a:t>
             </a:fld>
             <a:endParaRPr lang="en-US">
               <a:solidFill>
@@ -24013,7 +24452,7 @@
 </p:sld>
 </file>
 
-<file path=ppt/slides/slide24.xml><?xml version="1.0" encoding="utf-8"?>
+<file path=ppt/slides/slide25.xml><?xml version="1.0" encoding="utf-8"?>
 <p:sld xmlns:a="http://schemas.openxmlformats.org/drawingml/2006/main" xmlns:r="http://schemas.openxmlformats.org/officeDocument/2006/relationships" xmlns:p="http://schemas.openxmlformats.org/presentationml/2006/main">
   <p:cSld>
     <p:spTree>
@@ -24199,7 +24638,7 @@
                 </a:spcAft>
                 <a:defRPr/>
               </a:pPr>
-              <a:t>24</a:t>
+              <a:t>25</a:t>
             </a:fld>
             <a:endParaRPr lang="en-US">
               <a:solidFill>
@@ -25172,7 +25611,7 @@
 </p:sld>
 </file>
 
-<file path=ppt/slides/slide25.xml><?xml version="1.0" encoding="utf-8"?>
+<file path=ppt/slides/slide26.xml><?xml version="1.0" encoding="utf-8"?>
 <p:sld xmlns:a="http://schemas.openxmlformats.org/drawingml/2006/main" xmlns:r="http://schemas.openxmlformats.org/officeDocument/2006/relationships" xmlns:p="http://schemas.openxmlformats.org/presentationml/2006/main">
   <p:cSld>
     <p:spTree>
@@ -25376,7 +25815,7 @@
                 </a:spcAft>
                 <a:defRPr/>
               </a:pPr>
-              <a:t>25</a:t>
+              <a:t>26</a:t>
             </a:fld>
             <a:endParaRPr lang="en-US">
               <a:solidFill>
@@ -25399,7 +25838,7 @@
 </p:sld>
 </file>
 
-<file path=ppt/slides/slide26.xml><?xml version="1.0" encoding="utf-8"?>
+<file path=ppt/slides/slide27.xml><?xml version="1.0" encoding="utf-8"?>
 <p:sld xmlns:a="http://schemas.openxmlformats.org/drawingml/2006/main" xmlns:r="http://schemas.openxmlformats.org/officeDocument/2006/relationships" xmlns:p="http://schemas.openxmlformats.org/presentationml/2006/main">
   <p:cSld>
     <p:spTree>
@@ -25589,7 +26028,7 @@
                 </a:spcAft>
                 <a:defRPr/>
               </a:pPr>
-              <a:t>26</a:t>
+              <a:t>27</a:t>
             </a:fld>
             <a:endParaRPr lang="en-US">
               <a:solidFill>
@@ -25642,7 +26081,7 @@
 </p:sld>
 </file>
 
-<file path=ppt/slides/slide27.xml><?xml version="1.0" encoding="utf-8"?>
+<file path=ppt/slides/slide28.xml><?xml version="1.0" encoding="utf-8"?>
 <p:sld xmlns:a="http://schemas.openxmlformats.org/drawingml/2006/main" xmlns:r="http://schemas.openxmlformats.org/officeDocument/2006/relationships" xmlns:p="http://schemas.openxmlformats.org/presentationml/2006/main">
   <p:cSld>
     <p:spTree>
@@ -25802,7 +26241,7 @@
                 </a:spcAft>
                 <a:defRPr/>
               </a:pPr>
-              <a:t>27</a:t>
+              <a:t>28</a:t>
             </a:fld>
             <a:endParaRPr lang="en-US">
               <a:solidFill>
@@ -26467,7 +26906,7 @@
 </p:sld>
 </file>
 
-<file path=ppt/slides/slide28.xml><?xml version="1.0" encoding="utf-8"?>
+<file path=ppt/slides/slide29.xml><?xml version="1.0" encoding="utf-8"?>
 <p:sld xmlns:a="http://schemas.openxmlformats.org/drawingml/2006/main" xmlns:r="http://schemas.openxmlformats.org/officeDocument/2006/relationships" xmlns:p="http://schemas.openxmlformats.org/presentationml/2006/main">
   <p:cSld>
     <p:spTree>
@@ -26534,179 +26973,6 @@
               <a:pPr>
                 <a:defRPr/>
               </a:pPr>
-              <a:t>28</a:t>
-            </a:fld>
-            <a:endParaRPr lang="en-US">
-              <a:solidFill>
-                <a:srgbClr val="000000"/>
-              </a:solidFill>
-            </a:endParaRPr>
-          </a:p>
-        </p:txBody>
-      </p:sp>
-    </p:spTree>
-    <p:extLst>
-      <p:ext uri="{BB962C8B-B14F-4D97-AF65-F5344CB8AC3E}">
-        <p14:creationId xmlns:p14="http://schemas.microsoft.com/office/powerpoint/2010/main" val="2041980710"/>
-      </p:ext>
-    </p:extLst>
-  </p:cSld>
-  <p:clrMapOvr>
-    <a:masterClrMapping/>
-  </p:clrMapOvr>
-</p:sld>
-</file>
-
-<file path=ppt/slides/slide29.xml><?xml version="1.0" encoding="utf-8"?>
-<p:sld xmlns:a="http://schemas.openxmlformats.org/drawingml/2006/main" xmlns:r="http://schemas.openxmlformats.org/officeDocument/2006/relationships" xmlns:p="http://schemas.openxmlformats.org/presentationml/2006/main">
-  <p:cSld>
-    <p:spTree>
-      <p:nvGrpSpPr>
-        <p:cNvPr id="1" name=""/>
-        <p:cNvGrpSpPr/>
-        <p:nvPr/>
-      </p:nvGrpSpPr>
-      <p:grpSpPr>
-        <a:xfrm>
-          <a:off x="0" y="0"/>
-          <a:ext cx="0" cy="0"/>
-          <a:chOff x="0" y="0"/>
-          <a:chExt cx="0" cy="0"/>
-        </a:xfrm>
-      </p:grpSpPr>
-      <p:sp>
-        <p:nvSpPr>
-          <p:cNvPr id="2" name="标题 1">
-            <a:extLst>
-              <a:ext uri="{FF2B5EF4-FFF2-40B4-BE49-F238E27FC236}">
-                <a16:creationId xmlns:a16="http://schemas.microsoft.com/office/drawing/2014/main" id="{2630E4F2-8874-8736-4C95-A55AD45D5CC7}"/>
-              </a:ext>
-            </a:extLst>
-          </p:cNvPr>
-          <p:cNvSpPr>
-            <a:spLocks noGrp="1"/>
-          </p:cNvSpPr>
-          <p:nvPr>
-            <p:ph type="title"/>
-          </p:nvPr>
-        </p:nvSpPr>
-        <p:spPr/>
-        <p:txBody>
-          <a:bodyPr/>
-          <a:lstStyle/>
-          <a:p>
-            <a:r>
-              <a:rPr lang="en-US" altLang="zh-CN" dirty="0"/>
-              <a:t>Kernel 5.10-rt</a:t>
-            </a:r>
-            <a:endParaRPr lang="zh-CN" altLang="en-US" dirty="0"/>
-          </a:p>
-        </p:txBody>
-      </p:sp>
-      <p:sp>
-        <p:nvSpPr>
-          <p:cNvPr id="3" name="内容占位符 2">
-            <a:extLst>
-              <a:ext uri="{FF2B5EF4-FFF2-40B4-BE49-F238E27FC236}">
-                <a16:creationId xmlns:a16="http://schemas.microsoft.com/office/drawing/2014/main" id="{A95A92B7-BB54-6336-64C5-1B9CAB8CF687}"/>
-              </a:ext>
-            </a:extLst>
-          </p:cNvPr>
-          <p:cNvSpPr>
-            <a:spLocks noGrp="1"/>
-          </p:cNvSpPr>
-          <p:nvPr>
-            <p:ph idx="1"/>
-          </p:nvPr>
-        </p:nvSpPr>
-        <p:spPr/>
-        <p:txBody>
-          <a:bodyPr/>
-          <a:lstStyle/>
-          <a:p>
-            <a:r>
-              <a:rPr lang="en-US" altLang="zh-CN" dirty="0"/>
-              <a:t>Download Kernel 5.10-rt for BBB from…</a:t>
-            </a:r>
-            <a:endParaRPr lang="zh-CN" altLang="en-US" dirty="0"/>
-          </a:p>
-          <a:p>
-            <a:pPr lvl="1"/>
-            <a:r>
-              <a:rPr lang="en-US" altLang="zh-CN" dirty="0">
-                <a:hlinkClick r:id="rId2"/>
-              </a:rPr>
-              <a:t>https://github.com/beagleboard/linux/tree/5.10-rt</a:t>
-            </a:r>
-            <a:endParaRPr lang="en-US" altLang="zh-CN" dirty="0"/>
-          </a:p>
-          <a:p>
-            <a:r>
-              <a:rPr lang="en-US" altLang="zh-CN" dirty="0"/>
-              <a:t># </a:t>
-            </a:r>
-            <a:r>
-              <a:rPr lang="en-US" altLang="zh-CN" dirty="0" err="1"/>
-              <a:t>sudo</a:t>
-            </a:r>
-            <a:r>
-              <a:rPr lang="en-US" altLang="zh-CN" dirty="0"/>
-              <a:t> unzip kernel-5.10-rt</a:t>
-            </a:r>
-          </a:p>
-          <a:p>
-            <a:pPr marL="0" indent="0">
-              <a:buNone/>
-            </a:pPr>
-            <a:endParaRPr lang="zh-CN" altLang="en-US" dirty="0"/>
-          </a:p>
-        </p:txBody>
-      </p:sp>
-      <p:sp>
-        <p:nvSpPr>
-          <p:cNvPr id="4" name="灯片编号占位符 3">
-            <a:extLst>
-              <a:ext uri="{FF2B5EF4-FFF2-40B4-BE49-F238E27FC236}">
-                <a16:creationId xmlns:a16="http://schemas.microsoft.com/office/drawing/2014/main" id="{62BBA5B9-C291-D9F1-8121-14463A6C5005}"/>
-              </a:ext>
-            </a:extLst>
-          </p:cNvPr>
-          <p:cNvSpPr>
-            <a:spLocks noGrp="1"/>
-          </p:cNvSpPr>
-          <p:nvPr>
-            <p:ph type="sldNum" sz="quarter" idx="10"/>
-          </p:nvPr>
-        </p:nvSpPr>
-        <p:spPr/>
-        <p:txBody>
-          <a:bodyPr/>
-          <a:lstStyle/>
-          <a:p>
-            <a:pPr defTabSz="1219170" fontAlgn="base">
-              <a:spcBef>
-                <a:spcPct val="0"/>
-              </a:spcBef>
-              <a:spcAft>
-                <a:spcPct val="0"/>
-              </a:spcAft>
-              <a:defRPr/>
-            </a:pPr>
-            <a:fld id="{2B97888F-6AF7-4263-B69D-592D8C33BAC7}" type="slidenum">
-              <a:rPr lang="en-US" smtClean="0">
-                <a:solidFill>
-                  <a:srgbClr val="000000"/>
-                </a:solidFill>
-              </a:rPr>
-              <a:pPr defTabSz="1219170" fontAlgn="base">
-                <a:spcBef>
-                  <a:spcPct val="0"/>
-                </a:spcBef>
-                <a:spcAft>
-                  <a:spcPct val="0"/>
-                </a:spcAft>
-                <a:defRPr/>
-              </a:pPr>
               <a:t>29</a:t>
             </a:fld>
             <a:endParaRPr lang="en-US">
@@ -26720,7 +26986,7 @@
     </p:spTree>
     <p:extLst>
       <p:ext uri="{BB962C8B-B14F-4D97-AF65-F5344CB8AC3E}">
-        <p14:creationId xmlns:p14="http://schemas.microsoft.com/office/powerpoint/2010/main" val="510109635"/>
+        <p14:creationId xmlns:p14="http://schemas.microsoft.com/office/powerpoint/2010/main" val="2041980710"/>
       </p:ext>
     </p:extLst>
   </p:cSld>
@@ -27220,6 +27486,179 @@
           <p:cNvPr id="2" name="标题 1">
             <a:extLst>
               <a:ext uri="{FF2B5EF4-FFF2-40B4-BE49-F238E27FC236}">
+                <a16:creationId xmlns:a16="http://schemas.microsoft.com/office/drawing/2014/main" id="{2630E4F2-8874-8736-4C95-A55AD45D5CC7}"/>
+              </a:ext>
+            </a:extLst>
+          </p:cNvPr>
+          <p:cNvSpPr>
+            <a:spLocks noGrp="1"/>
+          </p:cNvSpPr>
+          <p:nvPr>
+            <p:ph type="title"/>
+          </p:nvPr>
+        </p:nvSpPr>
+        <p:spPr/>
+        <p:txBody>
+          <a:bodyPr/>
+          <a:lstStyle/>
+          <a:p>
+            <a:r>
+              <a:rPr lang="en-US" altLang="zh-CN" dirty="0"/>
+              <a:t>Kernel 5.10-rt</a:t>
+            </a:r>
+            <a:endParaRPr lang="zh-CN" altLang="en-US" dirty="0"/>
+          </a:p>
+        </p:txBody>
+      </p:sp>
+      <p:sp>
+        <p:nvSpPr>
+          <p:cNvPr id="3" name="内容占位符 2">
+            <a:extLst>
+              <a:ext uri="{FF2B5EF4-FFF2-40B4-BE49-F238E27FC236}">
+                <a16:creationId xmlns:a16="http://schemas.microsoft.com/office/drawing/2014/main" id="{A95A92B7-BB54-6336-64C5-1B9CAB8CF687}"/>
+              </a:ext>
+            </a:extLst>
+          </p:cNvPr>
+          <p:cNvSpPr>
+            <a:spLocks noGrp="1"/>
+          </p:cNvSpPr>
+          <p:nvPr>
+            <p:ph idx="1"/>
+          </p:nvPr>
+        </p:nvSpPr>
+        <p:spPr/>
+        <p:txBody>
+          <a:bodyPr/>
+          <a:lstStyle/>
+          <a:p>
+            <a:r>
+              <a:rPr lang="en-US" altLang="zh-CN" dirty="0"/>
+              <a:t>Download Kernel 5.10-rt for BBB from…</a:t>
+            </a:r>
+            <a:endParaRPr lang="zh-CN" altLang="en-US" dirty="0"/>
+          </a:p>
+          <a:p>
+            <a:pPr lvl="1"/>
+            <a:r>
+              <a:rPr lang="en-US" altLang="zh-CN" dirty="0">
+                <a:hlinkClick r:id="rId2"/>
+              </a:rPr>
+              <a:t>https://github.com/beagleboard/linux/tree/5.10-rt</a:t>
+            </a:r>
+            <a:endParaRPr lang="en-US" altLang="zh-CN" dirty="0"/>
+          </a:p>
+          <a:p>
+            <a:r>
+              <a:rPr lang="en-US" altLang="zh-CN" dirty="0"/>
+              <a:t># </a:t>
+            </a:r>
+            <a:r>
+              <a:rPr lang="en-US" altLang="zh-CN" dirty="0" err="1"/>
+              <a:t>sudo</a:t>
+            </a:r>
+            <a:r>
+              <a:rPr lang="en-US" altLang="zh-CN" dirty="0"/>
+              <a:t> unzip kernel-5.10-rt</a:t>
+            </a:r>
+          </a:p>
+          <a:p>
+            <a:pPr marL="0" indent="0">
+              <a:buNone/>
+            </a:pPr>
+            <a:endParaRPr lang="zh-CN" altLang="en-US" dirty="0"/>
+          </a:p>
+        </p:txBody>
+      </p:sp>
+      <p:sp>
+        <p:nvSpPr>
+          <p:cNvPr id="4" name="灯片编号占位符 3">
+            <a:extLst>
+              <a:ext uri="{FF2B5EF4-FFF2-40B4-BE49-F238E27FC236}">
+                <a16:creationId xmlns:a16="http://schemas.microsoft.com/office/drawing/2014/main" id="{62BBA5B9-C291-D9F1-8121-14463A6C5005}"/>
+              </a:ext>
+            </a:extLst>
+          </p:cNvPr>
+          <p:cNvSpPr>
+            <a:spLocks noGrp="1"/>
+          </p:cNvSpPr>
+          <p:nvPr>
+            <p:ph type="sldNum" sz="quarter" idx="10"/>
+          </p:nvPr>
+        </p:nvSpPr>
+        <p:spPr/>
+        <p:txBody>
+          <a:bodyPr/>
+          <a:lstStyle/>
+          <a:p>
+            <a:pPr defTabSz="1219170" fontAlgn="base">
+              <a:spcBef>
+                <a:spcPct val="0"/>
+              </a:spcBef>
+              <a:spcAft>
+                <a:spcPct val="0"/>
+              </a:spcAft>
+              <a:defRPr/>
+            </a:pPr>
+            <a:fld id="{2B97888F-6AF7-4263-B69D-592D8C33BAC7}" type="slidenum">
+              <a:rPr lang="en-US" smtClean="0">
+                <a:solidFill>
+                  <a:srgbClr val="000000"/>
+                </a:solidFill>
+              </a:rPr>
+              <a:pPr defTabSz="1219170" fontAlgn="base">
+                <a:spcBef>
+                  <a:spcPct val="0"/>
+                </a:spcBef>
+                <a:spcAft>
+                  <a:spcPct val="0"/>
+                </a:spcAft>
+                <a:defRPr/>
+              </a:pPr>
+              <a:t>30</a:t>
+            </a:fld>
+            <a:endParaRPr lang="en-US">
+              <a:solidFill>
+                <a:srgbClr val="000000"/>
+              </a:solidFill>
+            </a:endParaRPr>
+          </a:p>
+        </p:txBody>
+      </p:sp>
+    </p:spTree>
+    <p:extLst>
+      <p:ext uri="{BB962C8B-B14F-4D97-AF65-F5344CB8AC3E}">
+        <p14:creationId xmlns:p14="http://schemas.microsoft.com/office/powerpoint/2010/main" val="510109635"/>
+      </p:ext>
+    </p:extLst>
+  </p:cSld>
+  <p:clrMapOvr>
+    <a:masterClrMapping/>
+  </p:clrMapOvr>
+</p:sld>
+</file>
+
+<file path=ppt/slides/slide31.xml><?xml version="1.0" encoding="utf-8"?>
+<p:sld xmlns:a="http://schemas.openxmlformats.org/drawingml/2006/main" xmlns:r="http://schemas.openxmlformats.org/officeDocument/2006/relationships" xmlns:p="http://schemas.openxmlformats.org/presentationml/2006/main">
+  <p:cSld>
+    <p:spTree>
+      <p:nvGrpSpPr>
+        <p:cNvPr id="1" name=""/>
+        <p:cNvGrpSpPr/>
+        <p:nvPr/>
+      </p:nvGrpSpPr>
+      <p:grpSpPr>
+        <a:xfrm>
+          <a:off x="0" y="0"/>
+          <a:ext cx="0" cy="0"/>
+          <a:chOff x="0" y="0"/>
+          <a:chExt cx="0" cy="0"/>
+        </a:xfrm>
+      </p:grpSpPr>
+      <p:sp>
+        <p:nvSpPr>
+          <p:cNvPr id="2" name="标题 1">
+            <a:extLst>
+              <a:ext uri="{FF2B5EF4-FFF2-40B4-BE49-F238E27FC236}">
                 <a16:creationId xmlns:a16="http://schemas.microsoft.com/office/drawing/2014/main" id="{6400713A-C30C-71CF-C0DC-7EB1BBCB4A73}"/>
               </a:ext>
             </a:extLst>
@@ -27486,7 +27925,7 @@
                 </a:spcAft>
                 <a:defRPr/>
               </a:pPr>
-              <a:t>30</a:t>
+              <a:t>31</a:t>
             </a:fld>
             <a:endParaRPr lang="en-US">
               <a:solidFill>
@@ -27509,7 +27948,7 @@
 </p:sld>
 </file>
 
-<file path=ppt/slides/slide31.xml><?xml version="1.0" encoding="utf-8"?>
+<file path=ppt/slides/slide32.xml><?xml version="1.0" encoding="utf-8"?>
 <p:sld xmlns:a="http://schemas.openxmlformats.org/drawingml/2006/main" xmlns:r="http://schemas.openxmlformats.org/officeDocument/2006/relationships" xmlns:p="http://schemas.openxmlformats.org/presentationml/2006/main">
   <p:cSld>
     <p:spTree>
@@ -27939,7 +28378,7 @@
                 </a:spcAft>
                 <a:defRPr/>
               </a:pPr>
-              <a:t>31</a:t>
+              <a:t>32</a:t>
             </a:fld>
             <a:endParaRPr lang="en-US">
               <a:solidFill>
@@ -27962,7 +28401,7 @@
 </p:sld>
 </file>
 
-<file path=ppt/slides/slide32.xml><?xml version="1.0" encoding="utf-8"?>
+<file path=ppt/slides/slide33.xml><?xml version="1.0" encoding="utf-8"?>
 <p:sld xmlns:a="http://schemas.openxmlformats.org/drawingml/2006/main" xmlns:r="http://schemas.openxmlformats.org/officeDocument/2006/relationships" xmlns:p="http://schemas.openxmlformats.org/presentationml/2006/main">
   <p:cSld>
     <p:spTree>
@@ -28164,7 +28603,7 @@
               <a:pPr>
                 <a:defRPr/>
               </a:pPr>
-              <a:t>32</a:t>
+              <a:t>33</a:t>
             </a:fld>
             <a:endParaRPr lang="en-US">
               <a:solidFill>
@@ -29376,7 +29815,7 @@
                 <a:buFontTx/>
                 <a:buNone/>
               </a:pPr>
-              <a:t>10/12/2022</a:t>
+              <a:t>10/14/2022</a:t>
             </a:fld>
             <a:endParaRPr lang="en-US" altLang="zh-CN" sz="1000">
               <a:ea typeface="宋体" panose="02010600030101010101" pitchFamily="2" charset="-122"/>
@@ -30189,7 +30628,7 @@
           <a:graphicData uri="http://schemas.openxmlformats.org/presentationml/2006/ole">
             <mc:AlternateContent xmlns:mc="http://schemas.openxmlformats.org/markup-compatibility/2006">
               <mc:Choice xmlns:v="urn:schemas-microsoft-com:vml" Requires="v">
-                <p:oleObj spid="_x0000_s1027" name="包装程序外壳对象" showAsIcon="1" r:id="rId9" imgW="2094840" imgH="552600" progId="Package">
+                <p:oleObj spid="_x0000_s1036" name="包装程序外壳对象" showAsIcon="1" r:id="rId9" imgW="2094840" imgH="552600" progId="Package">
                   <p:embed/>
                 </p:oleObj>
               </mc:Choice>
@@ -30541,7 +30980,7 @@
                 <a:buFontTx/>
                 <a:buNone/>
               </a:pPr>
-              <a:t>10/12/2022</a:t>
+              <a:t>10/14/2022</a:t>
             </a:fld>
             <a:endParaRPr lang="en-US" altLang="zh-CN" sz="1000">
               <a:ea typeface="宋体" panose="02010600030101010101" pitchFamily="2" charset="-122"/>
@@ -31362,7 +31801,7 @@
           <a:graphicData uri="http://schemas.openxmlformats.org/presentationml/2006/ole">
             <mc:AlternateContent xmlns:mc="http://schemas.openxmlformats.org/markup-compatibility/2006">
               <mc:Choice xmlns:v="urn:schemas-microsoft-com:vml" Requires="v">
-                <p:oleObj spid="_x0000_s2051" name="包装程序外壳对象" showAsIcon="1" r:id="rId8" imgW="2094840" imgH="552600" progId="Package">
+                <p:oleObj spid="_x0000_s2060" name="包装程序外壳对象" showAsIcon="1" r:id="rId8" imgW="2094840" imgH="552600" progId="Package">
                   <p:embed/>
                 </p:oleObj>
               </mc:Choice>

--- a/doc/Guideline for tas2781 Linux driver based on BBB.pptx
+++ b/doc/Guideline for tas2781 Linux driver based on BBB.pptx
@@ -294,7 +294,7 @@
           <a:p>
             <a:fld id="{1F697FBE-C442-4BD6-B1C1-3CD7A2814162}" type="datetimeFigureOut">
               <a:rPr lang="zh-CN" altLang="en-US" smtClean="0"/>
-              <a:t>2022/10/14</a:t>
+              <a:t>2022/11/14</a:t>
             </a:fld>
             <a:endParaRPr lang="zh-CN" altLang="en-US"/>
           </a:p>
@@ -13524,7 +13524,7 @@
                 <a:buFontTx/>
                 <a:buNone/>
               </a:pPr>
-              <a:t>10/14/2022</a:t>
+              <a:t>11/14/2022</a:t>
             </a:fld>
             <a:endParaRPr lang="en-US" altLang="zh-CN" sz="1000">
               <a:ea typeface="宋体" panose="02010600030101010101" pitchFamily="2" charset="-122"/>
@@ -22672,7 +22672,7 @@
           <a:graphicData uri="http://schemas.openxmlformats.org/presentationml/2006/ole">
             <mc:AlternateContent xmlns:mc="http://schemas.openxmlformats.org/markup-compatibility/2006">
               <mc:Choice xmlns:v="urn:schemas-microsoft-com:vml" Requires="v">
-                <p:oleObj spid="_x0000_s3094" name="包装程序外壳对象" showAsIcon="1" r:id="rId3" imgW="731520" imgH="663058" progId="Package">
+                <p:oleObj spid="_x0000_s3112" name="包装程序外壳对象" showAsIcon="1" r:id="rId3" imgW="731520" imgH="663058" progId="Package">
                   <p:embed/>
                 </p:oleObj>
               </mc:Choice>
@@ -22741,7 +22741,7 @@
           <a:graphicData uri="http://schemas.openxmlformats.org/presentationml/2006/ole">
             <mc:AlternateContent xmlns:mc="http://schemas.openxmlformats.org/markup-compatibility/2006">
               <mc:Choice xmlns:v="urn:schemas-microsoft-com:vml" Requires="v">
-                <p:oleObj spid="_x0000_s3095" name="包装程序外壳对象" showAsIcon="1" r:id="rId5" imgW="619200" imgH="559800" progId="Package">
+                <p:oleObj spid="_x0000_s3113" name="包装程序外壳对象" showAsIcon="1" r:id="rId5" imgW="619200" imgH="559800" progId="Package">
                   <p:embed/>
                 </p:oleObj>
               </mc:Choice>
@@ -24047,8 +24047,13 @@
                   </a:schemeClr>
                 </a:solidFill>
               </a:rPr>
-              <a:t> </a:t>
-            </a:r>
+              <a:t> set "Program" 1</a:t>
+            </a:r>
+          </a:p>
+          <a:p>
+            <a:pPr marL="378923" lvl="1" indent="0">
+              <a:buNone/>
+            </a:pPr>
             <a:r>
               <a:rPr lang="en-US" altLang="zh-CN" sz="1400" dirty="0" err="1">
                 <a:solidFill>
@@ -24057,7 +24062,7 @@
                   </a:schemeClr>
                 </a:solidFill>
               </a:rPr>
-              <a:t>cset</a:t>
+              <a:t>amixer</a:t>
             </a:r>
             <a:r>
               <a:rPr lang="en-US" altLang="zh-CN" sz="1400" dirty="0">
@@ -24067,8 +24072,13 @@
                   </a:schemeClr>
                 </a:solidFill>
               </a:rPr>
-              <a:t> </a:t>
-            </a:r>
+              <a:t> set "Configuration" 0</a:t>
+            </a:r>
+          </a:p>
+          <a:p>
+            <a:pPr marL="378923" lvl="1" indent="0">
+              <a:buNone/>
+            </a:pPr>
             <a:r>
               <a:rPr lang="en-US" altLang="zh-CN" sz="1400" dirty="0" err="1">
                 <a:solidFill>
@@ -24077,7 +24087,7 @@
                   </a:schemeClr>
                 </a:solidFill>
               </a:rPr>
-              <a:t>numid</a:t>
+              <a:t>amixer</a:t>
             </a:r>
             <a:r>
               <a:rPr lang="en-US" altLang="zh-CN" sz="1400" dirty="0">
@@ -24087,8 +24097,13 @@
                   </a:schemeClr>
                 </a:solidFill>
               </a:rPr>
-              <a:t>=1,iface=</a:t>
-            </a:r>
+              <a:t> set “TASDEVICE Profile id” 0</a:t>
+            </a:r>
+          </a:p>
+          <a:p>
+            <a:pPr marL="378923" lvl="1" indent="0">
+              <a:buNone/>
+            </a:pPr>
             <a:r>
               <a:rPr lang="en-US" altLang="zh-CN" sz="1400" dirty="0" err="1">
                 <a:solidFill>
@@ -24097,7 +24112,7 @@
                   </a:schemeClr>
                 </a:solidFill>
               </a:rPr>
-              <a:t>MIXER,name</a:t>
+              <a:t>aplay</a:t>
             </a:r>
             <a:r>
               <a:rPr lang="en-US" altLang="zh-CN" sz="1400" dirty="0">
@@ -24107,7 +24122,7 @@
                   </a:schemeClr>
                 </a:solidFill>
               </a:rPr>
-              <a:t>="Program" 1</a:t>
+              <a:t> --device="hw:0,0" test.wav &amp;</a:t>
             </a:r>
           </a:p>
           <a:p>
@@ -24115,294 +24130,39 @@
               <a:buNone/>
             </a:pPr>
             <a:r>
-              <a:rPr lang="en-US" altLang="zh-CN" sz="1400" dirty="0" err="1">
+              <a:rPr lang="en-US" altLang="zh-CN" sz="1400" dirty="0">
                 <a:solidFill>
                   <a:schemeClr val="bg2">
                     <a:lumMod val="50000"/>
                   </a:schemeClr>
                 </a:solidFill>
               </a:rPr>
-              <a:t>amixer</a:t>
-            </a:r>
-            <a:r>
-              <a:rPr lang="en-US" altLang="zh-CN" sz="1400" dirty="0">
+              <a:t>sleep 1</a:t>
+            </a:r>
+          </a:p>
+          <a:p>
+            <a:pPr marL="378923" lvl="1" indent="0">
+              <a:buNone/>
+            </a:pPr>
+            <a:r>
+              <a:rPr lang="en-US" altLang="zh-CN" sz="1400" dirty="0" err="1">
                 <a:solidFill>
                   <a:schemeClr val="bg2">
                     <a:lumMod val="50000"/>
                   </a:schemeClr>
                 </a:solidFill>
               </a:rPr>
-              <a:t> </a:t>
-            </a:r>
-            <a:r>
-              <a:rPr lang="en-US" altLang="zh-CN" sz="1400" dirty="0" err="1">
+              <a:t>amixer</a:t>
+            </a:r>
+            <a:r>
+              <a:rPr lang="en-US" altLang="zh-CN" sz="1400" dirty="0">
                 <a:solidFill>
                   <a:schemeClr val="bg2">
                     <a:lumMod val="50000"/>
                   </a:schemeClr>
                 </a:solidFill>
               </a:rPr>
-              <a:t>cset</a:t>
-            </a:r>
-            <a:r>
-              <a:rPr lang="en-US" altLang="zh-CN" sz="1400" dirty="0">
-                <a:solidFill>
-                  <a:schemeClr val="bg2">
-                    <a:lumMod val="50000"/>
-                  </a:schemeClr>
-                </a:solidFill>
-              </a:rPr>
-              <a:t> </a:t>
-            </a:r>
-            <a:r>
-              <a:rPr lang="en-US" altLang="zh-CN" sz="1400" dirty="0" err="1">
-                <a:solidFill>
-                  <a:schemeClr val="bg2">
-                    <a:lumMod val="50000"/>
-                  </a:schemeClr>
-                </a:solidFill>
-              </a:rPr>
-              <a:t>numid</a:t>
-            </a:r>
-            <a:r>
-              <a:rPr lang="en-US" altLang="zh-CN" sz="1400" dirty="0">
-                <a:solidFill>
-                  <a:schemeClr val="bg2">
-                    <a:lumMod val="50000"/>
-                  </a:schemeClr>
-                </a:solidFill>
-              </a:rPr>
-              <a:t>=3,iface=</a:t>
-            </a:r>
-            <a:r>
-              <a:rPr lang="en-US" altLang="zh-CN" sz="1400" dirty="0" err="1">
-                <a:solidFill>
-                  <a:schemeClr val="bg2">
-                    <a:lumMod val="50000"/>
-                  </a:schemeClr>
-                </a:solidFill>
-              </a:rPr>
-              <a:t>MIXER,name</a:t>
-            </a:r>
-            <a:r>
-              <a:rPr lang="en-US" altLang="zh-CN" sz="1400" dirty="0">
-                <a:solidFill>
-                  <a:schemeClr val="bg2">
-                    <a:lumMod val="50000"/>
-                  </a:schemeClr>
-                </a:solidFill>
-              </a:rPr>
-              <a:t>="Configuration" 0</a:t>
-            </a:r>
-          </a:p>
-          <a:p>
-            <a:pPr marL="378923" lvl="1" indent="0">
-              <a:buNone/>
-            </a:pPr>
-            <a:r>
-              <a:rPr lang="en-US" altLang="zh-CN" sz="1400" dirty="0" err="1">
-                <a:solidFill>
-                  <a:schemeClr val="bg2">
-                    <a:lumMod val="50000"/>
-                  </a:schemeClr>
-                </a:solidFill>
-              </a:rPr>
-              <a:t>amixer</a:t>
-            </a:r>
-            <a:r>
-              <a:rPr lang="en-US" altLang="zh-CN" sz="1400" dirty="0">
-                <a:solidFill>
-                  <a:schemeClr val="bg2">
-                    <a:lumMod val="50000"/>
-                  </a:schemeClr>
-                </a:solidFill>
-              </a:rPr>
-              <a:t> </a:t>
-            </a:r>
-            <a:r>
-              <a:rPr lang="en-US" altLang="zh-CN" sz="1400" dirty="0" err="1">
-                <a:solidFill>
-                  <a:schemeClr val="bg2">
-                    <a:lumMod val="50000"/>
-                  </a:schemeClr>
-                </a:solidFill>
-              </a:rPr>
-              <a:t>cset</a:t>
-            </a:r>
-            <a:r>
-              <a:rPr lang="en-US" altLang="zh-CN" sz="1400" dirty="0">
-                <a:solidFill>
-                  <a:schemeClr val="bg2">
-                    <a:lumMod val="50000"/>
-                  </a:schemeClr>
-                </a:solidFill>
-              </a:rPr>
-              <a:t> </a:t>
-            </a:r>
-            <a:r>
-              <a:rPr lang="en-US" altLang="zh-CN" sz="1400" dirty="0" err="1">
-                <a:solidFill>
-                  <a:schemeClr val="bg2">
-                    <a:lumMod val="50000"/>
-                  </a:schemeClr>
-                </a:solidFill>
-              </a:rPr>
-              <a:t>numid</a:t>
-            </a:r>
-            <a:r>
-              <a:rPr lang="en-US" altLang="zh-CN" sz="1400" dirty="0">
-                <a:solidFill>
-                  <a:schemeClr val="bg2">
-                    <a:lumMod val="50000"/>
-                  </a:schemeClr>
-                </a:solidFill>
-              </a:rPr>
-              <a:t>=2,iface=</a:t>
-            </a:r>
-            <a:r>
-              <a:rPr lang="en-US" altLang="zh-CN" sz="1400" dirty="0" err="1">
-                <a:solidFill>
-                  <a:schemeClr val="bg2">
-                    <a:lumMod val="50000"/>
-                  </a:schemeClr>
-                </a:solidFill>
-              </a:rPr>
-              <a:t>MIXER,name</a:t>
-            </a:r>
-            <a:r>
-              <a:rPr lang="en-US" altLang="zh-CN" sz="1400" dirty="0">
-                <a:solidFill>
-                  <a:schemeClr val="bg2">
-                    <a:lumMod val="50000"/>
-                  </a:schemeClr>
-                </a:solidFill>
-              </a:rPr>
-              <a:t>='TASDEVICE Profile id' 0</a:t>
-            </a:r>
-          </a:p>
-          <a:p>
-            <a:pPr marL="378923" lvl="1" indent="0">
-              <a:buNone/>
-            </a:pPr>
-            <a:r>
-              <a:rPr lang="en-US" altLang="zh-CN" sz="1400" dirty="0" err="1">
-                <a:solidFill>
-                  <a:schemeClr val="bg2">
-                    <a:lumMod val="50000"/>
-                  </a:schemeClr>
-                </a:solidFill>
-              </a:rPr>
-              <a:t>aplay</a:t>
-            </a:r>
-            <a:r>
-              <a:rPr lang="en-US" altLang="zh-CN" sz="1400" dirty="0">
-                <a:solidFill>
-                  <a:schemeClr val="bg2">
-                    <a:lumMod val="50000"/>
-                  </a:schemeClr>
-                </a:solidFill>
-              </a:rPr>
-              <a:t> --device="hw:0,0" test.wav &amp;</a:t>
-            </a:r>
-          </a:p>
-          <a:p>
-            <a:pPr marL="378923" lvl="1" indent="0">
-              <a:buNone/>
-            </a:pPr>
-            <a:r>
-              <a:rPr lang="en-US" altLang="zh-CN" sz="1400" dirty="0">
-                <a:solidFill>
-                  <a:schemeClr val="bg2">
-                    <a:lumMod val="50000"/>
-                  </a:schemeClr>
-                </a:solidFill>
-              </a:rPr>
-              <a:t>sleep 1</a:t>
-            </a:r>
-          </a:p>
-          <a:p>
-            <a:pPr marL="378923" lvl="1" indent="0">
-              <a:buNone/>
-            </a:pPr>
-            <a:r>
-              <a:rPr lang="en-US" altLang="zh-CN" sz="1400" dirty="0" err="1">
-                <a:solidFill>
-                  <a:schemeClr val="bg2">
-                    <a:lumMod val="50000"/>
-                  </a:schemeClr>
-                </a:solidFill>
-              </a:rPr>
-              <a:t>amixer</a:t>
-            </a:r>
-            <a:r>
-              <a:rPr lang="en-US" altLang="zh-CN" sz="1400" dirty="0">
-                <a:solidFill>
-                  <a:schemeClr val="bg2">
-                    <a:lumMod val="50000"/>
-                  </a:schemeClr>
-                </a:solidFill>
-              </a:rPr>
-              <a:t> </a:t>
-            </a:r>
-            <a:r>
-              <a:rPr lang="en-US" altLang="zh-CN" sz="1400" dirty="0" err="1">
-                <a:solidFill>
-                  <a:schemeClr val="bg2">
-                    <a:lumMod val="50000"/>
-                  </a:schemeClr>
-                </a:solidFill>
-              </a:rPr>
-              <a:t>cset</a:t>
-            </a:r>
-            <a:r>
-              <a:rPr lang="en-US" altLang="zh-CN" sz="1400" dirty="0">
-                <a:solidFill>
-                  <a:schemeClr val="bg2">
-                    <a:lumMod val="50000"/>
-                  </a:schemeClr>
-                </a:solidFill>
-              </a:rPr>
-              <a:t> </a:t>
-            </a:r>
-            <a:r>
-              <a:rPr lang="en-US" altLang="zh-CN" sz="1400" dirty="0" err="1">
-                <a:solidFill>
-                  <a:schemeClr val="bg2">
-                    <a:lumMod val="50000"/>
-                  </a:schemeClr>
-                </a:solidFill>
-              </a:rPr>
-              <a:t>numid</a:t>
-            </a:r>
-            <a:r>
-              <a:rPr lang="en-US" altLang="zh-CN" sz="1400" dirty="0">
-                <a:solidFill>
-                  <a:schemeClr val="bg2">
-                    <a:lumMod val="50000"/>
-                  </a:schemeClr>
-                </a:solidFill>
-              </a:rPr>
-              <a:t>=2,iface=</a:t>
-            </a:r>
-            <a:r>
-              <a:rPr lang="en-US" altLang="zh-CN" sz="1400" dirty="0" err="1">
-                <a:solidFill>
-                  <a:schemeClr val="bg2">
-                    <a:lumMod val="50000"/>
-                  </a:schemeClr>
-                </a:solidFill>
-              </a:rPr>
-              <a:t>MIXER,name</a:t>
-            </a:r>
-            <a:r>
-              <a:rPr lang="en-US" altLang="zh-CN" sz="1400" dirty="0">
-                <a:solidFill>
-                  <a:schemeClr val="bg2">
-                    <a:lumMod val="50000"/>
-                  </a:schemeClr>
-                </a:solidFill>
-              </a:rPr>
-              <a:t>='TASDEVICE Profile id' 5</a:t>
+              <a:t> set “TASDEVICE Profile id” 5</a:t>
             </a:r>
           </a:p>
           <a:p>
@@ -24882,8 +24642,13 @@
                   </a:schemeClr>
                 </a:solidFill>
               </a:rPr>
-              <a:t> </a:t>
-            </a:r>
+              <a:t> set "Program" 0</a:t>
+            </a:r>
+          </a:p>
+          <a:p>
+            <a:pPr marL="378923" lvl="1" indent="0">
+              <a:buNone/>
+            </a:pPr>
             <a:r>
               <a:rPr lang="en-US" altLang="zh-CN" sz="1400" dirty="0" err="1">
                 <a:solidFill>
@@ -24892,7 +24657,7 @@
                   </a:schemeClr>
                 </a:solidFill>
               </a:rPr>
-              <a:t>cset</a:t>
+              <a:t>amixer</a:t>
             </a:r>
             <a:r>
               <a:rPr lang="en-US" altLang="zh-CN" sz="1400" dirty="0">
@@ -24902,8 +24667,13 @@
                   </a:schemeClr>
                 </a:solidFill>
               </a:rPr>
-              <a:t> </a:t>
-            </a:r>
+              <a:t> set "Configuration" 0</a:t>
+            </a:r>
+          </a:p>
+          <a:p>
+            <a:pPr marL="378923" lvl="1" indent="0">
+              <a:buNone/>
+            </a:pPr>
             <a:r>
               <a:rPr lang="en-US" altLang="zh-CN" sz="1400" dirty="0" err="1">
                 <a:solidFill>
@@ -24912,7 +24682,7 @@
                   </a:schemeClr>
                 </a:solidFill>
               </a:rPr>
-              <a:t>numid</a:t>
+              <a:t>amixer</a:t>
             </a:r>
             <a:r>
               <a:rPr lang="en-US" altLang="zh-CN" sz="1400" dirty="0">
@@ -24922,8 +24692,13 @@
                   </a:schemeClr>
                 </a:solidFill>
               </a:rPr>
-              <a:t>=1,iface=</a:t>
-            </a:r>
+              <a:t> set 'TASDEVICE Profile id' 4</a:t>
+            </a:r>
+          </a:p>
+          <a:p>
+            <a:pPr marL="378923" lvl="1" indent="0">
+              <a:buNone/>
+            </a:pPr>
             <a:r>
               <a:rPr lang="en-US" altLang="zh-CN" sz="1400" dirty="0" err="1">
                 <a:solidFill>
@@ -24932,7 +24707,7 @@
                   </a:schemeClr>
                 </a:solidFill>
               </a:rPr>
-              <a:t>MIXER,name</a:t>
+              <a:t>aplay</a:t>
             </a:r>
             <a:r>
               <a:rPr lang="en-US" altLang="zh-CN" sz="1400" dirty="0">
@@ -24942,7 +24717,7 @@
                   </a:schemeClr>
                 </a:solidFill>
               </a:rPr>
-              <a:t>="Program" 0</a:t>
+              <a:t> --device="hw:0,0" test.wav &amp;</a:t>
             </a:r>
           </a:p>
           <a:p>
@@ -24950,294 +24725,39 @@
               <a:buNone/>
             </a:pPr>
             <a:r>
-              <a:rPr lang="en-US" altLang="zh-CN" sz="1400" dirty="0" err="1">
+              <a:rPr lang="en-US" altLang="zh-CN" sz="1400" dirty="0">
                 <a:solidFill>
                   <a:schemeClr val="bg2">
                     <a:lumMod val="50000"/>
                   </a:schemeClr>
                 </a:solidFill>
               </a:rPr>
-              <a:t>amixer</a:t>
-            </a:r>
-            <a:r>
-              <a:rPr lang="en-US" altLang="zh-CN" sz="1400" dirty="0">
+              <a:t>sleep 1</a:t>
+            </a:r>
+          </a:p>
+          <a:p>
+            <a:pPr marL="378923" lvl="1" indent="0">
+              <a:buNone/>
+            </a:pPr>
+            <a:r>
+              <a:rPr lang="en-US" altLang="zh-CN" sz="1400" dirty="0" err="1">
                 <a:solidFill>
                   <a:schemeClr val="bg2">
                     <a:lumMod val="50000"/>
                   </a:schemeClr>
                 </a:solidFill>
               </a:rPr>
-              <a:t> </a:t>
-            </a:r>
-            <a:r>
-              <a:rPr lang="en-US" altLang="zh-CN" sz="1400" dirty="0" err="1">
+              <a:t>amixer</a:t>
+            </a:r>
+            <a:r>
+              <a:rPr lang="en-US" altLang="zh-CN" sz="1400" dirty="0">
                 <a:solidFill>
                   <a:schemeClr val="bg2">
                     <a:lumMod val="50000"/>
                   </a:schemeClr>
                 </a:solidFill>
               </a:rPr>
-              <a:t>cset</a:t>
-            </a:r>
-            <a:r>
-              <a:rPr lang="en-US" altLang="zh-CN" sz="1400" dirty="0">
-                <a:solidFill>
-                  <a:schemeClr val="bg2">
-                    <a:lumMod val="50000"/>
-                  </a:schemeClr>
-                </a:solidFill>
-              </a:rPr>
-              <a:t> </a:t>
-            </a:r>
-            <a:r>
-              <a:rPr lang="en-US" altLang="zh-CN" sz="1400" dirty="0" err="1">
-                <a:solidFill>
-                  <a:schemeClr val="bg2">
-                    <a:lumMod val="50000"/>
-                  </a:schemeClr>
-                </a:solidFill>
-              </a:rPr>
-              <a:t>numid</a:t>
-            </a:r>
-            <a:r>
-              <a:rPr lang="en-US" altLang="zh-CN" sz="1400" dirty="0">
-                <a:solidFill>
-                  <a:schemeClr val="bg2">
-                    <a:lumMod val="50000"/>
-                  </a:schemeClr>
-                </a:solidFill>
-              </a:rPr>
-              <a:t>=3,iface=</a:t>
-            </a:r>
-            <a:r>
-              <a:rPr lang="en-US" altLang="zh-CN" sz="1400" dirty="0" err="1">
-                <a:solidFill>
-                  <a:schemeClr val="bg2">
-                    <a:lumMod val="50000"/>
-                  </a:schemeClr>
-                </a:solidFill>
-              </a:rPr>
-              <a:t>MIXER,name</a:t>
-            </a:r>
-            <a:r>
-              <a:rPr lang="en-US" altLang="zh-CN" sz="1400" dirty="0">
-                <a:solidFill>
-                  <a:schemeClr val="bg2">
-                    <a:lumMod val="50000"/>
-                  </a:schemeClr>
-                </a:solidFill>
-              </a:rPr>
-              <a:t>="Configuration" 0</a:t>
-            </a:r>
-          </a:p>
-          <a:p>
-            <a:pPr marL="378923" lvl="1" indent="0">
-              <a:buNone/>
-            </a:pPr>
-            <a:r>
-              <a:rPr lang="en-US" altLang="zh-CN" sz="1400" dirty="0" err="1">
-                <a:solidFill>
-                  <a:schemeClr val="bg2">
-                    <a:lumMod val="50000"/>
-                  </a:schemeClr>
-                </a:solidFill>
-              </a:rPr>
-              <a:t>amixer</a:t>
-            </a:r>
-            <a:r>
-              <a:rPr lang="en-US" altLang="zh-CN" sz="1400" dirty="0">
-                <a:solidFill>
-                  <a:schemeClr val="bg2">
-                    <a:lumMod val="50000"/>
-                  </a:schemeClr>
-                </a:solidFill>
-              </a:rPr>
-              <a:t> </a:t>
-            </a:r>
-            <a:r>
-              <a:rPr lang="en-US" altLang="zh-CN" sz="1400" dirty="0" err="1">
-                <a:solidFill>
-                  <a:schemeClr val="bg2">
-                    <a:lumMod val="50000"/>
-                  </a:schemeClr>
-                </a:solidFill>
-              </a:rPr>
-              <a:t>cset</a:t>
-            </a:r>
-            <a:r>
-              <a:rPr lang="en-US" altLang="zh-CN" sz="1400" dirty="0">
-                <a:solidFill>
-                  <a:schemeClr val="bg2">
-                    <a:lumMod val="50000"/>
-                  </a:schemeClr>
-                </a:solidFill>
-              </a:rPr>
-              <a:t> </a:t>
-            </a:r>
-            <a:r>
-              <a:rPr lang="en-US" altLang="zh-CN" sz="1400" dirty="0" err="1">
-                <a:solidFill>
-                  <a:schemeClr val="bg2">
-                    <a:lumMod val="50000"/>
-                  </a:schemeClr>
-                </a:solidFill>
-              </a:rPr>
-              <a:t>numid</a:t>
-            </a:r>
-            <a:r>
-              <a:rPr lang="en-US" altLang="zh-CN" sz="1400" dirty="0">
-                <a:solidFill>
-                  <a:schemeClr val="bg2">
-                    <a:lumMod val="50000"/>
-                  </a:schemeClr>
-                </a:solidFill>
-              </a:rPr>
-              <a:t>=2,iface=</a:t>
-            </a:r>
-            <a:r>
-              <a:rPr lang="en-US" altLang="zh-CN" sz="1400" dirty="0" err="1">
-                <a:solidFill>
-                  <a:schemeClr val="bg2">
-                    <a:lumMod val="50000"/>
-                  </a:schemeClr>
-                </a:solidFill>
-              </a:rPr>
-              <a:t>MIXER,name</a:t>
-            </a:r>
-            <a:r>
-              <a:rPr lang="en-US" altLang="zh-CN" sz="1400" dirty="0">
-                <a:solidFill>
-                  <a:schemeClr val="bg2">
-                    <a:lumMod val="50000"/>
-                  </a:schemeClr>
-                </a:solidFill>
-              </a:rPr>
-              <a:t>='TASDEVICE Profile id' 4</a:t>
-            </a:r>
-          </a:p>
-          <a:p>
-            <a:pPr marL="378923" lvl="1" indent="0">
-              <a:buNone/>
-            </a:pPr>
-            <a:r>
-              <a:rPr lang="en-US" altLang="zh-CN" sz="1400" dirty="0" err="1">
-                <a:solidFill>
-                  <a:schemeClr val="bg2">
-                    <a:lumMod val="50000"/>
-                  </a:schemeClr>
-                </a:solidFill>
-              </a:rPr>
-              <a:t>aplay</a:t>
-            </a:r>
-            <a:r>
-              <a:rPr lang="en-US" altLang="zh-CN" sz="1400" dirty="0">
-                <a:solidFill>
-                  <a:schemeClr val="bg2">
-                    <a:lumMod val="50000"/>
-                  </a:schemeClr>
-                </a:solidFill>
-              </a:rPr>
-              <a:t> --device="hw:0,0" test.wav &amp;</a:t>
-            </a:r>
-          </a:p>
-          <a:p>
-            <a:pPr marL="378923" lvl="1" indent="0">
-              <a:buNone/>
-            </a:pPr>
-            <a:r>
-              <a:rPr lang="en-US" altLang="zh-CN" sz="1400" dirty="0">
-                <a:solidFill>
-                  <a:schemeClr val="bg2">
-                    <a:lumMod val="50000"/>
-                  </a:schemeClr>
-                </a:solidFill>
-              </a:rPr>
-              <a:t>sleep 1</a:t>
-            </a:r>
-          </a:p>
-          <a:p>
-            <a:pPr marL="378923" lvl="1" indent="0">
-              <a:buNone/>
-            </a:pPr>
-            <a:r>
-              <a:rPr lang="en-US" altLang="zh-CN" sz="1400" dirty="0" err="1">
-                <a:solidFill>
-                  <a:schemeClr val="bg2">
-                    <a:lumMod val="50000"/>
-                  </a:schemeClr>
-                </a:solidFill>
-              </a:rPr>
-              <a:t>amixer</a:t>
-            </a:r>
-            <a:r>
-              <a:rPr lang="en-US" altLang="zh-CN" sz="1400" dirty="0">
-                <a:solidFill>
-                  <a:schemeClr val="bg2">
-                    <a:lumMod val="50000"/>
-                  </a:schemeClr>
-                </a:solidFill>
-              </a:rPr>
-              <a:t> </a:t>
-            </a:r>
-            <a:r>
-              <a:rPr lang="en-US" altLang="zh-CN" sz="1400" dirty="0" err="1">
-                <a:solidFill>
-                  <a:schemeClr val="bg2">
-                    <a:lumMod val="50000"/>
-                  </a:schemeClr>
-                </a:solidFill>
-              </a:rPr>
-              <a:t>cset</a:t>
-            </a:r>
-            <a:r>
-              <a:rPr lang="en-US" altLang="zh-CN" sz="1400" dirty="0">
-                <a:solidFill>
-                  <a:schemeClr val="bg2">
-                    <a:lumMod val="50000"/>
-                  </a:schemeClr>
-                </a:solidFill>
-              </a:rPr>
-              <a:t> </a:t>
-            </a:r>
-            <a:r>
-              <a:rPr lang="en-US" altLang="zh-CN" sz="1400" dirty="0" err="1">
-                <a:solidFill>
-                  <a:schemeClr val="bg2">
-                    <a:lumMod val="50000"/>
-                  </a:schemeClr>
-                </a:solidFill>
-              </a:rPr>
-              <a:t>numid</a:t>
-            </a:r>
-            <a:r>
-              <a:rPr lang="en-US" altLang="zh-CN" sz="1400" dirty="0">
-                <a:solidFill>
-                  <a:schemeClr val="bg2">
-                    <a:lumMod val="50000"/>
-                  </a:schemeClr>
-                </a:solidFill>
-              </a:rPr>
-              <a:t>=2,iface=</a:t>
-            </a:r>
-            <a:r>
-              <a:rPr lang="en-US" altLang="zh-CN" sz="1400" dirty="0" err="1">
-                <a:solidFill>
-                  <a:schemeClr val="bg2">
-                    <a:lumMod val="50000"/>
-                  </a:schemeClr>
-                </a:solidFill>
-              </a:rPr>
-              <a:t>MIXER,name</a:t>
-            </a:r>
-            <a:r>
-              <a:rPr lang="en-US" altLang="zh-CN" sz="1400" dirty="0">
-                <a:solidFill>
-                  <a:schemeClr val="bg2">
-                    <a:lumMod val="50000"/>
-                  </a:schemeClr>
-                </a:solidFill>
-              </a:rPr>
-              <a:t>='TASDEVICE Profile id' 5</a:t>
+              <a:t> set 'TASDEVICE Profile id' 5</a:t>
             </a:r>
           </a:p>
           <a:p>
@@ -26467,31 +25987,7 @@
             </a:r>
             <a:r>
               <a:rPr lang="en-US" altLang="zh-CN" sz="1400" kern="0" dirty="0"/>
-              <a:t> </a:t>
-            </a:r>
-            <a:r>
-              <a:rPr lang="en-US" altLang="zh-CN" sz="1400" kern="0" dirty="0" err="1"/>
-              <a:t>cset</a:t>
-            </a:r>
-            <a:r>
-              <a:rPr lang="en-US" altLang="zh-CN" sz="1400" kern="0" dirty="0"/>
-              <a:t> </a:t>
-            </a:r>
-            <a:r>
-              <a:rPr lang="en-US" altLang="zh-CN" sz="1400" kern="0" dirty="0" err="1"/>
-              <a:t>numid</a:t>
-            </a:r>
-            <a:r>
-              <a:rPr lang="en-US" altLang="zh-CN" sz="1400" kern="0" dirty="0"/>
-              <a:t>=1,iface=</a:t>
-            </a:r>
-            <a:r>
-              <a:rPr lang="en-US" altLang="zh-CN" sz="1400" kern="0" dirty="0" err="1"/>
-              <a:t>MIXER,name</a:t>
-            </a:r>
-            <a:r>
-              <a:rPr lang="en-US" altLang="zh-CN" sz="1400" kern="0" dirty="0"/>
-              <a:t>="Program" 0</a:t>
+              <a:t> set "Program" 0</a:t>
             </a:r>
           </a:p>
           <a:p>
@@ -26504,31 +26000,7 @@
             </a:r>
             <a:r>
               <a:rPr lang="en-US" altLang="zh-CN" sz="1400" kern="0" dirty="0"/>
-              <a:t> </a:t>
-            </a:r>
-            <a:r>
-              <a:rPr lang="en-US" altLang="zh-CN" sz="1400" kern="0" dirty="0" err="1"/>
-              <a:t>cset</a:t>
-            </a:r>
-            <a:r>
-              <a:rPr lang="en-US" altLang="zh-CN" sz="1400" kern="0" dirty="0"/>
-              <a:t> </a:t>
-            </a:r>
-            <a:r>
-              <a:rPr lang="en-US" altLang="zh-CN" sz="1400" kern="0" dirty="0" err="1"/>
-              <a:t>numid</a:t>
-            </a:r>
-            <a:r>
-              <a:rPr lang="en-US" altLang="zh-CN" sz="1400" kern="0" dirty="0"/>
-              <a:t>=3,iface=</a:t>
-            </a:r>
-            <a:r>
-              <a:rPr lang="en-US" altLang="zh-CN" sz="1400" kern="0" dirty="0" err="1"/>
-              <a:t>MIXER,name</a:t>
-            </a:r>
-            <a:r>
-              <a:rPr lang="en-US" altLang="zh-CN" sz="1400" kern="0" dirty="0"/>
-              <a:t>="Configuration" 1</a:t>
+              <a:t> set "Configuration" 1</a:t>
             </a:r>
           </a:p>
           <a:p>
@@ -26541,31 +26013,7 @@
             </a:r>
             <a:r>
               <a:rPr lang="en-US" altLang="zh-CN" sz="1400" kern="0" dirty="0"/>
-              <a:t> </a:t>
-            </a:r>
-            <a:r>
-              <a:rPr lang="en-US" altLang="zh-CN" sz="1400" kern="0" dirty="0" err="1"/>
-              <a:t>cset</a:t>
-            </a:r>
-            <a:r>
-              <a:rPr lang="en-US" altLang="zh-CN" sz="1400" kern="0" dirty="0"/>
-              <a:t> </a:t>
-            </a:r>
-            <a:r>
-              <a:rPr lang="en-US" altLang="zh-CN" sz="1400" kern="0" dirty="0" err="1"/>
-              <a:t>numid</a:t>
-            </a:r>
-            <a:r>
-              <a:rPr lang="en-US" altLang="zh-CN" sz="1400" kern="0" dirty="0"/>
-              <a:t>=2,iface=</a:t>
-            </a:r>
-            <a:r>
-              <a:rPr lang="en-US" altLang="zh-CN" sz="1400" kern="0" dirty="0" err="1"/>
-              <a:t>MIXER,name</a:t>
-            </a:r>
-            <a:r>
-              <a:rPr lang="en-US" altLang="zh-CN" sz="1400" kern="0" dirty="0"/>
-              <a:t>='TASDEVICE Profile id' 4</a:t>
+              <a:t> set 'TASDEVICE Profile id' 4</a:t>
             </a:r>
           </a:p>
           <a:p>
@@ -29815,7 +29263,7 @@
                 <a:buFontTx/>
                 <a:buNone/>
               </a:pPr>
-              <a:t>10/14/2022</a:t>
+              <a:t>11/14/2022</a:t>
             </a:fld>
             <a:endParaRPr lang="en-US" altLang="zh-CN" sz="1000">
               <a:ea typeface="宋体" panose="02010600030101010101" pitchFamily="2" charset="-122"/>
@@ -30628,7 +30076,7 @@
           <a:graphicData uri="http://schemas.openxmlformats.org/presentationml/2006/ole">
             <mc:AlternateContent xmlns:mc="http://schemas.openxmlformats.org/markup-compatibility/2006">
               <mc:Choice xmlns:v="urn:schemas-microsoft-com:vml" Requires="v">
-                <p:oleObj spid="_x0000_s1036" name="包装程序外壳对象" showAsIcon="1" r:id="rId9" imgW="2094840" imgH="552600" progId="Package">
+                <p:oleObj spid="_x0000_s1045" name="包装程序外壳对象" showAsIcon="1" r:id="rId9" imgW="2094840" imgH="552600" progId="Package">
                   <p:embed/>
                 </p:oleObj>
               </mc:Choice>
@@ -30980,7 +30428,7 @@
                 <a:buFontTx/>
                 <a:buNone/>
               </a:pPr>
-              <a:t>10/14/2022</a:t>
+              <a:t>11/14/2022</a:t>
             </a:fld>
             <a:endParaRPr lang="en-US" altLang="zh-CN" sz="1000">
               <a:ea typeface="宋体" panose="02010600030101010101" pitchFamily="2" charset="-122"/>
@@ -31801,7 +31249,7 @@
           <a:graphicData uri="http://schemas.openxmlformats.org/presentationml/2006/ole">
             <mc:AlternateContent xmlns:mc="http://schemas.openxmlformats.org/markup-compatibility/2006">
               <mc:Choice xmlns:v="urn:schemas-microsoft-com:vml" Requires="v">
-                <p:oleObj spid="_x0000_s2060" name="包装程序外壳对象" showAsIcon="1" r:id="rId8" imgW="2094840" imgH="552600" progId="Package">
+                <p:oleObj spid="_x0000_s2069" name="包装程序外壳对象" showAsIcon="1" r:id="rId8" imgW="2094840" imgH="552600" progId="Package">
                   <p:embed/>
                 </p:oleObj>
               </mc:Choice>
